--- a/Store Marketing Campaign Analysis.pptx
+++ b/Store Marketing Campaign Analysis.pptx
@@ -5,24 +5,25 @@
     <p:sldMasterId id="2147483648" r:id="rId1"/>
   </p:sldMasterIdLst>
   <p:notesMasterIdLst>
-    <p:notesMasterId r:id="rId17"/>
+    <p:notesMasterId r:id="rId18"/>
   </p:notesMasterIdLst>
   <p:sldIdLst>
     <p:sldId id="256" r:id="rId2"/>
     <p:sldId id="261" r:id="rId3"/>
-    <p:sldId id="257" r:id="rId4"/>
-    <p:sldId id="263" r:id="rId5"/>
-    <p:sldId id="267" r:id="rId6"/>
-    <p:sldId id="266" r:id="rId7"/>
-    <p:sldId id="265" r:id="rId8"/>
-    <p:sldId id="264" r:id="rId9"/>
-    <p:sldId id="262" r:id="rId10"/>
-    <p:sldId id="268" r:id="rId11"/>
-    <p:sldId id="269" r:id="rId12"/>
-    <p:sldId id="259" r:id="rId13"/>
-    <p:sldId id="270" r:id="rId14"/>
-    <p:sldId id="258" r:id="rId15"/>
-    <p:sldId id="260" r:id="rId16"/>
+    <p:sldId id="273" r:id="rId4"/>
+    <p:sldId id="274" r:id="rId5"/>
+    <p:sldId id="259" r:id="rId6"/>
+    <p:sldId id="270" r:id="rId7"/>
+    <p:sldId id="258" r:id="rId8"/>
+    <p:sldId id="260" r:id="rId9"/>
+    <p:sldId id="272" r:id="rId10"/>
+    <p:sldId id="257" r:id="rId11"/>
+    <p:sldId id="263" r:id="rId12"/>
+    <p:sldId id="267" r:id="rId13"/>
+    <p:sldId id="266" r:id="rId14"/>
+    <p:sldId id="265" r:id="rId15"/>
+    <p:sldId id="264" r:id="rId16"/>
+    <p:sldId id="262" r:id="rId17"/>
   </p:sldIdLst>
   <p:sldSz cx="12192000" cy="6858000"/>
   <p:notesSz cx="6858000" cy="9144000"/>
@@ -211,7 +212,7 @@
           <a:p>
             <a:fld id="{66BFC441-8405-4C4E-A121-DEB5976D95F7}" type="datetimeFigureOut">
               <a:rPr lang="en-US" smtClean="0"/>
-              <a:t>7/22/2023</a:t>
+              <a:t>9/12/2023</a:t>
             </a:fld>
             <a:endParaRPr lang="en-US"/>
           </a:p>
@@ -759,7 +760,7 @@
           <a:p>
             <a:fld id="{54BC09CB-1735-4BA5-BE13-977647307391}" type="slidenum">
               <a:rPr lang="en-US" smtClean="0"/>
-              <a:t>3</a:t>
+              <a:t>10</a:t>
             </a:fld>
             <a:endParaRPr lang="en-US"/>
           </a:p>
@@ -915,7 +916,7 @@
           <a:p>
             <a:fld id="{54BC09CB-1735-4BA5-BE13-977647307391}" type="slidenum">
               <a:rPr lang="en-US" smtClean="0"/>
-              <a:t>4</a:t>
+              <a:t>11</a:t>
             </a:fld>
             <a:endParaRPr lang="en-US"/>
           </a:p>
@@ -1077,7 +1078,7 @@
           <a:p>
             <a:fld id="{54BC09CB-1735-4BA5-BE13-977647307391}" type="slidenum">
               <a:rPr lang="en-US" smtClean="0"/>
-              <a:t>5</a:t>
+              <a:t>12</a:t>
             </a:fld>
             <a:endParaRPr lang="en-US"/>
           </a:p>
@@ -1239,7 +1240,7 @@
           <a:p>
             <a:fld id="{54BC09CB-1735-4BA5-BE13-977647307391}" type="slidenum">
               <a:rPr lang="en-US" smtClean="0"/>
-              <a:t>6</a:t>
+              <a:t>13</a:t>
             </a:fld>
             <a:endParaRPr lang="en-US"/>
           </a:p>
@@ -1401,7 +1402,7 @@
           <a:p>
             <a:fld id="{54BC09CB-1735-4BA5-BE13-977647307391}" type="slidenum">
               <a:rPr lang="en-US" smtClean="0"/>
-              <a:t>7</a:t>
+              <a:t>14</a:t>
             </a:fld>
             <a:endParaRPr lang="en-US"/>
           </a:p>
@@ -1563,7 +1564,7 @@
           <a:p>
             <a:fld id="{54BC09CB-1735-4BA5-BE13-977647307391}" type="slidenum">
               <a:rPr lang="en-US" smtClean="0"/>
-              <a:t>8</a:t>
+              <a:t>15</a:t>
             </a:fld>
             <a:endParaRPr lang="en-US"/>
           </a:p>
@@ -1725,7 +1726,7 @@
           <a:p>
             <a:fld id="{54BC09CB-1735-4BA5-BE13-977647307391}" type="slidenum">
               <a:rPr lang="en-US" smtClean="0"/>
-              <a:t>9</a:t>
+              <a:t>16</a:t>
             </a:fld>
             <a:endParaRPr lang="en-US"/>
           </a:p>
@@ -1891,7 +1892,7 @@
           <a:p>
             <a:fld id="{1B57A937-14E4-4894-B81F-742D705696B0}" type="datetimeFigureOut">
               <a:rPr lang="en-US" smtClean="0"/>
-              <a:t>7/22/2023</a:t>
+              <a:t>9/12/2023</a:t>
             </a:fld>
             <a:endParaRPr lang="en-US"/>
           </a:p>
@@ -2089,7 +2090,7 @@
           <a:p>
             <a:fld id="{1B57A937-14E4-4894-B81F-742D705696B0}" type="datetimeFigureOut">
               <a:rPr lang="en-US" smtClean="0"/>
-              <a:t>7/22/2023</a:t>
+              <a:t>9/12/2023</a:t>
             </a:fld>
             <a:endParaRPr lang="en-US"/>
           </a:p>
@@ -2297,7 +2298,7 @@
           <a:p>
             <a:fld id="{1B57A937-14E4-4894-B81F-742D705696B0}" type="datetimeFigureOut">
               <a:rPr lang="en-US" smtClean="0"/>
-              <a:t>7/22/2023</a:t>
+              <a:t>9/12/2023</a:t>
             </a:fld>
             <a:endParaRPr lang="en-US"/>
           </a:p>
@@ -2495,7 +2496,7 @@
           <a:p>
             <a:fld id="{1B57A937-14E4-4894-B81F-742D705696B0}" type="datetimeFigureOut">
               <a:rPr lang="en-US" smtClean="0"/>
-              <a:t>7/22/2023</a:t>
+              <a:t>9/12/2023</a:t>
             </a:fld>
             <a:endParaRPr lang="en-US"/>
           </a:p>
@@ -2770,7 +2771,7 @@
           <a:p>
             <a:fld id="{1B57A937-14E4-4894-B81F-742D705696B0}" type="datetimeFigureOut">
               <a:rPr lang="en-US" smtClean="0"/>
-              <a:t>7/22/2023</a:t>
+              <a:t>9/12/2023</a:t>
             </a:fld>
             <a:endParaRPr lang="en-US"/>
           </a:p>
@@ -3035,7 +3036,7 @@
           <a:p>
             <a:fld id="{1B57A937-14E4-4894-B81F-742D705696B0}" type="datetimeFigureOut">
               <a:rPr lang="en-US" smtClean="0"/>
-              <a:t>7/22/2023</a:t>
+              <a:t>9/12/2023</a:t>
             </a:fld>
             <a:endParaRPr lang="en-US"/>
           </a:p>
@@ -3447,7 +3448,7 @@
           <a:p>
             <a:fld id="{1B57A937-14E4-4894-B81F-742D705696B0}" type="datetimeFigureOut">
               <a:rPr lang="en-US" smtClean="0"/>
-              <a:t>7/22/2023</a:t>
+              <a:t>9/12/2023</a:t>
             </a:fld>
             <a:endParaRPr lang="en-US"/>
           </a:p>
@@ -3588,7 +3589,7 @@
           <a:p>
             <a:fld id="{1B57A937-14E4-4894-B81F-742D705696B0}" type="datetimeFigureOut">
               <a:rPr lang="en-US" smtClean="0"/>
-              <a:t>7/22/2023</a:t>
+              <a:t>9/12/2023</a:t>
             </a:fld>
             <a:endParaRPr lang="en-US"/>
           </a:p>
@@ -3701,7 +3702,7 @@
           <a:p>
             <a:fld id="{1B57A937-14E4-4894-B81F-742D705696B0}" type="datetimeFigureOut">
               <a:rPr lang="en-US" smtClean="0"/>
-              <a:t>7/22/2023</a:t>
+              <a:t>9/12/2023</a:t>
             </a:fld>
             <a:endParaRPr lang="en-US"/>
           </a:p>
@@ -4012,7 +4013,7 @@
           <a:p>
             <a:fld id="{1B57A937-14E4-4894-B81F-742D705696B0}" type="datetimeFigureOut">
               <a:rPr lang="en-US" smtClean="0"/>
-              <a:t>7/22/2023</a:t>
+              <a:t>9/12/2023</a:t>
             </a:fld>
             <a:endParaRPr lang="en-US"/>
           </a:p>
@@ -4300,7 +4301,7 @@
           <a:p>
             <a:fld id="{1B57A937-14E4-4894-B81F-742D705696B0}" type="datetimeFigureOut">
               <a:rPr lang="en-US" smtClean="0"/>
-              <a:t>7/22/2023</a:t>
+              <a:t>9/12/2023</a:t>
             </a:fld>
             <a:endParaRPr lang="en-US"/>
           </a:p>
@@ -4541,7 +4542,7 @@
           <a:p>
             <a:fld id="{1B57A937-14E4-4894-B81F-742D705696B0}" type="datetimeFigureOut">
               <a:rPr lang="en-US" smtClean="0"/>
-              <a:t>7/22/2023</a:t>
+              <a:t>9/12/2023</a:t>
             </a:fld>
             <a:endParaRPr lang="en-US"/>
           </a:p>
@@ -5050,12 +5051,97 @@
           <a:chExt cx="0" cy="0"/>
         </a:xfrm>
       </p:grpSpPr>
+      <p:sp>
+        <p:nvSpPr>
+          <p:cNvPr id="6" name="Text Placeholder 5">
+            <a:extLst>
+              <a:ext uri="{FF2B5EF4-FFF2-40B4-BE49-F238E27FC236}">
+                <a16:creationId xmlns:a16="http://schemas.microsoft.com/office/drawing/2014/main" id="{850D00C7-874F-2AEC-D19C-44024CA31AB5}"/>
+              </a:ext>
+            </a:extLst>
+          </p:cNvPr>
+          <p:cNvSpPr>
+            <a:spLocks noGrp="1"/>
+          </p:cNvSpPr>
+          <p:nvPr>
+            <p:ph type="body" sz="half" idx="2"/>
+          </p:nvPr>
+        </p:nvSpPr>
+        <p:spPr>
+          <a:xfrm>
+            <a:off x="352185" y="5290914"/>
+            <a:ext cx="11487630" cy="827423"/>
+          </a:xfrm>
+          <a:solidFill>
+            <a:srgbClr val="B5C5E6"/>
+          </a:solidFill>
+          <a:ln>
+            <a:solidFill>
+              <a:srgbClr val="B5C5E6"/>
+            </a:solidFill>
+          </a:ln>
+        </p:spPr>
+        <p:txBody>
+          <a:bodyPr>
+            <a:normAutofit/>
+          </a:bodyPr>
+          <a:lstStyle/>
+          <a:p>
+            <a:pPr marL="285750" indent="-285750">
+              <a:spcBef>
+                <a:spcPts val="600"/>
+              </a:spcBef>
+              <a:buFont typeface="Arial" panose="020B0604020202020204" pitchFamily="34" charset="0"/>
+              <a:buChar char="•"/>
+            </a:pPr>
+            <a:r>
+              <a:rPr lang="en-US" sz="1200" dirty="0">
+                <a:latin typeface="Times New Roman" panose="02020603050405020304" pitchFamily="18" charset="0"/>
+                <a:cs typeface="Times New Roman" panose="02020603050405020304" pitchFamily="18" charset="0"/>
+              </a:rPr>
+              <a:t>The combined sales transaction value during the study is $1228.2k with an average sale per customer about $608; young customers aged 20-29 spending the most.</a:t>
+            </a:r>
+          </a:p>
+          <a:p>
+            <a:pPr marL="285750" indent="-285750">
+              <a:spcBef>
+                <a:spcPts val="600"/>
+              </a:spcBef>
+              <a:buFont typeface="Arial" panose="020B0604020202020204" pitchFamily="34" charset="0"/>
+              <a:buChar char="•"/>
+            </a:pPr>
+            <a:r>
+              <a:rPr lang="en-US" sz="1200" dirty="0">
+                <a:latin typeface="Times New Roman" panose="02020603050405020304" pitchFamily="18" charset="0"/>
+                <a:cs typeface="Times New Roman" panose="02020603050405020304" pitchFamily="18" charset="0"/>
+              </a:rPr>
+              <a:t>We have 2021 customers in the sample and of which 1366 customers haven’t purchased for more than a month.</a:t>
+            </a:r>
+          </a:p>
+          <a:p>
+            <a:pPr marL="285750" indent="-285750">
+              <a:spcBef>
+                <a:spcPts val="600"/>
+              </a:spcBef>
+              <a:buFont typeface="Arial" panose="020B0604020202020204" pitchFamily="34" charset="0"/>
+              <a:buChar char="•"/>
+            </a:pPr>
+            <a:r>
+              <a:rPr lang="en-US" sz="1200" dirty="0">
+                <a:latin typeface="Times New Roman" panose="02020603050405020304" pitchFamily="18" charset="0"/>
+                <a:cs typeface="Times New Roman" panose="02020603050405020304" pitchFamily="18" charset="0"/>
+              </a:rPr>
+              <a:t>Campaign: 6 has the highest conversion rate from our sample study.</a:t>
+            </a:r>
+          </a:p>
+        </p:txBody>
+      </p:sp>
       <p:pic>
         <p:nvPicPr>
-          <p:cNvPr id="5" name="Content Placeholder 4">
+          <p:cNvPr id="86" name="Content Placeholder 85">
             <a:extLst>
               <a:ext uri="{FF2B5EF4-FFF2-40B4-BE49-F238E27FC236}">
-                <a16:creationId xmlns:a16="http://schemas.microsoft.com/office/drawing/2014/main" id="{2D6ACE19-38A6-947C-F966-C38807101379}"/>
+                <a16:creationId xmlns:a16="http://schemas.microsoft.com/office/drawing/2014/main" id="{3ADD69E0-AD6B-73A8-9042-F8C043641A8B}"/>
               </a:ext>
             </a:extLst>
           </p:cNvPr>
@@ -5067,7 +5153,7 @@
           </p:nvPr>
         </p:nvPicPr>
         <p:blipFill>
-          <a:blip r:embed="rId2">
+          <a:blip r:embed="rId3">
             <a:extLst>
               <a:ext uri="{28A0092B-C50C-407E-A947-70E740481C1C}">
                 <a14:useLocalDpi xmlns:a14="http://schemas.microsoft.com/office/drawing/2010/main" val="0"/>
@@ -5079,8 +5165,8 @@
         </p:blipFill>
         <p:spPr>
           <a:xfrm>
-            <a:off x="2592888" y="866775"/>
-            <a:ext cx="7006223" cy="1776412"/>
+            <a:off x="1250388" y="487193"/>
+            <a:ext cx="9691571" cy="4572000"/>
           </a:xfrm>
           <a:prstGeom prst="rect">
             <a:avLst/>
@@ -5089,10 +5175,10 @@
       </p:pic>
       <p:sp>
         <p:nvSpPr>
-          <p:cNvPr id="6" name="Content Placeholder 2">
+          <p:cNvPr id="89" name="Text Placeholder 5">
             <a:extLst>
               <a:ext uri="{FF2B5EF4-FFF2-40B4-BE49-F238E27FC236}">
-                <a16:creationId xmlns:a16="http://schemas.microsoft.com/office/drawing/2014/main" id="{DAA1B000-39AD-9C15-85EF-E26FDB733E8D}"/>
+                <a16:creationId xmlns:a16="http://schemas.microsoft.com/office/drawing/2014/main" id="{A5EF68E2-0F5E-D60A-8A94-908901B0A627}"/>
               </a:ext>
             </a:extLst>
           </p:cNvPr>
@@ -5103,308 +5189,197 @@
         </p:nvSpPr>
         <p:spPr>
           <a:xfrm>
-            <a:off x="838200" y="2895599"/>
-            <a:ext cx="10515600" cy="3281363"/>
+            <a:off x="1507518" y="519331"/>
+            <a:ext cx="9227157" cy="293857"/>
           </a:xfrm>
           <a:prstGeom prst="rect">
             <a:avLst/>
           </a:prstGeom>
-        </p:spPr>
-        <p:txBody>
-          <a:bodyPr vert="horz" lIns="91440" tIns="45720" rIns="91440" bIns="45720" rtlCol="0">
-            <a:normAutofit/>
-          </a:bodyPr>
-          <a:lstStyle>
-            <a:lvl1pPr marL="228600" indent="-228600" algn="l" defTabSz="914400" rtl="0" eaLnBrk="1" latinLnBrk="0" hangingPunct="1">
-              <a:lnSpc>
-                <a:spcPct val="90000"/>
-              </a:lnSpc>
-              <a:spcBef>
-                <a:spcPts val="1000"/>
-              </a:spcBef>
-              <a:buFont typeface="Arial" panose="020B0604020202020204" pitchFamily="34" charset="0"/>
-              <a:buChar char="•"/>
-              <a:defRPr sz="3200" kern="1200">
-                <a:solidFill>
-                  <a:schemeClr val="tx1"/>
-                </a:solidFill>
-                <a:latin typeface="+mn-lt"/>
-                <a:ea typeface="+mn-ea"/>
-                <a:cs typeface="+mn-cs"/>
-              </a:defRPr>
-            </a:lvl1pPr>
-            <a:lvl2pPr marL="685800" indent="-228600" algn="l" defTabSz="914400" rtl="0" eaLnBrk="1" latinLnBrk="0" hangingPunct="1">
-              <a:lnSpc>
-                <a:spcPct val="90000"/>
-              </a:lnSpc>
-              <a:spcBef>
-                <a:spcPts val="500"/>
-              </a:spcBef>
-              <a:buFont typeface="Arial" panose="020B0604020202020204" pitchFamily="34" charset="0"/>
-              <a:buChar char="•"/>
-              <a:defRPr sz="2800" kern="1200">
-                <a:solidFill>
-                  <a:schemeClr val="tx1"/>
-                </a:solidFill>
-                <a:latin typeface="+mn-lt"/>
-                <a:ea typeface="+mn-ea"/>
-                <a:cs typeface="+mn-cs"/>
-              </a:defRPr>
-            </a:lvl2pPr>
-            <a:lvl3pPr marL="1143000" indent="-228600" algn="l" defTabSz="914400" rtl="0" eaLnBrk="1" latinLnBrk="0" hangingPunct="1">
-              <a:lnSpc>
-                <a:spcPct val="90000"/>
-              </a:lnSpc>
-              <a:spcBef>
-                <a:spcPts val="500"/>
-              </a:spcBef>
-              <a:buFont typeface="Arial" panose="020B0604020202020204" pitchFamily="34" charset="0"/>
-              <a:buChar char="•"/>
-              <a:defRPr sz="2400" kern="1200">
-                <a:solidFill>
-                  <a:schemeClr val="tx1"/>
-                </a:solidFill>
-                <a:latin typeface="+mn-lt"/>
-                <a:ea typeface="+mn-ea"/>
-                <a:cs typeface="+mn-cs"/>
-              </a:defRPr>
-            </a:lvl3pPr>
-            <a:lvl4pPr marL="1600200" indent="-228600" algn="l" defTabSz="914400" rtl="0" eaLnBrk="1" latinLnBrk="0" hangingPunct="1">
-              <a:lnSpc>
-                <a:spcPct val="90000"/>
-              </a:lnSpc>
-              <a:spcBef>
-                <a:spcPts val="500"/>
-              </a:spcBef>
-              <a:buFont typeface="Arial" panose="020B0604020202020204" pitchFamily="34" charset="0"/>
-              <a:buChar char="•"/>
-              <a:defRPr sz="2000" kern="1200">
-                <a:solidFill>
-                  <a:schemeClr val="tx1"/>
-                </a:solidFill>
-                <a:latin typeface="+mn-lt"/>
-                <a:ea typeface="+mn-ea"/>
-                <a:cs typeface="+mn-cs"/>
-              </a:defRPr>
-            </a:lvl4pPr>
-            <a:lvl5pPr marL="2057400" indent="-228600" algn="l" defTabSz="914400" rtl="0" eaLnBrk="1" latinLnBrk="0" hangingPunct="1">
-              <a:lnSpc>
-                <a:spcPct val="90000"/>
-              </a:lnSpc>
-              <a:spcBef>
-                <a:spcPts val="500"/>
-              </a:spcBef>
-              <a:buFont typeface="Arial" panose="020B0604020202020204" pitchFamily="34" charset="0"/>
-              <a:buChar char="•"/>
-              <a:defRPr sz="2000" kern="1200">
-                <a:solidFill>
-                  <a:schemeClr val="tx1"/>
-                </a:solidFill>
-                <a:latin typeface="+mn-lt"/>
-                <a:ea typeface="+mn-ea"/>
-                <a:cs typeface="+mn-cs"/>
-              </a:defRPr>
-            </a:lvl5pPr>
-            <a:lvl6pPr marL="2514600" indent="-228600" algn="l" defTabSz="914400" rtl="0" eaLnBrk="1" latinLnBrk="0" hangingPunct="1">
-              <a:lnSpc>
-                <a:spcPct val="90000"/>
-              </a:lnSpc>
-              <a:spcBef>
-                <a:spcPts val="500"/>
-              </a:spcBef>
-              <a:buFont typeface="Arial" panose="020B0604020202020204" pitchFamily="34" charset="0"/>
-              <a:buChar char="•"/>
-              <a:defRPr sz="2000" kern="1200">
-                <a:solidFill>
-                  <a:schemeClr val="tx1"/>
-                </a:solidFill>
-                <a:latin typeface="+mn-lt"/>
-                <a:ea typeface="+mn-ea"/>
-                <a:cs typeface="+mn-cs"/>
-              </a:defRPr>
-            </a:lvl6pPr>
-            <a:lvl7pPr marL="2971800" indent="-228600" algn="l" defTabSz="914400" rtl="0" eaLnBrk="1" latinLnBrk="0" hangingPunct="1">
-              <a:lnSpc>
-                <a:spcPct val="90000"/>
-              </a:lnSpc>
-              <a:spcBef>
-                <a:spcPts val="500"/>
-              </a:spcBef>
-              <a:buFont typeface="Arial" panose="020B0604020202020204" pitchFamily="34" charset="0"/>
-              <a:buChar char="•"/>
-              <a:defRPr sz="2000" kern="1200">
-                <a:solidFill>
-                  <a:schemeClr val="tx1"/>
-                </a:solidFill>
-                <a:latin typeface="+mn-lt"/>
-                <a:ea typeface="+mn-ea"/>
-                <a:cs typeface="+mn-cs"/>
-              </a:defRPr>
-            </a:lvl7pPr>
-            <a:lvl8pPr marL="3429000" indent="-228600" algn="l" defTabSz="914400" rtl="0" eaLnBrk="1" latinLnBrk="0" hangingPunct="1">
-              <a:lnSpc>
-                <a:spcPct val="90000"/>
-              </a:lnSpc>
-              <a:spcBef>
-                <a:spcPts val="500"/>
-              </a:spcBef>
-              <a:buFont typeface="Arial" panose="020B0604020202020204" pitchFamily="34" charset="0"/>
-              <a:buChar char="•"/>
-              <a:defRPr sz="2000" kern="1200">
-                <a:solidFill>
-                  <a:schemeClr val="tx1"/>
-                </a:solidFill>
-                <a:latin typeface="+mn-lt"/>
-                <a:ea typeface="+mn-ea"/>
-                <a:cs typeface="+mn-cs"/>
-              </a:defRPr>
-            </a:lvl8pPr>
-            <a:lvl9pPr marL="3886200" indent="-228600" algn="l" defTabSz="914400" rtl="0" eaLnBrk="1" latinLnBrk="0" hangingPunct="1">
-              <a:lnSpc>
-                <a:spcPct val="90000"/>
-              </a:lnSpc>
-              <a:spcBef>
-                <a:spcPts val="500"/>
-              </a:spcBef>
-              <a:buFont typeface="Arial" panose="020B0604020202020204" pitchFamily="34" charset="0"/>
-              <a:buChar char="•"/>
-              <a:defRPr sz="2000" kern="1200">
-                <a:solidFill>
-                  <a:schemeClr val="tx1"/>
-                </a:solidFill>
-                <a:latin typeface="+mn-lt"/>
-                <a:ea typeface="+mn-ea"/>
-                <a:cs typeface="+mn-cs"/>
-              </a:defRPr>
-            </a:lvl9pPr>
-          </a:lstStyle>
-          <a:p>
-            <a:pPr marL="0" indent="0">
-              <a:buNone/>
-            </a:pPr>
-            <a:r>
-              <a:rPr lang="en-US" sz="2000" dirty="0">
-                <a:latin typeface="Times New Roman" panose="02020603050405020304" pitchFamily="18" charset="0"/>
-                <a:cs typeface="Times New Roman" panose="02020603050405020304" pitchFamily="18" charset="0"/>
-              </a:rPr>
-              <a:t>Identify the marketing campaign that maximizes the sales for the organization.</a:t>
-            </a:r>
-          </a:p>
-          <a:p>
-            <a:r>
-              <a:rPr lang="en-US" sz="2000" dirty="0">
-                <a:latin typeface="Times New Roman" panose="02020603050405020304" pitchFamily="18" charset="0"/>
-                <a:cs typeface="Times New Roman" panose="02020603050405020304" pitchFamily="18" charset="0"/>
-              </a:rPr>
-              <a:t>From the above analysis on the sample, “Campaign: 6” proves to be the suitable campaign to increase the sales revenue. </a:t>
-            </a:r>
-          </a:p>
-          <a:p>
-            <a:r>
-              <a:rPr lang="en-US" sz="2000" dirty="0">
-                <a:latin typeface="Times New Roman" panose="02020603050405020304" pitchFamily="18" charset="0"/>
-                <a:cs typeface="Times New Roman" panose="02020603050405020304" pitchFamily="18" charset="0"/>
-              </a:rPr>
-              <a:t>The lower average sales in $/customer is compensated by the higher conversion rate achieved by the campaign.</a:t>
-            </a:r>
-          </a:p>
-          <a:p>
-            <a:r>
-              <a:rPr lang="en-US" sz="2000" dirty="0">
-                <a:latin typeface="Times New Roman" panose="02020603050405020304" pitchFamily="18" charset="0"/>
-                <a:cs typeface="Times New Roman" panose="02020603050405020304" pitchFamily="18" charset="0"/>
-              </a:rPr>
-              <a:t>It also captures a diversified spectrum of customers.</a:t>
-            </a:r>
-          </a:p>
-        </p:txBody>
-      </p:sp>
-      <p:sp>
-        <p:nvSpPr>
-          <p:cNvPr id="2" name="Rectangle 1">
-            <a:extLst>
-              <a:ext uri="{FF2B5EF4-FFF2-40B4-BE49-F238E27FC236}">
-                <a16:creationId xmlns:a16="http://schemas.microsoft.com/office/drawing/2014/main" id="{DA31B89D-7AC5-FE0C-C2E0-EC7008ED9891}"/>
-              </a:ext>
-            </a:extLst>
-          </p:cNvPr>
-          <p:cNvSpPr/>
-          <p:nvPr/>
-        </p:nvSpPr>
-        <p:spPr>
-          <a:xfrm>
-            <a:off x="2592888" y="2410691"/>
-            <a:ext cx="7006223" cy="232496"/>
-          </a:xfrm>
-          <a:prstGeom prst="rect">
-            <a:avLst/>
-          </a:prstGeom>
-          <a:noFill/>
-          <a:ln w="28575">
+          <a:solidFill>
+            <a:srgbClr val="B5C5E6"/>
+          </a:solidFill>
+          <a:ln>
             <a:solidFill>
-              <a:srgbClr val="C00000"/>
+              <a:srgbClr val="B5C5E6"/>
             </a:solidFill>
           </a:ln>
         </p:spPr>
-        <p:style>
-          <a:lnRef idx="2">
-            <a:schemeClr val="accent1">
-              <a:shade val="15000"/>
-            </a:schemeClr>
-          </a:lnRef>
-          <a:fillRef idx="1">
-            <a:schemeClr val="accent1"/>
-          </a:fillRef>
-          <a:effectRef idx="0">
-            <a:schemeClr val="accent1"/>
-          </a:effectRef>
-          <a:fontRef idx="minor">
-            <a:schemeClr val="lt1"/>
-          </a:fontRef>
-        </p:style>
-        <p:txBody>
-          <a:bodyPr rtlCol="0" anchor="ctr"/>
-          <a:lstStyle/>
+        <p:txBody>
+          <a:bodyPr vert="horz" lIns="91440" tIns="45720" rIns="91440" bIns="45720" rtlCol="0">
+            <a:normAutofit fontScale="92500" lnSpcReduction="20000"/>
+          </a:bodyPr>
+          <a:lstStyle>
+            <a:lvl1pPr marL="0" indent="0" algn="l" defTabSz="914400" rtl="0" eaLnBrk="1" latinLnBrk="0" hangingPunct="1">
+              <a:lnSpc>
+                <a:spcPct val="90000"/>
+              </a:lnSpc>
+              <a:spcBef>
+                <a:spcPts val="1000"/>
+              </a:spcBef>
+              <a:buFont typeface="Arial" panose="020B0604020202020204" pitchFamily="34" charset="0"/>
+              <a:buNone/>
+              <a:defRPr sz="1600" kern="1200">
+                <a:solidFill>
+                  <a:schemeClr val="tx1"/>
+                </a:solidFill>
+                <a:latin typeface="+mn-lt"/>
+                <a:ea typeface="+mn-ea"/>
+                <a:cs typeface="+mn-cs"/>
+              </a:defRPr>
+            </a:lvl1pPr>
+            <a:lvl2pPr marL="457200" indent="0" algn="l" defTabSz="914400" rtl="0" eaLnBrk="1" latinLnBrk="0" hangingPunct="1">
+              <a:lnSpc>
+                <a:spcPct val="90000"/>
+              </a:lnSpc>
+              <a:spcBef>
+                <a:spcPts val="500"/>
+              </a:spcBef>
+              <a:buFont typeface="Arial" panose="020B0604020202020204" pitchFamily="34" charset="0"/>
+              <a:buNone/>
+              <a:defRPr sz="1400" kern="1200">
+                <a:solidFill>
+                  <a:schemeClr val="tx1"/>
+                </a:solidFill>
+                <a:latin typeface="+mn-lt"/>
+                <a:ea typeface="+mn-ea"/>
+                <a:cs typeface="+mn-cs"/>
+              </a:defRPr>
+            </a:lvl2pPr>
+            <a:lvl3pPr marL="914400" indent="0" algn="l" defTabSz="914400" rtl="0" eaLnBrk="1" latinLnBrk="0" hangingPunct="1">
+              <a:lnSpc>
+                <a:spcPct val="90000"/>
+              </a:lnSpc>
+              <a:spcBef>
+                <a:spcPts val="500"/>
+              </a:spcBef>
+              <a:buFont typeface="Arial" panose="020B0604020202020204" pitchFamily="34" charset="0"/>
+              <a:buNone/>
+              <a:defRPr sz="1200" kern="1200">
+                <a:solidFill>
+                  <a:schemeClr val="tx1"/>
+                </a:solidFill>
+                <a:latin typeface="+mn-lt"/>
+                <a:ea typeface="+mn-ea"/>
+                <a:cs typeface="+mn-cs"/>
+              </a:defRPr>
+            </a:lvl3pPr>
+            <a:lvl4pPr marL="1371600" indent="0" algn="l" defTabSz="914400" rtl="0" eaLnBrk="1" latinLnBrk="0" hangingPunct="1">
+              <a:lnSpc>
+                <a:spcPct val="90000"/>
+              </a:lnSpc>
+              <a:spcBef>
+                <a:spcPts val="500"/>
+              </a:spcBef>
+              <a:buFont typeface="Arial" panose="020B0604020202020204" pitchFamily="34" charset="0"/>
+              <a:buNone/>
+              <a:defRPr sz="1000" kern="1200">
+                <a:solidFill>
+                  <a:schemeClr val="tx1"/>
+                </a:solidFill>
+                <a:latin typeface="+mn-lt"/>
+                <a:ea typeface="+mn-ea"/>
+                <a:cs typeface="+mn-cs"/>
+              </a:defRPr>
+            </a:lvl4pPr>
+            <a:lvl5pPr marL="1828800" indent="0" algn="l" defTabSz="914400" rtl="0" eaLnBrk="1" latinLnBrk="0" hangingPunct="1">
+              <a:lnSpc>
+                <a:spcPct val="90000"/>
+              </a:lnSpc>
+              <a:spcBef>
+                <a:spcPts val="500"/>
+              </a:spcBef>
+              <a:buFont typeface="Arial" panose="020B0604020202020204" pitchFamily="34" charset="0"/>
+              <a:buNone/>
+              <a:defRPr sz="1000" kern="1200">
+                <a:solidFill>
+                  <a:schemeClr val="tx1"/>
+                </a:solidFill>
+                <a:latin typeface="+mn-lt"/>
+                <a:ea typeface="+mn-ea"/>
+                <a:cs typeface="+mn-cs"/>
+              </a:defRPr>
+            </a:lvl5pPr>
+            <a:lvl6pPr marL="2286000" indent="0" algn="l" defTabSz="914400" rtl="0" eaLnBrk="1" latinLnBrk="0" hangingPunct="1">
+              <a:lnSpc>
+                <a:spcPct val="90000"/>
+              </a:lnSpc>
+              <a:spcBef>
+                <a:spcPts val="500"/>
+              </a:spcBef>
+              <a:buFont typeface="Arial" panose="020B0604020202020204" pitchFamily="34" charset="0"/>
+              <a:buNone/>
+              <a:defRPr sz="1000" kern="1200">
+                <a:solidFill>
+                  <a:schemeClr val="tx1"/>
+                </a:solidFill>
+                <a:latin typeface="+mn-lt"/>
+                <a:ea typeface="+mn-ea"/>
+                <a:cs typeface="+mn-cs"/>
+              </a:defRPr>
+            </a:lvl6pPr>
+            <a:lvl7pPr marL="2743200" indent="0" algn="l" defTabSz="914400" rtl="0" eaLnBrk="1" latinLnBrk="0" hangingPunct="1">
+              <a:lnSpc>
+                <a:spcPct val="90000"/>
+              </a:lnSpc>
+              <a:spcBef>
+                <a:spcPts val="500"/>
+              </a:spcBef>
+              <a:buFont typeface="Arial" panose="020B0604020202020204" pitchFamily="34" charset="0"/>
+              <a:buNone/>
+              <a:defRPr sz="1000" kern="1200">
+                <a:solidFill>
+                  <a:schemeClr val="tx1"/>
+                </a:solidFill>
+                <a:latin typeface="+mn-lt"/>
+                <a:ea typeface="+mn-ea"/>
+                <a:cs typeface="+mn-cs"/>
+              </a:defRPr>
+            </a:lvl7pPr>
+            <a:lvl8pPr marL="3200400" indent="0" algn="l" defTabSz="914400" rtl="0" eaLnBrk="1" latinLnBrk="0" hangingPunct="1">
+              <a:lnSpc>
+                <a:spcPct val="90000"/>
+              </a:lnSpc>
+              <a:spcBef>
+                <a:spcPts val="500"/>
+              </a:spcBef>
+              <a:buFont typeface="Arial" panose="020B0604020202020204" pitchFamily="34" charset="0"/>
+              <a:buNone/>
+              <a:defRPr sz="1000" kern="1200">
+                <a:solidFill>
+                  <a:schemeClr val="tx1"/>
+                </a:solidFill>
+                <a:latin typeface="+mn-lt"/>
+                <a:ea typeface="+mn-ea"/>
+                <a:cs typeface="+mn-cs"/>
+              </a:defRPr>
+            </a:lvl8pPr>
+            <a:lvl9pPr marL="3657600" indent="0" algn="l" defTabSz="914400" rtl="0" eaLnBrk="1" latinLnBrk="0" hangingPunct="1">
+              <a:lnSpc>
+                <a:spcPct val="90000"/>
+              </a:lnSpc>
+              <a:spcBef>
+                <a:spcPts val="500"/>
+              </a:spcBef>
+              <a:buFont typeface="Arial" panose="020B0604020202020204" pitchFamily="34" charset="0"/>
+              <a:buNone/>
+              <a:defRPr sz="1000" kern="1200">
+                <a:solidFill>
+                  <a:schemeClr val="tx1"/>
+                </a:solidFill>
+                <a:latin typeface="+mn-lt"/>
+                <a:ea typeface="+mn-ea"/>
+                <a:cs typeface="+mn-cs"/>
+              </a:defRPr>
+            </a:lvl9pPr>
+          </a:lstStyle>
           <a:p>
             <a:pPr algn="ctr"/>
-            <a:endParaRPr lang="en-US"/>
-          </a:p>
-        </p:txBody>
-      </p:sp>
-      <p:sp>
-        <p:nvSpPr>
-          <p:cNvPr id="3" name="TextBox 2">
-            <a:extLst>
-              <a:ext uri="{FF2B5EF4-FFF2-40B4-BE49-F238E27FC236}">
-                <a16:creationId xmlns:a16="http://schemas.microsoft.com/office/drawing/2014/main" id="{9FABDBF6-435D-CDD8-B1E5-DA6C10A07BDF}"/>
-              </a:ext>
-            </a:extLst>
-          </p:cNvPr>
-          <p:cNvSpPr txBox="1"/>
-          <p:nvPr/>
-        </p:nvSpPr>
-        <p:spPr>
-          <a:xfrm>
-            <a:off x="838200" y="311706"/>
-            <a:ext cx="2696572" cy="523220"/>
-          </a:xfrm>
-          <a:prstGeom prst="rect">
-            <a:avLst/>
-          </a:prstGeom>
-          <a:noFill/>
-        </p:spPr>
-        <p:txBody>
-          <a:bodyPr wrap="none" rtlCol="0">
-            <a:spAutoFit/>
-          </a:bodyPr>
-          <a:lstStyle/>
-          <a:p>
-            <a:r>
-              <a:rPr lang="en-US" sz="2800" b="1" dirty="0">
-                <a:latin typeface="Times New Roman" panose="02020603050405020304" pitchFamily="18" charset="0"/>
-                <a:cs typeface="Times New Roman" panose="02020603050405020304" pitchFamily="18" charset="0"/>
-              </a:rPr>
-              <a:t>OBJECTIVE - I</a:t>
+            <a:r>
+              <a:rPr lang="en-US" sz="1800" b="1" dirty="0">
+                <a:latin typeface="Times New Roman" panose="02020603050405020304" pitchFamily="18" charset="0"/>
+                <a:cs typeface="Times New Roman" panose="02020603050405020304" pitchFamily="18" charset="0"/>
+              </a:rPr>
+              <a:t>MARKETING CAMPAIGN ANALYSIS SUMMARY</a:t>
             </a:r>
           </a:p>
         </p:txBody>
@@ -5412,7 +5387,7 @@
     </p:spTree>
     <p:extLst>
       <p:ext uri="{BB962C8B-B14F-4D97-AF65-F5344CB8AC3E}">
-        <p14:creationId xmlns:p14="http://schemas.microsoft.com/office/powerpoint/2010/main" val="2441722040"/>
+        <p14:creationId xmlns:p14="http://schemas.microsoft.com/office/powerpoint/2010/main" val="561582844"/>
       </p:ext>
     </p:extLst>
   </p:cSld>
@@ -5439,244 +5414,12 @@
           <a:chExt cx="0" cy="0"/>
         </a:xfrm>
       </p:grpSpPr>
-      <p:sp>
-        <p:nvSpPr>
-          <p:cNvPr id="6" name="Content Placeholder 2">
-            <a:extLst>
-              <a:ext uri="{FF2B5EF4-FFF2-40B4-BE49-F238E27FC236}">
-                <a16:creationId xmlns:a16="http://schemas.microsoft.com/office/drawing/2014/main" id="{DAA1B000-39AD-9C15-85EF-E26FDB733E8D}"/>
-              </a:ext>
-            </a:extLst>
-          </p:cNvPr>
-          <p:cNvSpPr txBox="1">
-            <a:spLocks/>
-          </p:cNvSpPr>
-          <p:nvPr/>
-        </p:nvSpPr>
-        <p:spPr>
-          <a:xfrm>
-            <a:off x="838201" y="1192695"/>
-            <a:ext cx="4494088" cy="4984267"/>
-          </a:xfrm>
-          <a:prstGeom prst="rect">
-            <a:avLst/>
-          </a:prstGeom>
-        </p:spPr>
-        <p:txBody>
-          <a:bodyPr vert="horz" lIns="91440" tIns="45720" rIns="91440" bIns="45720" rtlCol="0">
-            <a:normAutofit/>
-          </a:bodyPr>
-          <a:lstStyle>
-            <a:lvl1pPr marL="228600" indent="-228600" algn="l" defTabSz="914400" rtl="0" eaLnBrk="1" latinLnBrk="0" hangingPunct="1">
-              <a:lnSpc>
-                <a:spcPct val="90000"/>
-              </a:lnSpc>
-              <a:spcBef>
-                <a:spcPts val="1000"/>
-              </a:spcBef>
-              <a:buFont typeface="Arial" panose="020B0604020202020204" pitchFamily="34" charset="0"/>
-              <a:buChar char="•"/>
-              <a:defRPr sz="3200" kern="1200">
-                <a:solidFill>
-                  <a:schemeClr val="tx1"/>
-                </a:solidFill>
-                <a:latin typeface="+mn-lt"/>
-                <a:ea typeface="+mn-ea"/>
-                <a:cs typeface="+mn-cs"/>
-              </a:defRPr>
-            </a:lvl1pPr>
-            <a:lvl2pPr marL="685800" indent="-228600" algn="l" defTabSz="914400" rtl="0" eaLnBrk="1" latinLnBrk="0" hangingPunct="1">
-              <a:lnSpc>
-                <a:spcPct val="90000"/>
-              </a:lnSpc>
-              <a:spcBef>
-                <a:spcPts val="500"/>
-              </a:spcBef>
-              <a:buFont typeface="Arial" panose="020B0604020202020204" pitchFamily="34" charset="0"/>
-              <a:buChar char="•"/>
-              <a:defRPr sz="2800" kern="1200">
-                <a:solidFill>
-                  <a:schemeClr val="tx1"/>
-                </a:solidFill>
-                <a:latin typeface="+mn-lt"/>
-                <a:ea typeface="+mn-ea"/>
-                <a:cs typeface="+mn-cs"/>
-              </a:defRPr>
-            </a:lvl2pPr>
-            <a:lvl3pPr marL="1143000" indent="-228600" algn="l" defTabSz="914400" rtl="0" eaLnBrk="1" latinLnBrk="0" hangingPunct="1">
-              <a:lnSpc>
-                <a:spcPct val="90000"/>
-              </a:lnSpc>
-              <a:spcBef>
-                <a:spcPts val="500"/>
-              </a:spcBef>
-              <a:buFont typeface="Arial" panose="020B0604020202020204" pitchFamily="34" charset="0"/>
-              <a:buChar char="•"/>
-              <a:defRPr sz="2400" kern="1200">
-                <a:solidFill>
-                  <a:schemeClr val="tx1"/>
-                </a:solidFill>
-                <a:latin typeface="+mn-lt"/>
-                <a:ea typeface="+mn-ea"/>
-                <a:cs typeface="+mn-cs"/>
-              </a:defRPr>
-            </a:lvl3pPr>
-            <a:lvl4pPr marL="1600200" indent="-228600" algn="l" defTabSz="914400" rtl="0" eaLnBrk="1" latinLnBrk="0" hangingPunct="1">
-              <a:lnSpc>
-                <a:spcPct val="90000"/>
-              </a:lnSpc>
-              <a:spcBef>
-                <a:spcPts val="500"/>
-              </a:spcBef>
-              <a:buFont typeface="Arial" panose="020B0604020202020204" pitchFamily="34" charset="0"/>
-              <a:buChar char="•"/>
-              <a:defRPr sz="2000" kern="1200">
-                <a:solidFill>
-                  <a:schemeClr val="tx1"/>
-                </a:solidFill>
-                <a:latin typeface="+mn-lt"/>
-                <a:ea typeface="+mn-ea"/>
-                <a:cs typeface="+mn-cs"/>
-              </a:defRPr>
-            </a:lvl4pPr>
-            <a:lvl5pPr marL="2057400" indent="-228600" algn="l" defTabSz="914400" rtl="0" eaLnBrk="1" latinLnBrk="0" hangingPunct="1">
-              <a:lnSpc>
-                <a:spcPct val="90000"/>
-              </a:lnSpc>
-              <a:spcBef>
-                <a:spcPts val="500"/>
-              </a:spcBef>
-              <a:buFont typeface="Arial" panose="020B0604020202020204" pitchFamily="34" charset="0"/>
-              <a:buChar char="•"/>
-              <a:defRPr sz="2000" kern="1200">
-                <a:solidFill>
-                  <a:schemeClr val="tx1"/>
-                </a:solidFill>
-                <a:latin typeface="+mn-lt"/>
-                <a:ea typeface="+mn-ea"/>
-                <a:cs typeface="+mn-cs"/>
-              </a:defRPr>
-            </a:lvl5pPr>
-            <a:lvl6pPr marL="2514600" indent="-228600" algn="l" defTabSz="914400" rtl="0" eaLnBrk="1" latinLnBrk="0" hangingPunct="1">
-              <a:lnSpc>
-                <a:spcPct val="90000"/>
-              </a:lnSpc>
-              <a:spcBef>
-                <a:spcPts val="500"/>
-              </a:spcBef>
-              <a:buFont typeface="Arial" panose="020B0604020202020204" pitchFamily="34" charset="0"/>
-              <a:buChar char="•"/>
-              <a:defRPr sz="2000" kern="1200">
-                <a:solidFill>
-                  <a:schemeClr val="tx1"/>
-                </a:solidFill>
-                <a:latin typeface="+mn-lt"/>
-                <a:ea typeface="+mn-ea"/>
-                <a:cs typeface="+mn-cs"/>
-              </a:defRPr>
-            </a:lvl6pPr>
-            <a:lvl7pPr marL="2971800" indent="-228600" algn="l" defTabSz="914400" rtl="0" eaLnBrk="1" latinLnBrk="0" hangingPunct="1">
-              <a:lnSpc>
-                <a:spcPct val="90000"/>
-              </a:lnSpc>
-              <a:spcBef>
-                <a:spcPts val="500"/>
-              </a:spcBef>
-              <a:buFont typeface="Arial" panose="020B0604020202020204" pitchFamily="34" charset="0"/>
-              <a:buChar char="•"/>
-              <a:defRPr sz="2000" kern="1200">
-                <a:solidFill>
-                  <a:schemeClr val="tx1"/>
-                </a:solidFill>
-                <a:latin typeface="+mn-lt"/>
-                <a:ea typeface="+mn-ea"/>
-                <a:cs typeface="+mn-cs"/>
-              </a:defRPr>
-            </a:lvl7pPr>
-            <a:lvl8pPr marL="3429000" indent="-228600" algn="l" defTabSz="914400" rtl="0" eaLnBrk="1" latinLnBrk="0" hangingPunct="1">
-              <a:lnSpc>
-                <a:spcPct val="90000"/>
-              </a:lnSpc>
-              <a:spcBef>
-                <a:spcPts val="500"/>
-              </a:spcBef>
-              <a:buFont typeface="Arial" panose="020B0604020202020204" pitchFamily="34" charset="0"/>
-              <a:buChar char="•"/>
-              <a:defRPr sz="2000" kern="1200">
-                <a:solidFill>
-                  <a:schemeClr val="tx1"/>
-                </a:solidFill>
-                <a:latin typeface="+mn-lt"/>
-                <a:ea typeface="+mn-ea"/>
-                <a:cs typeface="+mn-cs"/>
-              </a:defRPr>
-            </a:lvl8pPr>
-            <a:lvl9pPr marL="3886200" indent="-228600" algn="l" defTabSz="914400" rtl="0" eaLnBrk="1" latinLnBrk="0" hangingPunct="1">
-              <a:lnSpc>
-                <a:spcPct val="90000"/>
-              </a:lnSpc>
-              <a:spcBef>
-                <a:spcPts val="500"/>
-              </a:spcBef>
-              <a:buFont typeface="Arial" panose="020B0604020202020204" pitchFamily="34" charset="0"/>
-              <a:buChar char="•"/>
-              <a:defRPr sz="2000" kern="1200">
-                <a:solidFill>
-                  <a:schemeClr val="tx1"/>
-                </a:solidFill>
-                <a:latin typeface="+mn-lt"/>
-                <a:ea typeface="+mn-ea"/>
-                <a:cs typeface="+mn-cs"/>
-              </a:defRPr>
-            </a:lvl9pPr>
-          </a:lstStyle>
-          <a:p>
-            <a:pPr marL="0" indent="0">
-              <a:buNone/>
-            </a:pPr>
-            <a:r>
-              <a:rPr lang="en-US" sz="2000" dirty="0">
-                <a:latin typeface="Times New Roman" panose="02020603050405020304" pitchFamily="18" charset="0"/>
-                <a:cs typeface="Times New Roman" panose="02020603050405020304" pitchFamily="18" charset="0"/>
-              </a:rPr>
-              <a:t>Recommend an age group for targeted customer acquisition campaigns for future sales growth.</a:t>
-            </a:r>
-          </a:p>
-          <a:p>
-            <a:r>
-              <a:rPr lang="en-US" sz="2000" dirty="0">
-                <a:latin typeface="Times New Roman" panose="02020603050405020304" pitchFamily="18" charset="0"/>
-                <a:cs typeface="Times New Roman" panose="02020603050405020304" pitchFamily="18" charset="0"/>
-              </a:rPr>
-              <a:t>We have observed that the age group “20-29” almost always had more average sales levels than other age groups.</a:t>
-            </a:r>
-          </a:p>
-          <a:p>
-            <a:r>
-              <a:rPr lang="en-US" sz="2000" dirty="0">
-                <a:latin typeface="Times New Roman" panose="02020603050405020304" pitchFamily="18" charset="0"/>
-                <a:cs typeface="Times New Roman" panose="02020603050405020304" pitchFamily="18" charset="0"/>
-              </a:rPr>
-              <a:t>But the age group “20-29” also had the lowest count of customers.</a:t>
-            </a:r>
-          </a:p>
-          <a:p>
-            <a:r>
-              <a:rPr lang="en-US" sz="2000" dirty="0">
-                <a:latin typeface="Times New Roman" panose="02020603050405020304" pitchFamily="18" charset="0"/>
-                <a:cs typeface="Times New Roman" panose="02020603050405020304" pitchFamily="18" charset="0"/>
-              </a:rPr>
-              <a:t>Hence I would recommend focusing on campaigns that can capture more customers from the age group “20-29”.</a:t>
-            </a:r>
-          </a:p>
-        </p:txBody>
-      </p:sp>
       <p:pic>
         <p:nvPicPr>
-          <p:cNvPr id="4" name="Content Placeholder 3">
+          <p:cNvPr id="86" name="Content Placeholder 85">
             <a:extLst>
               <a:ext uri="{FF2B5EF4-FFF2-40B4-BE49-F238E27FC236}">
-                <a16:creationId xmlns:a16="http://schemas.microsoft.com/office/drawing/2014/main" id="{4E7C3302-1B02-8C6A-4D48-319ACA80382D}"/>
+                <a16:creationId xmlns:a16="http://schemas.microsoft.com/office/drawing/2014/main" id="{3ADD69E0-AD6B-73A8-9042-F8C043641A8B}"/>
               </a:ext>
             </a:extLst>
           </p:cNvPr>
@@ -5688,15 +5431,20 @@
           </p:nvPr>
         </p:nvPicPr>
         <p:blipFill>
-          <a:blip r:embed="rId2"/>
-          <a:stretch>
-            <a:fillRect/>
-          </a:stretch>
+          <a:blip r:embed="rId3">
+            <a:extLst>
+              <a:ext uri="{28A0092B-C50C-407E-A947-70E740481C1C}">
+                <a14:useLocalDpi xmlns:a14="http://schemas.microsoft.com/office/drawing/2010/main" val="0"/>
+              </a:ext>
+            </a:extLst>
+          </a:blip>
+          <a:srcRect/>
+          <a:stretch/>
         </p:blipFill>
         <p:spPr>
           <a:xfrm>
-            <a:off x="5578171" y="1456223"/>
-            <a:ext cx="6172200" cy="3401362"/>
+            <a:off x="1250388" y="487193"/>
+            <a:ext cx="9691571" cy="4572000"/>
           </a:xfrm>
           <a:prstGeom prst="rect">
             <a:avLst/>
@@ -5705,90 +5453,460 @@
       </p:pic>
       <p:sp>
         <p:nvSpPr>
-          <p:cNvPr id="7" name="Rectangle 6">
+          <p:cNvPr id="89" name="Text Placeholder 5">
             <a:extLst>
               <a:ext uri="{FF2B5EF4-FFF2-40B4-BE49-F238E27FC236}">
-                <a16:creationId xmlns:a16="http://schemas.microsoft.com/office/drawing/2014/main" id="{416181BD-69D3-CD6C-AB97-62196116B718}"/>
+                <a16:creationId xmlns:a16="http://schemas.microsoft.com/office/drawing/2014/main" id="{A5EF68E2-0F5E-D60A-8A94-908901B0A627}"/>
               </a:ext>
             </a:extLst>
           </p:cNvPr>
-          <p:cNvSpPr/>
+          <p:cNvSpPr txBox="1">
+            <a:spLocks/>
+          </p:cNvSpPr>
           <p:nvPr/>
         </p:nvSpPr>
         <p:spPr>
           <a:xfrm>
-            <a:off x="6734755" y="2410691"/>
-            <a:ext cx="580445" cy="2121552"/>
+            <a:off x="1507518" y="519331"/>
+            <a:ext cx="9227157" cy="293857"/>
           </a:xfrm>
           <a:prstGeom prst="rect">
             <a:avLst/>
           </a:prstGeom>
-          <a:noFill/>
-          <a:ln w="28575">
+          <a:solidFill>
+            <a:srgbClr val="B5C5E6"/>
+          </a:solidFill>
+          <a:ln>
             <a:solidFill>
-              <a:srgbClr val="C00000"/>
+              <a:srgbClr val="B5C5E6"/>
             </a:solidFill>
           </a:ln>
         </p:spPr>
-        <p:style>
-          <a:lnRef idx="2">
-            <a:schemeClr val="accent1">
-              <a:shade val="15000"/>
-            </a:schemeClr>
-          </a:lnRef>
-          <a:fillRef idx="1">
-            <a:schemeClr val="accent1"/>
-          </a:fillRef>
-          <a:effectRef idx="0">
-            <a:schemeClr val="accent1"/>
-          </a:effectRef>
-          <a:fontRef idx="minor">
-            <a:schemeClr val="lt1"/>
-          </a:fontRef>
-        </p:style>
-        <p:txBody>
-          <a:bodyPr rtlCol="0" anchor="ctr"/>
-          <a:lstStyle/>
+        <p:txBody>
+          <a:bodyPr vert="horz" lIns="91440" tIns="45720" rIns="91440" bIns="45720" rtlCol="0">
+            <a:normAutofit fontScale="92500" lnSpcReduction="20000"/>
+          </a:bodyPr>
+          <a:lstStyle>
+            <a:lvl1pPr marL="0" indent="0" algn="l" defTabSz="914400" rtl="0" eaLnBrk="1" latinLnBrk="0" hangingPunct="1">
+              <a:lnSpc>
+                <a:spcPct val="90000"/>
+              </a:lnSpc>
+              <a:spcBef>
+                <a:spcPts val="1000"/>
+              </a:spcBef>
+              <a:buFont typeface="Arial" panose="020B0604020202020204" pitchFamily="34" charset="0"/>
+              <a:buNone/>
+              <a:defRPr sz="1600" kern="1200">
+                <a:solidFill>
+                  <a:schemeClr val="tx1"/>
+                </a:solidFill>
+                <a:latin typeface="+mn-lt"/>
+                <a:ea typeface="+mn-ea"/>
+                <a:cs typeface="+mn-cs"/>
+              </a:defRPr>
+            </a:lvl1pPr>
+            <a:lvl2pPr marL="457200" indent="0" algn="l" defTabSz="914400" rtl="0" eaLnBrk="1" latinLnBrk="0" hangingPunct="1">
+              <a:lnSpc>
+                <a:spcPct val="90000"/>
+              </a:lnSpc>
+              <a:spcBef>
+                <a:spcPts val="500"/>
+              </a:spcBef>
+              <a:buFont typeface="Arial" panose="020B0604020202020204" pitchFamily="34" charset="0"/>
+              <a:buNone/>
+              <a:defRPr sz="1400" kern="1200">
+                <a:solidFill>
+                  <a:schemeClr val="tx1"/>
+                </a:solidFill>
+                <a:latin typeface="+mn-lt"/>
+                <a:ea typeface="+mn-ea"/>
+                <a:cs typeface="+mn-cs"/>
+              </a:defRPr>
+            </a:lvl2pPr>
+            <a:lvl3pPr marL="914400" indent="0" algn="l" defTabSz="914400" rtl="0" eaLnBrk="1" latinLnBrk="0" hangingPunct="1">
+              <a:lnSpc>
+                <a:spcPct val="90000"/>
+              </a:lnSpc>
+              <a:spcBef>
+                <a:spcPts val="500"/>
+              </a:spcBef>
+              <a:buFont typeface="Arial" panose="020B0604020202020204" pitchFamily="34" charset="0"/>
+              <a:buNone/>
+              <a:defRPr sz="1200" kern="1200">
+                <a:solidFill>
+                  <a:schemeClr val="tx1"/>
+                </a:solidFill>
+                <a:latin typeface="+mn-lt"/>
+                <a:ea typeface="+mn-ea"/>
+                <a:cs typeface="+mn-cs"/>
+              </a:defRPr>
+            </a:lvl3pPr>
+            <a:lvl4pPr marL="1371600" indent="0" algn="l" defTabSz="914400" rtl="0" eaLnBrk="1" latinLnBrk="0" hangingPunct="1">
+              <a:lnSpc>
+                <a:spcPct val="90000"/>
+              </a:lnSpc>
+              <a:spcBef>
+                <a:spcPts val="500"/>
+              </a:spcBef>
+              <a:buFont typeface="Arial" panose="020B0604020202020204" pitchFamily="34" charset="0"/>
+              <a:buNone/>
+              <a:defRPr sz="1000" kern="1200">
+                <a:solidFill>
+                  <a:schemeClr val="tx1"/>
+                </a:solidFill>
+                <a:latin typeface="+mn-lt"/>
+                <a:ea typeface="+mn-ea"/>
+                <a:cs typeface="+mn-cs"/>
+              </a:defRPr>
+            </a:lvl4pPr>
+            <a:lvl5pPr marL="1828800" indent="0" algn="l" defTabSz="914400" rtl="0" eaLnBrk="1" latinLnBrk="0" hangingPunct="1">
+              <a:lnSpc>
+                <a:spcPct val="90000"/>
+              </a:lnSpc>
+              <a:spcBef>
+                <a:spcPts val="500"/>
+              </a:spcBef>
+              <a:buFont typeface="Arial" panose="020B0604020202020204" pitchFamily="34" charset="0"/>
+              <a:buNone/>
+              <a:defRPr sz="1000" kern="1200">
+                <a:solidFill>
+                  <a:schemeClr val="tx1"/>
+                </a:solidFill>
+                <a:latin typeface="+mn-lt"/>
+                <a:ea typeface="+mn-ea"/>
+                <a:cs typeface="+mn-cs"/>
+              </a:defRPr>
+            </a:lvl5pPr>
+            <a:lvl6pPr marL="2286000" indent="0" algn="l" defTabSz="914400" rtl="0" eaLnBrk="1" latinLnBrk="0" hangingPunct="1">
+              <a:lnSpc>
+                <a:spcPct val="90000"/>
+              </a:lnSpc>
+              <a:spcBef>
+                <a:spcPts val="500"/>
+              </a:spcBef>
+              <a:buFont typeface="Arial" panose="020B0604020202020204" pitchFamily="34" charset="0"/>
+              <a:buNone/>
+              <a:defRPr sz="1000" kern="1200">
+                <a:solidFill>
+                  <a:schemeClr val="tx1"/>
+                </a:solidFill>
+                <a:latin typeface="+mn-lt"/>
+                <a:ea typeface="+mn-ea"/>
+                <a:cs typeface="+mn-cs"/>
+              </a:defRPr>
+            </a:lvl6pPr>
+            <a:lvl7pPr marL="2743200" indent="0" algn="l" defTabSz="914400" rtl="0" eaLnBrk="1" latinLnBrk="0" hangingPunct="1">
+              <a:lnSpc>
+                <a:spcPct val="90000"/>
+              </a:lnSpc>
+              <a:spcBef>
+                <a:spcPts val="500"/>
+              </a:spcBef>
+              <a:buFont typeface="Arial" panose="020B0604020202020204" pitchFamily="34" charset="0"/>
+              <a:buNone/>
+              <a:defRPr sz="1000" kern="1200">
+                <a:solidFill>
+                  <a:schemeClr val="tx1"/>
+                </a:solidFill>
+                <a:latin typeface="+mn-lt"/>
+                <a:ea typeface="+mn-ea"/>
+                <a:cs typeface="+mn-cs"/>
+              </a:defRPr>
+            </a:lvl7pPr>
+            <a:lvl8pPr marL="3200400" indent="0" algn="l" defTabSz="914400" rtl="0" eaLnBrk="1" latinLnBrk="0" hangingPunct="1">
+              <a:lnSpc>
+                <a:spcPct val="90000"/>
+              </a:lnSpc>
+              <a:spcBef>
+                <a:spcPts val="500"/>
+              </a:spcBef>
+              <a:buFont typeface="Arial" panose="020B0604020202020204" pitchFamily="34" charset="0"/>
+              <a:buNone/>
+              <a:defRPr sz="1000" kern="1200">
+                <a:solidFill>
+                  <a:schemeClr val="tx1"/>
+                </a:solidFill>
+                <a:latin typeface="+mn-lt"/>
+                <a:ea typeface="+mn-ea"/>
+                <a:cs typeface="+mn-cs"/>
+              </a:defRPr>
+            </a:lvl8pPr>
+            <a:lvl9pPr marL="3657600" indent="0" algn="l" defTabSz="914400" rtl="0" eaLnBrk="1" latinLnBrk="0" hangingPunct="1">
+              <a:lnSpc>
+                <a:spcPct val="90000"/>
+              </a:lnSpc>
+              <a:spcBef>
+                <a:spcPts val="500"/>
+              </a:spcBef>
+              <a:buFont typeface="Arial" panose="020B0604020202020204" pitchFamily="34" charset="0"/>
+              <a:buNone/>
+              <a:defRPr sz="1000" kern="1200">
+                <a:solidFill>
+                  <a:schemeClr val="tx1"/>
+                </a:solidFill>
+                <a:latin typeface="+mn-lt"/>
+                <a:ea typeface="+mn-ea"/>
+                <a:cs typeface="+mn-cs"/>
+              </a:defRPr>
+            </a:lvl9pPr>
+          </a:lstStyle>
           <a:p>
             <a:pPr algn="ctr"/>
-            <a:endParaRPr lang="en-US"/>
-          </a:p>
-        </p:txBody>
-      </p:sp>
-      <p:sp>
-        <p:nvSpPr>
-          <p:cNvPr id="8" name="TextBox 7">
+            <a:r>
+              <a:rPr lang="en-US" sz="1800" b="1" dirty="0">
+                <a:latin typeface="Times New Roman" panose="02020603050405020304" pitchFamily="18" charset="0"/>
+                <a:cs typeface="Times New Roman" panose="02020603050405020304" pitchFamily="18" charset="0"/>
+              </a:rPr>
+              <a:t>MARKETING “CAMPAIGN : 1” ANALYSIS</a:t>
+            </a:r>
+          </a:p>
+        </p:txBody>
+      </p:sp>
+      <p:sp>
+        <p:nvSpPr>
+          <p:cNvPr id="2" name="Text Placeholder 5">
             <a:extLst>
               <a:ext uri="{FF2B5EF4-FFF2-40B4-BE49-F238E27FC236}">
-                <a16:creationId xmlns:a16="http://schemas.microsoft.com/office/drawing/2014/main" id="{A8A9D96E-9DA1-ABFD-307F-B157C4A3FA77}"/>
+                <a16:creationId xmlns:a16="http://schemas.microsoft.com/office/drawing/2014/main" id="{DBB62594-A39D-4455-91D1-136F53F4987C}"/>
               </a:ext>
             </a:extLst>
           </p:cNvPr>
-          <p:cNvSpPr txBox="1"/>
+          <p:cNvSpPr txBox="1">
+            <a:spLocks/>
+          </p:cNvSpPr>
           <p:nvPr/>
         </p:nvSpPr>
         <p:spPr>
           <a:xfrm>
-            <a:off x="838200" y="311706"/>
-            <a:ext cx="2836033" cy="523220"/>
+            <a:off x="352185" y="5290914"/>
+            <a:ext cx="11487630" cy="827423"/>
           </a:xfrm>
           <a:prstGeom prst="rect">
             <a:avLst/>
           </a:prstGeom>
-          <a:noFill/>
+          <a:solidFill>
+            <a:srgbClr val="B5C5E6"/>
+          </a:solidFill>
+          <a:ln>
+            <a:solidFill>
+              <a:srgbClr val="B5C5E6"/>
+            </a:solidFill>
+          </a:ln>
         </p:spPr>
         <p:txBody>
-          <a:bodyPr wrap="none" rtlCol="0">
-            <a:spAutoFit/>
+          <a:bodyPr vert="horz" lIns="91440" tIns="45720" rIns="91440" bIns="45720" rtlCol="0">
+            <a:normAutofit/>
           </a:bodyPr>
-          <a:lstStyle/>
-          <a:p>
-            <a:r>
-              <a:rPr lang="en-US" sz="2800" b="1" dirty="0">
-                <a:latin typeface="Times New Roman" panose="02020603050405020304" pitchFamily="18" charset="0"/>
-                <a:cs typeface="Times New Roman" panose="02020603050405020304" pitchFamily="18" charset="0"/>
-              </a:rPr>
-              <a:t>OBJECTIVE - II</a:t>
+          <a:lstStyle>
+            <a:lvl1pPr marL="0" indent="0" algn="l" defTabSz="914400" rtl="0" eaLnBrk="1" latinLnBrk="0" hangingPunct="1">
+              <a:lnSpc>
+                <a:spcPct val="90000"/>
+              </a:lnSpc>
+              <a:spcBef>
+                <a:spcPts val="1000"/>
+              </a:spcBef>
+              <a:buFont typeface="Arial" panose="020B0604020202020204" pitchFamily="34" charset="0"/>
+              <a:buNone/>
+              <a:defRPr sz="1600" kern="1200">
+                <a:solidFill>
+                  <a:schemeClr val="tx1"/>
+                </a:solidFill>
+                <a:latin typeface="+mn-lt"/>
+                <a:ea typeface="+mn-ea"/>
+                <a:cs typeface="+mn-cs"/>
+              </a:defRPr>
+            </a:lvl1pPr>
+            <a:lvl2pPr marL="457200" indent="0" algn="l" defTabSz="914400" rtl="0" eaLnBrk="1" latinLnBrk="0" hangingPunct="1">
+              <a:lnSpc>
+                <a:spcPct val="90000"/>
+              </a:lnSpc>
+              <a:spcBef>
+                <a:spcPts val="500"/>
+              </a:spcBef>
+              <a:buFont typeface="Arial" panose="020B0604020202020204" pitchFamily="34" charset="0"/>
+              <a:buNone/>
+              <a:defRPr sz="1400" kern="1200">
+                <a:solidFill>
+                  <a:schemeClr val="tx1"/>
+                </a:solidFill>
+                <a:latin typeface="+mn-lt"/>
+                <a:ea typeface="+mn-ea"/>
+                <a:cs typeface="+mn-cs"/>
+              </a:defRPr>
+            </a:lvl2pPr>
+            <a:lvl3pPr marL="914400" indent="0" algn="l" defTabSz="914400" rtl="0" eaLnBrk="1" latinLnBrk="0" hangingPunct="1">
+              <a:lnSpc>
+                <a:spcPct val="90000"/>
+              </a:lnSpc>
+              <a:spcBef>
+                <a:spcPts val="500"/>
+              </a:spcBef>
+              <a:buFont typeface="Arial" panose="020B0604020202020204" pitchFamily="34" charset="0"/>
+              <a:buNone/>
+              <a:defRPr sz="1200" kern="1200">
+                <a:solidFill>
+                  <a:schemeClr val="tx1"/>
+                </a:solidFill>
+                <a:latin typeface="+mn-lt"/>
+                <a:ea typeface="+mn-ea"/>
+                <a:cs typeface="+mn-cs"/>
+              </a:defRPr>
+            </a:lvl3pPr>
+            <a:lvl4pPr marL="1371600" indent="0" algn="l" defTabSz="914400" rtl="0" eaLnBrk="1" latinLnBrk="0" hangingPunct="1">
+              <a:lnSpc>
+                <a:spcPct val="90000"/>
+              </a:lnSpc>
+              <a:spcBef>
+                <a:spcPts val="500"/>
+              </a:spcBef>
+              <a:buFont typeface="Arial" panose="020B0604020202020204" pitchFamily="34" charset="0"/>
+              <a:buNone/>
+              <a:defRPr sz="1000" kern="1200">
+                <a:solidFill>
+                  <a:schemeClr val="tx1"/>
+                </a:solidFill>
+                <a:latin typeface="+mn-lt"/>
+                <a:ea typeface="+mn-ea"/>
+                <a:cs typeface="+mn-cs"/>
+              </a:defRPr>
+            </a:lvl4pPr>
+            <a:lvl5pPr marL="1828800" indent="0" algn="l" defTabSz="914400" rtl="0" eaLnBrk="1" latinLnBrk="0" hangingPunct="1">
+              <a:lnSpc>
+                <a:spcPct val="90000"/>
+              </a:lnSpc>
+              <a:spcBef>
+                <a:spcPts val="500"/>
+              </a:spcBef>
+              <a:buFont typeface="Arial" panose="020B0604020202020204" pitchFamily="34" charset="0"/>
+              <a:buNone/>
+              <a:defRPr sz="1000" kern="1200">
+                <a:solidFill>
+                  <a:schemeClr val="tx1"/>
+                </a:solidFill>
+                <a:latin typeface="+mn-lt"/>
+                <a:ea typeface="+mn-ea"/>
+                <a:cs typeface="+mn-cs"/>
+              </a:defRPr>
+            </a:lvl5pPr>
+            <a:lvl6pPr marL="2286000" indent="0" algn="l" defTabSz="914400" rtl="0" eaLnBrk="1" latinLnBrk="0" hangingPunct="1">
+              <a:lnSpc>
+                <a:spcPct val="90000"/>
+              </a:lnSpc>
+              <a:spcBef>
+                <a:spcPts val="500"/>
+              </a:spcBef>
+              <a:buFont typeface="Arial" panose="020B0604020202020204" pitchFamily="34" charset="0"/>
+              <a:buNone/>
+              <a:defRPr sz="1000" kern="1200">
+                <a:solidFill>
+                  <a:schemeClr val="tx1"/>
+                </a:solidFill>
+                <a:latin typeface="+mn-lt"/>
+                <a:ea typeface="+mn-ea"/>
+                <a:cs typeface="+mn-cs"/>
+              </a:defRPr>
+            </a:lvl6pPr>
+            <a:lvl7pPr marL="2743200" indent="0" algn="l" defTabSz="914400" rtl="0" eaLnBrk="1" latinLnBrk="0" hangingPunct="1">
+              <a:lnSpc>
+                <a:spcPct val="90000"/>
+              </a:lnSpc>
+              <a:spcBef>
+                <a:spcPts val="500"/>
+              </a:spcBef>
+              <a:buFont typeface="Arial" panose="020B0604020202020204" pitchFamily="34" charset="0"/>
+              <a:buNone/>
+              <a:defRPr sz="1000" kern="1200">
+                <a:solidFill>
+                  <a:schemeClr val="tx1"/>
+                </a:solidFill>
+                <a:latin typeface="+mn-lt"/>
+                <a:ea typeface="+mn-ea"/>
+                <a:cs typeface="+mn-cs"/>
+              </a:defRPr>
+            </a:lvl7pPr>
+            <a:lvl8pPr marL="3200400" indent="0" algn="l" defTabSz="914400" rtl="0" eaLnBrk="1" latinLnBrk="0" hangingPunct="1">
+              <a:lnSpc>
+                <a:spcPct val="90000"/>
+              </a:lnSpc>
+              <a:spcBef>
+                <a:spcPts val="500"/>
+              </a:spcBef>
+              <a:buFont typeface="Arial" panose="020B0604020202020204" pitchFamily="34" charset="0"/>
+              <a:buNone/>
+              <a:defRPr sz="1000" kern="1200">
+                <a:solidFill>
+                  <a:schemeClr val="tx1"/>
+                </a:solidFill>
+                <a:latin typeface="+mn-lt"/>
+                <a:ea typeface="+mn-ea"/>
+                <a:cs typeface="+mn-cs"/>
+              </a:defRPr>
+            </a:lvl8pPr>
+            <a:lvl9pPr marL="3657600" indent="0" algn="l" defTabSz="914400" rtl="0" eaLnBrk="1" latinLnBrk="0" hangingPunct="1">
+              <a:lnSpc>
+                <a:spcPct val="90000"/>
+              </a:lnSpc>
+              <a:spcBef>
+                <a:spcPts val="500"/>
+              </a:spcBef>
+              <a:buFont typeface="Arial" panose="020B0604020202020204" pitchFamily="34" charset="0"/>
+              <a:buNone/>
+              <a:defRPr sz="1000" kern="1200">
+                <a:solidFill>
+                  <a:schemeClr val="tx1"/>
+                </a:solidFill>
+                <a:latin typeface="+mn-lt"/>
+                <a:ea typeface="+mn-ea"/>
+                <a:cs typeface="+mn-cs"/>
+              </a:defRPr>
+            </a:lvl9pPr>
+          </a:lstStyle>
+          <a:p>
+            <a:pPr marL="285750" indent="-285750">
+              <a:spcBef>
+                <a:spcPts val="600"/>
+              </a:spcBef>
+              <a:buFont typeface="Arial" panose="020B0604020202020204" pitchFamily="34" charset="0"/>
+              <a:buChar char="•"/>
+            </a:pPr>
+            <a:r>
+              <a:rPr lang="en-US" sz="1200" dirty="0">
+                <a:latin typeface="Times New Roman" panose="02020603050405020304" pitchFamily="18" charset="0"/>
+                <a:cs typeface="Times New Roman" panose="02020603050405020304" pitchFamily="18" charset="0"/>
+              </a:rPr>
+              <a:t>The “Campaign:1” sales transaction value is $198.2k with an average sale per customer about $1490 (a 145% increase from the overall average of $608).</a:t>
+            </a:r>
+          </a:p>
+          <a:p>
+            <a:pPr marL="285750" indent="-285750">
+              <a:spcBef>
+                <a:spcPts val="600"/>
+              </a:spcBef>
+              <a:buFont typeface="Arial" panose="020B0604020202020204" pitchFamily="34" charset="0"/>
+              <a:buChar char="•"/>
+            </a:pPr>
+            <a:r>
+              <a:rPr lang="en-US" sz="1200" dirty="0">
+                <a:latin typeface="Times New Roman" panose="02020603050405020304" pitchFamily="18" charset="0"/>
+                <a:cs typeface="Times New Roman" panose="02020603050405020304" pitchFamily="18" charset="0"/>
+              </a:rPr>
+              <a:t>133 customers responded to the campaign i.e. a 6.6% conversion rate.</a:t>
+            </a:r>
+          </a:p>
+          <a:p>
+            <a:pPr marL="285750" indent="-285750">
+              <a:spcBef>
+                <a:spcPts val="600"/>
+              </a:spcBef>
+              <a:buFont typeface="Arial" panose="020B0604020202020204" pitchFamily="34" charset="0"/>
+              <a:buChar char="•"/>
+            </a:pPr>
+            <a:r>
+              <a:rPr lang="en-US" sz="1200" dirty="0">
+                <a:latin typeface="Times New Roman" panose="02020603050405020304" pitchFamily="18" charset="0"/>
+                <a:cs typeface="Times New Roman" panose="02020603050405020304" pitchFamily="18" charset="0"/>
+              </a:rPr>
+              <a:t>The campaign captured 99 customers from the 1366 customers who hasn’t purchased for more than a month.</a:t>
             </a:r>
           </a:p>
         </p:txBody>
@@ -5796,7 +5914,7 @@
     </p:spTree>
     <p:extLst>
       <p:ext uri="{BB962C8B-B14F-4D97-AF65-F5344CB8AC3E}">
-        <p14:creationId xmlns:p14="http://schemas.microsoft.com/office/powerpoint/2010/main" val="2374912884"/>
+        <p14:creationId xmlns:p14="http://schemas.microsoft.com/office/powerpoint/2010/main" val="2856371222"/>
       </p:ext>
     </p:extLst>
   </p:cSld>
@@ -5823,40 +5941,499 @@
           <a:chExt cx="0" cy="0"/>
         </a:xfrm>
       </p:grpSpPr>
-      <p:sp>
-        <p:nvSpPr>
-          <p:cNvPr id="2" name="Title 1">
+      <p:pic>
+        <p:nvPicPr>
+          <p:cNvPr id="86" name="Content Placeholder 85">
             <a:extLst>
               <a:ext uri="{FF2B5EF4-FFF2-40B4-BE49-F238E27FC236}">
-                <a16:creationId xmlns:a16="http://schemas.microsoft.com/office/drawing/2014/main" id="{B02498A4-6F1B-7105-4966-8A08A14A911C}"/>
+                <a16:creationId xmlns:a16="http://schemas.microsoft.com/office/drawing/2014/main" id="{3ADD69E0-AD6B-73A8-9042-F8C043641A8B}"/>
               </a:ext>
             </a:extLst>
           </p:cNvPr>
-          <p:cNvSpPr>
-            <a:spLocks noGrp="1"/>
-          </p:cNvSpPr>
-          <p:nvPr>
-            <p:ph type="title"/>
-          </p:nvPr>
-        </p:nvSpPr>
+          <p:cNvPicPr>
+            <a:picLocks noGrp="1" noChangeAspect="1"/>
+          </p:cNvPicPr>
+          <p:nvPr>
+            <p:ph idx="1"/>
+          </p:nvPr>
+        </p:nvPicPr>
+        <p:blipFill>
+          <a:blip r:embed="rId3">
+            <a:extLst>
+              <a:ext uri="{28A0092B-C50C-407E-A947-70E740481C1C}">
+                <a14:useLocalDpi xmlns:a14="http://schemas.microsoft.com/office/drawing/2010/main" val="0"/>
+              </a:ext>
+            </a:extLst>
+          </a:blip>
+          <a:srcRect/>
+          <a:stretch/>
+        </p:blipFill>
         <p:spPr>
           <a:xfrm>
-            <a:off x="4700707" y="2766218"/>
-            <a:ext cx="2790585" cy="1325563"/>
+            <a:off x="1250388" y="487193"/>
+            <a:ext cx="9691571" cy="4572000"/>
           </a:xfrm>
+          <a:prstGeom prst="rect">
+            <a:avLst/>
+          </a:prstGeom>
         </p:spPr>
-        <p:txBody>
-          <a:bodyPr>
-            <a:normAutofit fontScale="90000"/>
+      </p:pic>
+      <p:sp>
+        <p:nvSpPr>
+          <p:cNvPr id="89" name="Text Placeholder 5">
+            <a:extLst>
+              <a:ext uri="{FF2B5EF4-FFF2-40B4-BE49-F238E27FC236}">
+                <a16:creationId xmlns:a16="http://schemas.microsoft.com/office/drawing/2014/main" id="{A5EF68E2-0F5E-D60A-8A94-908901B0A627}"/>
+              </a:ext>
+            </a:extLst>
+          </p:cNvPr>
+          <p:cNvSpPr txBox="1">
+            <a:spLocks/>
+          </p:cNvSpPr>
+          <p:nvPr/>
+        </p:nvSpPr>
+        <p:spPr>
+          <a:xfrm>
+            <a:off x="1507518" y="519331"/>
+            <a:ext cx="9227157" cy="293857"/>
+          </a:xfrm>
+          <a:prstGeom prst="rect">
+            <a:avLst/>
+          </a:prstGeom>
+          <a:solidFill>
+            <a:srgbClr val="B5C5E6"/>
+          </a:solidFill>
+          <a:ln>
+            <a:solidFill>
+              <a:srgbClr val="B5C5E6"/>
+            </a:solidFill>
+          </a:ln>
+        </p:spPr>
+        <p:txBody>
+          <a:bodyPr vert="horz" lIns="91440" tIns="45720" rIns="91440" bIns="45720" rtlCol="0">
+            <a:normAutofit fontScale="92500" lnSpcReduction="20000"/>
           </a:bodyPr>
-          <a:lstStyle/>
-          <a:p>
-            <a:r>
-              <a:rPr lang="en-US" sz="4800" b="1" dirty="0">
-                <a:latin typeface="Times New Roman" panose="02020603050405020304" pitchFamily="18" charset="0"/>
-                <a:cs typeface="Times New Roman" panose="02020603050405020304" pitchFamily="18" charset="0"/>
-              </a:rPr>
-              <a:t>Thank You</a:t>
+          <a:lstStyle>
+            <a:lvl1pPr marL="0" indent="0" algn="l" defTabSz="914400" rtl="0" eaLnBrk="1" latinLnBrk="0" hangingPunct="1">
+              <a:lnSpc>
+                <a:spcPct val="90000"/>
+              </a:lnSpc>
+              <a:spcBef>
+                <a:spcPts val="1000"/>
+              </a:spcBef>
+              <a:buFont typeface="Arial" panose="020B0604020202020204" pitchFamily="34" charset="0"/>
+              <a:buNone/>
+              <a:defRPr sz="1600" kern="1200">
+                <a:solidFill>
+                  <a:schemeClr val="tx1"/>
+                </a:solidFill>
+                <a:latin typeface="+mn-lt"/>
+                <a:ea typeface="+mn-ea"/>
+                <a:cs typeface="+mn-cs"/>
+              </a:defRPr>
+            </a:lvl1pPr>
+            <a:lvl2pPr marL="457200" indent="0" algn="l" defTabSz="914400" rtl="0" eaLnBrk="1" latinLnBrk="0" hangingPunct="1">
+              <a:lnSpc>
+                <a:spcPct val="90000"/>
+              </a:lnSpc>
+              <a:spcBef>
+                <a:spcPts val="500"/>
+              </a:spcBef>
+              <a:buFont typeface="Arial" panose="020B0604020202020204" pitchFamily="34" charset="0"/>
+              <a:buNone/>
+              <a:defRPr sz="1400" kern="1200">
+                <a:solidFill>
+                  <a:schemeClr val="tx1"/>
+                </a:solidFill>
+                <a:latin typeface="+mn-lt"/>
+                <a:ea typeface="+mn-ea"/>
+                <a:cs typeface="+mn-cs"/>
+              </a:defRPr>
+            </a:lvl2pPr>
+            <a:lvl3pPr marL="914400" indent="0" algn="l" defTabSz="914400" rtl="0" eaLnBrk="1" latinLnBrk="0" hangingPunct="1">
+              <a:lnSpc>
+                <a:spcPct val="90000"/>
+              </a:lnSpc>
+              <a:spcBef>
+                <a:spcPts val="500"/>
+              </a:spcBef>
+              <a:buFont typeface="Arial" panose="020B0604020202020204" pitchFamily="34" charset="0"/>
+              <a:buNone/>
+              <a:defRPr sz="1200" kern="1200">
+                <a:solidFill>
+                  <a:schemeClr val="tx1"/>
+                </a:solidFill>
+                <a:latin typeface="+mn-lt"/>
+                <a:ea typeface="+mn-ea"/>
+                <a:cs typeface="+mn-cs"/>
+              </a:defRPr>
+            </a:lvl3pPr>
+            <a:lvl4pPr marL="1371600" indent="0" algn="l" defTabSz="914400" rtl="0" eaLnBrk="1" latinLnBrk="0" hangingPunct="1">
+              <a:lnSpc>
+                <a:spcPct val="90000"/>
+              </a:lnSpc>
+              <a:spcBef>
+                <a:spcPts val="500"/>
+              </a:spcBef>
+              <a:buFont typeface="Arial" panose="020B0604020202020204" pitchFamily="34" charset="0"/>
+              <a:buNone/>
+              <a:defRPr sz="1000" kern="1200">
+                <a:solidFill>
+                  <a:schemeClr val="tx1"/>
+                </a:solidFill>
+                <a:latin typeface="+mn-lt"/>
+                <a:ea typeface="+mn-ea"/>
+                <a:cs typeface="+mn-cs"/>
+              </a:defRPr>
+            </a:lvl4pPr>
+            <a:lvl5pPr marL="1828800" indent="0" algn="l" defTabSz="914400" rtl="0" eaLnBrk="1" latinLnBrk="0" hangingPunct="1">
+              <a:lnSpc>
+                <a:spcPct val="90000"/>
+              </a:lnSpc>
+              <a:spcBef>
+                <a:spcPts val="500"/>
+              </a:spcBef>
+              <a:buFont typeface="Arial" panose="020B0604020202020204" pitchFamily="34" charset="0"/>
+              <a:buNone/>
+              <a:defRPr sz="1000" kern="1200">
+                <a:solidFill>
+                  <a:schemeClr val="tx1"/>
+                </a:solidFill>
+                <a:latin typeface="+mn-lt"/>
+                <a:ea typeface="+mn-ea"/>
+                <a:cs typeface="+mn-cs"/>
+              </a:defRPr>
+            </a:lvl5pPr>
+            <a:lvl6pPr marL="2286000" indent="0" algn="l" defTabSz="914400" rtl="0" eaLnBrk="1" latinLnBrk="0" hangingPunct="1">
+              <a:lnSpc>
+                <a:spcPct val="90000"/>
+              </a:lnSpc>
+              <a:spcBef>
+                <a:spcPts val="500"/>
+              </a:spcBef>
+              <a:buFont typeface="Arial" panose="020B0604020202020204" pitchFamily="34" charset="0"/>
+              <a:buNone/>
+              <a:defRPr sz="1000" kern="1200">
+                <a:solidFill>
+                  <a:schemeClr val="tx1"/>
+                </a:solidFill>
+                <a:latin typeface="+mn-lt"/>
+                <a:ea typeface="+mn-ea"/>
+                <a:cs typeface="+mn-cs"/>
+              </a:defRPr>
+            </a:lvl6pPr>
+            <a:lvl7pPr marL="2743200" indent="0" algn="l" defTabSz="914400" rtl="0" eaLnBrk="1" latinLnBrk="0" hangingPunct="1">
+              <a:lnSpc>
+                <a:spcPct val="90000"/>
+              </a:lnSpc>
+              <a:spcBef>
+                <a:spcPts val="500"/>
+              </a:spcBef>
+              <a:buFont typeface="Arial" panose="020B0604020202020204" pitchFamily="34" charset="0"/>
+              <a:buNone/>
+              <a:defRPr sz="1000" kern="1200">
+                <a:solidFill>
+                  <a:schemeClr val="tx1"/>
+                </a:solidFill>
+                <a:latin typeface="+mn-lt"/>
+                <a:ea typeface="+mn-ea"/>
+                <a:cs typeface="+mn-cs"/>
+              </a:defRPr>
+            </a:lvl7pPr>
+            <a:lvl8pPr marL="3200400" indent="0" algn="l" defTabSz="914400" rtl="0" eaLnBrk="1" latinLnBrk="0" hangingPunct="1">
+              <a:lnSpc>
+                <a:spcPct val="90000"/>
+              </a:lnSpc>
+              <a:spcBef>
+                <a:spcPts val="500"/>
+              </a:spcBef>
+              <a:buFont typeface="Arial" panose="020B0604020202020204" pitchFamily="34" charset="0"/>
+              <a:buNone/>
+              <a:defRPr sz="1000" kern="1200">
+                <a:solidFill>
+                  <a:schemeClr val="tx1"/>
+                </a:solidFill>
+                <a:latin typeface="+mn-lt"/>
+                <a:ea typeface="+mn-ea"/>
+                <a:cs typeface="+mn-cs"/>
+              </a:defRPr>
+            </a:lvl8pPr>
+            <a:lvl9pPr marL="3657600" indent="0" algn="l" defTabSz="914400" rtl="0" eaLnBrk="1" latinLnBrk="0" hangingPunct="1">
+              <a:lnSpc>
+                <a:spcPct val="90000"/>
+              </a:lnSpc>
+              <a:spcBef>
+                <a:spcPts val="500"/>
+              </a:spcBef>
+              <a:buFont typeface="Arial" panose="020B0604020202020204" pitchFamily="34" charset="0"/>
+              <a:buNone/>
+              <a:defRPr sz="1000" kern="1200">
+                <a:solidFill>
+                  <a:schemeClr val="tx1"/>
+                </a:solidFill>
+                <a:latin typeface="+mn-lt"/>
+                <a:ea typeface="+mn-ea"/>
+                <a:cs typeface="+mn-cs"/>
+              </a:defRPr>
+            </a:lvl9pPr>
+          </a:lstStyle>
+          <a:p>
+            <a:pPr algn="ctr"/>
+            <a:r>
+              <a:rPr lang="en-US" sz="1800" b="1" dirty="0">
+                <a:latin typeface="Times New Roman" panose="02020603050405020304" pitchFamily="18" charset="0"/>
+                <a:cs typeface="Times New Roman" panose="02020603050405020304" pitchFamily="18" charset="0"/>
+              </a:rPr>
+              <a:t>MARKETING “CAMPAIGN : 2” ANALYSIS</a:t>
+            </a:r>
+          </a:p>
+        </p:txBody>
+      </p:sp>
+      <p:sp>
+        <p:nvSpPr>
+          <p:cNvPr id="2" name="Text Placeholder 5">
+            <a:extLst>
+              <a:ext uri="{FF2B5EF4-FFF2-40B4-BE49-F238E27FC236}">
+                <a16:creationId xmlns:a16="http://schemas.microsoft.com/office/drawing/2014/main" id="{9CEB08B7-991F-AD49-9673-A7D5203A594D}"/>
+              </a:ext>
+            </a:extLst>
+          </p:cNvPr>
+          <p:cNvSpPr txBox="1">
+            <a:spLocks/>
+          </p:cNvSpPr>
+          <p:nvPr/>
+        </p:nvSpPr>
+        <p:spPr>
+          <a:xfrm>
+            <a:off x="352185" y="5290914"/>
+            <a:ext cx="11487630" cy="827423"/>
+          </a:xfrm>
+          <a:prstGeom prst="rect">
+            <a:avLst/>
+          </a:prstGeom>
+          <a:solidFill>
+            <a:srgbClr val="B5C5E6"/>
+          </a:solidFill>
+          <a:ln>
+            <a:solidFill>
+              <a:srgbClr val="B5C5E6"/>
+            </a:solidFill>
+          </a:ln>
+        </p:spPr>
+        <p:txBody>
+          <a:bodyPr vert="horz" lIns="91440" tIns="45720" rIns="91440" bIns="45720" rtlCol="0">
+            <a:normAutofit/>
+          </a:bodyPr>
+          <a:lstStyle>
+            <a:lvl1pPr marL="0" indent="0" algn="l" defTabSz="914400" rtl="0" eaLnBrk="1" latinLnBrk="0" hangingPunct="1">
+              <a:lnSpc>
+                <a:spcPct val="90000"/>
+              </a:lnSpc>
+              <a:spcBef>
+                <a:spcPts val="1000"/>
+              </a:spcBef>
+              <a:buFont typeface="Arial" panose="020B0604020202020204" pitchFamily="34" charset="0"/>
+              <a:buNone/>
+              <a:defRPr sz="1600" kern="1200">
+                <a:solidFill>
+                  <a:schemeClr val="tx1"/>
+                </a:solidFill>
+                <a:latin typeface="+mn-lt"/>
+                <a:ea typeface="+mn-ea"/>
+                <a:cs typeface="+mn-cs"/>
+              </a:defRPr>
+            </a:lvl1pPr>
+            <a:lvl2pPr marL="457200" indent="0" algn="l" defTabSz="914400" rtl="0" eaLnBrk="1" latinLnBrk="0" hangingPunct="1">
+              <a:lnSpc>
+                <a:spcPct val="90000"/>
+              </a:lnSpc>
+              <a:spcBef>
+                <a:spcPts val="500"/>
+              </a:spcBef>
+              <a:buFont typeface="Arial" panose="020B0604020202020204" pitchFamily="34" charset="0"/>
+              <a:buNone/>
+              <a:defRPr sz="1400" kern="1200">
+                <a:solidFill>
+                  <a:schemeClr val="tx1"/>
+                </a:solidFill>
+                <a:latin typeface="+mn-lt"/>
+                <a:ea typeface="+mn-ea"/>
+                <a:cs typeface="+mn-cs"/>
+              </a:defRPr>
+            </a:lvl2pPr>
+            <a:lvl3pPr marL="914400" indent="0" algn="l" defTabSz="914400" rtl="0" eaLnBrk="1" latinLnBrk="0" hangingPunct="1">
+              <a:lnSpc>
+                <a:spcPct val="90000"/>
+              </a:lnSpc>
+              <a:spcBef>
+                <a:spcPts val="500"/>
+              </a:spcBef>
+              <a:buFont typeface="Arial" panose="020B0604020202020204" pitchFamily="34" charset="0"/>
+              <a:buNone/>
+              <a:defRPr sz="1200" kern="1200">
+                <a:solidFill>
+                  <a:schemeClr val="tx1"/>
+                </a:solidFill>
+                <a:latin typeface="+mn-lt"/>
+                <a:ea typeface="+mn-ea"/>
+                <a:cs typeface="+mn-cs"/>
+              </a:defRPr>
+            </a:lvl3pPr>
+            <a:lvl4pPr marL="1371600" indent="0" algn="l" defTabSz="914400" rtl="0" eaLnBrk="1" latinLnBrk="0" hangingPunct="1">
+              <a:lnSpc>
+                <a:spcPct val="90000"/>
+              </a:lnSpc>
+              <a:spcBef>
+                <a:spcPts val="500"/>
+              </a:spcBef>
+              <a:buFont typeface="Arial" panose="020B0604020202020204" pitchFamily="34" charset="0"/>
+              <a:buNone/>
+              <a:defRPr sz="1000" kern="1200">
+                <a:solidFill>
+                  <a:schemeClr val="tx1"/>
+                </a:solidFill>
+                <a:latin typeface="+mn-lt"/>
+                <a:ea typeface="+mn-ea"/>
+                <a:cs typeface="+mn-cs"/>
+              </a:defRPr>
+            </a:lvl4pPr>
+            <a:lvl5pPr marL="1828800" indent="0" algn="l" defTabSz="914400" rtl="0" eaLnBrk="1" latinLnBrk="0" hangingPunct="1">
+              <a:lnSpc>
+                <a:spcPct val="90000"/>
+              </a:lnSpc>
+              <a:spcBef>
+                <a:spcPts val="500"/>
+              </a:spcBef>
+              <a:buFont typeface="Arial" panose="020B0604020202020204" pitchFamily="34" charset="0"/>
+              <a:buNone/>
+              <a:defRPr sz="1000" kern="1200">
+                <a:solidFill>
+                  <a:schemeClr val="tx1"/>
+                </a:solidFill>
+                <a:latin typeface="+mn-lt"/>
+                <a:ea typeface="+mn-ea"/>
+                <a:cs typeface="+mn-cs"/>
+              </a:defRPr>
+            </a:lvl5pPr>
+            <a:lvl6pPr marL="2286000" indent="0" algn="l" defTabSz="914400" rtl="0" eaLnBrk="1" latinLnBrk="0" hangingPunct="1">
+              <a:lnSpc>
+                <a:spcPct val="90000"/>
+              </a:lnSpc>
+              <a:spcBef>
+                <a:spcPts val="500"/>
+              </a:spcBef>
+              <a:buFont typeface="Arial" panose="020B0604020202020204" pitchFamily="34" charset="0"/>
+              <a:buNone/>
+              <a:defRPr sz="1000" kern="1200">
+                <a:solidFill>
+                  <a:schemeClr val="tx1"/>
+                </a:solidFill>
+                <a:latin typeface="+mn-lt"/>
+                <a:ea typeface="+mn-ea"/>
+                <a:cs typeface="+mn-cs"/>
+              </a:defRPr>
+            </a:lvl6pPr>
+            <a:lvl7pPr marL="2743200" indent="0" algn="l" defTabSz="914400" rtl="0" eaLnBrk="1" latinLnBrk="0" hangingPunct="1">
+              <a:lnSpc>
+                <a:spcPct val="90000"/>
+              </a:lnSpc>
+              <a:spcBef>
+                <a:spcPts val="500"/>
+              </a:spcBef>
+              <a:buFont typeface="Arial" panose="020B0604020202020204" pitchFamily="34" charset="0"/>
+              <a:buNone/>
+              <a:defRPr sz="1000" kern="1200">
+                <a:solidFill>
+                  <a:schemeClr val="tx1"/>
+                </a:solidFill>
+                <a:latin typeface="+mn-lt"/>
+                <a:ea typeface="+mn-ea"/>
+                <a:cs typeface="+mn-cs"/>
+              </a:defRPr>
+            </a:lvl7pPr>
+            <a:lvl8pPr marL="3200400" indent="0" algn="l" defTabSz="914400" rtl="0" eaLnBrk="1" latinLnBrk="0" hangingPunct="1">
+              <a:lnSpc>
+                <a:spcPct val="90000"/>
+              </a:lnSpc>
+              <a:spcBef>
+                <a:spcPts val="500"/>
+              </a:spcBef>
+              <a:buFont typeface="Arial" panose="020B0604020202020204" pitchFamily="34" charset="0"/>
+              <a:buNone/>
+              <a:defRPr sz="1000" kern="1200">
+                <a:solidFill>
+                  <a:schemeClr val="tx1"/>
+                </a:solidFill>
+                <a:latin typeface="+mn-lt"/>
+                <a:ea typeface="+mn-ea"/>
+                <a:cs typeface="+mn-cs"/>
+              </a:defRPr>
+            </a:lvl8pPr>
+            <a:lvl9pPr marL="3657600" indent="0" algn="l" defTabSz="914400" rtl="0" eaLnBrk="1" latinLnBrk="0" hangingPunct="1">
+              <a:lnSpc>
+                <a:spcPct val="90000"/>
+              </a:lnSpc>
+              <a:spcBef>
+                <a:spcPts val="500"/>
+              </a:spcBef>
+              <a:buFont typeface="Arial" panose="020B0604020202020204" pitchFamily="34" charset="0"/>
+              <a:buNone/>
+              <a:defRPr sz="1000" kern="1200">
+                <a:solidFill>
+                  <a:schemeClr val="tx1"/>
+                </a:solidFill>
+                <a:latin typeface="+mn-lt"/>
+                <a:ea typeface="+mn-ea"/>
+                <a:cs typeface="+mn-cs"/>
+              </a:defRPr>
+            </a:lvl9pPr>
+          </a:lstStyle>
+          <a:p>
+            <a:pPr marL="285750" indent="-285750">
+              <a:spcBef>
+                <a:spcPts val="600"/>
+              </a:spcBef>
+              <a:buFont typeface="Arial" panose="020B0604020202020204" pitchFamily="34" charset="0"/>
+              <a:buChar char="•"/>
+            </a:pPr>
+            <a:r>
+              <a:rPr lang="en-US" sz="1200" dirty="0">
+                <a:latin typeface="Times New Roman" panose="02020603050405020304" pitchFamily="18" charset="0"/>
+                <a:cs typeface="Times New Roman" panose="02020603050405020304" pitchFamily="18" charset="0"/>
+              </a:rPr>
+              <a:t>The “Campaign:2” sales transaction value is $34.4k with an average sale per customer about $1324 (a 118% increase from the overall average of $608).</a:t>
+            </a:r>
+          </a:p>
+          <a:p>
+            <a:pPr marL="285750" indent="-285750">
+              <a:spcBef>
+                <a:spcPts val="600"/>
+              </a:spcBef>
+              <a:buFont typeface="Arial" panose="020B0604020202020204" pitchFamily="34" charset="0"/>
+              <a:buChar char="•"/>
+            </a:pPr>
+            <a:r>
+              <a:rPr lang="en-US" sz="1200" dirty="0">
+                <a:latin typeface="Times New Roman" panose="02020603050405020304" pitchFamily="18" charset="0"/>
+                <a:cs typeface="Times New Roman" panose="02020603050405020304" pitchFamily="18" charset="0"/>
+              </a:rPr>
+              <a:t>26 customers responded to the campaign i.e. a 1.3% conversion rate.</a:t>
+            </a:r>
+          </a:p>
+          <a:p>
+            <a:pPr marL="285750" indent="-285750">
+              <a:spcBef>
+                <a:spcPts val="600"/>
+              </a:spcBef>
+              <a:buFont typeface="Arial" panose="020B0604020202020204" pitchFamily="34" charset="0"/>
+              <a:buChar char="•"/>
+            </a:pPr>
+            <a:r>
+              <a:rPr lang="en-US" sz="1200" dirty="0">
+                <a:latin typeface="Times New Roman" panose="02020603050405020304" pitchFamily="18" charset="0"/>
+                <a:cs typeface="Times New Roman" panose="02020603050405020304" pitchFamily="18" charset="0"/>
+              </a:rPr>
+              <a:t>The campaign captured 20 customers from the 1366 customers who hasn’t purchased for more than a month.</a:t>
             </a:r>
           </a:p>
         </p:txBody>
@@ -5864,7 +6441,7 @@
     </p:spTree>
     <p:extLst>
       <p:ext uri="{BB962C8B-B14F-4D97-AF65-F5344CB8AC3E}">
-        <p14:creationId xmlns:p14="http://schemas.microsoft.com/office/powerpoint/2010/main" val="858010775"/>
+        <p14:creationId xmlns:p14="http://schemas.microsoft.com/office/powerpoint/2010/main" val="2832518940"/>
       </p:ext>
     </p:extLst>
   </p:cSld>
@@ -5891,40 +6468,499 @@
           <a:chExt cx="0" cy="0"/>
         </a:xfrm>
       </p:grpSpPr>
-      <p:sp>
-        <p:nvSpPr>
-          <p:cNvPr id="2" name="Title 1">
+      <p:pic>
+        <p:nvPicPr>
+          <p:cNvPr id="86" name="Content Placeholder 85">
             <a:extLst>
               <a:ext uri="{FF2B5EF4-FFF2-40B4-BE49-F238E27FC236}">
-                <a16:creationId xmlns:a16="http://schemas.microsoft.com/office/drawing/2014/main" id="{B02498A4-6F1B-7105-4966-8A08A14A911C}"/>
+                <a16:creationId xmlns:a16="http://schemas.microsoft.com/office/drawing/2014/main" id="{3ADD69E0-AD6B-73A8-9042-F8C043641A8B}"/>
               </a:ext>
             </a:extLst>
           </p:cNvPr>
-          <p:cNvSpPr>
-            <a:spLocks noGrp="1"/>
-          </p:cNvSpPr>
-          <p:nvPr>
-            <p:ph type="title"/>
-          </p:nvPr>
-        </p:nvSpPr>
+          <p:cNvPicPr>
+            <a:picLocks noGrp="1" noChangeAspect="1"/>
+          </p:cNvPicPr>
+          <p:nvPr>
+            <p:ph idx="1"/>
+          </p:nvPr>
+        </p:nvPicPr>
+        <p:blipFill>
+          <a:blip r:embed="rId3">
+            <a:extLst>
+              <a:ext uri="{28A0092B-C50C-407E-A947-70E740481C1C}">
+                <a14:useLocalDpi xmlns:a14="http://schemas.microsoft.com/office/drawing/2010/main" val="0"/>
+              </a:ext>
+            </a:extLst>
+          </a:blip>
+          <a:srcRect/>
+          <a:stretch/>
+        </p:blipFill>
         <p:spPr>
           <a:xfrm>
-            <a:off x="4700707" y="2766218"/>
-            <a:ext cx="2790585" cy="1325563"/>
+            <a:off x="1250388" y="487193"/>
+            <a:ext cx="9691571" cy="4572000"/>
           </a:xfrm>
+          <a:prstGeom prst="rect">
+            <a:avLst/>
+          </a:prstGeom>
         </p:spPr>
-        <p:txBody>
-          <a:bodyPr>
+      </p:pic>
+      <p:sp>
+        <p:nvSpPr>
+          <p:cNvPr id="89" name="Text Placeholder 5">
+            <a:extLst>
+              <a:ext uri="{FF2B5EF4-FFF2-40B4-BE49-F238E27FC236}">
+                <a16:creationId xmlns:a16="http://schemas.microsoft.com/office/drawing/2014/main" id="{A5EF68E2-0F5E-D60A-8A94-908901B0A627}"/>
+              </a:ext>
+            </a:extLst>
+          </p:cNvPr>
+          <p:cNvSpPr txBox="1">
+            <a:spLocks/>
+          </p:cNvSpPr>
+          <p:nvPr/>
+        </p:nvSpPr>
+        <p:spPr>
+          <a:xfrm>
+            <a:off x="1507518" y="519331"/>
+            <a:ext cx="9227157" cy="293857"/>
+          </a:xfrm>
+          <a:prstGeom prst="rect">
+            <a:avLst/>
+          </a:prstGeom>
+          <a:solidFill>
+            <a:srgbClr val="B5C5E6"/>
+          </a:solidFill>
+          <a:ln>
+            <a:solidFill>
+              <a:srgbClr val="B5C5E6"/>
+            </a:solidFill>
+          </a:ln>
+        </p:spPr>
+        <p:txBody>
+          <a:bodyPr vert="horz" lIns="91440" tIns="45720" rIns="91440" bIns="45720" rtlCol="0">
+            <a:normAutofit fontScale="92500" lnSpcReduction="20000"/>
+          </a:bodyPr>
+          <a:lstStyle>
+            <a:lvl1pPr marL="0" indent="0" algn="l" defTabSz="914400" rtl="0" eaLnBrk="1" latinLnBrk="0" hangingPunct="1">
+              <a:lnSpc>
+                <a:spcPct val="90000"/>
+              </a:lnSpc>
+              <a:spcBef>
+                <a:spcPts val="1000"/>
+              </a:spcBef>
+              <a:buFont typeface="Arial" panose="020B0604020202020204" pitchFamily="34" charset="0"/>
+              <a:buNone/>
+              <a:defRPr sz="1600" kern="1200">
+                <a:solidFill>
+                  <a:schemeClr val="tx1"/>
+                </a:solidFill>
+                <a:latin typeface="+mn-lt"/>
+                <a:ea typeface="+mn-ea"/>
+                <a:cs typeface="+mn-cs"/>
+              </a:defRPr>
+            </a:lvl1pPr>
+            <a:lvl2pPr marL="457200" indent="0" algn="l" defTabSz="914400" rtl="0" eaLnBrk="1" latinLnBrk="0" hangingPunct="1">
+              <a:lnSpc>
+                <a:spcPct val="90000"/>
+              </a:lnSpc>
+              <a:spcBef>
+                <a:spcPts val="500"/>
+              </a:spcBef>
+              <a:buFont typeface="Arial" panose="020B0604020202020204" pitchFamily="34" charset="0"/>
+              <a:buNone/>
+              <a:defRPr sz="1400" kern="1200">
+                <a:solidFill>
+                  <a:schemeClr val="tx1"/>
+                </a:solidFill>
+                <a:latin typeface="+mn-lt"/>
+                <a:ea typeface="+mn-ea"/>
+                <a:cs typeface="+mn-cs"/>
+              </a:defRPr>
+            </a:lvl2pPr>
+            <a:lvl3pPr marL="914400" indent="0" algn="l" defTabSz="914400" rtl="0" eaLnBrk="1" latinLnBrk="0" hangingPunct="1">
+              <a:lnSpc>
+                <a:spcPct val="90000"/>
+              </a:lnSpc>
+              <a:spcBef>
+                <a:spcPts val="500"/>
+              </a:spcBef>
+              <a:buFont typeface="Arial" panose="020B0604020202020204" pitchFamily="34" charset="0"/>
+              <a:buNone/>
+              <a:defRPr sz="1200" kern="1200">
+                <a:solidFill>
+                  <a:schemeClr val="tx1"/>
+                </a:solidFill>
+                <a:latin typeface="+mn-lt"/>
+                <a:ea typeface="+mn-ea"/>
+                <a:cs typeface="+mn-cs"/>
+              </a:defRPr>
+            </a:lvl3pPr>
+            <a:lvl4pPr marL="1371600" indent="0" algn="l" defTabSz="914400" rtl="0" eaLnBrk="1" latinLnBrk="0" hangingPunct="1">
+              <a:lnSpc>
+                <a:spcPct val="90000"/>
+              </a:lnSpc>
+              <a:spcBef>
+                <a:spcPts val="500"/>
+              </a:spcBef>
+              <a:buFont typeface="Arial" panose="020B0604020202020204" pitchFamily="34" charset="0"/>
+              <a:buNone/>
+              <a:defRPr sz="1000" kern="1200">
+                <a:solidFill>
+                  <a:schemeClr val="tx1"/>
+                </a:solidFill>
+                <a:latin typeface="+mn-lt"/>
+                <a:ea typeface="+mn-ea"/>
+                <a:cs typeface="+mn-cs"/>
+              </a:defRPr>
+            </a:lvl4pPr>
+            <a:lvl5pPr marL="1828800" indent="0" algn="l" defTabSz="914400" rtl="0" eaLnBrk="1" latinLnBrk="0" hangingPunct="1">
+              <a:lnSpc>
+                <a:spcPct val="90000"/>
+              </a:lnSpc>
+              <a:spcBef>
+                <a:spcPts val="500"/>
+              </a:spcBef>
+              <a:buFont typeface="Arial" panose="020B0604020202020204" pitchFamily="34" charset="0"/>
+              <a:buNone/>
+              <a:defRPr sz="1000" kern="1200">
+                <a:solidFill>
+                  <a:schemeClr val="tx1"/>
+                </a:solidFill>
+                <a:latin typeface="+mn-lt"/>
+                <a:ea typeface="+mn-ea"/>
+                <a:cs typeface="+mn-cs"/>
+              </a:defRPr>
+            </a:lvl5pPr>
+            <a:lvl6pPr marL="2286000" indent="0" algn="l" defTabSz="914400" rtl="0" eaLnBrk="1" latinLnBrk="0" hangingPunct="1">
+              <a:lnSpc>
+                <a:spcPct val="90000"/>
+              </a:lnSpc>
+              <a:spcBef>
+                <a:spcPts val="500"/>
+              </a:spcBef>
+              <a:buFont typeface="Arial" panose="020B0604020202020204" pitchFamily="34" charset="0"/>
+              <a:buNone/>
+              <a:defRPr sz="1000" kern="1200">
+                <a:solidFill>
+                  <a:schemeClr val="tx1"/>
+                </a:solidFill>
+                <a:latin typeface="+mn-lt"/>
+                <a:ea typeface="+mn-ea"/>
+                <a:cs typeface="+mn-cs"/>
+              </a:defRPr>
+            </a:lvl6pPr>
+            <a:lvl7pPr marL="2743200" indent="0" algn="l" defTabSz="914400" rtl="0" eaLnBrk="1" latinLnBrk="0" hangingPunct="1">
+              <a:lnSpc>
+                <a:spcPct val="90000"/>
+              </a:lnSpc>
+              <a:spcBef>
+                <a:spcPts val="500"/>
+              </a:spcBef>
+              <a:buFont typeface="Arial" panose="020B0604020202020204" pitchFamily="34" charset="0"/>
+              <a:buNone/>
+              <a:defRPr sz="1000" kern="1200">
+                <a:solidFill>
+                  <a:schemeClr val="tx1"/>
+                </a:solidFill>
+                <a:latin typeface="+mn-lt"/>
+                <a:ea typeface="+mn-ea"/>
+                <a:cs typeface="+mn-cs"/>
+              </a:defRPr>
+            </a:lvl7pPr>
+            <a:lvl8pPr marL="3200400" indent="0" algn="l" defTabSz="914400" rtl="0" eaLnBrk="1" latinLnBrk="0" hangingPunct="1">
+              <a:lnSpc>
+                <a:spcPct val="90000"/>
+              </a:lnSpc>
+              <a:spcBef>
+                <a:spcPts val="500"/>
+              </a:spcBef>
+              <a:buFont typeface="Arial" panose="020B0604020202020204" pitchFamily="34" charset="0"/>
+              <a:buNone/>
+              <a:defRPr sz="1000" kern="1200">
+                <a:solidFill>
+                  <a:schemeClr val="tx1"/>
+                </a:solidFill>
+                <a:latin typeface="+mn-lt"/>
+                <a:ea typeface="+mn-ea"/>
+                <a:cs typeface="+mn-cs"/>
+              </a:defRPr>
+            </a:lvl8pPr>
+            <a:lvl9pPr marL="3657600" indent="0" algn="l" defTabSz="914400" rtl="0" eaLnBrk="1" latinLnBrk="0" hangingPunct="1">
+              <a:lnSpc>
+                <a:spcPct val="90000"/>
+              </a:lnSpc>
+              <a:spcBef>
+                <a:spcPts val="500"/>
+              </a:spcBef>
+              <a:buFont typeface="Arial" panose="020B0604020202020204" pitchFamily="34" charset="0"/>
+              <a:buNone/>
+              <a:defRPr sz="1000" kern="1200">
+                <a:solidFill>
+                  <a:schemeClr val="tx1"/>
+                </a:solidFill>
+                <a:latin typeface="+mn-lt"/>
+                <a:ea typeface="+mn-ea"/>
+                <a:cs typeface="+mn-cs"/>
+              </a:defRPr>
+            </a:lvl9pPr>
+          </a:lstStyle>
+          <a:p>
+            <a:pPr algn="ctr"/>
+            <a:r>
+              <a:rPr lang="en-US" sz="1800" b="1" dirty="0">
+                <a:latin typeface="Times New Roman" panose="02020603050405020304" pitchFamily="18" charset="0"/>
+                <a:cs typeface="Times New Roman" panose="02020603050405020304" pitchFamily="18" charset="0"/>
+              </a:rPr>
+              <a:t>MARKETING “CAMPAIGN : 3” ANALYSIS</a:t>
+            </a:r>
+          </a:p>
+        </p:txBody>
+      </p:sp>
+      <p:sp>
+        <p:nvSpPr>
+          <p:cNvPr id="2" name="Text Placeholder 5">
+            <a:extLst>
+              <a:ext uri="{FF2B5EF4-FFF2-40B4-BE49-F238E27FC236}">
+                <a16:creationId xmlns:a16="http://schemas.microsoft.com/office/drawing/2014/main" id="{E31106E1-DC7E-1299-B797-B40DD5E3CF3C}"/>
+              </a:ext>
+            </a:extLst>
+          </p:cNvPr>
+          <p:cNvSpPr txBox="1">
+            <a:spLocks/>
+          </p:cNvSpPr>
+          <p:nvPr/>
+        </p:nvSpPr>
+        <p:spPr>
+          <a:xfrm>
+            <a:off x="352185" y="5290914"/>
+            <a:ext cx="11487630" cy="827423"/>
+          </a:xfrm>
+          <a:prstGeom prst="rect">
+            <a:avLst/>
+          </a:prstGeom>
+          <a:solidFill>
+            <a:srgbClr val="B5C5E6"/>
+          </a:solidFill>
+          <a:ln>
+            <a:solidFill>
+              <a:srgbClr val="B5C5E6"/>
+            </a:solidFill>
+          </a:ln>
+        </p:spPr>
+        <p:txBody>
+          <a:bodyPr vert="horz" lIns="91440" tIns="45720" rIns="91440" bIns="45720" rtlCol="0">
             <a:normAutofit/>
           </a:bodyPr>
-          <a:lstStyle/>
-          <a:p>
-            <a:r>
-              <a:rPr lang="en-US" sz="4800" b="1" dirty="0">
-                <a:latin typeface="Times New Roman" panose="02020603050405020304" pitchFamily="18" charset="0"/>
-                <a:cs typeface="Times New Roman" panose="02020603050405020304" pitchFamily="18" charset="0"/>
-              </a:rPr>
-              <a:t>Appendix</a:t>
+          <a:lstStyle>
+            <a:lvl1pPr marL="0" indent="0" algn="l" defTabSz="914400" rtl="0" eaLnBrk="1" latinLnBrk="0" hangingPunct="1">
+              <a:lnSpc>
+                <a:spcPct val="90000"/>
+              </a:lnSpc>
+              <a:spcBef>
+                <a:spcPts val="1000"/>
+              </a:spcBef>
+              <a:buFont typeface="Arial" panose="020B0604020202020204" pitchFamily="34" charset="0"/>
+              <a:buNone/>
+              <a:defRPr sz="1600" kern="1200">
+                <a:solidFill>
+                  <a:schemeClr val="tx1"/>
+                </a:solidFill>
+                <a:latin typeface="+mn-lt"/>
+                <a:ea typeface="+mn-ea"/>
+                <a:cs typeface="+mn-cs"/>
+              </a:defRPr>
+            </a:lvl1pPr>
+            <a:lvl2pPr marL="457200" indent="0" algn="l" defTabSz="914400" rtl="0" eaLnBrk="1" latinLnBrk="0" hangingPunct="1">
+              <a:lnSpc>
+                <a:spcPct val="90000"/>
+              </a:lnSpc>
+              <a:spcBef>
+                <a:spcPts val="500"/>
+              </a:spcBef>
+              <a:buFont typeface="Arial" panose="020B0604020202020204" pitchFamily="34" charset="0"/>
+              <a:buNone/>
+              <a:defRPr sz="1400" kern="1200">
+                <a:solidFill>
+                  <a:schemeClr val="tx1"/>
+                </a:solidFill>
+                <a:latin typeface="+mn-lt"/>
+                <a:ea typeface="+mn-ea"/>
+                <a:cs typeface="+mn-cs"/>
+              </a:defRPr>
+            </a:lvl2pPr>
+            <a:lvl3pPr marL="914400" indent="0" algn="l" defTabSz="914400" rtl="0" eaLnBrk="1" latinLnBrk="0" hangingPunct="1">
+              <a:lnSpc>
+                <a:spcPct val="90000"/>
+              </a:lnSpc>
+              <a:spcBef>
+                <a:spcPts val="500"/>
+              </a:spcBef>
+              <a:buFont typeface="Arial" panose="020B0604020202020204" pitchFamily="34" charset="0"/>
+              <a:buNone/>
+              <a:defRPr sz="1200" kern="1200">
+                <a:solidFill>
+                  <a:schemeClr val="tx1"/>
+                </a:solidFill>
+                <a:latin typeface="+mn-lt"/>
+                <a:ea typeface="+mn-ea"/>
+                <a:cs typeface="+mn-cs"/>
+              </a:defRPr>
+            </a:lvl3pPr>
+            <a:lvl4pPr marL="1371600" indent="0" algn="l" defTabSz="914400" rtl="0" eaLnBrk="1" latinLnBrk="0" hangingPunct="1">
+              <a:lnSpc>
+                <a:spcPct val="90000"/>
+              </a:lnSpc>
+              <a:spcBef>
+                <a:spcPts val="500"/>
+              </a:spcBef>
+              <a:buFont typeface="Arial" panose="020B0604020202020204" pitchFamily="34" charset="0"/>
+              <a:buNone/>
+              <a:defRPr sz="1000" kern="1200">
+                <a:solidFill>
+                  <a:schemeClr val="tx1"/>
+                </a:solidFill>
+                <a:latin typeface="+mn-lt"/>
+                <a:ea typeface="+mn-ea"/>
+                <a:cs typeface="+mn-cs"/>
+              </a:defRPr>
+            </a:lvl4pPr>
+            <a:lvl5pPr marL="1828800" indent="0" algn="l" defTabSz="914400" rtl="0" eaLnBrk="1" latinLnBrk="0" hangingPunct="1">
+              <a:lnSpc>
+                <a:spcPct val="90000"/>
+              </a:lnSpc>
+              <a:spcBef>
+                <a:spcPts val="500"/>
+              </a:spcBef>
+              <a:buFont typeface="Arial" panose="020B0604020202020204" pitchFamily="34" charset="0"/>
+              <a:buNone/>
+              <a:defRPr sz="1000" kern="1200">
+                <a:solidFill>
+                  <a:schemeClr val="tx1"/>
+                </a:solidFill>
+                <a:latin typeface="+mn-lt"/>
+                <a:ea typeface="+mn-ea"/>
+                <a:cs typeface="+mn-cs"/>
+              </a:defRPr>
+            </a:lvl5pPr>
+            <a:lvl6pPr marL="2286000" indent="0" algn="l" defTabSz="914400" rtl="0" eaLnBrk="1" latinLnBrk="0" hangingPunct="1">
+              <a:lnSpc>
+                <a:spcPct val="90000"/>
+              </a:lnSpc>
+              <a:spcBef>
+                <a:spcPts val="500"/>
+              </a:spcBef>
+              <a:buFont typeface="Arial" panose="020B0604020202020204" pitchFamily="34" charset="0"/>
+              <a:buNone/>
+              <a:defRPr sz="1000" kern="1200">
+                <a:solidFill>
+                  <a:schemeClr val="tx1"/>
+                </a:solidFill>
+                <a:latin typeface="+mn-lt"/>
+                <a:ea typeface="+mn-ea"/>
+                <a:cs typeface="+mn-cs"/>
+              </a:defRPr>
+            </a:lvl6pPr>
+            <a:lvl7pPr marL="2743200" indent="0" algn="l" defTabSz="914400" rtl="0" eaLnBrk="1" latinLnBrk="0" hangingPunct="1">
+              <a:lnSpc>
+                <a:spcPct val="90000"/>
+              </a:lnSpc>
+              <a:spcBef>
+                <a:spcPts val="500"/>
+              </a:spcBef>
+              <a:buFont typeface="Arial" panose="020B0604020202020204" pitchFamily="34" charset="0"/>
+              <a:buNone/>
+              <a:defRPr sz="1000" kern="1200">
+                <a:solidFill>
+                  <a:schemeClr val="tx1"/>
+                </a:solidFill>
+                <a:latin typeface="+mn-lt"/>
+                <a:ea typeface="+mn-ea"/>
+                <a:cs typeface="+mn-cs"/>
+              </a:defRPr>
+            </a:lvl7pPr>
+            <a:lvl8pPr marL="3200400" indent="0" algn="l" defTabSz="914400" rtl="0" eaLnBrk="1" latinLnBrk="0" hangingPunct="1">
+              <a:lnSpc>
+                <a:spcPct val="90000"/>
+              </a:lnSpc>
+              <a:spcBef>
+                <a:spcPts val="500"/>
+              </a:spcBef>
+              <a:buFont typeface="Arial" panose="020B0604020202020204" pitchFamily="34" charset="0"/>
+              <a:buNone/>
+              <a:defRPr sz="1000" kern="1200">
+                <a:solidFill>
+                  <a:schemeClr val="tx1"/>
+                </a:solidFill>
+                <a:latin typeface="+mn-lt"/>
+                <a:ea typeface="+mn-ea"/>
+                <a:cs typeface="+mn-cs"/>
+              </a:defRPr>
+            </a:lvl8pPr>
+            <a:lvl9pPr marL="3657600" indent="0" algn="l" defTabSz="914400" rtl="0" eaLnBrk="1" latinLnBrk="0" hangingPunct="1">
+              <a:lnSpc>
+                <a:spcPct val="90000"/>
+              </a:lnSpc>
+              <a:spcBef>
+                <a:spcPts val="500"/>
+              </a:spcBef>
+              <a:buFont typeface="Arial" panose="020B0604020202020204" pitchFamily="34" charset="0"/>
+              <a:buNone/>
+              <a:defRPr sz="1000" kern="1200">
+                <a:solidFill>
+                  <a:schemeClr val="tx1"/>
+                </a:solidFill>
+                <a:latin typeface="+mn-lt"/>
+                <a:ea typeface="+mn-ea"/>
+                <a:cs typeface="+mn-cs"/>
+              </a:defRPr>
+            </a:lvl9pPr>
+          </a:lstStyle>
+          <a:p>
+            <a:pPr marL="285750" indent="-285750">
+              <a:spcBef>
+                <a:spcPts val="600"/>
+              </a:spcBef>
+              <a:buFont typeface="Arial" panose="020B0604020202020204" pitchFamily="34" charset="0"/>
+              <a:buChar char="•"/>
+            </a:pPr>
+            <a:r>
+              <a:rPr lang="en-US" sz="1200" dirty="0">
+                <a:latin typeface="Times New Roman" panose="02020603050405020304" pitchFamily="18" charset="0"/>
+                <a:cs typeface="Times New Roman" panose="02020603050405020304" pitchFamily="18" charset="0"/>
+              </a:rPr>
+              <a:t>The “Campaign:3” sales transaction value is $108.8k with an average sale per customer about $721 (an 18% increase from the overall average of $608).</a:t>
+            </a:r>
+          </a:p>
+          <a:p>
+            <a:pPr marL="285750" indent="-285750">
+              <a:spcBef>
+                <a:spcPts val="600"/>
+              </a:spcBef>
+              <a:buFont typeface="Arial" panose="020B0604020202020204" pitchFamily="34" charset="0"/>
+              <a:buChar char="•"/>
+            </a:pPr>
+            <a:r>
+              <a:rPr lang="en-US" sz="1200" dirty="0">
+                <a:latin typeface="Times New Roman" panose="02020603050405020304" pitchFamily="18" charset="0"/>
+                <a:cs typeface="Times New Roman" panose="02020603050405020304" pitchFamily="18" charset="0"/>
+              </a:rPr>
+              <a:t>151 customers responded to the campaign i.e. a 7.5% conversion rate.</a:t>
+            </a:r>
+          </a:p>
+          <a:p>
+            <a:pPr marL="285750" indent="-285750">
+              <a:spcBef>
+                <a:spcPts val="600"/>
+              </a:spcBef>
+              <a:buFont typeface="Arial" panose="020B0604020202020204" pitchFamily="34" charset="0"/>
+              <a:buChar char="•"/>
+            </a:pPr>
+            <a:r>
+              <a:rPr lang="en-US" sz="1200" dirty="0">
+                <a:latin typeface="Times New Roman" panose="02020603050405020304" pitchFamily="18" charset="0"/>
+                <a:cs typeface="Times New Roman" panose="02020603050405020304" pitchFamily="18" charset="0"/>
+              </a:rPr>
+              <a:t>The campaign captured 95 customers from the 1366 customers who hasn’t purchased for more than a month.</a:t>
             </a:r>
           </a:p>
         </p:txBody>
@@ -5932,7 +6968,7 @@
     </p:spTree>
     <p:extLst>
       <p:ext uri="{BB962C8B-B14F-4D97-AF65-F5344CB8AC3E}">
-        <p14:creationId xmlns:p14="http://schemas.microsoft.com/office/powerpoint/2010/main" val="1629696967"/>
+        <p14:creationId xmlns:p14="http://schemas.microsoft.com/office/powerpoint/2010/main" val="23168322"/>
       </p:ext>
     </p:extLst>
   </p:cSld>
@@ -5959,142 +6995,507 @@
           <a:chExt cx="0" cy="0"/>
         </a:xfrm>
       </p:grpSpPr>
-      <p:sp>
-        <p:nvSpPr>
-          <p:cNvPr id="2" name="Title 1">
+      <p:pic>
+        <p:nvPicPr>
+          <p:cNvPr id="86" name="Content Placeholder 85">
             <a:extLst>
               <a:ext uri="{FF2B5EF4-FFF2-40B4-BE49-F238E27FC236}">
-                <a16:creationId xmlns:a16="http://schemas.microsoft.com/office/drawing/2014/main" id="{AC7569E3-AB34-41F0-019E-1D5EE24934EB}"/>
+                <a16:creationId xmlns:a16="http://schemas.microsoft.com/office/drawing/2014/main" id="{3ADD69E0-AD6B-73A8-9042-F8C043641A8B}"/>
               </a:ext>
             </a:extLst>
           </p:cNvPr>
-          <p:cNvSpPr>
-            <a:spLocks noGrp="1"/>
-          </p:cNvSpPr>
-          <p:nvPr>
-            <p:ph type="title"/>
-          </p:nvPr>
-        </p:nvSpPr>
-        <p:spPr/>
-        <p:txBody>
-          <a:bodyPr/>
-          <a:lstStyle/>
-          <a:p>
-            <a:r>
-              <a:rPr lang="en-US" b="1" dirty="0">
-                <a:latin typeface="Times New Roman" panose="02020603050405020304" pitchFamily="18" charset="0"/>
-                <a:cs typeface="Times New Roman" panose="02020603050405020304" pitchFamily="18" charset="0"/>
-              </a:rPr>
-              <a:t>Appendix – I</a:t>
-            </a:r>
-            <a:br>
-              <a:rPr lang="en-US" b="1" dirty="0">
-                <a:latin typeface="Times New Roman" panose="02020603050405020304" pitchFamily="18" charset="0"/>
-                <a:cs typeface="Times New Roman" panose="02020603050405020304" pitchFamily="18" charset="0"/>
-              </a:rPr>
-            </a:br>
-            <a:r>
-              <a:rPr lang="en-US" sz="2800" dirty="0">
-                <a:latin typeface="Times New Roman" panose="02020603050405020304" pitchFamily="18" charset="0"/>
-                <a:cs typeface="Times New Roman" panose="02020603050405020304" pitchFamily="18" charset="0"/>
-              </a:rPr>
-              <a:t>Data Cleaning</a:t>
-            </a:r>
-          </a:p>
-        </p:txBody>
-      </p:sp>
-      <p:sp>
-        <p:nvSpPr>
-          <p:cNvPr id="3" name="Content Placeholder 2">
+          <p:cNvPicPr>
+            <a:picLocks noGrp="1" noChangeAspect="1"/>
+          </p:cNvPicPr>
+          <p:nvPr>
+            <p:ph idx="1"/>
+          </p:nvPr>
+        </p:nvPicPr>
+        <p:blipFill>
+          <a:blip r:embed="rId3">
+            <a:extLst>
+              <a:ext uri="{28A0092B-C50C-407E-A947-70E740481C1C}">
+                <a14:useLocalDpi xmlns:a14="http://schemas.microsoft.com/office/drawing/2010/main" val="0"/>
+              </a:ext>
+            </a:extLst>
+          </a:blip>
+          <a:srcRect/>
+          <a:stretch/>
+        </p:blipFill>
+        <p:spPr>
+          <a:xfrm>
+            <a:off x="1250388" y="487193"/>
+            <a:ext cx="9691571" cy="4572000"/>
+          </a:xfrm>
+          <a:prstGeom prst="rect">
+            <a:avLst/>
+          </a:prstGeom>
+        </p:spPr>
+      </p:pic>
+      <p:sp>
+        <p:nvSpPr>
+          <p:cNvPr id="89" name="Text Placeholder 5">
             <a:extLst>
               <a:ext uri="{FF2B5EF4-FFF2-40B4-BE49-F238E27FC236}">
-                <a16:creationId xmlns:a16="http://schemas.microsoft.com/office/drawing/2014/main" id="{41016626-41B8-8705-494C-B4D3CA760D3B}"/>
+                <a16:creationId xmlns:a16="http://schemas.microsoft.com/office/drawing/2014/main" id="{A5EF68E2-0F5E-D60A-8A94-908901B0A627}"/>
               </a:ext>
             </a:extLst>
           </p:cNvPr>
-          <p:cNvSpPr>
-            <a:spLocks noGrp="1"/>
-          </p:cNvSpPr>
-          <p:nvPr>
-            <p:ph idx="1"/>
-          </p:nvPr>
-        </p:nvSpPr>
-        <p:spPr/>
-        <p:txBody>
-          <a:bodyPr>
+          <p:cNvSpPr txBox="1">
+            <a:spLocks/>
+          </p:cNvSpPr>
+          <p:nvPr/>
+        </p:nvSpPr>
+        <p:spPr>
+          <a:xfrm>
+            <a:off x="1507518" y="519331"/>
+            <a:ext cx="9227157" cy="293857"/>
+          </a:xfrm>
+          <a:prstGeom prst="rect">
+            <a:avLst/>
+          </a:prstGeom>
+          <a:solidFill>
+            <a:srgbClr val="B5C5E6"/>
+          </a:solidFill>
+          <a:ln>
+            <a:solidFill>
+              <a:srgbClr val="B5C5E6"/>
+            </a:solidFill>
+          </a:ln>
+        </p:spPr>
+        <p:txBody>
+          <a:bodyPr vert="horz" lIns="91440" tIns="45720" rIns="91440" bIns="45720" rtlCol="0">
+            <a:normAutofit fontScale="92500" lnSpcReduction="20000"/>
+          </a:bodyPr>
+          <a:lstStyle>
+            <a:lvl1pPr marL="0" indent="0" algn="l" defTabSz="914400" rtl="0" eaLnBrk="1" latinLnBrk="0" hangingPunct="1">
+              <a:lnSpc>
+                <a:spcPct val="90000"/>
+              </a:lnSpc>
+              <a:spcBef>
+                <a:spcPts val="1000"/>
+              </a:spcBef>
+              <a:buFont typeface="Arial" panose="020B0604020202020204" pitchFamily="34" charset="0"/>
+              <a:buNone/>
+              <a:defRPr sz="1600" kern="1200">
+                <a:solidFill>
+                  <a:schemeClr val="tx1"/>
+                </a:solidFill>
+                <a:latin typeface="+mn-lt"/>
+                <a:ea typeface="+mn-ea"/>
+                <a:cs typeface="+mn-cs"/>
+              </a:defRPr>
+            </a:lvl1pPr>
+            <a:lvl2pPr marL="457200" indent="0" algn="l" defTabSz="914400" rtl="0" eaLnBrk="1" latinLnBrk="0" hangingPunct="1">
+              <a:lnSpc>
+                <a:spcPct val="90000"/>
+              </a:lnSpc>
+              <a:spcBef>
+                <a:spcPts val="500"/>
+              </a:spcBef>
+              <a:buFont typeface="Arial" panose="020B0604020202020204" pitchFamily="34" charset="0"/>
+              <a:buNone/>
+              <a:defRPr sz="1400" kern="1200">
+                <a:solidFill>
+                  <a:schemeClr val="tx1"/>
+                </a:solidFill>
+                <a:latin typeface="+mn-lt"/>
+                <a:ea typeface="+mn-ea"/>
+                <a:cs typeface="+mn-cs"/>
+              </a:defRPr>
+            </a:lvl2pPr>
+            <a:lvl3pPr marL="914400" indent="0" algn="l" defTabSz="914400" rtl="0" eaLnBrk="1" latinLnBrk="0" hangingPunct="1">
+              <a:lnSpc>
+                <a:spcPct val="90000"/>
+              </a:lnSpc>
+              <a:spcBef>
+                <a:spcPts val="500"/>
+              </a:spcBef>
+              <a:buFont typeface="Arial" panose="020B0604020202020204" pitchFamily="34" charset="0"/>
+              <a:buNone/>
+              <a:defRPr sz="1200" kern="1200">
+                <a:solidFill>
+                  <a:schemeClr val="tx1"/>
+                </a:solidFill>
+                <a:latin typeface="+mn-lt"/>
+                <a:ea typeface="+mn-ea"/>
+                <a:cs typeface="+mn-cs"/>
+              </a:defRPr>
+            </a:lvl3pPr>
+            <a:lvl4pPr marL="1371600" indent="0" algn="l" defTabSz="914400" rtl="0" eaLnBrk="1" latinLnBrk="0" hangingPunct="1">
+              <a:lnSpc>
+                <a:spcPct val="90000"/>
+              </a:lnSpc>
+              <a:spcBef>
+                <a:spcPts val="500"/>
+              </a:spcBef>
+              <a:buFont typeface="Arial" panose="020B0604020202020204" pitchFamily="34" charset="0"/>
+              <a:buNone/>
+              <a:defRPr sz="1000" kern="1200">
+                <a:solidFill>
+                  <a:schemeClr val="tx1"/>
+                </a:solidFill>
+                <a:latin typeface="+mn-lt"/>
+                <a:ea typeface="+mn-ea"/>
+                <a:cs typeface="+mn-cs"/>
+              </a:defRPr>
+            </a:lvl4pPr>
+            <a:lvl5pPr marL="1828800" indent="0" algn="l" defTabSz="914400" rtl="0" eaLnBrk="1" latinLnBrk="0" hangingPunct="1">
+              <a:lnSpc>
+                <a:spcPct val="90000"/>
+              </a:lnSpc>
+              <a:spcBef>
+                <a:spcPts val="500"/>
+              </a:spcBef>
+              <a:buFont typeface="Arial" panose="020B0604020202020204" pitchFamily="34" charset="0"/>
+              <a:buNone/>
+              <a:defRPr sz="1000" kern="1200">
+                <a:solidFill>
+                  <a:schemeClr val="tx1"/>
+                </a:solidFill>
+                <a:latin typeface="+mn-lt"/>
+                <a:ea typeface="+mn-ea"/>
+                <a:cs typeface="+mn-cs"/>
+              </a:defRPr>
+            </a:lvl5pPr>
+            <a:lvl6pPr marL="2286000" indent="0" algn="l" defTabSz="914400" rtl="0" eaLnBrk="1" latinLnBrk="0" hangingPunct="1">
+              <a:lnSpc>
+                <a:spcPct val="90000"/>
+              </a:lnSpc>
+              <a:spcBef>
+                <a:spcPts val="500"/>
+              </a:spcBef>
+              <a:buFont typeface="Arial" panose="020B0604020202020204" pitchFamily="34" charset="0"/>
+              <a:buNone/>
+              <a:defRPr sz="1000" kern="1200">
+                <a:solidFill>
+                  <a:schemeClr val="tx1"/>
+                </a:solidFill>
+                <a:latin typeface="+mn-lt"/>
+                <a:ea typeface="+mn-ea"/>
+                <a:cs typeface="+mn-cs"/>
+              </a:defRPr>
+            </a:lvl6pPr>
+            <a:lvl7pPr marL="2743200" indent="0" algn="l" defTabSz="914400" rtl="0" eaLnBrk="1" latinLnBrk="0" hangingPunct="1">
+              <a:lnSpc>
+                <a:spcPct val="90000"/>
+              </a:lnSpc>
+              <a:spcBef>
+                <a:spcPts val="500"/>
+              </a:spcBef>
+              <a:buFont typeface="Arial" panose="020B0604020202020204" pitchFamily="34" charset="0"/>
+              <a:buNone/>
+              <a:defRPr sz="1000" kern="1200">
+                <a:solidFill>
+                  <a:schemeClr val="tx1"/>
+                </a:solidFill>
+                <a:latin typeface="+mn-lt"/>
+                <a:ea typeface="+mn-ea"/>
+                <a:cs typeface="+mn-cs"/>
+              </a:defRPr>
+            </a:lvl7pPr>
+            <a:lvl8pPr marL="3200400" indent="0" algn="l" defTabSz="914400" rtl="0" eaLnBrk="1" latinLnBrk="0" hangingPunct="1">
+              <a:lnSpc>
+                <a:spcPct val="90000"/>
+              </a:lnSpc>
+              <a:spcBef>
+                <a:spcPts val="500"/>
+              </a:spcBef>
+              <a:buFont typeface="Arial" panose="020B0604020202020204" pitchFamily="34" charset="0"/>
+              <a:buNone/>
+              <a:defRPr sz="1000" kern="1200">
+                <a:solidFill>
+                  <a:schemeClr val="tx1"/>
+                </a:solidFill>
+                <a:latin typeface="+mn-lt"/>
+                <a:ea typeface="+mn-ea"/>
+                <a:cs typeface="+mn-cs"/>
+              </a:defRPr>
+            </a:lvl8pPr>
+            <a:lvl9pPr marL="3657600" indent="0" algn="l" defTabSz="914400" rtl="0" eaLnBrk="1" latinLnBrk="0" hangingPunct="1">
+              <a:lnSpc>
+                <a:spcPct val="90000"/>
+              </a:lnSpc>
+              <a:spcBef>
+                <a:spcPts val="500"/>
+              </a:spcBef>
+              <a:buFont typeface="Arial" panose="020B0604020202020204" pitchFamily="34" charset="0"/>
+              <a:buNone/>
+              <a:defRPr sz="1000" kern="1200">
+                <a:solidFill>
+                  <a:schemeClr val="tx1"/>
+                </a:solidFill>
+                <a:latin typeface="+mn-lt"/>
+                <a:ea typeface="+mn-ea"/>
+                <a:cs typeface="+mn-cs"/>
+              </a:defRPr>
+            </a:lvl9pPr>
+          </a:lstStyle>
+          <a:p>
+            <a:pPr algn="ctr"/>
+            <a:r>
+              <a:rPr lang="en-US" sz="1800" b="1" dirty="0">
+                <a:latin typeface="Times New Roman" panose="02020603050405020304" pitchFamily="18" charset="0"/>
+                <a:cs typeface="Times New Roman" panose="02020603050405020304" pitchFamily="18" charset="0"/>
+              </a:rPr>
+              <a:t>MARKETING “CAMPAIGN : 4” ANALYSIS</a:t>
+            </a:r>
+          </a:p>
+        </p:txBody>
+      </p:sp>
+      <p:sp>
+        <p:nvSpPr>
+          <p:cNvPr id="2" name="Text Placeholder 5">
+            <a:extLst>
+              <a:ext uri="{FF2B5EF4-FFF2-40B4-BE49-F238E27FC236}">
+                <a16:creationId xmlns:a16="http://schemas.microsoft.com/office/drawing/2014/main" id="{880C442B-6E5E-3296-5FC6-595BB3A16B5D}"/>
+              </a:ext>
+            </a:extLst>
+          </p:cNvPr>
+          <p:cNvSpPr txBox="1">
+            <a:spLocks/>
+          </p:cNvSpPr>
+          <p:nvPr/>
+        </p:nvSpPr>
+        <p:spPr>
+          <a:xfrm>
+            <a:off x="352185" y="5290914"/>
+            <a:ext cx="11487630" cy="827423"/>
+          </a:xfrm>
+          <a:prstGeom prst="rect">
+            <a:avLst/>
+          </a:prstGeom>
+          <a:solidFill>
+            <a:srgbClr val="B5C5E6"/>
+          </a:solidFill>
+          <a:ln>
+            <a:solidFill>
+              <a:srgbClr val="B5C5E6"/>
+            </a:solidFill>
+          </a:ln>
+        </p:spPr>
+        <p:txBody>
+          <a:bodyPr vert="horz" lIns="91440" tIns="45720" rIns="91440" bIns="45720" rtlCol="0">
             <a:normAutofit/>
           </a:bodyPr>
-          <a:lstStyle/>
-          <a:p>
+          <a:lstStyle>
+            <a:lvl1pPr marL="0" indent="0" algn="l" defTabSz="914400" rtl="0" eaLnBrk="1" latinLnBrk="0" hangingPunct="1">
+              <a:lnSpc>
+                <a:spcPct val="90000"/>
+              </a:lnSpc>
+              <a:spcBef>
+                <a:spcPts val="1000"/>
+              </a:spcBef>
+              <a:buFont typeface="Arial" panose="020B0604020202020204" pitchFamily="34" charset="0"/>
+              <a:buNone/>
+              <a:defRPr sz="1600" kern="1200">
+                <a:solidFill>
+                  <a:schemeClr val="tx1"/>
+                </a:solidFill>
+                <a:latin typeface="+mn-lt"/>
+                <a:ea typeface="+mn-ea"/>
+                <a:cs typeface="+mn-cs"/>
+              </a:defRPr>
+            </a:lvl1pPr>
+            <a:lvl2pPr marL="457200" indent="0" algn="l" defTabSz="914400" rtl="0" eaLnBrk="1" latinLnBrk="0" hangingPunct="1">
+              <a:lnSpc>
+                <a:spcPct val="90000"/>
+              </a:lnSpc>
+              <a:spcBef>
+                <a:spcPts val="500"/>
+              </a:spcBef>
+              <a:buFont typeface="Arial" panose="020B0604020202020204" pitchFamily="34" charset="0"/>
+              <a:buNone/>
+              <a:defRPr sz="1400" kern="1200">
+                <a:solidFill>
+                  <a:schemeClr val="tx1"/>
+                </a:solidFill>
+                <a:latin typeface="+mn-lt"/>
+                <a:ea typeface="+mn-ea"/>
+                <a:cs typeface="+mn-cs"/>
+              </a:defRPr>
+            </a:lvl2pPr>
+            <a:lvl3pPr marL="914400" indent="0" algn="l" defTabSz="914400" rtl="0" eaLnBrk="1" latinLnBrk="0" hangingPunct="1">
+              <a:lnSpc>
+                <a:spcPct val="90000"/>
+              </a:lnSpc>
+              <a:spcBef>
+                <a:spcPts val="500"/>
+              </a:spcBef>
+              <a:buFont typeface="Arial" panose="020B0604020202020204" pitchFamily="34" charset="0"/>
+              <a:buNone/>
+              <a:defRPr sz="1200" kern="1200">
+                <a:solidFill>
+                  <a:schemeClr val="tx1"/>
+                </a:solidFill>
+                <a:latin typeface="+mn-lt"/>
+                <a:ea typeface="+mn-ea"/>
+                <a:cs typeface="+mn-cs"/>
+              </a:defRPr>
+            </a:lvl3pPr>
+            <a:lvl4pPr marL="1371600" indent="0" algn="l" defTabSz="914400" rtl="0" eaLnBrk="1" latinLnBrk="0" hangingPunct="1">
+              <a:lnSpc>
+                <a:spcPct val="90000"/>
+              </a:lnSpc>
+              <a:spcBef>
+                <a:spcPts val="500"/>
+              </a:spcBef>
+              <a:buFont typeface="Arial" panose="020B0604020202020204" pitchFamily="34" charset="0"/>
+              <a:buNone/>
+              <a:defRPr sz="1000" kern="1200">
+                <a:solidFill>
+                  <a:schemeClr val="tx1"/>
+                </a:solidFill>
+                <a:latin typeface="+mn-lt"/>
+                <a:ea typeface="+mn-ea"/>
+                <a:cs typeface="+mn-cs"/>
+              </a:defRPr>
+            </a:lvl4pPr>
+            <a:lvl5pPr marL="1828800" indent="0" algn="l" defTabSz="914400" rtl="0" eaLnBrk="1" latinLnBrk="0" hangingPunct="1">
+              <a:lnSpc>
+                <a:spcPct val="90000"/>
+              </a:lnSpc>
+              <a:spcBef>
+                <a:spcPts val="500"/>
+              </a:spcBef>
+              <a:buFont typeface="Arial" panose="020B0604020202020204" pitchFamily="34" charset="0"/>
+              <a:buNone/>
+              <a:defRPr sz="1000" kern="1200">
+                <a:solidFill>
+                  <a:schemeClr val="tx1"/>
+                </a:solidFill>
+                <a:latin typeface="+mn-lt"/>
+                <a:ea typeface="+mn-ea"/>
+                <a:cs typeface="+mn-cs"/>
+              </a:defRPr>
+            </a:lvl5pPr>
+            <a:lvl6pPr marL="2286000" indent="0" algn="l" defTabSz="914400" rtl="0" eaLnBrk="1" latinLnBrk="0" hangingPunct="1">
+              <a:lnSpc>
+                <a:spcPct val="90000"/>
+              </a:lnSpc>
+              <a:spcBef>
+                <a:spcPts val="500"/>
+              </a:spcBef>
+              <a:buFont typeface="Arial" panose="020B0604020202020204" pitchFamily="34" charset="0"/>
+              <a:buNone/>
+              <a:defRPr sz="1000" kern="1200">
+                <a:solidFill>
+                  <a:schemeClr val="tx1"/>
+                </a:solidFill>
+                <a:latin typeface="+mn-lt"/>
+                <a:ea typeface="+mn-ea"/>
+                <a:cs typeface="+mn-cs"/>
+              </a:defRPr>
+            </a:lvl6pPr>
+            <a:lvl7pPr marL="2743200" indent="0" algn="l" defTabSz="914400" rtl="0" eaLnBrk="1" latinLnBrk="0" hangingPunct="1">
+              <a:lnSpc>
+                <a:spcPct val="90000"/>
+              </a:lnSpc>
+              <a:spcBef>
+                <a:spcPts val="500"/>
+              </a:spcBef>
+              <a:buFont typeface="Arial" panose="020B0604020202020204" pitchFamily="34" charset="0"/>
+              <a:buNone/>
+              <a:defRPr sz="1000" kern="1200">
+                <a:solidFill>
+                  <a:schemeClr val="tx1"/>
+                </a:solidFill>
+                <a:latin typeface="+mn-lt"/>
+                <a:ea typeface="+mn-ea"/>
+                <a:cs typeface="+mn-cs"/>
+              </a:defRPr>
+            </a:lvl7pPr>
+            <a:lvl8pPr marL="3200400" indent="0" algn="l" defTabSz="914400" rtl="0" eaLnBrk="1" latinLnBrk="0" hangingPunct="1">
+              <a:lnSpc>
+                <a:spcPct val="90000"/>
+              </a:lnSpc>
+              <a:spcBef>
+                <a:spcPts val="500"/>
+              </a:spcBef>
+              <a:buFont typeface="Arial" panose="020B0604020202020204" pitchFamily="34" charset="0"/>
+              <a:buNone/>
+              <a:defRPr sz="1000" kern="1200">
+                <a:solidFill>
+                  <a:schemeClr val="tx1"/>
+                </a:solidFill>
+                <a:latin typeface="+mn-lt"/>
+                <a:ea typeface="+mn-ea"/>
+                <a:cs typeface="+mn-cs"/>
+              </a:defRPr>
+            </a:lvl8pPr>
+            <a:lvl9pPr marL="3657600" indent="0" algn="l" defTabSz="914400" rtl="0" eaLnBrk="1" latinLnBrk="0" hangingPunct="1">
+              <a:lnSpc>
+                <a:spcPct val="90000"/>
+              </a:lnSpc>
+              <a:spcBef>
+                <a:spcPts val="500"/>
+              </a:spcBef>
+              <a:buFont typeface="Arial" panose="020B0604020202020204" pitchFamily="34" charset="0"/>
+              <a:buNone/>
+              <a:defRPr sz="1000" kern="1200">
+                <a:solidFill>
+                  <a:schemeClr val="tx1"/>
+                </a:solidFill>
+                <a:latin typeface="+mn-lt"/>
+                <a:ea typeface="+mn-ea"/>
+                <a:cs typeface="+mn-cs"/>
+              </a:defRPr>
+            </a:lvl9pPr>
+          </a:lstStyle>
+          <a:p>
+            <a:pPr marL="285750" indent="-285750">
+              <a:spcBef>
+                <a:spcPts val="600"/>
+              </a:spcBef>
+              <a:buFont typeface="Arial" panose="020B0604020202020204" pitchFamily="34" charset="0"/>
+              <a:buChar char="•"/>
+            </a:pPr>
             <a:r>
               <a:rPr lang="en-US" sz="1200" dirty="0">
                 <a:latin typeface="Times New Roman" panose="02020603050405020304" pitchFamily="18" charset="0"/>
                 <a:cs typeface="Times New Roman" panose="02020603050405020304" pitchFamily="18" charset="0"/>
               </a:rPr>
-              <a:t>“Marital Status” and “Education Status” variables were created to consolidate data into a single categorical variable from their respective columns.</a:t>
-            </a:r>
-          </a:p>
-          <a:p>
+              <a:t>The “Campaign:4” sales transaction value is $171.1k with an average sale per customer about $1104 (an 81% increase from the overall average of $608).</a:t>
+            </a:r>
+          </a:p>
+          <a:p>
+            <a:pPr marL="285750" indent="-285750">
+              <a:spcBef>
+                <a:spcPts val="600"/>
+              </a:spcBef>
+              <a:buFont typeface="Arial" panose="020B0604020202020204" pitchFamily="34" charset="0"/>
+              <a:buChar char="•"/>
+            </a:pPr>
             <a:r>
               <a:rPr lang="en-US" sz="1200" dirty="0">
                 <a:latin typeface="Times New Roman" panose="02020603050405020304" pitchFamily="18" charset="0"/>
                 <a:cs typeface="Times New Roman" panose="02020603050405020304" pitchFamily="18" charset="0"/>
               </a:rPr>
-              <a:t>“Age Brackets”, “Income Bracket”, “Last Purchase”, “Website Visits(per week)”, “Customer Loyalty” and “Customer Complain” were converted into categorical variables to assist with the analysis.</a:t>
-            </a:r>
-          </a:p>
-          <a:p>
+              <a:t>155 customers responded to the campaign i.e. a 7.7% conversion rate.</a:t>
+            </a:r>
+          </a:p>
+          <a:p>
+            <a:pPr marL="285750" indent="-285750">
+              <a:spcBef>
+                <a:spcPts val="600"/>
+              </a:spcBef>
+              <a:buFont typeface="Arial" panose="020B0604020202020204" pitchFamily="34" charset="0"/>
+              <a:buChar char="•"/>
+            </a:pPr>
             <a:r>
               <a:rPr lang="en-US" sz="1200" dirty="0">
                 <a:latin typeface="Times New Roman" panose="02020603050405020304" pitchFamily="18" charset="0"/>
                 <a:cs typeface="Times New Roman" panose="02020603050405020304" pitchFamily="18" charset="0"/>
               </a:rPr>
-              <a:t>The categorical levels for the above mentioned variables are self explanatory but for more clarification refer to </a:t>
-            </a:r>
-            <a:r>
-              <a:rPr lang="en-US" sz="1200" dirty="0">
-                <a:latin typeface="Times New Roman" panose="02020603050405020304" pitchFamily="18" charset="0"/>
-                <a:cs typeface="Times New Roman" panose="02020603050405020304" pitchFamily="18" charset="0"/>
-                <a:hlinkClick r:id="rId2" action="ppaction://hlinksldjump"/>
-              </a:rPr>
-              <a:t>Appendix-II</a:t>
-            </a:r>
-            <a:r>
-              <a:rPr lang="en-US" sz="1200" dirty="0">
-                <a:latin typeface="Times New Roman" panose="02020603050405020304" pitchFamily="18" charset="0"/>
-                <a:cs typeface="Times New Roman" panose="02020603050405020304" pitchFamily="18" charset="0"/>
-              </a:rPr>
-              <a:t>.</a:t>
-            </a:r>
-          </a:p>
-          <a:p>
-            <a:r>
-              <a:rPr lang="en-US" sz="1200" dirty="0">
-                <a:latin typeface="Times New Roman" panose="02020603050405020304" pitchFamily="18" charset="0"/>
-                <a:cs typeface="Times New Roman" panose="02020603050405020304" pitchFamily="18" charset="0"/>
-              </a:rPr>
-              <a:t>Total 26 variables from the provided list of variables is considered for the analysis, selected based on the number of available description for the variables.</a:t>
-            </a:r>
-          </a:p>
-          <a:p>
-            <a:r>
-              <a:rPr lang="en-US" sz="1200" dirty="0">
-                <a:latin typeface="Times New Roman" panose="02020603050405020304" pitchFamily="18" charset="0"/>
-                <a:cs typeface="Times New Roman" panose="02020603050405020304" pitchFamily="18" charset="0"/>
-              </a:rPr>
-              <a:t>184 duplicate entries were removed from the analysis.</a:t>
-            </a:r>
-            <a:endParaRPr lang="en-US" dirty="0">
-              <a:latin typeface="Times New Roman" panose="02020603050405020304" pitchFamily="18" charset="0"/>
-              <a:cs typeface="Times New Roman" panose="02020603050405020304" pitchFamily="18" charset="0"/>
-            </a:endParaRPr>
+              <a:t>The campaign captured 116 customers from the 1366 customers who hasn’t purchased for more than a month.</a:t>
+            </a:r>
           </a:p>
         </p:txBody>
       </p:sp>
     </p:spTree>
     <p:extLst>
       <p:ext uri="{BB962C8B-B14F-4D97-AF65-F5344CB8AC3E}">
-        <p14:creationId xmlns:p14="http://schemas.microsoft.com/office/powerpoint/2010/main" val="4285287643"/>
+        <p14:creationId xmlns:p14="http://schemas.microsoft.com/office/powerpoint/2010/main" val="805795928"/>
       </p:ext>
     </p:extLst>
   </p:cSld>
@@ -6121,264 +7522,499 @@
           <a:chExt cx="0" cy="0"/>
         </a:xfrm>
       </p:grpSpPr>
-      <p:sp>
-        <p:nvSpPr>
-          <p:cNvPr id="2" name="Title 1">
+      <p:pic>
+        <p:nvPicPr>
+          <p:cNvPr id="86" name="Content Placeholder 85">
             <a:extLst>
               <a:ext uri="{FF2B5EF4-FFF2-40B4-BE49-F238E27FC236}">
-                <a16:creationId xmlns:a16="http://schemas.microsoft.com/office/drawing/2014/main" id="{38A1ADD9-231A-E6E3-4048-746E9413AE97}"/>
+                <a16:creationId xmlns:a16="http://schemas.microsoft.com/office/drawing/2014/main" id="{3ADD69E0-AD6B-73A8-9042-F8C043641A8B}"/>
               </a:ext>
             </a:extLst>
           </p:cNvPr>
-          <p:cNvSpPr>
-            <a:spLocks noGrp="1"/>
-          </p:cNvSpPr>
-          <p:nvPr>
-            <p:ph type="title"/>
-          </p:nvPr>
-        </p:nvSpPr>
-        <p:spPr/>
-        <p:txBody>
-          <a:bodyPr/>
-          <a:lstStyle/>
-          <a:p>
-            <a:r>
-              <a:rPr lang="en-US" b="1" dirty="0">
-                <a:latin typeface="Times New Roman" panose="02020603050405020304" pitchFamily="18" charset="0"/>
-                <a:cs typeface="Times New Roman" panose="02020603050405020304" pitchFamily="18" charset="0"/>
-              </a:rPr>
-              <a:t>Appendix – II</a:t>
-            </a:r>
-            <a:br>
-              <a:rPr lang="en-US" dirty="0">
-                <a:latin typeface="Times New Roman" panose="02020603050405020304" pitchFamily="18" charset="0"/>
-                <a:cs typeface="Times New Roman" panose="02020603050405020304" pitchFamily="18" charset="0"/>
-              </a:rPr>
-            </a:br>
-            <a:r>
-              <a:rPr lang="en-US" sz="2800" dirty="0">
-                <a:latin typeface="Times New Roman" panose="02020603050405020304" pitchFamily="18" charset="0"/>
-                <a:cs typeface="Times New Roman" panose="02020603050405020304" pitchFamily="18" charset="0"/>
-              </a:rPr>
-              <a:t>Categorical Variables</a:t>
-            </a:r>
-            <a:endParaRPr lang="en-US" dirty="0">
-              <a:latin typeface="Times New Roman" panose="02020603050405020304" pitchFamily="18" charset="0"/>
-              <a:cs typeface="Times New Roman" panose="02020603050405020304" pitchFamily="18" charset="0"/>
-            </a:endParaRPr>
-          </a:p>
-        </p:txBody>
-      </p:sp>
-      <p:sp>
-        <p:nvSpPr>
-          <p:cNvPr id="3" name="Content Placeholder 2">
+          <p:cNvPicPr>
+            <a:picLocks noGrp="1" noChangeAspect="1"/>
+          </p:cNvPicPr>
+          <p:nvPr>
+            <p:ph idx="1"/>
+          </p:nvPr>
+        </p:nvPicPr>
+        <p:blipFill>
+          <a:blip r:embed="rId3">
+            <a:extLst>
+              <a:ext uri="{28A0092B-C50C-407E-A947-70E740481C1C}">
+                <a14:useLocalDpi xmlns:a14="http://schemas.microsoft.com/office/drawing/2010/main" val="0"/>
+              </a:ext>
+            </a:extLst>
+          </a:blip>
+          <a:srcRect/>
+          <a:stretch/>
+        </p:blipFill>
+        <p:spPr>
+          <a:xfrm>
+            <a:off x="1250388" y="487193"/>
+            <a:ext cx="9691571" cy="4572000"/>
+          </a:xfrm>
+          <a:prstGeom prst="rect">
+            <a:avLst/>
+          </a:prstGeom>
+        </p:spPr>
+      </p:pic>
+      <p:sp>
+        <p:nvSpPr>
+          <p:cNvPr id="89" name="Text Placeholder 5">
             <a:extLst>
               <a:ext uri="{FF2B5EF4-FFF2-40B4-BE49-F238E27FC236}">
-                <a16:creationId xmlns:a16="http://schemas.microsoft.com/office/drawing/2014/main" id="{B3CE4A97-E2D0-4F8A-EB3E-CAD15B8BAD5D}"/>
+                <a16:creationId xmlns:a16="http://schemas.microsoft.com/office/drawing/2014/main" id="{A5EF68E2-0F5E-D60A-8A94-908901B0A627}"/>
               </a:ext>
             </a:extLst>
           </p:cNvPr>
-          <p:cNvSpPr>
-            <a:spLocks noGrp="1"/>
-          </p:cNvSpPr>
-          <p:nvPr>
-            <p:ph idx="1"/>
-          </p:nvPr>
-        </p:nvSpPr>
-        <p:spPr/>
-        <p:txBody>
-          <a:bodyPr>
-            <a:normAutofit fontScale="55000" lnSpcReduction="20000"/>
+          <p:cNvSpPr txBox="1">
+            <a:spLocks/>
+          </p:cNvSpPr>
+          <p:nvPr/>
+        </p:nvSpPr>
+        <p:spPr>
+          <a:xfrm>
+            <a:off x="1507518" y="519331"/>
+            <a:ext cx="9227157" cy="293857"/>
+          </a:xfrm>
+          <a:prstGeom prst="rect">
+            <a:avLst/>
+          </a:prstGeom>
+          <a:solidFill>
+            <a:srgbClr val="B5C5E6"/>
+          </a:solidFill>
+          <a:ln>
+            <a:solidFill>
+              <a:srgbClr val="B5C5E6"/>
+            </a:solidFill>
+          </a:ln>
+        </p:spPr>
+        <p:txBody>
+          <a:bodyPr vert="horz" lIns="91440" tIns="45720" rIns="91440" bIns="45720" rtlCol="0">
+            <a:normAutofit fontScale="92500" lnSpcReduction="20000"/>
           </a:bodyPr>
-          <a:lstStyle/>
-          <a:p>
-            <a:r>
-              <a:rPr lang="en-US" dirty="0">
-                <a:latin typeface="Times New Roman" panose="02020603050405020304" pitchFamily="18" charset="0"/>
-                <a:cs typeface="Times New Roman" panose="02020603050405020304" pitchFamily="18" charset="0"/>
-              </a:rPr>
-              <a:t>Age Brackets – 6 levels; </a:t>
-            </a:r>
-            <a:br>
-              <a:rPr lang="en-US" dirty="0">
-                <a:latin typeface="Times New Roman" panose="02020603050405020304" pitchFamily="18" charset="0"/>
-                <a:cs typeface="Times New Roman" panose="02020603050405020304" pitchFamily="18" charset="0"/>
-              </a:rPr>
-            </a:br>
-            <a:r>
-              <a:rPr lang="en-US" dirty="0">
-                <a:latin typeface="Times New Roman" panose="02020603050405020304" pitchFamily="18" charset="0"/>
-                <a:cs typeface="Times New Roman" panose="02020603050405020304" pitchFamily="18" charset="0"/>
-              </a:rPr>
-              <a:t>tracks the customers age, level “20-29” for ages between 20 to 29, levels go up till “70 and older”.</a:t>
-            </a:r>
-          </a:p>
-          <a:p>
-            <a:r>
-              <a:rPr lang="en-US" dirty="0">
-                <a:latin typeface="Times New Roman" panose="02020603050405020304" pitchFamily="18" charset="0"/>
-                <a:cs typeface="Times New Roman" panose="02020603050405020304" pitchFamily="18" charset="0"/>
-              </a:rPr>
-              <a:t>Education Status – 5 levels;</a:t>
-            </a:r>
-            <a:br>
-              <a:rPr lang="en-US" dirty="0">
-                <a:latin typeface="Times New Roman" panose="02020603050405020304" pitchFamily="18" charset="0"/>
-                <a:cs typeface="Times New Roman" panose="02020603050405020304" pitchFamily="18" charset="0"/>
-              </a:rPr>
-            </a:br>
-            <a:r>
-              <a:rPr lang="en-US" dirty="0">
-                <a:latin typeface="Times New Roman" panose="02020603050405020304" pitchFamily="18" charset="0"/>
-                <a:cs typeface="Times New Roman" panose="02020603050405020304" pitchFamily="18" charset="0"/>
-              </a:rPr>
-              <a:t>it records the customers education level: “2</a:t>
-            </a:r>
-            <a:r>
-              <a:rPr lang="en-US" baseline="30000" dirty="0">
-                <a:latin typeface="Times New Roman" panose="02020603050405020304" pitchFamily="18" charset="0"/>
-                <a:cs typeface="Times New Roman" panose="02020603050405020304" pitchFamily="18" charset="0"/>
-              </a:rPr>
-              <a:t>nd</a:t>
-            </a:r>
-            <a:r>
-              <a:rPr lang="en-US" dirty="0">
-                <a:latin typeface="Times New Roman" panose="02020603050405020304" pitchFamily="18" charset="0"/>
-                <a:cs typeface="Times New Roman" panose="02020603050405020304" pitchFamily="18" charset="0"/>
-              </a:rPr>
-              <a:t> Cycle”, “Basic”, “Graduation”, “Master” and “PhD”.</a:t>
-            </a:r>
-          </a:p>
-          <a:p>
-            <a:r>
-              <a:rPr lang="en-US" dirty="0">
-                <a:latin typeface="Times New Roman" panose="02020603050405020304" pitchFamily="18" charset="0"/>
-                <a:cs typeface="Times New Roman" panose="02020603050405020304" pitchFamily="18" charset="0"/>
-              </a:rPr>
-              <a:t>Marital Status – 5 levels;</a:t>
-            </a:r>
-            <a:br>
-              <a:rPr lang="en-US" dirty="0">
-                <a:latin typeface="Times New Roman" panose="02020603050405020304" pitchFamily="18" charset="0"/>
-                <a:cs typeface="Times New Roman" panose="02020603050405020304" pitchFamily="18" charset="0"/>
-              </a:rPr>
-            </a:br>
-            <a:r>
-              <a:rPr lang="en-US" dirty="0">
-                <a:latin typeface="Times New Roman" panose="02020603050405020304" pitchFamily="18" charset="0"/>
-                <a:cs typeface="Times New Roman" panose="02020603050405020304" pitchFamily="18" charset="0"/>
-              </a:rPr>
-              <a:t>it tracks the customers marital status as: “Single”, “Together”, “Married”, “Divorced”, “Widow”.</a:t>
-            </a:r>
-          </a:p>
-          <a:p>
-            <a:r>
-              <a:rPr lang="en-US" dirty="0">
-                <a:latin typeface="Times New Roman" panose="02020603050405020304" pitchFamily="18" charset="0"/>
-                <a:cs typeface="Times New Roman" panose="02020603050405020304" pitchFamily="18" charset="0"/>
-              </a:rPr>
-              <a:t>Income Bracket – 3 levels;</a:t>
-            </a:r>
-            <a:br>
-              <a:rPr lang="en-US" dirty="0">
-                <a:latin typeface="Times New Roman" panose="02020603050405020304" pitchFamily="18" charset="0"/>
-                <a:cs typeface="Times New Roman" panose="02020603050405020304" pitchFamily="18" charset="0"/>
-              </a:rPr>
-            </a:br>
-            <a:r>
-              <a:rPr lang="en-US" dirty="0">
-                <a:latin typeface="Times New Roman" panose="02020603050405020304" pitchFamily="18" charset="0"/>
-                <a:cs typeface="Times New Roman" panose="02020603050405020304" pitchFamily="18" charset="0"/>
-              </a:rPr>
-              <a:t>the customers yearly income is categorized as “1.Low Income” for income  less than $43,783, “2.Mid Income” for income between $43,783 and $64,856 &amp; “3.High Income” for income above $64,856.</a:t>
-            </a:r>
-          </a:p>
-          <a:p>
-            <a:r>
-              <a:rPr lang="en-US" dirty="0">
-                <a:latin typeface="Times New Roman" panose="02020603050405020304" pitchFamily="18" charset="0"/>
-                <a:cs typeface="Times New Roman" panose="02020603050405020304" pitchFamily="18" charset="0"/>
-              </a:rPr>
-              <a:t>Last Purchase – 3 levels;</a:t>
-            </a:r>
-            <a:br>
-              <a:rPr lang="en-US" dirty="0">
-                <a:latin typeface="Times New Roman" panose="02020603050405020304" pitchFamily="18" charset="0"/>
-                <a:cs typeface="Times New Roman" panose="02020603050405020304" pitchFamily="18" charset="0"/>
-              </a:rPr>
-            </a:br>
-            <a:r>
-              <a:rPr lang="en-US" dirty="0">
-                <a:latin typeface="Times New Roman" panose="02020603050405020304" pitchFamily="18" charset="0"/>
-                <a:cs typeface="Times New Roman" panose="02020603050405020304" pitchFamily="18" charset="0"/>
-              </a:rPr>
-              <a:t>it is categorized as “&lt;1 month” if the last purchase was made within a month, “1-2months” when within 1-2 months and “&gt;2 months” when more than 2 months have passed since the last purchase.</a:t>
-            </a:r>
-          </a:p>
-          <a:p>
-            <a:r>
-              <a:rPr lang="en-US" dirty="0">
-                <a:latin typeface="Times New Roman" panose="02020603050405020304" pitchFamily="18" charset="0"/>
-                <a:cs typeface="Times New Roman" panose="02020603050405020304" pitchFamily="18" charset="0"/>
-              </a:rPr>
-              <a:t>Website Visits – 4 levels;</a:t>
-            </a:r>
-            <a:br>
-              <a:rPr lang="en-US" dirty="0">
-                <a:latin typeface="Times New Roman" panose="02020603050405020304" pitchFamily="18" charset="0"/>
-                <a:cs typeface="Times New Roman" panose="02020603050405020304" pitchFamily="18" charset="0"/>
-              </a:rPr>
-            </a:br>
-            <a:r>
-              <a:rPr lang="en-US" dirty="0">
-                <a:latin typeface="Times New Roman" panose="02020603050405020304" pitchFamily="18" charset="0"/>
-                <a:cs typeface="Times New Roman" panose="02020603050405020304" pitchFamily="18" charset="0"/>
-              </a:rPr>
-              <a:t>“&lt;5times” is when the customer visits the website for less than 5 times a week, “5-10times”, “11-15times” and “16times and more” are counting the number of visits to the website as respectively mentioned in the levels.</a:t>
-            </a:r>
-          </a:p>
-          <a:p>
-            <a:r>
-              <a:rPr lang="en-US" dirty="0">
-                <a:latin typeface="Times New Roman" panose="02020603050405020304" pitchFamily="18" charset="0"/>
-                <a:cs typeface="Times New Roman" panose="02020603050405020304" pitchFamily="18" charset="0"/>
-              </a:rPr>
-              <a:t>Customer Complain – 2 levels;</a:t>
-            </a:r>
-            <a:br>
-              <a:rPr lang="en-US" dirty="0">
-                <a:latin typeface="Times New Roman" panose="02020603050405020304" pitchFamily="18" charset="0"/>
-                <a:cs typeface="Times New Roman" panose="02020603050405020304" pitchFamily="18" charset="0"/>
-              </a:rPr>
-            </a:br>
-            <a:r>
-              <a:rPr lang="en-US" dirty="0">
-                <a:latin typeface="Times New Roman" panose="02020603050405020304" pitchFamily="18" charset="0"/>
-                <a:cs typeface="Times New Roman" panose="02020603050405020304" pitchFamily="18" charset="0"/>
-              </a:rPr>
-              <a:t>“Yes” if the customer has raised any complains in the last 2 years or “No” otherwise.</a:t>
-            </a:r>
-          </a:p>
-          <a:p>
-            <a:r>
-              <a:rPr lang="en-US" dirty="0">
-                <a:latin typeface="Times New Roman" panose="02020603050405020304" pitchFamily="18" charset="0"/>
-                <a:cs typeface="Times New Roman" panose="02020603050405020304" pitchFamily="18" charset="0"/>
-              </a:rPr>
-              <a:t>Customer Loyalty – 3 levels;</a:t>
-            </a:r>
-            <a:br>
-              <a:rPr lang="en-US" dirty="0">
-                <a:latin typeface="Times New Roman" panose="02020603050405020304" pitchFamily="18" charset="0"/>
-                <a:cs typeface="Times New Roman" panose="02020603050405020304" pitchFamily="18" charset="0"/>
-              </a:rPr>
-            </a:br>
-            <a:r>
-              <a:rPr lang="en-US" dirty="0">
-                <a:latin typeface="Times New Roman" panose="02020603050405020304" pitchFamily="18" charset="0"/>
-                <a:cs typeface="Times New Roman" panose="02020603050405020304" pitchFamily="18" charset="0"/>
-              </a:rPr>
-              <a:t>“4-6 years” when the customer has been using the companies service for the past 4 to 6 years, “6-7 years” and “7-8 years” are counting the number of years with the company respectively.</a:t>
+          <a:lstStyle>
+            <a:lvl1pPr marL="0" indent="0" algn="l" defTabSz="914400" rtl="0" eaLnBrk="1" latinLnBrk="0" hangingPunct="1">
+              <a:lnSpc>
+                <a:spcPct val="90000"/>
+              </a:lnSpc>
+              <a:spcBef>
+                <a:spcPts val="1000"/>
+              </a:spcBef>
+              <a:buFont typeface="Arial" panose="020B0604020202020204" pitchFamily="34" charset="0"/>
+              <a:buNone/>
+              <a:defRPr sz="1600" kern="1200">
+                <a:solidFill>
+                  <a:schemeClr val="tx1"/>
+                </a:solidFill>
+                <a:latin typeface="+mn-lt"/>
+                <a:ea typeface="+mn-ea"/>
+                <a:cs typeface="+mn-cs"/>
+              </a:defRPr>
+            </a:lvl1pPr>
+            <a:lvl2pPr marL="457200" indent="0" algn="l" defTabSz="914400" rtl="0" eaLnBrk="1" latinLnBrk="0" hangingPunct="1">
+              <a:lnSpc>
+                <a:spcPct val="90000"/>
+              </a:lnSpc>
+              <a:spcBef>
+                <a:spcPts val="500"/>
+              </a:spcBef>
+              <a:buFont typeface="Arial" panose="020B0604020202020204" pitchFamily="34" charset="0"/>
+              <a:buNone/>
+              <a:defRPr sz="1400" kern="1200">
+                <a:solidFill>
+                  <a:schemeClr val="tx1"/>
+                </a:solidFill>
+                <a:latin typeface="+mn-lt"/>
+                <a:ea typeface="+mn-ea"/>
+                <a:cs typeface="+mn-cs"/>
+              </a:defRPr>
+            </a:lvl2pPr>
+            <a:lvl3pPr marL="914400" indent="0" algn="l" defTabSz="914400" rtl="0" eaLnBrk="1" latinLnBrk="0" hangingPunct="1">
+              <a:lnSpc>
+                <a:spcPct val="90000"/>
+              </a:lnSpc>
+              <a:spcBef>
+                <a:spcPts val="500"/>
+              </a:spcBef>
+              <a:buFont typeface="Arial" panose="020B0604020202020204" pitchFamily="34" charset="0"/>
+              <a:buNone/>
+              <a:defRPr sz="1200" kern="1200">
+                <a:solidFill>
+                  <a:schemeClr val="tx1"/>
+                </a:solidFill>
+                <a:latin typeface="+mn-lt"/>
+                <a:ea typeface="+mn-ea"/>
+                <a:cs typeface="+mn-cs"/>
+              </a:defRPr>
+            </a:lvl3pPr>
+            <a:lvl4pPr marL="1371600" indent="0" algn="l" defTabSz="914400" rtl="0" eaLnBrk="1" latinLnBrk="0" hangingPunct="1">
+              <a:lnSpc>
+                <a:spcPct val="90000"/>
+              </a:lnSpc>
+              <a:spcBef>
+                <a:spcPts val="500"/>
+              </a:spcBef>
+              <a:buFont typeface="Arial" panose="020B0604020202020204" pitchFamily="34" charset="0"/>
+              <a:buNone/>
+              <a:defRPr sz="1000" kern="1200">
+                <a:solidFill>
+                  <a:schemeClr val="tx1"/>
+                </a:solidFill>
+                <a:latin typeface="+mn-lt"/>
+                <a:ea typeface="+mn-ea"/>
+                <a:cs typeface="+mn-cs"/>
+              </a:defRPr>
+            </a:lvl4pPr>
+            <a:lvl5pPr marL="1828800" indent="0" algn="l" defTabSz="914400" rtl="0" eaLnBrk="1" latinLnBrk="0" hangingPunct="1">
+              <a:lnSpc>
+                <a:spcPct val="90000"/>
+              </a:lnSpc>
+              <a:spcBef>
+                <a:spcPts val="500"/>
+              </a:spcBef>
+              <a:buFont typeface="Arial" panose="020B0604020202020204" pitchFamily="34" charset="0"/>
+              <a:buNone/>
+              <a:defRPr sz="1000" kern="1200">
+                <a:solidFill>
+                  <a:schemeClr val="tx1"/>
+                </a:solidFill>
+                <a:latin typeface="+mn-lt"/>
+                <a:ea typeface="+mn-ea"/>
+                <a:cs typeface="+mn-cs"/>
+              </a:defRPr>
+            </a:lvl5pPr>
+            <a:lvl6pPr marL="2286000" indent="0" algn="l" defTabSz="914400" rtl="0" eaLnBrk="1" latinLnBrk="0" hangingPunct="1">
+              <a:lnSpc>
+                <a:spcPct val="90000"/>
+              </a:lnSpc>
+              <a:spcBef>
+                <a:spcPts val="500"/>
+              </a:spcBef>
+              <a:buFont typeface="Arial" panose="020B0604020202020204" pitchFamily="34" charset="0"/>
+              <a:buNone/>
+              <a:defRPr sz="1000" kern="1200">
+                <a:solidFill>
+                  <a:schemeClr val="tx1"/>
+                </a:solidFill>
+                <a:latin typeface="+mn-lt"/>
+                <a:ea typeface="+mn-ea"/>
+                <a:cs typeface="+mn-cs"/>
+              </a:defRPr>
+            </a:lvl6pPr>
+            <a:lvl7pPr marL="2743200" indent="0" algn="l" defTabSz="914400" rtl="0" eaLnBrk="1" latinLnBrk="0" hangingPunct="1">
+              <a:lnSpc>
+                <a:spcPct val="90000"/>
+              </a:lnSpc>
+              <a:spcBef>
+                <a:spcPts val="500"/>
+              </a:spcBef>
+              <a:buFont typeface="Arial" panose="020B0604020202020204" pitchFamily="34" charset="0"/>
+              <a:buNone/>
+              <a:defRPr sz="1000" kern="1200">
+                <a:solidFill>
+                  <a:schemeClr val="tx1"/>
+                </a:solidFill>
+                <a:latin typeface="+mn-lt"/>
+                <a:ea typeface="+mn-ea"/>
+                <a:cs typeface="+mn-cs"/>
+              </a:defRPr>
+            </a:lvl7pPr>
+            <a:lvl8pPr marL="3200400" indent="0" algn="l" defTabSz="914400" rtl="0" eaLnBrk="1" latinLnBrk="0" hangingPunct="1">
+              <a:lnSpc>
+                <a:spcPct val="90000"/>
+              </a:lnSpc>
+              <a:spcBef>
+                <a:spcPts val="500"/>
+              </a:spcBef>
+              <a:buFont typeface="Arial" panose="020B0604020202020204" pitchFamily="34" charset="0"/>
+              <a:buNone/>
+              <a:defRPr sz="1000" kern="1200">
+                <a:solidFill>
+                  <a:schemeClr val="tx1"/>
+                </a:solidFill>
+                <a:latin typeface="+mn-lt"/>
+                <a:ea typeface="+mn-ea"/>
+                <a:cs typeface="+mn-cs"/>
+              </a:defRPr>
+            </a:lvl8pPr>
+            <a:lvl9pPr marL="3657600" indent="0" algn="l" defTabSz="914400" rtl="0" eaLnBrk="1" latinLnBrk="0" hangingPunct="1">
+              <a:lnSpc>
+                <a:spcPct val="90000"/>
+              </a:lnSpc>
+              <a:spcBef>
+                <a:spcPts val="500"/>
+              </a:spcBef>
+              <a:buFont typeface="Arial" panose="020B0604020202020204" pitchFamily="34" charset="0"/>
+              <a:buNone/>
+              <a:defRPr sz="1000" kern="1200">
+                <a:solidFill>
+                  <a:schemeClr val="tx1"/>
+                </a:solidFill>
+                <a:latin typeface="+mn-lt"/>
+                <a:ea typeface="+mn-ea"/>
+                <a:cs typeface="+mn-cs"/>
+              </a:defRPr>
+            </a:lvl9pPr>
+          </a:lstStyle>
+          <a:p>
+            <a:pPr algn="ctr"/>
+            <a:r>
+              <a:rPr lang="en-US" sz="1800" b="1" dirty="0">
+                <a:latin typeface="Times New Roman" panose="02020603050405020304" pitchFamily="18" charset="0"/>
+                <a:cs typeface="Times New Roman" panose="02020603050405020304" pitchFamily="18" charset="0"/>
+              </a:rPr>
+              <a:t>MARKETING “CAMPAIGN : 5” ANALYSIS</a:t>
+            </a:r>
+          </a:p>
+        </p:txBody>
+      </p:sp>
+      <p:sp>
+        <p:nvSpPr>
+          <p:cNvPr id="2" name="Text Placeholder 5">
+            <a:extLst>
+              <a:ext uri="{FF2B5EF4-FFF2-40B4-BE49-F238E27FC236}">
+                <a16:creationId xmlns:a16="http://schemas.microsoft.com/office/drawing/2014/main" id="{F1192DD2-E54D-7DEF-E3A3-D3C6DC9AE853}"/>
+              </a:ext>
+            </a:extLst>
+          </p:cNvPr>
+          <p:cNvSpPr txBox="1">
+            <a:spLocks/>
+          </p:cNvSpPr>
+          <p:nvPr/>
+        </p:nvSpPr>
+        <p:spPr>
+          <a:xfrm>
+            <a:off x="352185" y="5290914"/>
+            <a:ext cx="11487630" cy="827423"/>
+          </a:xfrm>
+          <a:prstGeom prst="rect">
+            <a:avLst/>
+          </a:prstGeom>
+          <a:solidFill>
+            <a:srgbClr val="B5C5E6"/>
+          </a:solidFill>
+          <a:ln>
+            <a:solidFill>
+              <a:srgbClr val="B5C5E6"/>
+            </a:solidFill>
+          </a:ln>
+        </p:spPr>
+        <p:txBody>
+          <a:bodyPr vert="horz" lIns="91440" tIns="45720" rIns="91440" bIns="45720" rtlCol="0">
+            <a:normAutofit/>
+          </a:bodyPr>
+          <a:lstStyle>
+            <a:lvl1pPr marL="0" indent="0" algn="l" defTabSz="914400" rtl="0" eaLnBrk="1" latinLnBrk="0" hangingPunct="1">
+              <a:lnSpc>
+                <a:spcPct val="90000"/>
+              </a:lnSpc>
+              <a:spcBef>
+                <a:spcPts val="1000"/>
+              </a:spcBef>
+              <a:buFont typeface="Arial" panose="020B0604020202020204" pitchFamily="34" charset="0"/>
+              <a:buNone/>
+              <a:defRPr sz="1600" kern="1200">
+                <a:solidFill>
+                  <a:schemeClr val="tx1"/>
+                </a:solidFill>
+                <a:latin typeface="+mn-lt"/>
+                <a:ea typeface="+mn-ea"/>
+                <a:cs typeface="+mn-cs"/>
+              </a:defRPr>
+            </a:lvl1pPr>
+            <a:lvl2pPr marL="457200" indent="0" algn="l" defTabSz="914400" rtl="0" eaLnBrk="1" latinLnBrk="0" hangingPunct="1">
+              <a:lnSpc>
+                <a:spcPct val="90000"/>
+              </a:lnSpc>
+              <a:spcBef>
+                <a:spcPts val="500"/>
+              </a:spcBef>
+              <a:buFont typeface="Arial" panose="020B0604020202020204" pitchFamily="34" charset="0"/>
+              <a:buNone/>
+              <a:defRPr sz="1400" kern="1200">
+                <a:solidFill>
+                  <a:schemeClr val="tx1"/>
+                </a:solidFill>
+                <a:latin typeface="+mn-lt"/>
+                <a:ea typeface="+mn-ea"/>
+                <a:cs typeface="+mn-cs"/>
+              </a:defRPr>
+            </a:lvl2pPr>
+            <a:lvl3pPr marL="914400" indent="0" algn="l" defTabSz="914400" rtl="0" eaLnBrk="1" latinLnBrk="0" hangingPunct="1">
+              <a:lnSpc>
+                <a:spcPct val="90000"/>
+              </a:lnSpc>
+              <a:spcBef>
+                <a:spcPts val="500"/>
+              </a:spcBef>
+              <a:buFont typeface="Arial" panose="020B0604020202020204" pitchFamily="34" charset="0"/>
+              <a:buNone/>
+              <a:defRPr sz="1200" kern="1200">
+                <a:solidFill>
+                  <a:schemeClr val="tx1"/>
+                </a:solidFill>
+                <a:latin typeface="+mn-lt"/>
+                <a:ea typeface="+mn-ea"/>
+                <a:cs typeface="+mn-cs"/>
+              </a:defRPr>
+            </a:lvl3pPr>
+            <a:lvl4pPr marL="1371600" indent="0" algn="l" defTabSz="914400" rtl="0" eaLnBrk="1" latinLnBrk="0" hangingPunct="1">
+              <a:lnSpc>
+                <a:spcPct val="90000"/>
+              </a:lnSpc>
+              <a:spcBef>
+                <a:spcPts val="500"/>
+              </a:spcBef>
+              <a:buFont typeface="Arial" panose="020B0604020202020204" pitchFamily="34" charset="0"/>
+              <a:buNone/>
+              <a:defRPr sz="1000" kern="1200">
+                <a:solidFill>
+                  <a:schemeClr val="tx1"/>
+                </a:solidFill>
+                <a:latin typeface="+mn-lt"/>
+                <a:ea typeface="+mn-ea"/>
+                <a:cs typeface="+mn-cs"/>
+              </a:defRPr>
+            </a:lvl4pPr>
+            <a:lvl5pPr marL="1828800" indent="0" algn="l" defTabSz="914400" rtl="0" eaLnBrk="1" latinLnBrk="0" hangingPunct="1">
+              <a:lnSpc>
+                <a:spcPct val="90000"/>
+              </a:lnSpc>
+              <a:spcBef>
+                <a:spcPts val="500"/>
+              </a:spcBef>
+              <a:buFont typeface="Arial" panose="020B0604020202020204" pitchFamily="34" charset="0"/>
+              <a:buNone/>
+              <a:defRPr sz="1000" kern="1200">
+                <a:solidFill>
+                  <a:schemeClr val="tx1"/>
+                </a:solidFill>
+                <a:latin typeface="+mn-lt"/>
+                <a:ea typeface="+mn-ea"/>
+                <a:cs typeface="+mn-cs"/>
+              </a:defRPr>
+            </a:lvl5pPr>
+            <a:lvl6pPr marL="2286000" indent="0" algn="l" defTabSz="914400" rtl="0" eaLnBrk="1" latinLnBrk="0" hangingPunct="1">
+              <a:lnSpc>
+                <a:spcPct val="90000"/>
+              </a:lnSpc>
+              <a:spcBef>
+                <a:spcPts val="500"/>
+              </a:spcBef>
+              <a:buFont typeface="Arial" panose="020B0604020202020204" pitchFamily="34" charset="0"/>
+              <a:buNone/>
+              <a:defRPr sz="1000" kern="1200">
+                <a:solidFill>
+                  <a:schemeClr val="tx1"/>
+                </a:solidFill>
+                <a:latin typeface="+mn-lt"/>
+                <a:ea typeface="+mn-ea"/>
+                <a:cs typeface="+mn-cs"/>
+              </a:defRPr>
+            </a:lvl6pPr>
+            <a:lvl7pPr marL="2743200" indent="0" algn="l" defTabSz="914400" rtl="0" eaLnBrk="1" latinLnBrk="0" hangingPunct="1">
+              <a:lnSpc>
+                <a:spcPct val="90000"/>
+              </a:lnSpc>
+              <a:spcBef>
+                <a:spcPts val="500"/>
+              </a:spcBef>
+              <a:buFont typeface="Arial" panose="020B0604020202020204" pitchFamily="34" charset="0"/>
+              <a:buNone/>
+              <a:defRPr sz="1000" kern="1200">
+                <a:solidFill>
+                  <a:schemeClr val="tx1"/>
+                </a:solidFill>
+                <a:latin typeface="+mn-lt"/>
+                <a:ea typeface="+mn-ea"/>
+                <a:cs typeface="+mn-cs"/>
+              </a:defRPr>
+            </a:lvl7pPr>
+            <a:lvl8pPr marL="3200400" indent="0" algn="l" defTabSz="914400" rtl="0" eaLnBrk="1" latinLnBrk="0" hangingPunct="1">
+              <a:lnSpc>
+                <a:spcPct val="90000"/>
+              </a:lnSpc>
+              <a:spcBef>
+                <a:spcPts val="500"/>
+              </a:spcBef>
+              <a:buFont typeface="Arial" panose="020B0604020202020204" pitchFamily="34" charset="0"/>
+              <a:buNone/>
+              <a:defRPr sz="1000" kern="1200">
+                <a:solidFill>
+                  <a:schemeClr val="tx1"/>
+                </a:solidFill>
+                <a:latin typeface="+mn-lt"/>
+                <a:ea typeface="+mn-ea"/>
+                <a:cs typeface="+mn-cs"/>
+              </a:defRPr>
+            </a:lvl8pPr>
+            <a:lvl9pPr marL="3657600" indent="0" algn="l" defTabSz="914400" rtl="0" eaLnBrk="1" latinLnBrk="0" hangingPunct="1">
+              <a:lnSpc>
+                <a:spcPct val="90000"/>
+              </a:lnSpc>
+              <a:spcBef>
+                <a:spcPts val="500"/>
+              </a:spcBef>
+              <a:buFont typeface="Arial" panose="020B0604020202020204" pitchFamily="34" charset="0"/>
+              <a:buNone/>
+              <a:defRPr sz="1000" kern="1200">
+                <a:solidFill>
+                  <a:schemeClr val="tx1"/>
+                </a:solidFill>
+                <a:latin typeface="+mn-lt"/>
+                <a:ea typeface="+mn-ea"/>
+                <a:cs typeface="+mn-cs"/>
+              </a:defRPr>
+            </a:lvl9pPr>
+          </a:lstStyle>
+          <a:p>
+            <a:pPr marL="285750" indent="-285750">
+              <a:spcBef>
+                <a:spcPts val="600"/>
+              </a:spcBef>
+              <a:buFont typeface="Arial" panose="020B0604020202020204" pitchFamily="34" charset="0"/>
+              <a:buChar char="•"/>
+            </a:pPr>
+            <a:r>
+              <a:rPr lang="en-US" sz="1200" dirty="0">
+                <a:latin typeface="Times New Roman" panose="02020603050405020304" pitchFamily="18" charset="0"/>
+                <a:cs typeface="Times New Roman" panose="02020603050405020304" pitchFamily="18" charset="0"/>
+              </a:rPr>
+              <a:t>The “Campaign:5” sales transaction value is $235.3k with an average sale per customer about $1612 (a 165% increase from the overall average of $608).</a:t>
+            </a:r>
+          </a:p>
+          <a:p>
+            <a:pPr marL="285750" indent="-285750">
+              <a:spcBef>
+                <a:spcPts val="600"/>
+              </a:spcBef>
+              <a:buFont typeface="Arial" panose="020B0604020202020204" pitchFamily="34" charset="0"/>
+              <a:buChar char="•"/>
+            </a:pPr>
+            <a:r>
+              <a:rPr lang="en-US" sz="1200" dirty="0">
+                <a:latin typeface="Times New Roman" panose="02020603050405020304" pitchFamily="18" charset="0"/>
+                <a:cs typeface="Times New Roman" panose="02020603050405020304" pitchFamily="18" charset="0"/>
+              </a:rPr>
+              <a:t>146 customers responded to the campaign i.e. a 7.2% conversion rate.</a:t>
+            </a:r>
+          </a:p>
+          <a:p>
+            <a:pPr marL="285750" indent="-285750">
+              <a:spcBef>
+                <a:spcPts val="600"/>
+              </a:spcBef>
+              <a:buFont typeface="Arial" panose="020B0604020202020204" pitchFamily="34" charset="0"/>
+              <a:buChar char="•"/>
+            </a:pPr>
+            <a:r>
+              <a:rPr lang="en-US" sz="1200" dirty="0">
+                <a:latin typeface="Times New Roman" panose="02020603050405020304" pitchFamily="18" charset="0"/>
+                <a:cs typeface="Times New Roman" panose="02020603050405020304" pitchFamily="18" charset="0"/>
+              </a:rPr>
+              <a:t>The campaign captured 98 customers from the 1366 customers who hasn’t purchased for more than a month.</a:t>
             </a:r>
           </a:p>
         </p:txBody>
@@ -6386,7 +8022,534 @@
     </p:spTree>
     <p:extLst>
       <p:ext uri="{BB962C8B-B14F-4D97-AF65-F5344CB8AC3E}">
-        <p14:creationId xmlns:p14="http://schemas.microsoft.com/office/powerpoint/2010/main" val="3578462504"/>
+        <p14:creationId xmlns:p14="http://schemas.microsoft.com/office/powerpoint/2010/main" val="2075399960"/>
+      </p:ext>
+    </p:extLst>
+  </p:cSld>
+  <p:clrMapOvr>
+    <a:masterClrMapping/>
+  </p:clrMapOvr>
+</p:sld>
+</file>
+
+<file path=ppt/slides/slide16.xml><?xml version="1.0" encoding="utf-8"?>
+<p:sld xmlns:a="http://schemas.openxmlformats.org/drawingml/2006/main" xmlns:r="http://schemas.openxmlformats.org/officeDocument/2006/relationships" xmlns:p="http://schemas.openxmlformats.org/presentationml/2006/main">
+  <p:cSld>
+    <p:spTree>
+      <p:nvGrpSpPr>
+        <p:cNvPr id="1" name=""/>
+        <p:cNvGrpSpPr/>
+        <p:nvPr/>
+      </p:nvGrpSpPr>
+      <p:grpSpPr>
+        <a:xfrm>
+          <a:off x="0" y="0"/>
+          <a:ext cx="0" cy="0"/>
+          <a:chOff x="0" y="0"/>
+          <a:chExt cx="0" cy="0"/>
+        </a:xfrm>
+      </p:grpSpPr>
+      <p:pic>
+        <p:nvPicPr>
+          <p:cNvPr id="86" name="Content Placeholder 85">
+            <a:extLst>
+              <a:ext uri="{FF2B5EF4-FFF2-40B4-BE49-F238E27FC236}">
+                <a16:creationId xmlns:a16="http://schemas.microsoft.com/office/drawing/2014/main" id="{3ADD69E0-AD6B-73A8-9042-F8C043641A8B}"/>
+              </a:ext>
+            </a:extLst>
+          </p:cNvPr>
+          <p:cNvPicPr>
+            <a:picLocks noGrp="1" noChangeAspect="1"/>
+          </p:cNvPicPr>
+          <p:nvPr>
+            <p:ph idx="1"/>
+          </p:nvPr>
+        </p:nvPicPr>
+        <p:blipFill>
+          <a:blip r:embed="rId3">
+            <a:extLst>
+              <a:ext uri="{28A0092B-C50C-407E-A947-70E740481C1C}">
+                <a14:useLocalDpi xmlns:a14="http://schemas.microsoft.com/office/drawing/2010/main" val="0"/>
+              </a:ext>
+            </a:extLst>
+          </a:blip>
+          <a:srcRect/>
+          <a:stretch/>
+        </p:blipFill>
+        <p:spPr>
+          <a:xfrm>
+            <a:off x="1250388" y="487193"/>
+            <a:ext cx="9691571" cy="4572000"/>
+          </a:xfrm>
+          <a:prstGeom prst="rect">
+            <a:avLst/>
+          </a:prstGeom>
+        </p:spPr>
+      </p:pic>
+      <p:sp>
+        <p:nvSpPr>
+          <p:cNvPr id="89" name="Text Placeholder 5">
+            <a:extLst>
+              <a:ext uri="{FF2B5EF4-FFF2-40B4-BE49-F238E27FC236}">
+                <a16:creationId xmlns:a16="http://schemas.microsoft.com/office/drawing/2014/main" id="{A5EF68E2-0F5E-D60A-8A94-908901B0A627}"/>
+              </a:ext>
+            </a:extLst>
+          </p:cNvPr>
+          <p:cNvSpPr txBox="1">
+            <a:spLocks/>
+          </p:cNvSpPr>
+          <p:nvPr/>
+        </p:nvSpPr>
+        <p:spPr>
+          <a:xfrm>
+            <a:off x="1507518" y="519331"/>
+            <a:ext cx="9227157" cy="293857"/>
+          </a:xfrm>
+          <a:prstGeom prst="rect">
+            <a:avLst/>
+          </a:prstGeom>
+          <a:solidFill>
+            <a:srgbClr val="B5C5E6"/>
+          </a:solidFill>
+          <a:ln>
+            <a:solidFill>
+              <a:srgbClr val="B5C5E6"/>
+            </a:solidFill>
+          </a:ln>
+        </p:spPr>
+        <p:txBody>
+          <a:bodyPr vert="horz" lIns="91440" tIns="45720" rIns="91440" bIns="45720" rtlCol="0">
+            <a:normAutofit fontScale="92500" lnSpcReduction="20000"/>
+          </a:bodyPr>
+          <a:lstStyle>
+            <a:lvl1pPr marL="0" indent="0" algn="l" defTabSz="914400" rtl="0" eaLnBrk="1" latinLnBrk="0" hangingPunct="1">
+              <a:lnSpc>
+                <a:spcPct val="90000"/>
+              </a:lnSpc>
+              <a:spcBef>
+                <a:spcPts val="1000"/>
+              </a:spcBef>
+              <a:buFont typeface="Arial" panose="020B0604020202020204" pitchFamily="34" charset="0"/>
+              <a:buNone/>
+              <a:defRPr sz="1600" kern="1200">
+                <a:solidFill>
+                  <a:schemeClr val="tx1"/>
+                </a:solidFill>
+                <a:latin typeface="+mn-lt"/>
+                <a:ea typeface="+mn-ea"/>
+                <a:cs typeface="+mn-cs"/>
+              </a:defRPr>
+            </a:lvl1pPr>
+            <a:lvl2pPr marL="457200" indent="0" algn="l" defTabSz="914400" rtl="0" eaLnBrk="1" latinLnBrk="0" hangingPunct="1">
+              <a:lnSpc>
+                <a:spcPct val="90000"/>
+              </a:lnSpc>
+              <a:spcBef>
+                <a:spcPts val="500"/>
+              </a:spcBef>
+              <a:buFont typeface="Arial" panose="020B0604020202020204" pitchFamily="34" charset="0"/>
+              <a:buNone/>
+              <a:defRPr sz="1400" kern="1200">
+                <a:solidFill>
+                  <a:schemeClr val="tx1"/>
+                </a:solidFill>
+                <a:latin typeface="+mn-lt"/>
+                <a:ea typeface="+mn-ea"/>
+                <a:cs typeface="+mn-cs"/>
+              </a:defRPr>
+            </a:lvl2pPr>
+            <a:lvl3pPr marL="914400" indent="0" algn="l" defTabSz="914400" rtl="0" eaLnBrk="1" latinLnBrk="0" hangingPunct="1">
+              <a:lnSpc>
+                <a:spcPct val="90000"/>
+              </a:lnSpc>
+              <a:spcBef>
+                <a:spcPts val="500"/>
+              </a:spcBef>
+              <a:buFont typeface="Arial" panose="020B0604020202020204" pitchFamily="34" charset="0"/>
+              <a:buNone/>
+              <a:defRPr sz="1200" kern="1200">
+                <a:solidFill>
+                  <a:schemeClr val="tx1"/>
+                </a:solidFill>
+                <a:latin typeface="+mn-lt"/>
+                <a:ea typeface="+mn-ea"/>
+                <a:cs typeface="+mn-cs"/>
+              </a:defRPr>
+            </a:lvl3pPr>
+            <a:lvl4pPr marL="1371600" indent="0" algn="l" defTabSz="914400" rtl="0" eaLnBrk="1" latinLnBrk="0" hangingPunct="1">
+              <a:lnSpc>
+                <a:spcPct val="90000"/>
+              </a:lnSpc>
+              <a:spcBef>
+                <a:spcPts val="500"/>
+              </a:spcBef>
+              <a:buFont typeface="Arial" panose="020B0604020202020204" pitchFamily="34" charset="0"/>
+              <a:buNone/>
+              <a:defRPr sz="1000" kern="1200">
+                <a:solidFill>
+                  <a:schemeClr val="tx1"/>
+                </a:solidFill>
+                <a:latin typeface="+mn-lt"/>
+                <a:ea typeface="+mn-ea"/>
+                <a:cs typeface="+mn-cs"/>
+              </a:defRPr>
+            </a:lvl4pPr>
+            <a:lvl5pPr marL="1828800" indent="0" algn="l" defTabSz="914400" rtl="0" eaLnBrk="1" latinLnBrk="0" hangingPunct="1">
+              <a:lnSpc>
+                <a:spcPct val="90000"/>
+              </a:lnSpc>
+              <a:spcBef>
+                <a:spcPts val="500"/>
+              </a:spcBef>
+              <a:buFont typeface="Arial" panose="020B0604020202020204" pitchFamily="34" charset="0"/>
+              <a:buNone/>
+              <a:defRPr sz="1000" kern="1200">
+                <a:solidFill>
+                  <a:schemeClr val="tx1"/>
+                </a:solidFill>
+                <a:latin typeface="+mn-lt"/>
+                <a:ea typeface="+mn-ea"/>
+                <a:cs typeface="+mn-cs"/>
+              </a:defRPr>
+            </a:lvl5pPr>
+            <a:lvl6pPr marL="2286000" indent="0" algn="l" defTabSz="914400" rtl="0" eaLnBrk="1" latinLnBrk="0" hangingPunct="1">
+              <a:lnSpc>
+                <a:spcPct val="90000"/>
+              </a:lnSpc>
+              <a:spcBef>
+                <a:spcPts val="500"/>
+              </a:spcBef>
+              <a:buFont typeface="Arial" panose="020B0604020202020204" pitchFamily="34" charset="0"/>
+              <a:buNone/>
+              <a:defRPr sz="1000" kern="1200">
+                <a:solidFill>
+                  <a:schemeClr val="tx1"/>
+                </a:solidFill>
+                <a:latin typeface="+mn-lt"/>
+                <a:ea typeface="+mn-ea"/>
+                <a:cs typeface="+mn-cs"/>
+              </a:defRPr>
+            </a:lvl6pPr>
+            <a:lvl7pPr marL="2743200" indent="0" algn="l" defTabSz="914400" rtl="0" eaLnBrk="1" latinLnBrk="0" hangingPunct="1">
+              <a:lnSpc>
+                <a:spcPct val="90000"/>
+              </a:lnSpc>
+              <a:spcBef>
+                <a:spcPts val="500"/>
+              </a:spcBef>
+              <a:buFont typeface="Arial" panose="020B0604020202020204" pitchFamily="34" charset="0"/>
+              <a:buNone/>
+              <a:defRPr sz="1000" kern="1200">
+                <a:solidFill>
+                  <a:schemeClr val="tx1"/>
+                </a:solidFill>
+                <a:latin typeface="+mn-lt"/>
+                <a:ea typeface="+mn-ea"/>
+                <a:cs typeface="+mn-cs"/>
+              </a:defRPr>
+            </a:lvl7pPr>
+            <a:lvl8pPr marL="3200400" indent="0" algn="l" defTabSz="914400" rtl="0" eaLnBrk="1" latinLnBrk="0" hangingPunct="1">
+              <a:lnSpc>
+                <a:spcPct val="90000"/>
+              </a:lnSpc>
+              <a:spcBef>
+                <a:spcPts val="500"/>
+              </a:spcBef>
+              <a:buFont typeface="Arial" panose="020B0604020202020204" pitchFamily="34" charset="0"/>
+              <a:buNone/>
+              <a:defRPr sz="1000" kern="1200">
+                <a:solidFill>
+                  <a:schemeClr val="tx1"/>
+                </a:solidFill>
+                <a:latin typeface="+mn-lt"/>
+                <a:ea typeface="+mn-ea"/>
+                <a:cs typeface="+mn-cs"/>
+              </a:defRPr>
+            </a:lvl8pPr>
+            <a:lvl9pPr marL="3657600" indent="0" algn="l" defTabSz="914400" rtl="0" eaLnBrk="1" latinLnBrk="0" hangingPunct="1">
+              <a:lnSpc>
+                <a:spcPct val="90000"/>
+              </a:lnSpc>
+              <a:spcBef>
+                <a:spcPts val="500"/>
+              </a:spcBef>
+              <a:buFont typeface="Arial" panose="020B0604020202020204" pitchFamily="34" charset="0"/>
+              <a:buNone/>
+              <a:defRPr sz="1000" kern="1200">
+                <a:solidFill>
+                  <a:schemeClr val="tx1"/>
+                </a:solidFill>
+                <a:latin typeface="+mn-lt"/>
+                <a:ea typeface="+mn-ea"/>
+                <a:cs typeface="+mn-cs"/>
+              </a:defRPr>
+            </a:lvl9pPr>
+          </a:lstStyle>
+          <a:p>
+            <a:pPr algn="ctr"/>
+            <a:r>
+              <a:rPr lang="en-US" sz="1800" b="1" dirty="0">
+                <a:latin typeface="Times New Roman" panose="02020603050405020304" pitchFamily="18" charset="0"/>
+                <a:cs typeface="Times New Roman" panose="02020603050405020304" pitchFamily="18" charset="0"/>
+              </a:rPr>
+              <a:t>MARKETING “CAMPAIGN : 6” ANALYSIS</a:t>
+            </a:r>
+          </a:p>
+        </p:txBody>
+      </p:sp>
+      <p:sp>
+        <p:nvSpPr>
+          <p:cNvPr id="2" name="Text Placeholder 5">
+            <a:extLst>
+              <a:ext uri="{FF2B5EF4-FFF2-40B4-BE49-F238E27FC236}">
+                <a16:creationId xmlns:a16="http://schemas.microsoft.com/office/drawing/2014/main" id="{39AF4D5A-9044-8995-CFB5-53AFBD0FF8C1}"/>
+              </a:ext>
+            </a:extLst>
+          </p:cNvPr>
+          <p:cNvSpPr txBox="1">
+            <a:spLocks/>
+          </p:cNvSpPr>
+          <p:nvPr/>
+        </p:nvSpPr>
+        <p:spPr>
+          <a:xfrm>
+            <a:off x="352185" y="5290914"/>
+            <a:ext cx="11487630" cy="827423"/>
+          </a:xfrm>
+          <a:prstGeom prst="rect">
+            <a:avLst/>
+          </a:prstGeom>
+          <a:solidFill>
+            <a:srgbClr val="B5C5E6"/>
+          </a:solidFill>
+          <a:ln>
+            <a:solidFill>
+              <a:srgbClr val="B5C5E6"/>
+            </a:solidFill>
+          </a:ln>
+        </p:spPr>
+        <p:txBody>
+          <a:bodyPr vert="horz" lIns="91440" tIns="45720" rIns="91440" bIns="45720" rtlCol="0">
+            <a:normAutofit/>
+          </a:bodyPr>
+          <a:lstStyle>
+            <a:lvl1pPr marL="0" indent="0" algn="l" defTabSz="914400" rtl="0" eaLnBrk="1" latinLnBrk="0" hangingPunct="1">
+              <a:lnSpc>
+                <a:spcPct val="90000"/>
+              </a:lnSpc>
+              <a:spcBef>
+                <a:spcPts val="1000"/>
+              </a:spcBef>
+              <a:buFont typeface="Arial" panose="020B0604020202020204" pitchFamily="34" charset="0"/>
+              <a:buNone/>
+              <a:defRPr sz="1600" kern="1200">
+                <a:solidFill>
+                  <a:schemeClr val="tx1"/>
+                </a:solidFill>
+                <a:latin typeface="+mn-lt"/>
+                <a:ea typeface="+mn-ea"/>
+                <a:cs typeface="+mn-cs"/>
+              </a:defRPr>
+            </a:lvl1pPr>
+            <a:lvl2pPr marL="457200" indent="0" algn="l" defTabSz="914400" rtl="0" eaLnBrk="1" latinLnBrk="0" hangingPunct="1">
+              <a:lnSpc>
+                <a:spcPct val="90000"/>
+              </a:lnSpc>
+              <a:spcBef>
+                <a:spcPts val="500"/>
+              </a:spcBef>
+              <a:buFont typeface="Arial" panose="020B0604020202020204" pitchFamily="34" charset="0"/>
+              <a:buNone/>
+              <a:defRPr sz="1400" kern="1200">
+                <a:solidFill>
+                  <a:schemeClr val="tx1"/>
+                </a:solidFill>
+                <a:latin typeface="+mn-lt"/>
+                <a:ea typeface="+mn-ea"/>
+                <a:cs typeface="+mn-cs"/>
+              </a:defRPr>
+            </a:lvl2pPr>
+            <a:lvl3pPr marL="914400" indent="0" algn="l" defTabSz="914400" rtl="0" eaLnBrk="1" latinLnBrk="0" hangingPunct="1">
+              <a:lnSpc>
+                <a:spcPct val="90000"/>
+              </a:lnSpc>
+              <a:spcBef>
+                <a:spcPts val="500"/>
+              </a:spcBef>
+              <a:buFont typeface="Arial" panose="020B0604020202020204" pitchFamily="34" charset="0"/>
+              <a:buNone/>
+              <a:defRPr sz="1200" kern="1200">
+                <a:solidFill>
+                  <a:schemeClr val="tx1"/>
+                </a:solidFill>
+                <a:latin typeface="+mn-lt"/>
+                <a:ea typeface="+mn-ea"/>
+                <a:cs typeface="+mn-cs"/>
+              </a:defRPr>
+            </a:lvl3pPr>
+            <a:lvl4pPr marL="1371600" indent="0" algn="l" defTabSz="914400" rtl="0" eaLnBrk="1" latinLnBrk="0" hangingPunct="1">
+              <a:lnSpc>
+                <a:spcPct val="90000"/>
+              </a:lnSpc>
+              <a:spcBef>
+                <a:spcPts val="500"/>
+              </a:spcBef>
+              <a:buFont typeface="Arial" panose="020B0604020202020204" pitchFamily="34" charset="0"/>
+              <a:buNone/>
+              <a:defRPr sz="1000" kern="1200">
+                <a:solidFill>
+                  <a:schemeClr val="tx1"/>
+                </a:solidFill>
+                <a:latin typeface="+mn-lt"/>
+                <a:ea typeface="+mn-ea"/>
+                <a:cs typeface="+mn-cs"/>
+              </a:defRPr>
+            </a:lvl4pPr>
+            <a:lvl5pPr marL="1828800" indent="0" algn="l" defTabSz="914400" rtl="0" eaLnBrk="1" latinLnBrk="0" hangingPunct="1">
+              <a:lnSpc>
+                <a:spcPct val="90000"/>
+              </a:lnSpc>
+              <a:spcBef>
+                <a:spcPts val="500"/>
+              </a:spcBef>
+              <a:buFont typeface="Arial" panose="020B0604020202020204" pitchFamily="34" charset="0"/>
+              <a:buNone/>
+              <a:defRPr sz="1000" kern="1200">
+                <a:solidFill>
+                  <a:schemeClr val="tx1"/>
+                </a:solidFill>
+                <a:latin typeface="+mn-lt"/>
+                <a:ea typeface="+mn-ea"/>
+                <a:cs typeface="+mn-cs"/>
+              </a:defRPr>
+            </a:lvl5pPr>
+            <a:lvl6pPr marL="2286000" indent="0" algn="l" defTabSz="914400" rtl="0" eaLnBrk="1" latinLnBrk="0" hangingPunct="1">
+              <a:lnSpc>
+                <a:spcPct val="90000"/>
+              </a:lnSpc>
+              <a:spcBef>
+                <a:spcPts val="500"/>
+              </a:spcBef>
+              <a:buFont typeface="Arial" panose="020B0604020202020204" pitchFamily="34" charset="0"/>
+              <a:buNone/>
+              <a:defRPr sz="1000" kern="1200">
+                <a:solidFill>
+                  <a:schemeClr val="tx1"/>
+                </a:solidFill>
+                <a:latin typeface="+mn-lt"/>
+                <a:ea typeface="+mn-ea"/>
+                <a:cs typeface="+mn-cs"/>
+              </a:defRPr>
+            </a:lvl6pPr>
+            <a:lvl7pPr marL="2743200" indent="0" algn="l" defTabSz="914400" rtl="0" eaLnBrk="1" latinLnBrk="0" hangingPunct="1">
+              <a:lnSpc>
+                <a:spcPct val="90000"/>
+              </a:lnSpc>
+              <a:spcBef>
+                <a:spcPts val="500"/>
+              </a:spcBef>
+              <a:buFont typeface="Arial" panose="020B0604020202020204" pitchFamily="34" charset="0"/>
+              <a:buNone/>
+              <a:defRPr sz="1000" kern="1200">
+                <a:solidFill>
+                  <a:schemeClr val="tx1"/>
+                </a:solidFill>
+                <a:latin typeface="+mn-lt"/>
+                <a:ea typeface="+mn-ea"/>
+                <a:cs typeface="+mn-cs"/>
+              </a:defRPr>
+            </a:lvl7pPr>
+            <a:lvl8pPr marL="3200400" indent="0" algn="l" defTabSz="914400" rtl="0" eaLnBrk="1" latinLnBrk="0" hangingPunct="1">
+              <a:lnSpc>
+                <a:spcPct val="90000"/>
+              </a:lnSpc>
+              <a:spcBef>
+                <a:spcPts val="500"/>
+              </a:spcBef>
+              <a:buFont typeface="Arial" panose="020B0604020202020204" pitchFamily="34" charset="0"/>
+              <a:buNone/>
+              <a:defRPr sz="1000" kern="1200">
+                <a:solidFill>
+                  <a:schemeClr val="tx1"/>
+                </a:solidFill>
+                <a:latin typeface="+mn-lt"/>
+                <a:ea typeface="+mn-ea"/>
+                <a:cs typeface="+mn-cs"/>
+              </a:defRPr>
+            </a:lvl8pPr>
+            <a:lvl9pPr marL="3657600" indent="0" algn="l" defTabSz="914400" rtl="0" eaLnBrk="1" latinLnBrk="0" hangingPunct="1">
+              <a:lnSpc>
+                <a:spcPct val="90000"/>
+              </a:lnSpc>
+              <a:spcBef>
+                <a:spcPts val="500"/>
+              </a:spcBef>
+              <a:buFont typeface="Arial" panose="020B0604020202020204" pitchFamily="34" charset="0"/>
+              <a:buNone/>
+              <a:defRPr sz="1000" kern="1200">
+                <a:solidFill>
+                  <a:schemeClr val="tx1"/>
+                </a:solidFill>
+                <a:latin typeface="+mn-lt"/>
+                <a:ea typeface="+mn-ea"/>
+                <a:cs typeface="+mn-cs"/>
+              </a:defRPr>
+            </a:lvl9pPr>
+          </a:lstStyle>
+          <a:p>
+            <a:pPr marL="285750" indent="-285750">
+              <a:spcBef>
+                <a:spcPts val="600"/>
+              </a:spcBef>
+              <a:buFont typeface="Arial" panose="020B0604020202020204" pitchFamily="34" charset="0"/>
+              <a:buChar char="•"/>
+            </a:pPr>
+            <a:r>
+              <a:rPr lang="en-US" sz="1200" dirty="0">
+                <a:latin typeface="Times New Roman" panose="02020603050405020304" pitchFamily="18" charset="0"/>
+                <a:cs typeface="Times New Roman" panose="02020603050405020304" pitchFamily="18" charset="0"/>
+              </a:rPr>
+              <a:t>The “Campaign:6” sales transaction value is $304.7k with an average sale per customer about $980 (a 61% increase from the overall average of $608).</a:t>
+            </a:r>
+          </a:p>
+          <a:p>
+            <a:pPr marL="285750" indent="-285750">
+              <a:spcBef>
+                <a:spcPts val="600"/>
+              </a:spcBef>
+              <a:buFont typeface="Arial" panose="020B0604020202020204" pitchFamily="34" charset="0"/>
+              <a:buChar char="•"/>
+            </a:pPr>
+            <a:r>
+              <a:rPr lang="en-US" sz="1200" dirty="0">
+                <a:latin typeface="Times New Roman" panose="02020603050405020304" pitchFamily="18" charset="0"/>
+                <a:cs typeface="Times New Roman" panose="02020603050405020304" pitchFamily="18" charset="0"/>
+              </a:rPr>
+              <a:t>311 customers responded to the campaign i.e. a 15.4% conversion rate.</a:t>
+            </a:r>
+          </a:p>
+          <a:p>
+            <a:pPr marL="285750" indent="-285750">
+              <a:spcBef>
+                <a:spcPts val="600"/>
+              </a:spcBef>
+              <a:buFont typeface="Arial" panose="020B0604020202020204" pitchFamily="34" charset="0"/>
+              <a:buChar char="•"/>
+            </a:pPr>
+            <a:r>
+              <a:rPr lang="en-US" sz="1200" dirty="0">
+                <a:latin typeface="Times New Roman" panose="02020603050405020304" pitchFamily="18" charset="0"/>
+                <a:cs typeface="Times New Roman" panose="02020603050405020304" pitchFamily="18" charset="0"/>
+              </a:rPr>
+              <a:t>The campaign captured 208 customers from the 1366 customers who hasn’t purchased for more than a month.</a:t>
+            </a:r>
+          </a:p>
+        </p:txBody>
+      </p:sp>
+    </p:spTree>
+    <p:extLst>
+      <p:ext uri="{BB962C8B-B14F-4D97-AF65-F5344CB8AC3E}">
+        <p14:creationId xmlns:p14="http://schemas.microsoft.com/office/powerpoint/2010/main" val="3835225297"/>
       </p:ext>
     </p:extLst>
   </p:cSld>
@@ -6462,7 +8625,12 @@
             <p:ph idx="1"/>
           </p:nvPr>
         </p:nvSpPr>
-        <p:spPr/>
+        <p:spPr>
+          <a:xfrm>
+            <a:off x="838200" y="1690688"/>
+            <a:ext cx="10515600" cy="965701"/>
+          </a:xfrm>
+        </p:spPr>
         <p:txBody>
           <a:bodyPr>
             <a:normAutofit/>
@@ -6474,7 +8642,7 @@
                 <a:latin typeface="Times New Roman" panose="02020603050405020304" pitchFamily="18" charset="0"/>
                 <a:cs typeface="Times New Roman" panose="02020603050405020304" pitchFamily="18" charset="0"/>
               </a:rPr>
-              <a:t>Identify the marketing campaign that maximizes the sales for the organization.</a:t>
+              <a:t>Identify the marketing campaign that maximizes the sales for the store.</a:t>
             </a:r>
           </a:p>
           <a:p>
@@ -6483,7 +8651,7 @@
                 <a:latin typeface="Times New Roman" panose="02020603050405020304" pitchFamily="18" charset="0"/>
                 <a:cs typeface="Times New Roman" panose="02020603050405020304" pitchFamily="18" charset="0"/>
               </a:rPr>
-              <a:t>Recommend an age group for targeted customer acquisition campaigns for future sales growth.</a:t>
+              <a:t>Identify age groups for potential future customer acquisition campaigns for sales growth.</a:t>
             </a:r>
           </a:p>
         </p:txBody>
@@ -6520,10 +8688,10 @@
       </p:grpSpPr>
       <p:sp>
         <p:nvSpPr>
-          <p:cNvPr id="6" name="Text Placeholder 5">
+          <p:cNvPr id="6" name="Title 5">
             <a:extLst>
               <a:ext uri="{FF2B5EF4-FFF2-40B4-BE49-F238E27FC236}">
-                <a16:creationId xmlns:a16="http://schemas.microsoft.com/office/drawing/2014/main" id="{850D00C7-874F-2AEC-D19C-44024CA31AB5}"/>
+                <a16:creationId xmlns:a16="http://schemas.microsoft.com/office/drawing/2014/main" id="{62CFC39F-1886-E344-392A-CCD558ED13E9}"/>
               </a:ext>
             </a:extLst>
           </p:cNvPr>
@@ -6531,99 +8699,131 @@
             <a:spLocks noGrp="1"/>
           </p:cNvSpPr>
           <p:nvPr>
-            <p:ph type="body" sz="half" idx="2"/>
+            <p:ph type="title"/>
           </p:nvPr>
         </p:nvSpPr>
         <p:spPr>
           <a:xfrm>
-            <a:off x="352185" y="5290914"/>
-            <a:ext cx="11487630" cy="827423"/>
+            <a:off x="623613" y="253861"/>
+            <a:ext cx="10747924" cy="823913"/>
           </a:xfrm>
-          <a:solidFill>
-            <a:srgbClr val="B5C5E6"/>
-          </a:solidFill>
-          <a:ln>
-            <a:solidFill>
-              <a:srgbClr val="B5C5E6"/>
-            </a:solidFill>
-          </a:ln>
         </p:spPr>
         <p:txBody>
           <a:bodyPr>
-            <a:normAutofit/>
+            <a:noAutofit/>
           </a:bodyPr>
           <a:lstStyle/>
           <a:p>
-            <a:pPr marL="285750" indent="-285750">
-              <a:spcBef>
-                <a:spcPts val="600"/>
-              </a:spcBef>
-              <a:buFont typeface="Arial" panose="020B0604020202020204" pitchFamily="34" charset="0"/>
-              <a:buChar char="•"/>
-            </a:pPr>
-            <a:r>
-              <a:rPr lang="en-US" sz="1200" dirty="0">
-                <a:latin typeface="Times New Roman" panose="02020603050405020304" pitchFamily="18" charset="0"/>
-                <a:cs typeface="Times New Roman" panose="02020603050405020304" pitchFamily="18" charset="0"/>
-              </a:rPr>
-              <a:t>The combined sales transaction value during the study is $1228.2k with an average sale per customer about $608; young customers aged 20-29 spending the most.</a:t>
-            </a:r>
-          </a:p>
-          <a:p>
-            <a:pPr marL="285750" indent="-285750">
-              <a:spcBef>
-                <a:spcPts val="600"/>
-              </a:spcBef>
-              <a:buFont typeface="Arial" panose="020B0604020202020204" pitchFamily="34" charset="0"/>
-              <a:buChar char="•"/>
-            </a:pPr>
-            <a:r>
-              <a:rPr lang="en-US" sz="1200" dirty="0">
-                <a:latin typeface="Times New Roman" panose="02020603050405020304" pitchFamily="18" charset="0"/>
-                <a:cs typeface="Times New Roman" panose="02020603050405020304" pitchFamily="18" charset="0"/>
-              </a:rPr>
-              <a:t>We have 2021 customers in the sample and of which 1366 customers haven’t purchased for more than a month.</a:t>
-            </a:r>
-          </a:p>
-          <a:p>
-            <a:pPr marL="285750" indent="-285750">
-              <a:spcBef>
-                <a:spcPts val="600"/>
-              </a:spcBef>
-              <a:buFont typeface="Arial" panose="020B0604020202020204" pitchFamily="34" charset="0"/>
-              <a:buChar char="•"/>
-            </a:pPr>
-            <a:r>
-              <a:rPr lang="en-US" sz="1200" dirty="0">
-                <a:latin typeface="Times New Roman" panose="02020603050405020304" pitchFamily="18" charset="0"/>
-                <a:cs typeface="Times New Roman" panose="02020603050405020304" pitchFamily="18" charset="0"/>
-              </a:rPr>
-              <a:t>Campaign: 6 has the highest conversion rate from our sample study.</a:t>
-            </a:r>
+            <a:r>
+              <a:rPr lang="en-US" sz="2800" b="1" dirty="0"/>
+              <a:t>Campaign 6 has demonstrated its capability to maximize sales for the store.</a:t>
+            </a:r>
+            <a:endParaRPr lang="en-US" sz="2800" b="1" cap="small" dirty="0"/>
+          </a:p>
+        </p:txBody>
+      </p:sp>
+      <p:sp>
+        <p:nvSpPr>
+          <p:cNvPr id="8" name="Content Placeholder 7">
+            <a:extLst>
+              <a:ext uri="{FF2B5EF4-FFF2-40B4-BE49-F238E27FC236}">
+                <a16:creationId xmlns:a16="http://schemas.microsoft.com/office/drawing/2014/main" id="{6F860DA3-ECBF-166E-EBA5-C12D5FF8344D}"/>
+              </a:ext>
+            </a:extLst>
+          </p:cNvPr>
+          <p:cNvSpPr>
+            <a:spLocks noGrp="1"/>
+          </p:cNvSpPr>
+          <p:nvPr>
+            <p:ph sz="half" idx="2"/>
+          </p:nvPr>
+        </p:nvSpPr>
+        <p:spPr>
+          <a:xfrm>
+            <a:off x="839788" y="1189038"/>
+            <a:ext cx="5157787" cy="5000625"/>
+          </a:xfrm>
+        </p:spPr>
+        <p:txBody>
+          <a:bodyPr>
+            <a:normAutofit lnSpcReduction="10000"/>
+          </a:bodyPr>
+          <a:lstStyle/>
+          <a:p>
+            <a:r>
+              <a:rPr lang="en-US" sz="2000" dirty="0"/>
+              <a:t>Campaign: 6 achieved the </a:t>
+            </a:r>
+            <a:r>
+              <a:rPr lang="en-US" sz="2000" b="1" dirty="0"/>
+              <a:t>highest sales ($304.7k)</a:t>
+            </a:r>
+            <a:r>
+              <a:rPr lang="en-US" sz="2000" dirty="0"/>
+              <a:t> in the trial. It’s a substantial 30% increase over the next best-performing campaign.</a:t>
+            </a:r>
+          </a:p>
+          <a:p>
+            <a:r>
+              <a:rPr lang="en-US" sz="2000" dirty="0"/>
+              <a:t>The campaign ranks second to last in terms of </a:t>
+            </a:r>
+            <a:r>
+              <a:rPr lang="en-US" sz="2000" b="1" dirty="0"/>
+              <a:t>average per customer sales</a:t>
+            </a:r>
+            <a:r>
+              <a:rPr lang="en-US" sz="2000" dirty="0"/>
+              <a:t>($980/customer). It’s about 40% lower than the highest average per customer sales (from Campaign: 5).</a:t>
+            </a:r>
+          </a:p>
+          <a:p>
+            <a:r>
+              <a:rPr lang="en-US" sz="2000" dirty="0"/>
+              <a:t>One key factor contributing to Campaign: 6's higher total sales was its ability to capture approximately </a:t>
+            </a:r>
+            <a:r>
+              <a:rPr lang="en-US" sz="2000" b="1" dirty="0"/>
+              <a:t>15% of the customer base</a:t>
+            </a:r>
+            <a:r>
+              <a:rPr lang="en-US" sz="2000" dirty="0"/>
+              <a:t>. In contrast Campaign 5 and 1 both struggled with roughly 50% lower customer capture rates.</a:t>
+            </a:r>
+          </a:p>
+          <a:p>
+            <a:r>
+              <a:rPr lang="en-US" sz="2000" dirty="0"/>
+              <a:t>The customer base captured through the campaign had a very close resemblance to the trial base especially in the income bracket.</a:t>
+            </a:r>
+          </a:p>
+          <a:p>
+            <a:endParaRPr lang="en-US" dirty="0"/>
           </a:p>
         </p:txBody>
       </p:sp>
       <p:pic>
         <p:nvPicPr>
-          <p:cNvPr id="86" name="Content Placeholder 85">
+          <p:cNvPr id="12" name="Picture 11">
             <a:extLst>
               <a:ext uri="{FF2B5EF4-FFF2-40B4-BE49-F238E27FC236}">
-                <a16:creationId xmlns:a16="http://schemas.microsoft.com/office/drawing/2014/main" id="{3ADD69E0-AD6B-73A8-9042-F8C043641A8B}"/>
+                <a16:creationId xmlns:a16="http://schemas.microsoft.com/office/drawing/2014/main" id="{3A5A730A-65E8-8784-C3B3-222B33F8356E}"/>
               </a:ext>
             </a:extLst>
           </p:cNvPr>
           <p:cNvPicPr>
-            <a:picLocks noGrp="1" noChangeAspect="1"/>
+            <a:picLocks noChangeAspect="1"/>
           </p:cNvPicPr>
-          <p:nvPr>
-            <p:ph idx="1"/>
-          </p:nvPr>
+          <p:nvPr/>
         </p:nvPicPr>
         <p:blipFill>
-          <a:blip r:embed="rId3">
+          <a:blip r:embed="rId2">
             <a:extLst>
               <a:ext uri="{28A0092B-C50C-407E-A947-70E740481C1C}">
                 <a14:useLocalDpi xmlns:a14="http://schemas.microsoft.com/office/drawing/2010/main" val="0"/>
+              </a:ext>
+              <a:ext uri="{96DAC541-7B7A-43D3-8B79-37D633B846F1}">
+                <asvg:svgBlip xmlns:asvg="http://schemas.microsoft.com/office/drawing/2016/SVG/main" r:embed="rId3"/>
               </a:ext>
             </a:extLst>
           </a:blip>
@@ -6632,8 +8832,8 @@
         </p:blipFill>
         <p:spPr>
           <a:xfrm>
-            <a:off x="1250388" y="487193"/>
-            <a:ext cx="9691571" cy="4572000"/>
+            <a:off x="6197020" y="1716109"/>
+            <a:ext cx="5390692" cy="3425781"/>
           </a:xfrm>
           <a:prstGeom prst="rect">
             <a:avLst/>
@@ -6642,211 +8842,41 @@
       </p:pic>
       <p:sp>
         <p:nvSpPr>
-          <p:cNvPr id="89" name="Text Placeholder 5">
+          <p:cNvPr id="14" name="TextBox 13">
             <a:extLst>
               <a:ext uri="{FF2B5EF4-FFF2-40B4-BE49-F238E27FC236}">
-                <a16:creationId xmlns:a16="http://schemas.microsoft.com/office/drawing/2014/main" id="{A5EF68E2-0F5E-D60A-8A94-908901B0A627}"/>
+                <a16:creationId xmlns:a16="http://schemas.microsoft.com/office/drawing/2014/main" id="{E7F640BA-6EF1-CBD7-5E47-5D182CDE0A07}"/>
               </a:ext>
             </a:extLst>
           </p:cNvPr>
-          <p:cNvSpPr txBox="1">
-            <a:spLocks/>
-          </p:cNvSpPr>
+          <p:cNvSpPr txBox="1"/>
           <p:nvPr/>
         </p:nvSpPr>
         <p:spPr>
           <a:xfrm>
-            <a:off x="1507518" y="519331"/>
-            <a:ext cx="9227157" cy="293857"/>
+            <a:off x="6096000" y="5141890"/>
+            <a:ext cx="5494305" cy="523220"/>
           </a:xfrm>
           <a:prstGeom prst="rect">
             <a:avLst/>
           </a:prstGeom>
-          <a:solidFill>
-            <a:srgbClr val="B5C5E6"/>
-          </a:solidFill>
-          <a:ln>
-            <a:solidFill>
-              <a:srgbClr val="B5C5E6"/>
-            </a:solidFill>
-          </a:ln>
+          <a:noFill/>
         </p:spPr>
         <p:txBody>
-          <a:bodyPr vert="horz" lIns="91440" tIns="45720" rIns="91440" bIns="45720" rtlCol="0">
-            <a:normAutofit fontScale="92500" lnSpcReduction="20000"/>
+          <a:bodyPr wrap="square" rtlCol="0">
+            <a:spAutoFit/>
           </a:bodyPr>
-          <a:lstStyle>
-            <a:lvl1pPr marL="0" indent="0" algn="l" defTabSz="914400" rtl="0" eaLnBrk="1" latinLnBrk="0" hangingPunct="1">
-              <a:lnSpc>
-                <a:spcPct val="90000"/>
-              </a:lnSpc>
-              <a:spcBef>
-                <a:spcPts val="1000"/>
-              </a:spcBef>
-              <a:buFont typeface="Arial" panose="020B0604020202020204" pitchFamily="34" charset="0"/>
-              <a:buNone/>
-              <a:defRPr sz="1600" kern="1200">
-                <a:solidFill>
-                  <a:schemeClr val="tx1"/>
-                </a:solidFill>
-                <a:latin typeface="+mn-lt"/>
-                <a:ea typeface="+mn-ea"/>
-                <a:cs typeface="+mn-cs"/>
-              </a:defRPr>
-            </a:lvl1pPr>
-            <a:lvl2pPr marL="457200" indent="0" algn="l" defTabSz="914400" rtl="0" eaLnBrk="1" latinLnBrk="0" hangingPunct="1">
-              <a:lnSpc>
-                <a:spcPct val="90000"/>
-              </a:lnSpc>
-              <a:spcBef>
-                <a:spcPts val="500"/>
-              </a:spcBef>
-              <a:buFont typeface="Arial" panose="020B0604020202020204" pitchFamily="34" charset="0"/>
-              <a:buNone/>
-              <a:defRPr sz="1400" kern="1200">
-                <a:solidFill>
-                  <a:schemeClr val="tx1"/>
-                </a:solidFill>
-                <a:latin typeface="+mn-lt"/>
-                <a:ea typeface="+mn-ea"/>
-                <a:cs typeface="+mn-cs"/>
-              </a:defRPr>
-            </a:lvl2pPr>
-            <a:lvl3pPr marL="914400" indent="0" algn="l" defTabSz="914400" rtl="0" eaLnBrk="1" latinLnBrk="0" hangingPunct="1">
-              <a:lnSpc>
-                <a:spcPct val="90000"/>
-              </a:lnSpc>
-              <a:spcBef>
-                <a:spcPts val="500"/>
-              </a:spcBef>
-              <a:buFont typeface="Arial" panose="020B0604020202020204" pitchFamily="34" charset="0"/>
-              <a:buNone/>
-              <a:defRPr sz="1200" kern="1200">
-                <a:solidFill>
-                  <a:schemeClr val="tx1"/>
-                </a:solidFill>
-                <a:latin typeface="+mn-lt"/>
-                <a:ea typeface="+mn-ea"/>
-                <a:cs typeface="+mn-cs"/>
-              </a:defRPr>
-            </a:lvl3pPr>
-            <a:lvl4pPr marL="1371600" indent="0" algn="l" defTabSz="914400" rtl="0" eaLnBrk="1" latinLnBrk="0" hangingPunct="1">
-              <a:lnSpc>
-                <a:spcPct val="90000"/>
-              </a:lnSpc>
-              <a:spcBef>
-                <a:spcPts val="500"/>
-              </a:spcBef>
-              <a:buFont typeface="Arial" panose="020B0604020202020204" pitchFamily="34" charset="0"/>
-              <a:buNone/>
-              <a:defRPr sz="1000" kern="1200">
-                <a:solidFill>
-                  <a:schemeClr val="tx1"/>
-                </a:solidFill>
-                <a:latin typeface="+mn-lt"/>
-                <a:ea typeface="+mn-ea"/>
-                <a:cs typeface="+mn-cs"/>
-              </a:defRPr>
-            </a:lvl4pPr>
-            <a:lvl5pPr marL="1828800" indent="0" algn="l" defTabSz="914400" rtl="0" eaLnBrk="1" latinLnBrk="0" hangingPunct="1">
-              <a:lnSpc>
-                <a:spcPct val="90000"/>
-              </a:lnSpc>
-              <a:spcBef>
-                <a:spcPts val="500"/>
-              </a:spcBef>
-              <a:buFont typeface="Arial" panose="020B0604020202020204" pitchFamily="34" charset="0"/>
-              <a:buNone/>
-              <a:defRPr sz="1000" kern="1200">
-                <a:solidFill>
-                  <a:schemeClr val="tx1"/>
-                </a:solidFill>
-                <a:latin typeface="+mn-lt"/>
-                <a:ea typeface="+mn-ea"/>
-                <a:cs typeface="+mn-cs"/>
-              </a:defRPr>
-            </a:lvl5pPr>
-            <a:lvl6pPr marL="2286000" indent="0" algn="l" defTabSz="914400" rtl="0" eaLnBrk="1" latinLnBrk="0" hangingPunct="1">
-              <a:lnSpc>
-                <a:spcPct val="90000"/>
-              </a:lnSpc>
-              <a:spcBef>
-                <a:spcPts val="500"/>
-              </a:spcBef>
-              <a:buFont typeface="Arial" panose="020B0604020202020204" pitchFamily="34" charset="0"/>
-              <a:buNone/>
-              <a:defRPr sz="1000" kern="1200">
-                <a:solidFill>
-                  <a:schemeClr val="tx1"/>
-                </a:solidFill>
-                <a:latin typeface="+mn-lt"/>
-                <a:ea typeface="+mn-ea"/>
-                <a:cs typeface="+mn-cs"/>
-              </a:defRPr>
-            </a:lvl6pPr>
-            <a:lvl7pPr marL="2743200" indent="0" algn="l" defTabSz="914400" rtl="0" eaLnBrk="1" latinLnBrk="0" hangingPunct="1">
-              <a:lnSpc>
-                <a:spcPct val="90000"/>
-              </a:lnSpc>
-              <a:spcBef>
-                <a:spcPts val="500"/>
-              </a:spcBef>
-              <a:buFont typeface="Arial" panose="020B0604020202020204" pitchFamily="34" charset="0"/>
-              <a:buNone/>
-              <a:defRPr sz="1000" kern="1200">
-                <a:solidFill>
-                  <a:schemeClr val="tx1"/>
-                </a:solidFill>
-                <a:latin typeface="+mn-lt"/>
-                <a:ea typeface="+mn-ea"/>
-                <a:cs typeface="+mn-cs"/>
-              </a:defRPr>
-            </a:lvl7pPr>
-            <a:lvl8pPr marL="3200400" indent="0" algn="l" defTabSz="914400" rtl="0" eaLnBrk="1" latinLnBrk="0" hangingPunct="1">
-              <a:lnSpc>
-                <a:spcPct val="90000"/>
-              </a:lnSpc>
-              <a:spcBef>
-                <a:spcPts val="500"/>
-              </a:spcBef>
-              <a:buFont typeface="Arial" panose="020B0604020202020204" pitchFamily="34" charset="0"/>
-              <a:buNone/>
-              <a:defRPr sz="1000" kern="1200">
-                <a:solidFill>
-                  <a:schemeClr val="tx1"/>
-                </a:solidFill>
-                <a:latin typeface="+mn-lt"/>
-                <a:ea typeface="+mn-ea"/>
-                <a:cs typeface="+mn-cs"/>
-              </a:defRPr>
-            </a:lvl8pPr>
-            <a:lvl9pPr marL="3657600" indent="0" algn="l" defTabSz="914400" rtl="0" eaLnBrk="1" latinLnBrk="0" hangingPunct="1">
-              <a:lnSpc>
-                <a:spcPct val="90000"/>
-              </a:lnSpc>
-              <a:spcBef>
-                <a:spcPts val="500"/>
-              </a:spcBef>
-              <a:buFont typeface="Arial" panose="020B0604020202020204" pitchFamily="34" charset="0"/>
-              <a:buNone/>
-              <a:defRPr sz="1000" kern="1200">
-                <a:solidFill>
-                  <a:schemeClr val="tx1"/>
-                </a:solidFill>
-                <a:latin typeface="+mn-lt"/>
-                <a:ea typeface="+mn-ea"/>
-                <a:cs typeface="+mn-cs"/>
-              </a:defRPr>
-            </a:lvl9pPr>
-          </a:lstStyle>
-          <a:p>
-            <a:pPr algn="ctr"/>
-            <a:r>
-              <a:rPr lang="en-US" sz="1800" b="1" dirty="0">
-                <a:latin typeface="Times New Roman" panose="02020603050405020304" pitchFamily="18" charset="0"/>
-                <a:cs typeface="Times New Roman" panose="02020603050405020304" pitchFamily="18" charset="0"/>
-              </a:rPr>
-              <a:t>MARKETING CAMPAIGN ANALYSIS SUMMARY</a:t>
+          <a:lstStyle/>
+          <a:p>
+            <a:r>
+              <a:rPr lang="en-US" sz="1400" dirty="0">
+                <a:solidFill>
+                  <a:schemeClr val="bg2">
+                    <a:lumMod val="50000"/>
+                  </a:schemeClr>
+                </a:solidFill>
+              </a:rPr>
+              <a:t>$175.7k sales is from customers who did not use any of the campaign offer</a:t>
             </a:r>
           </a:p>
         </p:txBody>
@@ -6854,7 +8884,7 @@
     </p:spTree>
     <p:extLst>
       <p:ext uri="{BB962C8B-B14F-4D97-AF65-F5344CB8AC3E}">
-        <p14:creationId xmlns:p14="http://schemas.microsoft.com/office/powerpoint/2010/main" val="561582844"/>
+        <p14:creationId xmlns:p14="http://schemas.microsoft.com/office/powerpoint/2010/main" val="3270643363"/>
       </p:ext>
     </p:extLst>
   </p:cSld>
@@ -6881,507 +8911,190 @@
           <a:chExt cx="0" cy="0"/>
         </a:xfrm>
       </p:grpSpPr>
+      <p:sp>
+        <p:nvSpPr>
+          <p:cNvPr id="6" name="Title 5">
+            <a:extLst>
+              <a:ext uri="{FF2B5EF4-FFF2-40B4-BE49-F238E27FC236}">
+                <a16:creationId xmlns:a16="http://schemas.microsoft.com/office/drawing/2014/main" id="{62CFC39F-1886-E344-392A-CCD558ED13E9}"/>
+              </a:ext>
+            </a:extLst>
+          </p:cNvPr>
+          <p:cNvSpPr>
+            <a:spLocks noGrp="1"/>
+          </p:cNvSpPr>
+          <p:nvPr>
+            <p:ph type="title"/>
+          </p:nvPr>
+        </p:nvSpPr>
+        <p:spPr>
+          <a:xfrm>
+            <a:off x="623613" y="253861"/>
+            <a:ext cx="10747924" cy="823913"/>
+          </a:xfrm>
+        </p:spPr>
+        <p:txBody>
+          <a:bodyPr>
+            <a:noAutofit/>
+          </a:bodyPr>
+          <a:lstStyle/>
+          <a:p>
+            <a:r>
+              <a:rPr lang="en-US" sz="2800" b="1" dirty="0"/>
+              <a:t>Age group “20-29” is an ideal candidate for future customer acquisition campaigns</a:t>
+            </a:r>
+            <a:endParaRPr lang="en-US" sz="2800" b="1" cap="small" dirty="0"/>
+          </a:p>
+        </p:txBody>
+      </p:sp>
+      <p:sp>
+        <p:nvSpPr>
+          <p:cNvPr id="8" name="Content Placeholder 7">
+            <a:extLst>
+              <a:ext uri="{FF2B5EF4-FFF2-40B4-BE49-F238E27FC236}">
+                <a16:creationId xmlns:a16="http://schemas.microsoft.com/office/drawing/2014/main" id="{6F860DA3-ECBF-166E-EBA5-C12D5FF8344D}"/>
+              </a:ext>
+            </a:extLst>
+          </p:cNvPr>
+          <p:cNvSpPr>
+            <a:spLocks noGrp="1"/>
+          </p:cNvSpPr>
+          <p:nvPr>
+            <p:ph sz="half" idx="2"/>
+          </p:nvPr>
+        </p:nvSpPr>
+        <p:spPr>
+          <a:xfrm>
+            <a:off x="839788" y="1189038"/>
+            <a:ext cx="5157787" cy="5000625"/>
+          </a:xfrm>
+        </p:spPr>
+        <p:txBody>
+          <a:bodyPr>
+            <a:normAutofit/>
+          </a:bodyPr>
+          <a:lstStyle/>
+          <a:p>
+            <a:r>
+              <a:rPr lang="en-US" sz="2000" dirty="0"/>
+              <a:t>Throughout each campaign, the </a:t>
+            </a:r>
+            <a:r>
+              <a:rPr lang="en-US" sz="2000" b="1" dirty="0"/>
+              <a:t>average sales per customer</a:t>
+            </a:r>
+            <a:r>
+              <a:rPr lang="en-US" sz="2000" dirty="0"/>
+              <a:t> within the “20-29” age group has consistently exceeded or matched the performance of other age groups.</a:t>
+            </a:r>
+          </a:p>
+          <a:p>
+            <a:r>
+              <a:rPr lang="en-US" sz="2000" b="1" dirty="0"/>
+              <a:t>Overall average sales</a:t>
+            </a:r>
+            <a:r>
+              <a:rPr lang="en-US" sz="2000" dirty="0"/>
+              <a:t> confirm that the age group “20-29” has per customer sales worth $973, about 23% higher than the next best age group.</a:t>
+            </a:r>
+          </a:p>
+          <a:p>
+            <a:r>
+              <a:rPr lang="en-US" sz="2000" dirty="0"/>
+              <a:t>The age group also has the fewest </a:t>
+            </a:r>
+            <a:r>
+              <a:rPr lang="en-US" sz="2000" b="1" dirty="0"/>
+              <a:t>number of customers</a:t>
+            </a:r>
+            <a:r>
+              <a:rPr lang="en-US" sz="2000" dirty="0"/>
+              <a:t>. It’s nearly 64% lower than the next largest age group.</a:t>
+            </a:r>
+          </a:p>
+          <a:p>
+            <a:r>
+              <a:rPr lang="en-US" sz="2000" dirty="0"/>
+              <a:t>With robust </a:t>
+            </a:r>
+            <a:r>
+              <a:rPr lang="en-US" sz="2000" b="1" dirty="0"/>
+              <a:t>customer loyalty </a:t>
+            </a:r>
+            <a:r>
+              <a:rPr lang="en-US" sz="2000" dirty="0"/>
+              <a:t>among all age groups. Given the promising sales performance, targeting this age group is expected to yield continued sales growth in the coming years.</a:t>
+            </a:r>
+          </a:p>
+          <a:p>
+            <a:endParaRPr lang="en-US" dirty="0"/>
+          </a:p>
+        </p:txBody>
+      </p:sp>
       <p:pic>
         <p:nvPicPr>
-          <p:cNvPr id="86" name="Content Placeholder 85">
+          <p:cNvPr id="2" name="Picture 1">
             <a:extLst>
               <a:ext uri="{FF2B5EF4-FFF2-40B4-BE49-F238E27FC236}">
-                <a16:creationId xmlns:a16="http://schemas.microsoft.com/office/drawing/2014/main" id="{3ADD69E0-AD6B-73A8-9042-F8C043641A8B}"/>
+                <a16:creationId xmlns:a16="http://schemas.microsoft.com/office/drawing/2014/main" id="{25AC7D82-5D0C-9BEA-1D72-84AE075BB1F5}"/>
               </a:ext>
             </a:extLst>
           </p:cNvPr>
           <p:cNvPicPr>
-            <a:picLocks noGrp="1" noChangeAspect="1"/>
+            <a:picLocks noChangeAspect="1"/>
           </p:cNvPicPr>
-          <p:nvPr>
-            <p:ph idx="1"/>
-          </p:nvPr>
+          <p:nvPr/>
         </p:nvPicPr>
         <p:blipFill>
-          <a:blip r:embed="rId3">
-            <a:extLst>
-              <a:ext uri="{28A0092B-C50C-407E-A947-70E740481C1C}">
-                <a14:useLocalDpi xmlns:a14="http://schemas.microsoft.com/office/drawing/2010/main" val="0"/>
-              </a:ext>
-            </a:extLst>
-          </a:blip>
-          <a:srcRect/>
-          <a:stretch/>
+          <a:blip r:embed="rId2"/>
+          <a:stretch>
+            <a:fillRect/>
+          </a:stretch>
         </p:blipFill>
         <p:spPr>
           <a:xfrm>
-            <a:off x="1250388" y="487193"/>
-            <a:ext cx="9691571" cy="4572000"/>
+            <a:off x="7270678" y="1351128"/>
+            <a:ext cx="4081534" cy="2524698"/>
           </a:xfrm>
           <a:prstGeom prst="rect">
             <a:avLst/>
           </a:prstGeom>
         </p:spPr>
       </p:pic>
-      <p:sp>
-        <p:nvSpPr>
-          <p:cNvPr id="89" name="Text Placeholder 5">
+      <p:pic>
+        <p:nvPicPr>
+          <p:cNvPr id="3" name="Picture 2">
             <a:extLst>
               <a:ext uri="{FF2B5EF4-FFF2-40B4-BE49-F238E27FC236}">
-                <a16:creationId xmlns:a16="http://schemas.microsoft.com/office/drawing/2014/main" id="{A5EF68E2-0F5E-D60A-8A94-908901B0A627}"/>
+                <a16:creationId xmlns:a16="http://schemas.microsoft.com/office/drawing/2014/main" id="{DF0196D5-B595-4969-B542-0E8CC4EFA14E}"/>
               </a:ext>
             </a:extLst>
           </p:cNvPr>
-          <p:cNvSpPr txBox="1">
-            <a:spLocks/>
-          </p:cNvSpPr>
+          <p:cNvPicPr>
+            <a:picLocks noChangeAspect="1"/>
+          </p:cNvPicPr>
           <p:nvPr/>
-        </p:nvSpPr>
+        </p:nvPicPr>
+        <p:blipFill>
+          <a:blip r:embed="rId3"/>
+          <a:stretch>
+            <a:fillRect/>
+          </a:stretch>
+        </p:blipFill>
         <p:spPr>
           <a:xfrm>
-            <a:off x="1507518" y="519331"/>
-            <a:ext cx="9227157" cy="293857"/>
+            <a:off x="7270679" y="3875826"/>
+            <a:ext cx="4081533" cy="2583458"/>
           </a:xfrm>
           <a:prstGeom prst="rect">
             <a:avLst/>
           </a:prstGeom>
-          <a:solidFill>
-            <a:srgbClr val="B5C5E6"/>
-          </a:solidFill>
-          <a:ln>
-            <a:solidFill>
-              <a:srgbClr val="B5C5E6"/>
-            </a:solidFill>
-          </a:ln>
         </p:spPr>
-        <p:txBody>
-          <a:bodyPr vert="horz" lIns="91440" tIns="45720" rIns="91440" bIns="45720" rtlCol="0">
-            <a:normAutofit fontScale="92500" lnSpcReduction="20000"/>
-          </a:bodyPr>
-          <a:lstStyle>
-            <a:lvl1pPr marL="0" indent="0" algn="l" defTabSz="914400" rtl="0" eaLnBrk="1" latinLnBrk="0" hangingPunct="1">
-              <a:lnSpc>
-                <a:spcPct val="90000"/>
-              </a:lnSpc>
-              <a:spcBef>
-                <a:spcPts val="1000"/>
-              </a:spcBef>
-              <a:buFont typeface="Arial" panose="020B0604020202020204" pitchFamily="34" charset="0"/>
-              <a:buNone/>
-              <a:defRPr sz="1600" kern="1200">
-                <a:solidFill>
-                  <a:schemeClr val="tx1"/>
-                </a:solidFill>
-                <a:latin typeface="+mn-lt"/>
-                <a:ea typeface="+mn-ea"/>
-                <a:cs typeface="+mn-cs"/>
-              </a:defRPr>
-            </a:lvl1pPr>
-            <a:lvl2pPr marL="457200" indent="0" algn="l" defTabSz="914400" rtl="0" eaLnBrk="1" latinLnBrk="0" hangingPunct="1">
-              <a:lnSpc>
-                <a:spcPct val="90000"/>
-              </a:lnSpc>
-              <a:spcBef>
-                <a:spcPts val="500"/>
-              </a:spcBef>
-              <a:buFont typeface="Arial" panose="020B0604020202020204" pitchFamily="34" charset="0"/>
-              <a:buNone/>
-              <a:defRPr sz="1400" kern="1200">
-                <a:solidFill>
-                  <a:schemeClr val="tx1"/>
-                </a:solidFill>
-                <a:latin typeface="+mn-lt"/>
-                <a:ea typeface="+mn-ea"/>
-                <a:cs typeface="+mn-cs"/>
-              </a:defRPr>
-            </a:lvl2pPr>
-            <a:lvl3pPr marL="914400" indent="0" algn="l" defTabSz="914400" rtl="0" eaLnBrk="1" latinLnBrk="0" hangingPunct="1">
-              <a:lnSpc>
-                <a:spcPct val="90000"/>
-              </a:lnSpc>
-              <a:spcBef>
-                <a:spcPts val="500"/>
-              </a:spcBef>
-              <a:buFont typeface="Arial" panose="020B0604020202020204" pitchFamily="34" charset="0"/>
-              <a:buNone/>
-              <a:defRPr sz="1200" kern="1200">
-                <a:solidFill>
-                  <a:schemeClr val="tx1"/>
-                </a:solidFill>
-                <a:latin typeface="+mn-lt"/>
-                <a:ea typeface="+mn-ea"/>
-                <a:cs typeface="+mn-cs"/>
-              </a:defRPr>
-            </a:lvl3pPr>
-            <a:lvl4pPr marL="1371600" indent="0" algn="l" defTabSz="914400" rtl="0" eaLnBrk="1" latinLnBrk="0" hangingPunct="1">
-              <a:lnSpc>
-                <a:spcPct val="90000"/>
-              </a:lnSpc>
-              <a:spcBef>
-                <a:spcPts val="500"/>
-              </a:spcBef>
-              <a:buFont typeface="Arial" panose="020B0604020202020204" pitchFamily="34" charset="0"/>
-              <a:buNone/>
-              <a:defRPr sz="1000" kern="1200">
-                <a:solidFill>
-                  <a:schemeClr val="tx1"/>
-                </a:solidFill>
-                <a:latin typeface="+mn-lt"/>
-                <a:ea typeface="+mn-ea"/>
-                <a:cs typeface="+mn-cs"/>
-              </a:defRPr>
-            </a:lvl4pPr>
-            <a:lvl5pPr marL="1828800" indent="0" algn="l" defTabSz="914400" rtl="0" eaLnBrk="1" latinLnBrk="0" hangingPunct="1">
-              <a:lnSpc>
-                <a:spcPct val="90000"/>
-              </a:lnSpc>
-              <a:spcBef>
-                <a:spcPts val="500"/>
-              </a:spcBef>
-              <a:buFont typeface="Arial" panose="020B0604020202020204" pitchFamily="34" charset="0"/>
-              <a:buNone/>
-              <a:defRPr sz="1000" kern="1200">
-                <a:solidFill>
-                  <a:schemeClr val="tx1"/>
-                </a:solidFill>
-                <a:latin typeface="+mn-lt"/>
-                <a:ea typeface="+mn-ea"/>
-                <a:cs typeface="+mn-cs"/>
-              </a:defRPr>
-            </a:lvl5pPr>
-            <a:lvl6pPr marL="2286000" indent="0" algn="l" defTabSz="914400" rtl="0" eaLnBrk="1" latinLnBrk="0" hangingPunct="1">
-              <a:lnSpc>
-                <a:spcPct val="90000"/>
-              </a:lnSpc>
-              <a:spcBef>
-                <a:spcPts val="500"/>
-              </a:spcBef>
-              <a:buFont typeface="Arial" panose="020B0604020202020204" pitchFamily="34" charset="0"/>
-              <a:buNone/>
-              <a:defRPr sz="1000" kern="1200">
-                <a:solidFill>
-                  <a:schemeClr val="tx1"/>
-                </a:solidFill>
-                <a:latin typeface="+mn-lt"/>
-                <a:ea typeface="+mn-ea"/>
-                <a:cs typeface="+mn-cs"/>
-              </a:defRPr>
-            </a:lvl6pPr>
-            <a:lvl7pPr marL="2743200" indent="0" algn="l" defTabSz="914400" rtl="0" eaLnBrk="1" latinLnBrk="0" hangingPunct="1">
-              <a:lnSpc>
-                <a:spcPct val="90000"/>
-              </a:lnSpc>
-              <a:spcBef>
-                <a:spcPts val="500"/>
-              </a:spcBef>
-              <a:buFont typeface="Arial" panose="020B0604020202020204" pitchFamily="34" charset="0"/>
-              <a:buNone/>
-              <a:defRPr sz="1000" kern="1200">
-                <a:solidFill>
-                  <a:schemeClr val="tx1"/>
-                </a:solidFill>
-                <a:latin typeface="+mn-lt"/>
-                <a:ea typeface="+mn-ea"/>
-                <a:cs typeface="+mn-cs"/>
-              </a:defRPr>
-            </a:lvl7pPr>
-            <a:lvl8pPr marL="3200400" indent="0" algn="l" defTabSz="914400" rtl="0" eaLnBrk="1" latinLnBrk="0" hangingPunct="1">
-              <a:lnSpc>
-                <a:spcPct val="90000"/>
-              </a:lnSpc>
-              <a:spcBef>
-                <a:spcPts val="500"/>
-              </a:spcBef>
-              <a:buFont typeface="Arial" panose="020B0604020202020204" pitchFamily="34" charset="0"/>
-              <a:buNone/>
-              <a:defRPr sz="1000" kern="1200">
-                <a:solidFill>
-                  <a:schemeClr val="tx1"/>
-                </a:solidFill>
-                <a:latin typeface="+mn-lt"/>
-                <a:ea typeface="+mn-ea"/>
-                <a:cs typeface="+mn-cs"/>
-              </a:defRPr>
-            </a:lvl8pPr>
-            <a:lvl9pPr marL="3657600" indent="0" algn="l" defTabSz="914400" rtl="0" eaLnBrk="1" latinLnBrk="0" hangingPunct="1">
-              <a:lnSpc>
-                <a:spcPct val="90000"/>
-              </a:lnSpc>
-              <a:spcBef>
-                <a:spcPts val="500"/>
-              </a:spcBef>
-              <a:buFont typeface="Arial" panose="020B0604020202020204" pitchFamily="34" charset="0"/>
-              <a:buNone/>
-              <a:defRPr sz="1000" kern="1200">
-                <a:solidFill>
-                  <a:schemeClr val="tx1"/>
-                </a:solidFill>
-                <a:latin typeface="+mn-lt"/>
-                <a:ea typeface="+mn-ea"/>
-                <a:cs typeface="+mn-cs"/>
-              </a:defRPr>
-            </a:lvl9pPr>
-          </a:lstStyle>
-          <a:p>
-            <a:pPr algn="ctr"/>
-            <a:r>
-              <a:rPr lang="en-US" sz="1800" b="1" dirty="0">
-                <a:latin typeface="Times New Roman" panose="02020603050405020304" pitchFamily="18" charset="0"/>
-                <a:cs typeface="Times New Roman" panose="02020603050405020304" pitchFamily="18" charset="0"/>
-              </a:rPr>
-              <a:t>MARKETING “CAMPAIGN : 1” ANALYSIS</a:t>
-            </a:r>
-          </a:p>
-        </p:txBody>
-      </p:sp>
-      <p:sp>
-        <p:nvSpPr>
-          <p:cNvPr id="2" name="Text Placeholder 5">
-            <a:extLst>
-              <a:ext uri="{FF2B5EF4-FFF2-40B4-BE49-F238E27FC236}">
-                <a16:creationId xmlns:a16="http://schemas.microsoft.com/office/drawing/2014/main" id="{DBB62594-A39D-4455-91D1-136F53F4987C}"/>
-              </a:ext>
-            </a:extLst>
-          </p:cNvPr>
-          <p:cNvSpPr txBox="1">
-            <a:spLocks/>
-          </p:cNvSpPr>
-          <p:nvPr/>
-        </p:nvSpPr>
-        <p:spPr>
-          <a:xfrm>
-            <a:off x="352185" y="5290914"/>
-            <a:ext cx="11487630" cy="827423"/>
-          </a:xfrm>
-          <a:prstGeom prst="rect">
-            <a:avLst/>
-          </a:prstGeom>
-          <a:solidFill>
-            <a:srgbClr val="B5C5E6"/>
-          </a:solidFill>
-          <a:ln>
-            <a:solidFill>
-              <a:srgbClr val="B5C5E6"/>
-            </a:solidFill>
-          </a:ln>
-        </p:spPr>
-        <p:txBody>
-          <a:bodyPr vert="horz" lIns="91440" tIns="45720" rIns="91440" bIns="45720" rtlCol="0">
-            <a:normAutofit/>
-          </a:bodyPr>
-          <a:lstStyle>
-            <a:lvl1pPr marL="0" indent="0" algn="l" defTabSz="914400" rtl="0" eaLnBrk="1" latinLnBrk="0" hangingPunct="1">
-              <a:lnSpc>
-                <a:spcPct val="90000"/>
-              </a:lnSpc>
-              <a:spcBef>
-                <a:spcPts val="1000"/>
-              </a:spcBef>
-              <a:buFont typeface="Arial" panose="020B0604020202020204" pitchFamily="34" charset="0"/>
-              <a:buNone/>
-              <a:defRPr sz="1600" kern="1200">
-                <a:solidFill>
-                  <a:schemeClr val="tx1"/>
-                </a:solidFill>
-                <a:latin typeface="+mn-lt"/>
-                <a:ea typeface="+mn-ea"/>
-                <a:cs typeface="+mn-cs"/>
-              </a:defRPr>
-            </a:lvl1pPr>
-            <a:lvl2pPr marL="457200" indent="0" algn="l" defTabSz="914400" rtl="0" eaLnBrk="1" latinLnBrk="0" hangingPunct="1">
-              <a:lnSpc>
-                <a:spcPct val="90000"/>
-              </a:lnSpc>
-              <a:spcBef>
-                <a:spcPts val="500"/>
-              </a:spcBef>
-              <a:buFont typeface="Arial" panose="020B0604020202020204" pitchFamily="34" charset="0"/>
-              <a:buNone/>
-              <a:defRPr sz="1400" kern="1200">
-                <a:solidFill>
-                  <a:schemeClr val="tx1"/>
-                </a:solidFill>
-                <a:latin typeface="+mn-lt"/>
-                <a:ea typeface="+mn-ea"/>
-                <a:cs typeface="+mn-cs"/>
-              </a:defRPr>
-            </a:lvl2pPr>
-            <a:lvl3pPr marL="914400" indent="0" algn="l" defTabSz="914400" rtl="0" eaLnBrk="1" latinLnBrk="0" hangingPunct="1">
-              <a:lnSpc>
-                <a:spcPct val="90000"/>
-              </a:lnSpc>
-              <a:spcBef>
-                <a:spcPts val="500"/>
-              </a:spcBef>
-              <a:buFont typeface="Arial" panose="020B0604020202020204" pitchFamily="34" charset="0"/>
-              <a:buNone/>
-              <a:defRPr sz="1200" kern="1200">
-                <a:solidFill>
-                  <a:schemeClr val="tx1"/>
-                </a:solidFill>
-                <a:latin typeface="+mn-lt"/>
-                <a:ea typeface="+mn-ea"/>
-                <a:cs typeface="+mn-cs"/>
-              </a:defRPr>
-            </a:lvl3pPr>
-            <a:lvl4pPr marL="1371600" indent="0" algn="l" defTabSz="914400" rtl="0" eaLnBrk="1" latinLnBrk="0" hangingPunct="1">
-              <a:lnSpc>
-                <a:spcPct val="90000"/>
-              </a:lnSpc>
-              <a:spcBef>
-                <a:spcPts val="500"/>
-              </a:spcBef>
-              <a:buFont typeface="Arial" panose="020B0604020202020204" pitchFamily="34" charset="0"/>
-              <a:buNone/>
-              <a:defRPr sz="1000" kern="1200">
-                <a:solidFill>
-                  <a:schemeClr val="tx1"/>
-                </a:solidFill>
-                <a:latin typeface="+mn-lt"/>
-                <a:ea typeface="+mn-ea"/>
-                <a:cs typeface="+mn-cs"/>
-              </a:defRPr>
-            </a:lvl4pPr>
-            <a:lvl5pPr marL="1828800" indent="0" algn="l" defTabSz="914400" rtl="0" eaLnBrk="1" latinLnBrk="0" hangingPunct="1">
-              <a:lnSpc>
-                <a:spcPct val="90000"/>
-              </a:lnSpc>
-              <a:spcBef>
-                <a:spcPts val="500"/>
-              </a:spcBef>
-              <a:buFont typeface="Arial" panose="020B0604020202020204" pitchFamily="34" charset="0"/>
-              <a:buNone/>
-              <a:defRPr sz="1000" kern="1200">
-                <a:solidFill>
-                  <a:schemeClr val="tx1"/>
-                </a:solidFill>
-                <a:latin typeface="+mn-lt"/>
-                <a:ea typeface="+mn-ea"/>
-                <a:cs typeface="+mn-cs"/>
-              </a:defRPr>
-            </a:lvl5pPr>
-            <a:lvl6pPr marL="2286000" indent="0" algn="l" defTabSz="914400" rtl="0" eaLnBrk="1" latinLnBrk="0" hangingPunct="1">
-              <a:lnSpc>
-                <a:spcPct val="90000"/>
-              </a:lnSpc>
-              <a:spcBef>
-                <a:spcPts val="500"/>
-              </a:spcBef>
-              <a:buFont typeface="Arial" panose="020B0604020202020204" pitchFamily="34" charset="0"/>
-              <a:buNone/>
-              <a:defRPr sz="1000" kern="1200">
-                <a:solidFill>
-                  <a:schemeClr val="tx1"/>
-                </a:solidFill>
-                <a:latin typeface="+mn-lt"/>
-                <a:ea typeface="+mn-ea"/>
-                <a:cs typeface="+mn-cs"/>
-              </a:defRPr>
-            </a:lvl6pPr>
-            <a:lvl7pPr marL="2743200" indent="0" algn="l" defTabSz="914400" rtl="0" eaLnBrk="1" latinLnBrk="0" hangingPunct="1">
-              <a:lnSpc>
-                <a:spcPct val="90000"/>
-              </a:lnSpc>
-              <a:spcBef>
-                <a:spcPts val="500"/>
-              </a:spcBef>
-              <a:buFont typeface="Arial" panose="020B0604020202020204" pitchFamily="34" charset="0"/>
-              <a:buNone/>
-              <a:defRPr sz="1000" kern="1200">
-                <a:solidFill>
-                  <a:schemeClr val="tx1"/>
-                </a:solidFill>
-                <a:latin typeface="+mn-lt"/>
-                <a:ea typeface="+mn-ea"/>
-                <a:cs typeface="+mn-cs"/>
-              </a:defRPr>
-            </a:lvl7pPr>
-            <a:lvl8pPr marL="3200400" indent="0" algn="l" defTabSz="914400" rtl="0" eaLnBrk="1" latinLnBrk="0" hangingPunct="1">
-              <a:lnSpc>
-                <a:spcPct val="90000"/>
-              </a:lnSpc>
-              <a:spcBef>
-                <a:spcPts val="500"/>
-              </a:spcBef>
-              <a:buFont typeface="Arial" panose="020B0604020202020204" pitchFamily="34" charset="0"/>
-              <a:buNone/>
-              <a:defRPr sz="1000" kern="1200">
-                <a:solidFill>
-                  <a:schemeClr val="tx1"/>
-                </a:solidFill>
-                <a:latin typeface="+mn-lt"/>
-                <a:ea typeface="+mn-ea"/>
-                <a:cs typeface="+mn-cs"/>
-              </a:defRPr>
-            </a:lvl8pPr>
-            <a:lvl9pPr marL="3657600" indent="0" algn="l" defTabSz="914400" rtl="0" eaLnBrk="1" latinLnBrk="0" hangingPunct="1">
-              <a:lnSpc>
-                <a:spcPct val="90000"/>
-              </a:lnSpc>
-              <a:spcBef>
-                <a:spcPts val="500"/>
-              </a:spcBef>
-              <a:buFont typeface="Arial" panose="020B0604020202020204" pitchFamily="34" charset="0"/>
-              <a:buNone/>
-              <a:defRPr sz="1000" kern="1200">
-                <a:solidFill>
-                  <a:schemeClr val="tx1"/>
-                </a:solidFill>
-                <a:latin typeface="+mn-lt"/>
-                <a:ea typeface="+mn-ea"/>
-                <a:cs typeface="+mn-cs"/>
-              </a:defRPr>
-            </a:lvl9pPr>
-          </a:lstStyle>
-          <a:p>
-            <a:pPr marL="285750" indent="-285750">
-              <a:spcBef>
-                <a:spcPts val="600"/>
-              </a:spcBef>
-              <a:buFont typeface="Arial" panose="020B0604020202020204" pitchFamily="34" charset="0"/>
-              <a:buChar char="•"/>
-            </a:pPr>
-            <a:r>
-              <a:rPr lang="en-US" sz="1200" dirty="0">
-                <a:latin typeface="Times New Roman" panose="02020603050405020304" pitchFamily="18" charset="0"/>
-                <a:cs typeface="Times New Roman" panose="02020603050405020304" pitchFamily="18" charset="0"/>
-              </a:rPr>
-              <a:t>The “Campaign:1” sales transaction value is $198.2k with an average sale per customer about $1490 (a 145% increase from the overall average of $608).</a:t>
-            </a:r>
-          </a:p>
-          <a:p>
-            <a:pPr marL="285750" indent="-285750">
-              <a:spcBef>
-                <a:spcPts val="600"/>
-              </a:spcBef>
-              <a:buFont typeface="Arial" panose="020B0604020202020204" pitchFamily="34" charset="0"/>
-              <a:buChar char="•"/>
-            </a:pPr>
-            <a:r>
-              <a:rPr lang="en-US" sz="1200" dirty="0">
-                <a:latin typeface="Times New Roman" panose="02020603050405020304" pitchFamily="18" charset="0"/>
-                <a:cs typeface="Times New Roman" panose="02020603050405020304" pitchFamily="18" charset="0"/>
-              </a:rPr>
-              <a:t>133 customers responded to the campaign i.e. a 6.6% conversion rate.</a:t>
-            </a:r>
-          </a:p>
-          <a:p>
-            <a:pPr marL="285750" indent="-285750">
-              <a:spcBef>
-                <a:spcPts val="600"/>
-              </a:spcBef>
-              <a:buFont typeface="Arial" panose="020B0604020202020204" pitchFamily="34" charset="0"/>
-              <a:buChar char="•"/>
-            </a:pPr>
-            <a:r>
-              <a:rPr lang="en-US" sz="1200" dirty="0">
-                <a:latin typeface="Times New Roman" panose="02020603050405020304" pitchFamily="18" charset="0"/>
-                <a:cs typeface="Times New Roman" panose="02020603050405020304" pitchFamily="18" charset="0"/>
-              </a:rPr>
-              <a:t>The campaign captured 99 customers from the 1366 customers who hasn’t purchased for more than a month.</a:t>
-            </a:r>
-          </a:p>
-        </p:txBody>
-      </p:sp>
+      </p:pic>
     </p:spTree>
     <p:extLst>
       <p:ext uri="{BB962C8B-B14F-4D97-AF65-F5344CB8AC3E}">
-        <p14:creationId xmlns:p14="http://schemas.microsoft.com/office/powerpoint/2010/main" val="2856371222"/>
+        <p14:creationId xmlns:p14="http://schemas.microsoft.com/office/powerpoint/2010/main" val="450669495"/>
       </p:ext>
     </p:extLst>
   </p:cSld>
@@ -7408,499 +9121,40 @@
           <a:chExt cx="0" cy="0"/>
         </a:xfrm>
       </p:grpSpPr>
-      <p:pic>
-        <p:nvPicPr>
-          <p:cNvPr id="86" name="Content Placeholder 85">
+      <p:sp>
+        <p:nvSpPr>
+          <p:cNvPr id="2" name="Title 1">
             <a:extLst>
               <a:ext uri="{FF2B5EF4-FFF2-40B4-BE49-F238E27FC236}">
-                <a16:creationId xmlns:a16="http://schemas.microsoft.com/office/drawing/2014/main" id="{3ADD69E0-AD6B-73A8-9042-F8C043641A8B}"/>
+                <a16:creationId xmlns:a16="http://schemas.microsoft.com/office/drawing/2014/main" id="{B02498A4-6F1B-7105-4966-8A08A14A911C}"/>
               </a:ext>
             </a:extLst>
           </p:cNvPr>
-          <p:cNvPicPr>
-            <a:picLocks noGrp="1" noChangeAspect="1"/>
-          </p:cNvPicPr>
-          <p:nvPr>
-            <p:ph idx="1"/>
-          </p:nvPr>
-        </p:nvPicPr>
-        <p:blipFill>
-          <a:blip r:embed="rId3">
-            <a:extLst>
-              <a:ext uri="{28A0092B-C50C-407E-A947-70E740481C1C}">
-                <a14:useLocalDpi xmlns:a14="http://schemas.microsoft.com/office/drawing/2010/main" val="0"/>
-              </a:ext>
-            </a:extLst>
-          </a:blip>
-          <a:srcRect/>
-          <a:stretch/>
-        </p:blipFill>
+          <p:cNvSpPr>
+            <a:spLocks noGrp="1"/>
+          </p:cNvSpPr>
+          <p:nvPr>
+            <p:ph type="title"/>
+          </p:nvPr>
+        </p:nvSpPr>
         <p:spPr>
           <a:xfrm>
-            <a:off x="1250388" y="487193"/>
-            <a:ext cx="9691571" cy="4572000"/>
+            <a:off x="4700707" y="2766218"/>
+            <a:ext cx="2790585" cy="1325563"/>
           </a:xfrm>
-          <a:prstGeom prst="rect">
-            <a:avLst/>
-          </a:prstGeom>
         </p:spPr>
-      </p:pic>
-      <p:sp>
-        <p:nvSpPr>
-          <p:cNvPr id="89" name="Text Placeholder 5">
-            <a:extLst>
-              <a:ext uri="{FF2B5EF4-FFF2-40B4-BE49-F238E27FC236}">
-                <a16:creationId xmlns:a16="http://schemas.microsoft.com/office/drawing/2014/main" id="{A5EF68E2-0F5E-D60A-8A94-908901B0A627}"/>
-              </a:ext>
-            </a:extLst>
-          </p:cNvPr>
-          <p:cNvSpPr txBox="1">
-            <a:spLocks/>
-          </p:cNvSpPr>
-          <p:nvPr/>
-        </p:nvSpPr>
-        <p:spPr>
-          <a:xfrm>
-            <a:off x="1507518" y="519331"/>
-            <a:ext cx="9227157" cy="293857"/>
-          </a:xfrm>
-          <a:prstGeom prst="rect">
-            <a:avLst/>
-          </a:prstGeom>
-          <a:solidFill>
-            <a:srgbClr val="B5C5E6"/>
-          </a:solidFill>
-          <a:ln>
-            <a:solidFill>
-              <a:srgbClr val="B5C5E6"/>
-            </a:solidFill>
-          </a:ln>
-        </p:spPr>
-        <p:txBody>
-          <a:bodyPr vert="horz" lIns="91440" tIns="45720" rIns="91440" bIns="45720" rtlCol="0">
-            <a:normAutofit fontScale="92500" lnSpcReduction="20000"/>
+        <p:txBody>
+          <a:bodyPr>
+            <a:normAutofit fontScale="90000"/>
           </a:bodyPr>
-          <a:lstStyle>
-            <a:lvl1pPr marL="0" indent="0" algn="l" defTabSz="914400" rtl="0" eaLnBrk="1" latinLnBrk="0" hangingPunct="1">
-              <a:lnSpc>
-                <a:spcPct val="90000"/>
-              </a:lnSpc>
-              <a:spcBef>
-                <a:spcPts val="1000"/>
-              </a:spcBef>
-              <a:buFont typeface="Arial" panose="020B0604020202020204" pitchFamily="34" charset="0"/>
-              <a:buNone/>
-              <a:defRPr sz="1600" kern="1200">
-                <a:solidFill>
-                  <a:schemeClr val="tx1"/>
-                </a:solidFill>
-                <a:latin typeface="+mn-lt"/>
-                <a:ea typeface="+mn-ea"/>
-                <a:cs typeface="+mn-cs"/>
-              </a:defRPr>
-            </a:lvl1pPr>
-            <a:lvl2pPr marL="457200" indent="0" algn="l" defTabSz="914400" rtl="0" eaLnBrk="1" latinLnBrk="0" hangingPunct="1">
-              <a:lnSpc>
-                <a:spcPct val="90000"/>
-              </a:lnSpc>
-              <a:spcBef>
-                <a:spcPts val="500"/>
-              </a:spcBef>
-              <a:buFont typeface="Arial" panose="020B0604020202020204" pitchFamily="34" charset="0"/>
-              <a:buNone/>
-              <a:defRPr sz="1400" kern="1200">
-                <a:solidFill>
-                  <a:schemeClr val="tx1"/>
-                </a:solidFill>
-                <a:latin typeface="+mn-lt"/>
-                <a:ea typeface="+mn-ea"/>
-                <a:cs typeface="+mn-cs"/>
-              </a:defRPr>
-            </a:lvl2pPr>
-            <a:lvl3pPr marL="914400" indent="0" algn="l" defTabSz="914400" rtl="0" eaLnBrk="1" latinLnBrk="0" hangingPunct="1">
-              <a:lnSpc>
-                <a:spcPct val="90000"/>
-              </a:lnSpc>
-              <a:spcBef>
-                <a:spcPts val="500"/>
-              </a:spcBef>
-              <a:buFont typeface="Arial" panose="020B0604020202020204" pitchFamily="34" charset="0"/>
-              <a:buNone/>
-              <a:defRPr sz="1200" kern="1200">
-                <a:solidFill>
-                  <a:schemeClr val="tx1"/>
-                </a:solidFill>
-                <a:latin typeface="+mn-lt"/>
-                <a:ea typeface="+mn-ea"/>
-                <a:cs typeface="+mn-cs"/>
-              </a:defRPr>
-            </a:lvl3pPr>
-            <a:lvl4pPr marL="1371600" indent="0" algn="l" defTabSz="914400" rtl="0" eaLnBrk="1" latinLnBrk="0" hangingPunct="1">
-              <a:lnSpc>
-                <a:spcPct val="90000"/>
-              </a:lnSpc>
-              <a:spcBef>
-                <a:spcPts val="500"/>
-              </a:spcBef>
-              <a:buFont typeface="Arial" panose="020B0604020202020204" pitchFamily="34" charset="0"/>
-              <a:buNone/>
-              <a:defRPr sz="1000" kern="1200">
-                <a:solidFill>
-                  <a:schemeClr val="tx1"/>
-                </a:solidFill>
-                <a:latin typeface="+mn-lt"/>
-                <a:ea typeface="+mn-ea"/>
-                <a:cs typeface="+mn-cs"/>
-              </a:defRPr>
-            </a:lvl4pPr>
-            <a:lvl5pPr marL="1828800" indent="0" algn="l" defTabSz="914400" rtl="0" eaLnBrk="1" latinLnBrk="0" hangingPunct="1">
-              <a:lnSpc>
-                <a:spcPct val="90000"/>
-              </a:lnSpc>
-              <a:spcBef>
-                <a:spcPts val="500"/>
-              </a:spcBef>
-              <a:buFont typeface="Arial" panose="020B0604020202020204" pitchFamily="34" charset="0"/>
-              <a:buNone/>
-              <a:defRPr sz="1000" kern="1200">
-                <a:solidFill>
-                  <a:schemeClr val="tx1"/>
-                </a:solidFill>
-                <a:latin typeface="+mn-lt"/>
-                <a:ea typeface="+mn-ea"/>
-                <a:cs typeface="+mn-cs"/>
-              </a:defRPr>
-            </a:lvl5pPr>
-            <a:lvl6pPr marL="2286000" indent="0" algn="l" defTabSz="914400" rtl="0" eaLnBrk="1" latinLnBrk="0" hangingPunct="1">
-              <a:lnSpc>
-                <a:spcPct val="90000"/>
-              </a:lnSpc>
-              <a:spcBef>
-                <a:spcPts val="500"/>
-              </a:spcBef>
-              <a:buFont typeface="Arial" panose="020B0604020202020204" pitchFamily="34" charset="0"/>
-              <a:buNone/>
-              <a:defRPr sz="1000" kern="1200">
-                <a:solidFill>
-                  <a:schemeClr val="tx1"/>
-                </a:solidFill>
-                <a:latin typeface="+mn-lt"/>
-                <a:ea typeface="+mn-ea"/>
-                <a:cs typeface="+mn-cs"/>
-              </a:defRPr>
-            </a:lvl6pPr>
-            <a:lvl7pPr marL="2743200" indent="0" algn="l" defTabSz="914400" rtl="0" eaLnBrk="1" latinLnBrk="0" hangingPunct="1">
-              <a:lnSpc>
-                <a:spcPct val="90000"/>
-              </a:lnSpc>
-              <a:spcBef>
-                <a:spcPts val="500"/>
-              </a:spcBef>
-              <a:buFont typeface="Arial" panose="020B0604020202020204" pitchFamily="34" charset="0"/>
-              <a:buNone/>
-              <a:defRPr sz="1000" kern="1200">
-                <a:solidFill>
-                  <a:schemeClr val="tx1"/>
-                </a:solidFill>
-                <a:latin typeface="+mn-lt"/>
-                <a:ea typeface="+mn-ea"/>
-                <a:cs typeface="+mn-cs"/>
-              </a:defRPr>
-            </a:lvl7pPr>
-            <a:lvl8pPr marL="3200400" indent="0" algn="l" defTabSz="914400" rtl="0" eaLnBrk="1" latinLnBrk="0" hangingPunct="1">
-              <a:lnSpc>
-                <a:spcPct val="90000"/>
-              </a:lnSpc>
-              <a:spcBef>
-                <a:spcPts val="500"/>
-              </a:spcBef>
-              <a:buFont typeface="Arial" panose="020B0604020202020204" pitchFamily="34" charset="0"/>
-              <a:buNone/>
-              <a:defRPr sz="1000" kern="1200">
-                <a:solidFill>
-                  <a:schemeClr val="tx1"/>
-                </a:solidFill>
-                <a:latin typeface="+mn-lt"/>
-                <a:ea typeface="+mn-ea"/>
-                <a:cs typeface="+mn-cs"/>
-              </a:defRPr>
-            </a:lvl8pPr>
-            <a:lvl9pPr marL="3657600" indent="0" algn="l" defTabSz="914400" rtl="0" eaLnBrk="1" latinLnBrk="0" hangingPunct="1">
-              <a:lnSpc>
-                <a:spcPct val="90000"/>
-              </a:lnSpc>
-              <a:spcBef>
-                <a:spcPts val="500"/>
-              </a:spcBef>
-              <a:buFont typeface="Arial" panose="020B0604020202020204" pitchFamily="34" charset="0"/>
-              <a:buNone/>
-              <a:defRPr sz="1000" kern="1200">
-                <a:solidFill>
-                  <a:schemeClr val="tx1"/>
-                </a:solidFill>
-                <a:latin typeface="+mn-lt"/>
-                <a:ea typeface="+mn-ea"/>
-                <a:cs typeface="+mn-cs"/>
-              </a:defRPr>
-            </a:lvl9pPr>
-          </a:lstStyle>
-          <a:p>
-            <a:pPr algn="ctr"/>
-            <a:r>
-              <a:rPr lang="en-US" sz="1800" b="1" dirty="0">
-                <a:latin typeface="Times New Roman" panose="02020603050405020304" pitchFamily="18" charset="0"/>
-                <a:cs typeface="Times New Roman" panose="02020603050405020304" pitchFamily="18" charset="0"/>
-              </a:rPr>
-              <a:t>MARKETING “CAMPAIGN : 2” ANALYSIS</a:t>
-            </a:r>
-          </a:p>
-        </p:txBody>
-      </p:sp>
-      <p:sp>
-        <p:nvSpPr>
-          <p:cNvPr id="2" name="Text Placeholder 5">
-            <a:extLst>
-              <a:ext uri="{FF2B5EF4-FFF2-40B4-BE49-F238E27FC236}">
-                <a16:creationId xmlns:a16="http://schemas.microsoft.com/office/drawing/2014/main" id="{9CEB08B7-991F-AD49-9673-A7D5203A594D}"/>
-              </a:ext>
-            </a:extLst>
-          </p:cNvPr>
-          <p:cNvSpPr txBox="1">
-            <a:spLocks/>
-          </p:cNvSpPr>
-          <p:nvPr/>
-        </p:nvSpPr>
-        <p:spPr>
-          <a:xfrm>
-            <a:off x="352185" y="5290914"/>
-            <a:ext cx="11487630" cy="827423"/>
-          </a:xfrm>
-          <a:prstGeom prst="rect">
-            <a:avLst/>
-          </a:prstGeom>
-          <a:solidFill>
-            <a:srgbClr val="B5C5E6"/>
-          </a:solidFill>
-          <a:ln>
-            <a:solidFill>
-              <a:srgbClr val="B5C5E6"/>
-            </a:solidFill>
-          </a:ln>
-        </p:spPr>
-        <p:txBody>
-          <a:bodyPr vert="horz" lIns="91440" tIns="45720" rIns="91440" bIns="45720" rtlCol="0">
-            <a:normAutofit/>
-          </a:bodyPr>
-          <a:lstStyle>
-            <a:lvl1pPr marL="0" indent="0" algn="l" defTabSz="914400" rtl="0" eaLnBrk="1" latinLnBrk="0" hangingPunct="1">
-              <a:lnSpc>
-                <a:spcPct val="90000"/>
-              </a:lnSpc>
-              <a:spcBef>
-                <a:spcPts val="1000"/>
-              </a:spcBef>
-              <a:buFont typeface="Arial" panose="020B0604020202020204" pitchFamily="34" charset="0"/>
-              <a:buNone/>
-              <a:defRPr sz="1600" kern="1200">
-                <a:solidFill>
-                  <a:schemeClr val="tx1"/>
-                </a:solidFill>
-                <a:latin typeface="+mn-lt"/>
-                <a:ea typeface="+mn-ea"/>
-                <a:cs typeface="+mn-cs"/>
-              </a:defRPr>
-            </a:lvl1pPr>
-            <a:lvl2pPr marL="457200" indent="0" algn="l" defTabSz="914400" rtl="0" eaLnBrk="1" latinLnBrk="0" hangingPunct="1">
-              <a:lnSpc>
-                <a:spcPct val="90000"/>
-              </a:lnSpc>
-              <a:spcBef>
-                <a:spcPts val="500"/>
-              </a:spcBef>
-              <a:buFont typeface="Arial" panose="020B0604020202020204" pitchFamily="34" charset="0"/>
-              <a:buNone/>
-              <a:defRPr sz="1400" kern="1200">
-                <a:solidFill>
-                  <a:schemeClr val="tx1"/>
-                </a:solidFill>
-                <a:latin typeface="+mn-lt"/>
-                <a:ea typeface="+mn-ea"/>
-                <a:cs typeface="+mn-cs"/>
-              </a:defRPr>
-            </a:lvl2pPr>
-            <a:lvl3pPr marL="914400" indent="0" algn="l" defTabSz="914400" rtl="0" eaLnBrk="1" latinLnBrk="0" hangingPunct="1">
-              <a:lnSpc>
-                <a:spcPct val="90000"/>
-              </a:lnSpc>
-              <a:spcBef>
-                <a:spcPts val="500"/>
-              </a:spcBef>
-              <a:buFont typeface="Arial" panose="020B0604020202020204" pitchFamily="34" charset="0"/>
-              <a:buNone/>
-              <a:defRPr sz="1200" kern="1200">
-                <a:solidFill>
-                  <a:schemeClr val="tx1"/>
-                </a:solidFill>
-                <a:latin typeface="+mn-lt"/>
-                <a:ea typeface="+mn-ea"/>
-                <a:cs typeface="+mn-cs"/>
-              </a:defRPr>
-            </a:lvl3pPr>
-            <a:lvl4pPr marL="1371600" indent="0" algn="l" defTabSz="914400" rtl="0" eaLnBrk="1" latinLnBrk="0" hangingPunct="1">
-              <a:lnSpc>
-                <a:spcPct val="90000"/>
-              </a:lnSpc>
-              <a:spcBef>
-                <a:spcPts val="500"/>
-              </a:spcBef>
-              <a:buFont typeface="Arial" panose="020B0604020202020204" pitchFamily="34" charset="0"/>
-              <a:buNone/>
-              <a:defRPr sz="1000" kern="1200">
-                <a:solidFill>
-                  <a:schemeClr val="tx1"/>
-                </a:solidFill>
-                <a:latin typeface="+mn-lt"/>
-                <a:ea typeface="+mn-ea"/>
-                <a:cs typeface="+mn-cs"/>
-              </a:defRPr>
-            </a:lvl4pPr>
-            <a:lvl5pPr marL="1828800" indent="0" algn="l" defTabSz="914400" rtl="0" eaLnBrk="1" latinLnBrk="0" hangingPunct="1">
-              <a:lnSpc>
-                <a:spcPct val="90000"/>
-              </a:lnSpc>
-              <a:spcBef>
-                <a:spcPts val="500"/>
-              </a:spcBef>
-              <a:buFont typeface="Arial" panose="020B0604020202020204" pitchFamily="34" charset="0"/>
-              <a:buNone/>
-              <a:defRPr sz="1000" kern="1200">
-                <a:solidFill>
-                  <a:schemeClr val="tx1"/>
-                </a:solidFill>
-                <a:latin typeface="+mn-lt"/>
-                <a:ea typeface="+mn-ea"/>
-                <a:cs typeface="+mn-cs"/>
-              </a:defRPr>
-            </a:lvl5pPr>
-            <a:lvl6pPr marL="2286000" indent="0" algn="l" defTabSz="914400" rtl="0" eaLnBrk="1" latinLnBrk="0" hangingPunct="1">
-              <a:lnSpc>
-                <a:spcPct val="90000"/>
-              </a:lnSpc>
-              <a:spcBef>
-                <a:spcPts val="500"/>
-              </a:spcBef>
-              <a:buFont typeface="Arial" panose="020B0604020202020204" pitchFamily="34" charset="0"/>
-              <a:buNone/>
-              <a:defRPr sz="1000" kern="1200">
-                <a:solidFill>
-                  <a:schemeClr val="tx1"/>
-                </a:solidFill>
-                <a:latin typeface="+mn-lt"/>
-                <a:ea typeface="+mn-ea"/>
-                <a:cs typeface="+mn-cs"/>
-              </a:defRPr>
-            </a:lvl6pPr>
-            <a:lvl7pPr marL="2743200" indent="0" algn="l" defTabSz="914400" rtl="0" eaLnBrk="1" latinLnBrk="0" hangingPunct="1">
-              <a:lnSpc>
-                <a:spcPct val="90000"/>
-              </a:lnSpc>
-              <a:spcBef>
-                <a:spcPts val="500"/>
-              </a:spcBef>
-              <a:buFont typeface="Arial" panose="020B0604020202020204" pitchFamily="34" charset="0"/>
-              <a:buNone/>
-              <a:defRPr sz="1000" kern="1200">
-                <a:solidFill>
-                  <a:schemeClr val="tx1"/>
-                </a:solidFill>
-                <a:latin typeface="+mn-lt"/>
-                <a:ea typeface="+mn-ea"/>
-                <a:cs typeface="+mn-cs"/>
-              </a:defRPr>
-            </a:lvl7pPr>
-            <a:lvl8pPr marL="3200400" indent="0" algn="l" defTabSz="914400" rtl="0" eaLnBrk="1" latinLnBrk="0" hangingPunct="1">
-              <a:lnSpc>
-                <a:spcPct val="90000"/>
-              </a:lnSpc>
-              <a:spcBef>
-                <a:spcPts val="500"/>
-              </a:spcBef>
-              <a:buFont typeface="Arial" panose="020B0604020202020204" pitchFamily="34" charset="0"/>
-              <a:buNone/>
-              <a:defRPr sz="1000" kern="1200">
-                <a:solidFill>
-                  <a:schemeClr val="tx1"/>
-                </a:solidFill>
-                <a:latin typeface="+mn-lt"/>
-                <a:ea typeface="+mn-ea"/>
-                <a:cs typeface="+mn-cs"/>
-              </a:defRPr>
-            </a:lvl8pPr>
-            <a:lvl9pPr marL="3657600" indent="0" algn="l" defTabSz="914400" rtl="0" eaLnBrk="1" latinLnBrk="0" hangingPunct="1">
-              <a:lnSpc>
-                <a:spcPct val="90000"/>
-              </a:lnSpc>
-              <a:spcBef>
-                <a:spcPts val="500"/>
-              </a:spcBef>
-              <a:buFont typeface="Arial" panose="020B0604020202020204" pitchFamily="34" charset="0"/>
-              <a:buNone/>
-              <a:defRPr sz="1000" kern="1200">
-                <a:solidFill>
-                  <a:schemeClr val="tx1"/>
-                </a:solidFill>
-                <a:latin typeface="+mn-lt"/>
-                <a:ea typeface="+mn-ea"/>
-                <a:cs typeface="+mn-cs"/>
-              </a:defRPr>
-            </a:lvl9pPr>
-          </a:lstStyle>
-          <a:p>
-            <a:pPr marL="285750" indent="-285750">
-              <a:spcBef>
-                <a:spcPts val="600"/>
-              </a:spcBef>
-              <a:buFont typeface="Arial" panose="020B0604020202020204" pitchFamily="34" charset="0"/>
-              <a:buChar char="•"/>
-            </a:pPr>
-            <a:r>
-              <a:rPr lang="en-US" sz="1200" dirty="0">
-                <a:latin typeface="Times New Roman" panose="02020603050405020304" pitchFamily="18" charset="0"/>
-                <a:cs typeface="Times New Roman" panose="02020603050405020304" pitchFamily="18" charset="0"/>
-              </a:rPr>
-              <a:t>The “Campaign:2” sales transaction value is $34.4k with an average sale per customer about $1324 (a 118% increase from the overall average of $608).</a:t>
-            </a:r>
-          </a:p>
-          <a:p>
-            <a:pPr marL="285750" indent="-285750">
-              <a:spcBef>
-                <a:spcPts val="600"/>
-              </a:spcBef>
-              <a:buFont typeface="Arial" panose="020B0604020202020204" pitchFamily="34" charset="0"/>
-              <a:buChar char="•"/>
-            </a:pPr>
-            <a:r>
-              <a:rPr lang="en-US" sz="1200" dirty="0">
-                <a:latin typeface="Times New Roman" panose="02020603050405020304" pitchFamily="18" charset="0"/>
-                <a:cs typeface="Times New Roman" panose="02020603050405020304" pitchFamily="18" charset="0"/>
-              </a:rPr>
-              <a:t>26 customers responded to the campaign i.e. a 1.3% conversion rate.</a:t>
-            </a:r>
-          </a:p>
-          <a:p>
-            <a:pPr marL="285750" indent="-285750">
-              <a:spcBef>
-                <a:spcPts val="600"/>
-              </a:spcBef>
-              <a:buFont typeface="Arial" panose="020B0604020202020204" pitchFamily="34" charset="0"/>
-              <a:buChar char="•"/>
-            </a:pPr>
-            <a:r>
-              <a:rPr lang="en-US" sz="1200" dirty="0">
-                <a:latin typeface="Times New Roman" panose="02020603050405020304" pitchFamily="18" charset="0"/>
-                <a:cs typeface="Times New Roman" panose="02020603050405020304" pitchFamily="18" charset="0"/>
-              </a:rPr>
-              <a:t>The campaign captured 20 customers from the 1366 customers who hasn’t purchased for more than a month.</a:t>
+          <a:lstStyle/>
+          <a:p>
+            <a:r>
+              <a:rPr lang="en-US" sz="4800" b="1" dirty="0">
+                <a:latin typeface="Times New Roman" panose="02020603050405020304" pitchFamily="18" charset="0"/>
+                <a:cs typeface="Times New Roman" panose="02020603050405020304" pitchFamily="18" charset="0"/>
+              </a:rPr>
+              <a:t>Thank You</a:t>
             </a:r>
           </a:p>
         </p:txBody>
@@ -7908,7 +9162,7 @@
     </p:spTree>
     <p:extLst>
       <p:ext uri="{BB962C8B-B14F-4D97-AF65-F5344CB8AC3E}">
-        <p14:creationId xmlns:p14="http://schemas.microsoft.com/office/powerpoint/2010/main" val="2832518940"/>
+        <p14:creationId xmlns:p14="http://schemas.microsoft.com/office/powerpoint/2010/main" val="858010775"/>
       </p:ext>
     </p:extLst>
   </p:cSld>
@@ -7935,499 +9189,40 @@
           <a:chExt cx="0" cy="0"/>
         </a:xfrm>
       </p:grpSpPr>
-      <p:pic>
-        <p:nvPicPr>
-          <p:cNvPr id="86" name="Content Placeholder 85">
+      <p:sp>
+        <p:nvSpPr>
+          <p:cNvPr id="2" name="Title 1">
             <a:extLst>
               <a:ext uri="{FF2B5EF4-FFF2-40B4-BE49-F238E27FC236}">
-                <a16:creationId xmlns:a16="http://schemas.microsoft.com/office/drawing/2014/main" id="{3ADD69E0-AD6B-73A8-9042-F8C043641A8B}"/>
+                <a16:creationId xmlns:a16="http://schemas.microsoft.com/office/drawing/2014/main" id="{B02498A4-6F1B-7105-4966-8A08A14A911C}"/>
               </a:ext>
             </a:extLst>
           </p:cNvPr>
-          <p:cNvPicPr>
-            <a:picLocks noGrp="1" noChangeAspect="1"/>
-          </p:cNvPicPr>
-          <p:nvPr>
-            <p:ph idx="1"/>
-          </p:nvPr>
-        </p:nvPicPr>
-        <p:blipFill>
-          <a:blip r:embed="rId3">
-            <a:extLst>
-              <a:ext uri="{28A0092B-C50C-407E-A947-70E740481C1C}">
-                <a14:useLocalDpi xmlns:a14="http://schemas.microsoft.com/office/drawing/2010/main" val="0"/>
-              </a:ext>
-            </a:extLst>
-          </a:blip>
-          <a:srcRect/>
-          <a:stretch/>
-        </p:blipFill>
+          <p:cNvSpPr>
+            <a:spLocks noGrp="1"/>
+          </p:cNvSpPr>
+          <p:nvPr>
+            <p:ph type="title"/>
+          </p:nvPr>
+        </p:nvSpPr>
         <p:spPr>
           <a:xfrm>
-            <a:off x="1250388" y="487193"/>
-            <a:ext cx="9691571" cy="4572000"/>
+            <a:off x="4700707" y="2766218"/>
+            <a:ext cx="2790585" cy="1325563"/>
           </a:xfrm>
-          <a:prstGeom prst="rect">
-            <a:avLst/>
-          </a:prstGeom>
         </p:spPr>
-      </p:pic>
-      <p:sp>
-        <p:nvSpPr>
-          <p:cNvPr id="89" name="Text Placeholder 5">
-            <a:extLst>
-              <a:ext uri="{FF2B5EF4-FFF2-40B4-BE49-F238E27FC236}">
-                <a16:creationId xmlns:a16="http://schemas.microsoft.com/office/drawing/2014/main" id="{A5EF68E2-0F5E-D60A-8A94-908901B0A627}"/>
-              </a:ext>
-            </a:extLst>
-          </p:cNvPr>
-          <p:cNvSpPr txBox="1">
-            <a:spLocks/>
-          </p:cNvSpPr>
-          <p:nvPr/>
-        </p:nvSpPr>
-        <p:spPr>
-          <a:xfrm>
-            <a:off x="1507518" y="519331"/>
-            <a:ext cx="9227157" cy="293857"/>
-          </a:xfrm>
-          <a:prstGeom prst="rect">
-            <a:avLst/>
-          </a:prstGeom>
-          <a:solidFill>
-            <a:srgbClr val="B5C5E6"/>
-          </a:solidFill>
-          <a:ln>
-            <a:solidFill>
-              <a:srgbClr val="B5C5E6"/>
-            </a:solidFill>
-          </a:ln>
-        </p:spPr>
-        <p:txBody>
-          <a:bodyPr vert="horz" lIns="91440" tIns="45720" rIns="91440" bIns="45720" rtlCol="0">
-            <a:normAutofit fontScale="92500" lnSpcReduction="20000"/>
-          </a:bodyPr>
-          <a:lstStyle>
-            <a:lvl1pPr marL="0" indent="0" algn="l" defTabSz="914400" rtl="0" eaLnBrk="1" latinLnBrk="0" hangingPunct="1">
-              <a:lnSpc>
-                <a:spcPct val="90000"/>
-              </a:lnSpc>
-              <a:spcBef>
-                <a:spcPts val="1000"/>
-              </a:spcBef>
-              <a:buFont typeface="Arial" panose="020B0604020202020204" pitchFamily="34" charset="0"/>
-              <a:buNone/>
-              <a:defRPr sz="1600" kern="1200">
-                <a:solidFill>
-                  <a:schemeClr val="tx1"/>
-                </a:solidFill>
-                <a:latin typeface="+mn-lt"/>
-                <a:ea typeface="+mn-ea"/>
-                <a:cs typeface="+mn-cs"/>
-              </a:defRPr>
-            </a:lvl1pPr>
-            <a:lvl2pPr marL="457200" indent="0" algn="l" defTabSz="914400" rtl="0" eaLnBrk="1" latinLnBrk="0" hangingPunct="1">
-              <a:lnSpc>
-                <a:spcPct val="90000"/>
-              </a:lnSpc>
-              <a:spcBef>
-                <a:spcPts val="500"/>
-              </a:spcBef>
-              <a:buFont typeface="Arial" panose="020B0604020202020204" pitchFamily="34" charset="0"/>
-              <a:buNone/>
-              <a:defRPr sz="1400" kern="1200">
-                <a:solidFill>
-                  <a:schemeClr val="tx1"/>
-                </a:solidFill>
-                <a:latin typeface="+mn-lt"/>
-                <a:ea typeface="+mn-ea"/>
-                <a:cs typeface="+mn-cs"/>
-              </a:defRPr>
-            </a:lvl2pPr>
-            <a:lvl3pPr marL="914400" indent="0" algn="l" defTabSz="914400" rtl="0" eaLnBrk="1" latinLnBrk="0" hangingPunct="1">
-              <a:lnSpc>
-                <a:spcPct val="90000"/>
-              </a:lnSpc>
-              <a:spcBef>
-                <a:spcPts val="500"/>
-              </a:spcBef>
-              <a:buFont typeface="Arial" panose="020B0604020202020204" pitchFamily="34" charset="0"/>
-              <a:buNone/>
-              <a:defRPr sz="1200" kern="1200">
-                <a:solidFill>
-                  <a:schemeClr val="tx1"/>
-                </a:solidFill>
-                <a:latin typeface="+mn-lt"/>
-                <a:ea typeface="+mn-ea"/>
-                <a:cs typeface="+mn-cs"/>
-              </a:defRPr>
-            </a:lvl3pPr>
-            <a:lvl4pPr marL="1371600" indent="0" algn="l" defTabSz="914400" rtl="0" eaLnBrk="1" latinLnBrk="0" hangingPunct="1">
-              <a:lnSpc>
-                <a:spcPct val="90000"/>
-              </a:lnSpc>
-              <a:spcBef>
-                <a:spcPts val="500"/>
-              </a:spcBef>
-              <a:buFont typeface="Arial" panose="020B0604020202020204" pitchFamily="34" charset="0"/>
-              <a:buNone/>
-              <a:defRPr sz="1000" kern="1200">
-                <a:solidFill>
-                  <a:schemeClr val="tx1"/>
-                </a:solidFill>
-                <a:latin typeface="+mn-lt"/>
-                <a:ea typeface="+mn-ea"/>
-                <a:cs typeface="+mn-cs"/>
-              </a:defRPr>
-            </a:lvl4pPr>
-            <a:lvl5pPr marL="1828800" indent="0" algn="l" defTabSz="914400" rtl="0" eaLnBrk="1" latinLnBrk="0" hangingPunct="1">
-              <a:lnSpc>
-                <a:spcPct val="90000"/>
-              </a:lnSpc>
-              <a:spcBef>
-                <a:spcPts val="500"/>
-              </a:spcBef>
-              <a:buFont typeface="Arial" panose="020B0604020202020204" pitchFamily="34" charset="0"/>
-              <a:buNone/>
-              <a:defRPr sz="1000" kern="1200">
-                <a:solidFill>
-                  <a:schemeClr val="tx1"/>
-                </a:solidFill>
-                <a:latin typeface="+mn-lt"/>
-                <a:ea typeface="+mn-ea"/>
-                <a:cs typeface="+mn-cs"/>
-              </a:defRPr>
-            </a:lvl5pPr>
-            <a:lvl6pPr marL="2286000" indent="0" algn="l" defTabSz="914400" rtl="0" eaLnBrk="1" latinLnBrk="0" hangingPunct="1">
-              <a:lnSpc>
-                <a:spcPct val="90000"/>
-              </a:lnSpc>
-              <a:spcBef>
-                <a:spcPts val="500"/>
-              </a:spcBef>
-              <a:buFont typeface="Arial" panose="020B0604020202020204" pitchFamily="34" charset="0"/>
-              <a:buNone/>
-              <a:defRPr sz="1000" kern="1200">
-                <a:solidFill>
-                  <a:schemeClr val="tx1"/>
-                </a:solidFill>
-                <a:latin typeface="+mn-lt"/>
-                <a:ea typeface="+mn-ea"/>
-                <a:cs typeface="+mn-cs"/>
-              </a:defRPr>
-            </a:lvl6pPr>
-            <a:lvl7pPr marL="2743200" indent="0" algn="l" defTabSz="914400" rtl="0" eaLnBrk="1" latinLnBrk="0" hangingPunct="1">
-              <a:lnSpc>
-                <a:spcPct val="90000"/>
-              </a:lnSpc>
-              <a:spcBef>
-                <a:spcPts val="500"/>
-              </a:spcBef>
-              <a:buFont typeface="Arial" panose="020B0604020202020204" pitchFamily="34" charset="0"/>
-              <a:buNone/>
-              <a:defRPr sz="1000" kern="1200">
-                <a:solidFill>
-                  <a:schemeClr val="tx1"/>
-                </a:solidFill>
-                <a:latin typeface="+mn-lt"/>
-                <a:ea typeface="+mn-ea"/>
-                <a:cs typeface="+mn-cs"/>
-              </a:defRPr>
-            </a:lvl7pPr>
-            <a:lvl8pPr marL="3200400" indent="0" algn="l" defTabSz="914400" rtl="0" eaLnBrk="1" latinLnBrk="0" hangingPunct="1">
-              <a:lnSpc>
-                <a:spcPct val="90000"/>
-              </a:lnSpc>
-              <a:spcBef>
-                <a:spcPts val="500"/>
-              </a:spcBef>
-              <a:buFont typeface="Arial" panose="020B0604020202020204" pitchFamily="34" charset="0"/>
-              <a:buNone/>
-              <a:defRPr sz="1000" kern="1200">
-                <a:solidFill>
-                  <a:schemeClr val="tx1"/>
-                </a:solidFill>
-                <a:latin typeface="+mn-lt"/>
-                <a:ea typeface="+mn-ea"/>
-                <a:cs typeface="+mn-cs"/>
-              </a:defRPr>
-            </a:lvl8pPr>
-            <a:lvl9pPr marL="3657600" indent="0" algn="l" defTabSz="914400" rtl="0" eaLnBrk="1" latinLnBrk="0" hangingPunct="1">
-              <a:lnSpc>
-                <a:spcPct val="90000"/>
-              </a:lnSpc>
-              <a:spcBef>
-                <a:spcPts val="500"/>
-              </a:spcBef>
-              <a:buFont typeface="Arial" panose="020B0604020202020204" pitchFamily="34" charset="0"/>
-              <a:buNone/>
-              <a:defRPr sz="1000" kern="1200">
-                <a:solidFill>
-                  <a:schemeClr val="tx1"/>
-                </a:solidFill>
-                <a:latin typeface="+mn-lt"/>
-                <a:ea typeface="+mn-ea"/>
-                <a:cs typeface="+mn-cs"/>
-              </a:defRPr>
-            </a:lvl9pPr>
-          </a:lstStyle>
-          <a:p>
-            <a:pPr algn="ctr"/>
-            <a:r>
-              <a:rPr lang="en-US" sz="1800" b="1" dirty="0">
-                <a:latin typeface="Times New Roman" panose="02020603050405020304" pitchFamily="18" charset="0"/>
-                <a:cs typeface="Times New Roman" panose="02020603050405020304" pitchFamily="18" charset="0"/>
-              </a:rPr>
-              <a:t>MARKETING “CAMPAIGN : 3” ANALYSIS</a:t>
-            </a:r>
-          </a:p>
-        </p:txBody>
-      </p:sp>
-      <p:sp>
-        <p:nvSpPr>
-          <p:cNvPr id="2" name="Text Placeholder 5">
-            <a:extLst>
-              <a:ext uri="{FF2B5EF4-FFF2-40B4-BE49-F238E27FC236}">
-                <a16:creationId xmlns:a16="http://schemas.microsoft.com/office/drawing/2014/main" id="{E31106E1-DC7E-1299-B797-B40DD5E3CF3C}"/>
-              </a:ext>
-            </a:extLst>
-          </p:cNvPr>
-          <p:cNvSpPr txBox="1">
-            <a:spLocks/>
-          </p:cNvSpPr>
-          <p:nvPr/>
-        </p:nvSpPr>
-        <p:spPr>
-          <a:xfrm>
-            <a:off x="352185" y="5290914"/>
-            <a:ext cx="11487630" cy="827423"/>
-          </a:xfrm>
-          <a:prstGeom prst="rect">
-            <a:avLst/>
-          </a:prstGeom>
-          <a:solidFill>
-            <a:srgbClr val="B5C5E6"/>
-          </a:solidFill>
-          <a:ln>
-            <a:solidFill>
-              <a:srgbClr val="B5C5E6"/>
-            </a:solidFill>
-          </a:ln>
-        </p:spPr>
-        <p:txBody>
-          <a:bodyPr vert="horz" lIns="91440" tIns="45720" rIns="91440" bIns="45720" rtlCol="0">
+        <p:txBody>
+          <a:bodyPr>
             <a:normAutofit/>
           </a:bodyPr>
-          <a:lstStyle>
-            <a:lvl1pPr marL="0" indent="0" algn="l" defTabSz="914400" rtl="0" eaLnBrk="1" latinLnBrk="0" hangingPunct="1">
-              <a:lnSpc>
-                <a:spcPct val="90000"/>
-              </a:lnSpc>
-              <a:spcBef>
-                <a:spcPts val="1000"/>
-              </a:spcBef>
-              <a:buFont typeface="Arial" panose="020B0604020202020204" pitchFamily="34" charset="0"/>
-              <a:buNone/>
-              <a:defRPr sz="1600" kern="1200">
-                <a:solidFill>
-                  <a:schemeClr val="tx1"/>
-                </a:solidFill>
-                <a:latin typeface="+mn-lt"/>
-                <a:ea typeface="+mn-ea"/>
-                <a:cs typeface="+mn-cs"/>
-              </a:defRPr>
-            </a:lvl1pPr>
-            <a:lvl2pPr marL="457200" indent="0" algn="l" defTabSz="914400" rtl="0" eaLnBrk="1" latinLnBrk="0" hangingPunct="1">
-              <a:lnSpc>
-                <a:spcPct val="90000"/>
-              </a:lnSpc>
-              <a:spcBef>
-                <a:spcPts val="500"/>
-              </a:spcBef>
-              <a:buFont typeface="Arial" panose="020B0604020202020204" pitchFamily="34" charset="0"/>
-              <a:buNone/>
-              <a:defRPr sz="1400" kern="1200">
-                <a:solidFill>
-                  <a:schemeClr val="tx1"/>
-                </a:solidFill>
-                <a:latin typeface="+mn-lt"/>
-                <a:ea typeface="+mn-ea"/>
-                <a:cs typeface="+mn-cs"/>
-              </a:defRPr>
-            </a:lvl2pPr>
-            <a:lvl3pPr marL="914400" indent="0" algn="l" defTabSz="914400" rtl="0" eaLnBrk="1" latinLnBrk="0" hangingPunct="1">
-              <a:lnSpc>
-                <a:spcPct val="90000"/>
-              </a:lnSpc>
-              <a:spcBef>
-                <a:spcPts val="500"/>
-              </a:spcBef>
-              <a:buFont typeface="Arial" panose="020B0604020202020204" pitchFamily="34" charset="0"/>
-              <a:buNone/>
-              <a:defRPr sz="1200" kern="1200">
-                <a:solidFill>
-                  <a:schemeClr val="tx1"/>
-                </a:solidFill>
-                <a:latin typeface="+mn-lt"/>
-                <a:ea typeface="+mn-ea"/>
-                <a:cs typeface="+mn-cs"/>
-              </a:defRPr>
-            </a:lvl3pPr>
-            <a:lvl4pPr marL="1371600" indent="0" algn="l" defTabSz="914400" rtl="0" eaLnBrk="1" latinLnBrk="0" hangingPunct="1">
-              <a:lnSpc>
-                <a:spcPct val="90000"/>
-              </a:lnSpc>
-              <a:spcBef>
-                <a:spcPts val="500"/>
-              </a:spcBef>
-              <a:buFont typeface="Arial" panose="020B0604020202020204" pitchFamily="34" charset="0"/>
-              <a:buNone/>
-              <a:defRPr sz="1000" kern="1200">
-                <a:solidFill>
-                  <a:schemeClr val="tx1"/>
-                </a:solidFill>
-                <a:latin typeface="+mn-lt"/>
-                <a:ea typeface="+mn-ea"/>
-                <a:cs typeface="+mn-cs"/>
-              </a:defRPr>
-            </a:lvl4pPr>
-            <a:lvl5pPr marL="1828800" indent="0" algn="l" defTabSz="914400" rtl="0" eaLnBrk="1" latinLnBrk="0" hangingPunct="1">
-              <a:lnSpc>
-                <a:spcPct val="90000"/>
-              </a:lnSpc>
-              <a:spcBef>
-                <a:spcPts val="500"/>
-              </a:spcBef>
-              <a:buFont typeface="Arial" panose="020B0604020202020204" pitchFamily="34" charset="0"/>
-              <a:buNone/>
-              <a:defRPr sz="1000" kern="1200">
-                <a:solidFill>
-                  <a:schemeClr val="tx1"/>
-                </a:solidFill>
-                <a:latin typeface="+mn-lt"/>
-                <a:ea typeface="+mn-ea"/>
-                <a:cs typeface="+mn-cs"/>
-              </a:defRPr>
-            </a:lvl5pPr>
-            <a:lvl6pPr marL="2286000" indent="0" algn="l" defTabSz="914400" rtl="0" eaLnBrk="1" latinLnBrk="0" hangingPunct="1">
-              <a:lnSpc>
-                <a:spcPct val="90000"/>
-              </a:lnSpc>
-              <a:spcBef>
-                <a:spcPts val="500"/>
-              </a:spcBef>
-              <a:buFont typeface="Arial" panose="020B0604020202020204" pitchFamily="34" charset="0"/>
-              <a:buNone/>
-              <a:defRPr sz="1000" kern="1200">
-                <a:solidFill>
-                  <a:schemeClr val="tx1"/>
-                </a:solidFill>
-                <a:latin typeface="+mn-lt"/>
-                <a:ea typeface="+mn-ea"/>
-                <a:cs typeface="+mn-cs"/>
-              </a:defRPr>
-            </a:lvl6pPr>
-            <a:lvl7pPr marL="2743200" indent="0" algn="l" defTabSz="914400" rtl="0" eaLnBrk="1" latinLnBrk="0" hangingPunct="1">
-              <a:lnSpc>
-                <a:spcPct val="90000"/>
-              </a:lnSpc>
-              <a:spcBef>
-                <a:spcPts val="500"/>
-              </a:spcBef>
-              <a:buFont typeface="Arial" panose="020B0604020202020204" pitchFamily="34" charset="0"/>
-              <a:buNone/>
-              <a:defRPr sz="1000" kern="1200">
-                <a:solidFill>
-                  <a:schemeClr val="tx1"/>
-                </a:solidFill>
-                <a:latin typeface="+mn-lt"/>
-                <a:ea typeface="+mn-ea"/>
-                <a:cs typeface="+mn-cs"/>
-              </a:defRPr>
-            </a:lvl7pPr>
-            <a:lvl8pPr marL="3200400" indent="0" algn="l" defTabSz="914400" rtl="0" eaLnBrk="1" latinLnBrk="0" hangingPunct="1">
-              <a:lnSpc>
-                <a:spcPct val="90000"/>
-              </a:lnSpc>
-              <a:spcBef>
-                <a:spcPts val="500"/>
-              </a:spcBef>
-              <a:buFont typeface="Arial" panose="020B0604020202020204" pitchFamily="34" charset="0"/>
-              <a:buNone/>
-              <a:defRPr sz="1000" kern="1200">
-                <a:solidFill>
-                  <a:schemeClr val="tx1"/>
-                </a:solidFill>
-                <a:latin typeface="+mn-lt"/>
-                <a:ea typeface="+mn-ea"/>
-                <a:cs typeface="+mn-cs"/>
-              </a:defRPr>
-            </a:lvl8pPr>
-            <a:lvl9pPr marL="3657600" indent="0" algn="l" defTabSz="914400" rtl="0" eaLnBrk="1" latinLnBrk="0" hangingPunct="1">
-              <a:lnSpc>
-                <a:spcPct val="90000"/>
-              </a:lnSpc>
-              <a:spcBef>
-                <a:spcPts val="500"/>
-              </a:spcBef>
-              <a:buFont typeface="Arial" panose="020B0604020202020204" pitchFamily="34" charset="0"/>
-              <a:buNone/>
-              <a:defRPr sz="1000" kern="1200">
-                <a:solidFill>
-                  <a:schemeClr val="tx1"/>
-                </a:solidFill>
-                <a:latin typeface="+mn-lt"/>
-                <a:ea typeface="+mn-ea"/>
-                <a:cs typeface="+mn-cs"/>
-              </a:defRPr>
-            </a:lvl9pPr>
-          </a:lstStyle>
-          <a:p>
-            <a:pPr marL="285750" indent="-285750">
-              <a:spcBef>
-                <a:spcPts val="600"/>
-              </a:spcBef>
-              <a:buFont typeface="Arial" panose="020B0604020202020204" pitchFamily="34" charset="0"/>
-              <a:buChar char="•"/>
-            </a:pPr>
-            <a:r>
-              <a:rPr lang="en-US" sz="1200" dirty="0">
-                <a:latin typeface="Times New Roman" panose="02020603050405020304" pitchFamily="18" charset="0"/>
-                <a:cs typeface="Times New Roman" panose="02020603050405020304" pitchFamily="18" charset="0"/>
-              </a:rPr>
-              <a:t>The “Campaign:3” sales transaction value is $108.8k with an average sale per customer about $721 (an 18% increase from the overall average of $608).</a:t>
-            </a:r>
-          </a:p>
-          <a:p>
-            <a:pPr marL="285750" indent="-285750">
-              <a:spcBef>
-                <a:spcPts val="600"/>
-              </a:spcBef>
-              <a:buFont typeface="Arial" panose="020B0604020202020204" pitchFamily="34" charset="0"/>
-              <a:buChar char="•"/>
-            </a:pPr>
-            <a:r>
-              <a:rPr lang="en-US" sz="1200" dirty="0">
-                <a:latin typeface="Times New Roman" panose="02020603050405020304" pitchFamily="18" charset="0"/>
-                <a:cs typeface="Times New Roman" panose="02020603050405020304" pitchFamily="18" charset="0"/>
-              </a:rPr>
-              <a:t>151 customers responded to the campaign i.e. a 7.5% conversion rate.</a:t>
-            </a:r>
-          </a:p>
-          <a:p>
-            <a:pPr marL="285750" indent="-285750">
-              <a:spcBef>
-                <a:spcPts val="600"/>
-              </a:spcBef>
-              <a:buFont typeface="Arial" panose="020B0604020202020204" pitchFamily="34" charset="0"/>
-              <a:buChar char="•"/>
-            </a:pPr>
-            <a:r>
-              <a:rPr lang="en-US" sz="1200" dirty="0">
-                <a:latin typeface="Times New Roman" panose="02020603050405020304" pitchFamily="18" charset="0"/>
-                <a:cs typeface="Times New Roman" panose="02020603050405020304" pitchFamily="18" charset="0"/>
-              </a:rPr>
-              <a:t>The campaign captured 95 customers from the 1366 customers who hasn’t purchased for more than a month.</a:t>
+          <a:lstStyle/>
+          <a:p>
+            <a:r>
+              <a:rPr lang="en-US" sz="4800" b="1" dirty="0">
+                <a:latin typeface="Times New Roman" panose="02020603050405020304" pitchFamily="18" charset="0"/>
+                <a:cs typeface="Times New Roman" panose="02020603050405020304" pitchFamily="18" charset="0"/>
+              </a:rPr>
+              <a:t>Appendix</a:t>
             </a:r>
           </a:p>
         </p:txBody>
@@ -8435,7 +9230,7 @@
     </p:spTree>
     <p:extLst>
       <p:ext uri="{BB962C8B-B14F-4D97-AF65-F5344CB8AC3E}">
-        <p14:creationId xmlns:p14="http://schemas.microsoft.com/office/powerpoint/2010/main" val="23168322"/>
+        <p14:creationId xmlns:p14="http://schemas.microsoft.com/office/powerpoint/2010/main" val="1629696967"/>
       </p:ext>
     </p:extLst>
   </p:cSld>
@@ -8462,507 +9257,142 @@
           <a:chExt cx="0" cy="0"/>
         </a:xfrm>
       </p:grpSpPr>
-      <p:pic>
-        <p:nvPicPr>
-          <p:cNvPr id="86" name="Content Placeholder 85">
+      <p:sp>
+        <p:nvSpPr>
+          <p:cNvPr id="2" name="Title 1">
             <a:extLst>
               <a:ext uri="{FF2B5EF4-FFF2-40B4-BE49-F238E27FC236}">
-                <a16:creationId xmlns:a16="http://schemas.microsoft.com/office/drawing/2014/main" id="{3ADD69E0-AD6B-73A8-9042-F8C043641A8B}"/>
+                <a16:creationId xmlns:a16="http://schemas.microsoft.com/office/drawing/2014/main" id="{AC7569E3-AB34-41F0-019E-1D5EE24934EB}"/>
               </a:ext>
             </a:extLst>
           </p:cNvPr>
-          <p:cNvPicPr>
-            <a:picLocks noGrp="1" noChangeAspect="1"/>
-          </p:cNvPicPr>
+          <p:cNvSpPr>
+            <a:spLocks noGrp="1"/>
+          </p:cNvSpPr>
+          <p:nvPr>
+            <p:ph type="title"/>
+          </p:nvPr>
+        </p:nvSpPr>
+        <p:spPr/>
+        <p:txBody>
+          <a:bodyPr/>
+          <a:lstStyle/>
+          <a:p>
+            <a:r>
+              <a:rPr lang="en-US" b="1" dirty="0">
+                <a:latin typeface="Times New Roman" panose="02020603050405020304" pitchFamily="18" charset="0"/>
+                <a:cs typeface="Times New Roman" panose="02020603050405020304" pitchFamily="18" charset="0"/>
+              </a:rPr>
+              <a:t>Appendix – I</a:t>
+            </a:r>
+            <a:br>
+              <a:rPr lang="en-US" b="1" dirty="0">
+                <a:latin typeface="Times New Roman" panose="02020603050405020304" pitchFamily="18" charset="0"/>
+                <a:cs typeface="Times New Roman" panose="02020603050405020304" pitchFamily="18" charset="0"/>
+              </a:rPr>
+            </a:br>
+            <a:r>
+              <a:rPr lang="en-US" sz="2800" dirty="0">
+                <a:latin typeface="Times New Roman" panose="02020603050405020304" pitchFamily="18" charset="0"/>
+                <a:cs typeface="Times New Roman" panose="02020603050405020304" pitchFamily="18" charset="0"/>
+              </a:rPr>
+              <a:t>Data Cleaning</a:t>
+            </a:r>
+          </a:p>
+        </p:txBody>
+      </p:sp>
+      <p:sp>
+        <p:nvSpPr>
+          <p:cNvPr id="3" name="Content Placeholder 2">
+            <a:extLst>
+              <a:ext uri="{FF2B5EF4-FFF2-40B4-BE49-F238E27FC236}">
+                <a16:creationId xmlns:a16="http://schemas.microsoft.com/office/drawing/2014/main" id="{41016626-41B8-8705-494C-B4D3CA760D3B}"/>
+              </a:ext>
+            </a:extLst>
+          </p:cNvPr>
+          <p:cNvSpPr>
+            <a:spLocks noGrp="1"/>
+          </p:cNvSpPr>
           <p:nvPr>
             <p:ph idx="1"/>
           </p:nvPr>
-        </p:nvPicPr>
-        <p:blipFill>
-          <a:blip r:embed="rId3">
-            <a:extLst>
-              <a:ext uri="{28A0092B-C50C-407E-A947-70E740481C1C}">
-                <a14:useLocalDpi xmlns:a14="http://schemas.microsoft.com/office/drawing/2010/main" val="0"/>
-              </a:ext>
-            </a:extLst>
-          </a:blip>
-          <a:srcRect/>
-          <a:stretch/>
-        </p:blipFill>
-        <p:spPr>
-          <a:xfrm>
-            <a:off x="1250388" y="487193"/>
-            <a:ext cx="9691571" cy="4572000"/>
-          </a:xfrm>
-          <a:prstGeom prst="rect">
-            <a:avLst/>
-          </a:prstGeom>
-        </p:spPr>
-      </p:pic>
-      <p:sp>
-        <p:nvSpPr>
-          <p:cNvPr id="89" name="Text Placeholder 5">
-            <a:extLst>
-              <a:ext uri="{FF2B5EF4-FFF2-40B4-BE49-F238E27FC236}">
-                <a16:creationId xmlns:a16="http://schemas.microsoft.com/office/drawing/2014/main" id="{A5EF68E2-0F5E-D60A-8A94-908901B0A627}"/>
-              </a:ext>
-            </a:extLst>
-          </p:cNvPr>
-          <p:cNvSpPr txBox="1">
-            <a:spLocks/>
-          </p:cNvSpPr>
-          <p:nvPr/>
-        </p:nvSpPr>
-        <p:spPr>
-          <a:xfrm>
-            <a:off x="1507518" y="519331"/>
-            <a:ext cx="9227157" cy="293857"/>
-          </a:xfrm>
-          <a:prstGeom prst="rect">
-            <a:avLst/>
-          </a:prstGeom>
-          <a:solidFill>
-            <a:srgbClr val="B5C5E6"/>
-          </a:solidFill>
-          <a:ln>
-            <a:solidFill>
-              <a:srgbClr val="B5C5E6"/>
-            </a:solidFill>
-          </a:ln>
-        </p:spPr>
-        <p:txBody>
-          <a:bodyPr vert="horz" lIns="91440" tIns="45720" rIns="91440" bIns="45720" rtlCol="0">
-            <a:normAutofit fontScale="92500" lnSpcReduction="20000"/>
-          </a:bodyPr>
-          <a:lstStyle>
-            <a:lvl1pPr marL="0" indent="0" algn="l" defTabSz="914400" rtl="0" eaLnBrk="1" latinLnBrk="0" hangingPunct="1">
-              <a:lnSpc>
-                <a:spcPct val="90000"/>
-              </a:lnSpc>
-              <a:spcBef>
-                <a:spcPts val="1000"/>
-              </a:spcBef>
-              <a:buFont typeface="Arial" panose="020B0604020202020204" pitchFamily="34" charset="0"/>
-              <a:buNone/>
-              <a:defRPr sz="1600" kern="1200">
-                <a:solidFill>
-                  <a:schemeClr val="tx1"/>
-                </a:solidFill>
-                <a:latin typeface="+mn-lt"/>
-                <a:ea typeface="+mn-ea"/>
-                <a:cs typeface="+mn-cs"/>
-              </a:defRPr>
-            </a:lvl1pPr>
-            <a:lvl2pPr marL="457200" indent="0" algn="l" defTabSz="914400" rtl="0" eaLnBrk="1" latinLnBrk="0" hangingPunct="1">
-              <a:lnSpc>
-                <a:spcPct val="90000"/>
-              </a:lnSpc>
-              <a:spcBef>
-                <a:spcPts val="500"/>
-              </a:spcBef>
-              <a:buFont typeface="Arial" panose="020B0604020202020204" pitchFamily="34" charset="0"/>
-              <a:buNone/>
-              <a:defRPr sz="1400" kern="1200">
-                <a:solidFill>
-                  <a:schemeClr val="tx1"/>
-                </a:solidFill>
-                <a:latin typeface="+mn-lt"/>
-                <a:ea typeface="+mn-ea"/>
-                <a:cs typeface="+mn-cs"/>
-              </a:defRPr>
-            </a:lvl2pPr>
-            <a:lvl3pPr marL="914400" indent="0" algn="l" defTabSz="914400" rtl="0" eaLnBrk="1" latinLnBrk="0" hangingPunct="1">
-              <a:lnSpc>
-                <a:spcPct val="90000"/>
-              </a:lnSpc>
-              <a:spcBef>
-                <a:spcPts val="500"/>
-              </a:spcBef>
-              <a:buFont typeface="Arial" panose="020B0604020202020204" pitchFamily="34" charset="0"/>
-              <a:buNone/>
-              <a:defRPr sz="1200" kern="1200">
-                <a:solidFill>
-                  <a:schemeClr val="tx1"/>
-                </a:solidFill>
-                <a:latin typeface="+mn-lt"/>
-                <a:ea typeface="+mn-ea"/>
-                <a:cs typeface="+mn-cs"/>
-              </a:defRPr>
-            </a:lvl3pPr>
-            <a:lvl4pPr marL="1371600" indent="0" algn="l" defTabSz="914400" rtl="0" eaLnBrk="1" latinLnBrk="0" hangingPunct="1">
-              <a:lnSpc>
-                <a:spcPct val="90000"/>
-              </a:lnSpc>
-              <a:spcBef>
-                <a:spcPts val="500"/>
-              </a:spcBef>
-              <a:buFont typeface="Arial" panose="020B0604020202020204" pitchFamily="34" charset="0"/>
-              <a:buNone/>
-              <a:defRPr sz="1000" kern="1200">
-                <a:solidFill>
-                  <a:schemeClr val="tx1"/>
-                </a:solidFill>
-                <a:latin typeface="+mn-lt"/>
-                <a:ea typeface="+mn-ea"/>
-                <a:cs typeface="+mn-cs"/>
-              </a:defRPr>
-            </a:lvl4pPr>
-            <a:lvl5pPr marL="1828800" indent="0" algn="l" defTabSz="914400" rtl="0" eaLnBrk="1" latinLnBrk="0" hangingPunct="1">
-              <a:lnSpc>
-                <a:spcPct val="90000"/>
-              </a:lnSpc>
-              <a:spcBef>
-                <a:spcPts val="500"/>
-              </a:spcBef>
-              <a:buFont typeface="Arial" panose="020B0604020202020204" pitchFamily="34" charset="0"/>
-              <a:buNone/>
-              <a:defRPr sz="1000" kern="1200">
-                <a:solidFill>
-                  <a:schemeClr val="tx1"/>
-                </a:solidFill>
-                <a:latin typeface="+mn-lt"/>
-                <a:ea typeface="+mn-ea"/>
-                <a:cs typeface="+mn-cs"/>
-              </a:defRPr>
-            </a:lvl5pPr>
-            <a:lvl6pPr marL="2286000" indent="0" algn="l" defTabSz="914400" rtl="0" eaLnBrk="1" latinLnBrk="0" hangingPunct="1">
-              <a:lnSpc>
-                <a:spcPct val="90000"/>
-              </a:lnSpc>
-              <a:spcBef>
-                <a:spcPts val="500"/>
-              </a:spcBef>
-              <a:buFont typeface="Arial" panose="020B0604020202020204" pitchFamily="34" charset="0"/>
-              <a:buNone/>
-              <a:defRPr sz="1000" kern="1200">
-                <a:solidFill>
-                  <a:schemeClr val="tx1"/>
-                </a:solidFill>
-                <a:latin typeface="+mn-lt"/>
-                <a:ea typeface="+mn-ea"/>
-                <a:cs typeface="+mn-cs"/>
-              </a:defRPr>
-            </a:lvl6pPr>
-            <a:lvl7pPr marL="2743200" indent="0" algn="l" defTabSz="914400" rtl="0" eaLnBrk="1" latinLnBrk="0" hangingPunct="1">
-              <a:lnSpc>
-                <a:spcPct val="90000"/>
-              </a:lnSpc>
-              <a:spcBef>
-                <a:spcPts val="500"/>
-              </a:spcBef>
-              <a:buFont typeface="Arial" panose="020B0604020202020204" pitchFamily="34" charset="0"/>
-              <a:buNone/>
-              <a:defRPr sz="1000" kern="1200">
-                <a:solidFill>
-                  <a:schemeClr val="tx1"/>
-                </a:solidFill>
-                <a:latin typeface="+mn-lt"/>
-                <a:ea typeface="+mn-ea"/>
-                <a:cs typeface="+mn-cs"/>
-              </a:defRPr>
-            </a:lvl7pPr>
-            <a:lvl8pPr marL="3200400" indent="0" algn="l" defTabSz="914400" rtl="0" eaLnBrk="1" latinLnBrk="0" hangingPunct="1">
-              <a:lnSpc>
-                <a:spcPct val="90000"/>
-              </a:lnSpc>
-              <a:spcBef>
-                <a:spcPts val="500"/>
-              </a:spcBef>
-              <a:buFont typeface="Arial" panose="020B0604020202020204" pitchFamily="34" charset="0"/>
-              <a:buNone/>
-              <a:defRPr sz="1000" kern="1200">
-                <a:solidFill>
-                  <a:schemeClr val="tx1"/>
-                </a:solidFill>
-                <a:latin typeface="+mn-lt"/>
-                <a:ea typeface="+mn-ea"/>
-                <a:cs typeface="+mn-cs"/>
-              </a:defRPr>
-            </a:lvl8pPr>
-            <a:lvl9pPr marL="3657600" indent="0" algn="l" defTabSz="914400" rtl="0" eaLnBrk="1" latinLnBrk="0" hangingPunct="1">
-              <a:lnSpc>
-                <a:spcPct val="90000"/>
-              </a:lnSpc>
-              <a:spcBef>
-                <a:spcPts val="500"/>
-              </a:spcBef>
-              <a:buFont typeface="Arial" panose="020B0604020202020204" pitchFamily="34" charset="0"/>
-              <a:buNone/>
-              <a:defRPr sz="1000" kern="1200">
-                <a:solidFill>
-                  <a:schemeClr val="tx1"/>
-                </a:solidFill>
-                <a:latin typeface="+mn-lt"/>
-                <a:ea typeface="+mn-ea"/>
-                <a:cs typeface="+mn-cs"/>
-              </a:defRPr>
-            </a:lvl9pPr>
-          </a:lstStyle>
-          <a:p>
-            <a:pPr algn="ctr"/>
-            <a:r>
-              <a:rPr lang="en-US" sz="1800" b="1" dirty="0">
-                <a:latin typeface="Times New Roman" panose="02020603050405020304" pitchFamily="18" charset="0"/>
-                <a:cs typeface="Times New Roman" panose="02020603050405020304" pitchFamily="18" charset="0"/>
-              </a:rPr>
-              <a:t>MARKETING “CAMPAIGN : 4” ANALYSIS</a:t>
-            </a:r>
-          </a:p>
-        </p:txBody>
-      </p:sp>
-      <p:sp>
-        <p:nvSpPr>
-          <p:cNvPr id="2" name="Text Placeholder 5">
-            <a:extLst>
-              <a:ext uri="{FF2B5EF4-FFF2-40B4-BE49-F238E27FC236}">
-                <a16:creationId xmlns:a16="http://schemas.microsoft.com/office/drawing/2014/main" id="{880C442B-6E5E-3296-5FC6-595BB3A16B5D}"/>
-              </a:ext>
-            </a:extLst>
-          </p:cNvPr>
-          <p:cNvSpPr txBox="1">
-            <a:spLocks/>
-          </p:cNvSpPr>
-          <p:nvPr/>
-        </p:nvSpPr>
-        <p:spPr>
-          <a:xfrm>
-            <a:off x="352185" y="5290914"/>
-            <a:ext cx="11487630" cy="827423"/>
-          </a:xfrm>
-          <a:prstGeom prst="rect">
-            <a:avLst/>
-          </a:prstGeom>
-          <a:solidFill>
-            <a:srgbClr val="B5C5E6"/>
-          </a:solidFill>
-          <a:ln>
-            <a:solidFill>
-              <a:srgbClr val="B5C5E6"/>
-            </a:solidFill>
-          </a:ln>
-        </p:spPr>
-        <p:txBody>
-          <a:bodyPr vert="horz" lIns="91440" tIns="45720" rIns="91440" bIns="45720" rtlCol="0">
+        </p:nvSpPr>
+        <p:spPr/>
+        <p:txBody>
+          <a:bodyPr>
             <a:normAutofit/>
           </a:bodyPr>
-          <a:lstStyle>
-            <a:lvl1pPr marL="0" indent="0" algn="l" defTabSz="914400" rtl="0" eaLnBrk="1" latinLnBrk="0" hangingPunct="1">
-              <a:lnSpc>
-                <a:spcPct val="90000"/>
-              </a:lnSpc>
-              <a:spcBef>
-                <a:spcPts val="1000"/>
-              </a:spcBef>
-              <a:buFont typeface="Arial" panose="020B0604020202020204" pitchFamily="34" charset="0"/>
-              <a:buNone/>
-              <a:defRPr sz="1600" kern="1200">
-                <a:solidFill>
-                  <a:schemeClr val="tx1"/>
-                </a:solidFill>
-                <a:latin typeface="+mn-lt"/>
-                <a:ea typeface="+mn-ea"/>
-                <a:cs typeface="+mn-cs"/>
-              </a:defRPr>
-            </a:lvl1pPr>
-            <a:lvl2pPr marL="457200" indent="0" algn="l" defTabSz="914400" rtl="0" eaLnBrk="1" latinLnBrk="0" hangingPunct="1">
-              <a:lnSpc>
-                <a:spcPct val="90000"/>
-              </a:lnSpc>
-              <a:spcBef>
-                <a:spcPts val="500"/>
-              </a:spcBef>
-              <a:buFont typeface="Arial" panose="020B0604020202020204" pitchFamily="34" charset="0"/>
-              <a:buNone/>
-              <a:defRPr sz="1400" kern="1200">
-                <a:solidFill>
-                  <a:schemeClr val="tx1"/>
-                </a:solidFill>
-                <a:latin typeface="+mn-lt"/>
-                <a:ea typeface="+mn-ea"/>
-                <a:cs typeface="+mn-cs"/>
-              </a:defRPr>
-            </a:lvl2pPr>
-            <a:lvl3pPr marL="914400" indent="0" algn="l" defTabSz="914400" rtl="0" eaLnBrk="1" latinLnBrk="0" hangingPunct="1">
-              <a:lnSpc>
-                <a:spcPct val="90000"/>
-              </a:lnSpc>
-              <a:spcBef>
-                <a:spcPts val="500"/>
-              </a:spcBef>
-              <a:buFont typeface="Arial" panose="020B0604020202020204" pitchFamily="34" charset="0"/>
-              <a:buNone/>
-              <a:defRPr sz="1200" kern="1200">
-                <a:solidFill>
-                  <a:schemeClr val="tx1"/>
-                </a:solidFill>
-                <a:latin typeface="+mn-lt"/>
-                <a:ea typeface="+mn-ea"/>
-                <a:cs typeface="+mn-cs"/>
-              </a:defRPr>
-            </a:lvl3pPr>
-            <a:lvl4pPr marL="1371600" indent="0" algn="l" defTabSz="914400" rtl="0" eaLnBrk="1" latinLnBrk="0" hangingPunct="1">
-              <a:lnSpc>
-                <a:spcPct val="90000"/>
-              </a:lnSpc>
-              <a:spcBef>
-                <a:spcPts val="500"/>
-              </a:spcBef>
-              <a:buFont typeface="Arial" panose="020B0604020202020204" pitchFamily="34" charset="0"/>
-              <a:buNone/>
-              <a:defRPr sz="1000" kern="1200">
-                <a:solidFill>
-                  <a:schemeClr val="tx1"/>
-                </a:solidFill>
-                <a:latin typeface="+mn-lt"/>
-                <a:ea typeface="+mn-ea"/>
-                <a:cs typeface="+mn-cs"/>
-              </a:defRPr>
-            </a:lvl4pPr>
-            <a:lvl5pPr marL="1828800" indent="0" algn="l" defTabSz="914400" rtl="0" eaLnBrk="1" latinLnBrk="0" hangingPunct="1">
-              <a:lnSpc>
-                <a:spcPct val="90000"/>
-              </a:lnSpc>
-              <a:spcBef>
-                <a:spcPts val="500"/>
-              </a:spcBef>
-              <a:buFont typeface="Arial" panose="020B0604020202020204" pitchFamily="34" charset="0"/>
-              <a:buNone/>
-              <a:defRPr sz="1000" kern="1200">
-                <a:solidFill>
-                  <a:schemeClr val="tx1"/>
-                </a:solidFill>
-                <a:latin typeface="+mn-lt"/>
-                <a:ea typeface="+mn-ea"/>
-                <a:cs typeface="+mn-cs"/>
-              </a:defRPr>
-            </a:lvl5pPr>
-            <a:lvl6pPr marL="2286000" indent="0" algn="l" defTabSz="914400" rtl="0" eaLnBrk="1" latinLnBrk="0" hangingPunct="1">
-              <a:lnSpc>
-                <a:spcPct val="90000"/>
-              </a:lnSpc>
-              <a:spcBef>
-                <a:spcPts val="500"/>
-              </a:spcBef>
-              <a:buFont typeface="Arial" panose="020B0604020202020204" pitchFamily="34" charset="0"/>
-              <a:buNone/>
-              <a:defRPr sz="1000" kern="1200">
-                <a:solidFill>
-                  <a:schemeClr val="tx1"/>
-                </a:solidFill>
-                <a:latin typeface="+mn-lt"/>
-                <a:ea typeface="+mn-ea"/>
-                <a:cs typeface="+mn-cs"/>
-              </a:defRPr>
-            </a:lvl6pPr>
-            <a:lvl7pPr marL="2743200" indent="0" algn="l" defTabSz="914400" rtl="0" eaLnBrk="1" latinLnBrk="0" hangingPunct="1">
-              <a:lnSpc>
-                <a:spcPct val="90000"/>
-              </a:lnSpc>
-              <a:spcBef>
-                <a:spcPts val="500"/>
-              </a:spcBef>
-              <a:buFont typeface="Arial" panose="020B0604020202020204" pitchFamily="34" charset="0"/>
-              <a:buNone/>
-              <a:defRPr sz="1000" kern="1200">
-                <a:solidFill>
-                  <a:schemeClr val="tx1"/>
-                </a:solidFill>
-                <a:latin typeface="+mn-lt"/>
-                <a:ea typeface="+mn-ea"/>
-                <a:cs typeface="+mn-cs"/>
-              </a:defRPr>
-            </a:lvl7pPr>
-            <a:lvl8pPr marL="3200400" indent="0" algn="l" defTabSz="914400" rtl="0" eaLnBrk="1" latinLnBrk="0" hangingPunct="1">
-              <a:lnSpc>
-                <a:spcPct val="90000"/>
-              </a:lnSpc>
-              <a:spcBef>
-                <a:spcPts val="500"/>
-              </a:spcBef>
-              <a:buFont typeface="Arial" panose="020B0604020202020204" pitchFamily="34" charset="0"/>
-              <a:buNone/>
-              <a:defRPr sz="1000" kern="1200">
-                <a:solidFill>
-                  <a:schemeClr val="tx1"/>
-                </a:solidFill>
-                <a:latin typeface="+mn-lt"/>
-                <a:ea typeface="+mn-ea"/>
-                <a:cs typeface="+mn-cs"/>
-              </a:defRPr>
-            </a:lvl8pPr>
-            <a:lvl9pPr marL="3657600" indent="0" algn="l" defTabSz="914400" rtl="0" eaLnBrk="1" latinLnBrk="0" hangingPunct="1">
-              <a:lnSpc>
-                <a:spcPct val="90000"/>
-              </a:lnSpc>
-              <a:spcBef>
-                <a:spcPts val="500"/>
-              </a:spcBef>
-              <a:buFont typeface="Arial" panose="020B0604020202020204" pitchFamily="34" charset="0"/>
-              <a:buNone/>
-              <a:defRPr sz="1000" kern="1200">
-                <a:solidFill>
-                  <a:schemeClr val="tx1"/>
-                </a:solidFill>
-                <a:latin typeface="+mn-lt"/>
-                <a:ea typeface="+mn-ea"/>
-                <a:cs typeface="+mn-cs"/>
-              </a:defRPr>
-            </a:lvl9pPr>
-          </a:lstStyle>
-          <a:p>
-            <a:pPr marL="285750" indent="-285750">
-              <a:spcBef>
-                <a:spcPts val="600"/>
-              </a:spcBef>
-              <a:buFont typeface="Arial" panose="020B0604020202020204" pitchFamily="34" charset="0"/>
-              <a:buChar char="•"/>
-            </a:pPr>
+          <a:lstStyle/>
+          <a:p>
             <a:r>
               <a:rPr lang="en-US" sz="1200" dirty="0">
                 <a:latin typeface="Times New Roman" panose="02020603050405020304" pitchFamily="18" charset="0"/>
                 <a:cs typeface="Times New Roman" panose="02020603050405020304" pitchFamily="18" charset="0"/>
               </a:rPr>
-              <a:t>The “Campaign:4” sales transaction value is $171.1k with an average sale per customer about $1104 (an 81% increase from the overall average of $608).</a:t>
-            </a:r>
-          </a:p>
-          <a:p>
-            <a:pPr marL="285750" indent="-285750">
-              <a:spcBef>
-                <a:spcPts val="600"/>
-              </a:spcBef>
-              <a:buFont typeface="Arial" panose="020B0604020202020204" pitchFamily="34" charset="0"/>
-              <a:buChar char="•"/>
-            </a:pPr>
+              <a:t>“Marital Status” and “Education Status” variables were created to consolidate data into a single categorical variable from their respective columns.</a:t>
+            </a:r>
+          </a:p>
+          <a:p>
             <a:r>
               <a:rPr lang="en-US" sz="1200" dirty="0">
                 <a:latin typeface="Times New Roman" panose="02020603050405020304" pitchFamily="18" charset="0"/>
                 <a:cs typeface="Times New Roman" panose="02020603050405020304" pitchFamily="18" charset="0"/>
               </a:rPr>
-              <a:t>155 customers responded to the campaign i.e. a 7.7% conversion rate.</a:t>
-            </a:r>
-          </a:p>
-          <a:p>
-            <a:pPr marL="285750" indent="-285750">
-              <a:spcBef>
-                <a:spcPts val="600"/>
-              </a:spcBef>
-              <a:buFont typeface="Arial" panose="020B0604020202020204" pitchFamily="34" charset="0"/>
-              <a:buChar char="•"/>
-            </a:pPr>
+              <a:t>“Age Brackets”, “Income Bracket”, “Last Purchase”, “Website Visits(per week)”, “Customer Loyalty” and “Customer Complain” were converted into categorical variables to assist with the analysis.</a:t>
+            </a:r>
+          </a:p>
+          <a:p>
             <a:r>
               <a:rPr lang="en-US" sz="1200" dirty="0">
                 <a:latin typeface="Times New Roman" panose="02020603050405020304" pitchFamily="18" charset="0"/>
                 <a:cs typeface="Times New Roman" panose="02020603050405020304" pitchFamily="18" charset="0"/>
               </a:rPr>
-              <a:t>The campaign captured 116 customers from the 1366 customers who hasn’t purchased for more than a month.</a:t>
-            </a:r>
+              <a:t>The categorical levels for the above mentioned variables are self explanatory but for more clarification refer to </a:t>
+            </a:r>
+            <a:r>
+              <a:rPr lang="en-US" sz="1200" dirty="0">
+                <a:latin typeface="Times New Roman" panose="02020603050405020304" pitchFamily="18" charset="0"/>
+                <a:cs typeface="Times New Roman" panose="02020603050405020304" pitchFamily="18" charset="0"/>
+                <a:hlinkClick r:id="rId2" action="ppaction://hlinksldjump"/>
+              </a:rPr>
+              <a:t>Appendix-II</a:t>
+            </a:r>
+            <a:r>
+              <a:rPr lang="en-US" sz="1200" dirty="0">
+                <a:latin typeface="Times New Roman" panose="02020603050405020304" pitchFamily="18" charset="0"/>
+                <a:cs typeface="Times New Roman" panose="02020603050405020304" pitchFamily="18" charset="0"/>
+              </a:rPr>
+              <a:t>.</a:t>
+            </a:r>
+          </a:p>
+          <a:p>
+            <a:r>
+              <a:rPr lang="en-US" sz="1200" dirty="0">
+                <a:latin typeface="Times New Roman" panose="02020603050405020304" pitchFamily="18" charset="0"/>
+                <a:cs typeface="Times New Roman" panose="02020603050405020304" pitchFamily="18" charset="0"/>
+              </a:rPr>
+              <a:t>Total 26 variables from the provided list of variables is considered for the analysis, selected based on the number of available description for the variables.</a:t>
+            </a:r>
+          </a:p>
+          <a:p>
+            <a:r>
+              <a:rPr lang="en-US" sz="1200" dirty="0">
+                <a:latin typeface="Times New Roman" panose="02020603050405020304" pitchFamily="18" charset="0"/>
+                <a:cs typeface="Times New Roman" panose="02020603050405020304" pitchFamily="18" charset="0"/>
+              </a:rPr>
+              <a:t>184 duplicate entries were removed from the analysis.</a:t>
+            </a:r>
+            <a:endParaRPr lang="en-US" dirty="0">
+              <a:latin typeface="Times New Roman" panose="02020603050405020304" pitchFamily="18" charset="0"/>
+              <a:cs typeface="Times New Roman" panose="02020603050405020304" pitchFamily="18" charset="0"/>
+            </a:endParaRPr>
           </a:p>
         </p:txBody>
       </p:sp>
     </p:spTree>
     <p:extLst>
       <p:ext uri="{BB962C8B-B14F-4D97-AF65-F5344CB8AC3E}">
-        <p14:creationId xmlns:p14="http://schemas.microsoft.com/office/powerpoint/2010/main" val="805795928"/>
+        <p14:creationId xmlns:p14="http://schemas.microsoft.com/office/powerpoint/2010/main" val="4285287643"/>
       </p:ext>
     </p:extLst>
   </p:cSld>
@@ -8989,499 +9419,264 @@
           <a:chExt cx="0" cy="0"/>
         </a:xfrm>
       </p:grpSpPr>
-      <p:pic>
-        <p:nvPicPr>
-          <p:cNvPr id="86" name="Content Placeholder 85">
+      <p:sp>
+        <p:nvSpPr>
+          <p:cNvPr id="2" name="Title 1">
             <a:extLst>
               <a:ext uri="{FF2B5EF4-FFF2-40B4-BE49-F238E27FC236}">
-                <a16:creationId xmlns:a16="http://schemas.microsoft.com/office/drawing/2014/main" id="{3ADD69E0-AD6B-73A8-9042-F8C043641A8B}"/>
+                <a16:creationId xmlns:a16="http://schemas.microsoft.com/office/drawing/2014/main" id="{38A1ADD9-231A-E6E3-4048-746E9413AE97}"/>
               </a:ext>
             </a:extLst>
           </p:cNvPr>
-          <p:cNvPicPr>
-            <a:picLocks noGrp="1" noChangeAspect="1"/>
-          </p:cNvPicPr>
+          <p:cNvSpPr>
+            <a:spLocks noGrp="1"/>
+          </p:cNvSpPr>
+          <p:nvPr>
+            <p:ph type="title"/>
+          </p:nvPr>
+        </p:nvSpPr>
+        <p:spPr/>
+        <p:txBody>
+          <a:bodyPr/>
+          <a:lstStyle/>
+          <a:p>
+            <a:r>
+              <a:rPr lang="en-US" b="1" dirty="0">
+                <a:latin typeface="Times New Roman" panose="02020603050405020304" pitchFamily="18" charset="0"/>
+                <a:cs typeface="Times New Roman" panose="02020603050405020304" pitchFamily="18" charset="0"/>
+              </a:rPr>
+              <a:t>Appendix – II</a:t>
+            </a:r>
+            <a:br>
+              <a:rPr lang="en-US" dirty="0">
+                <a:latin typeface="Times New Roman" panose="02020603050405020304" pitchFamily="18" charset="0"/>
+                <a:cs typeface="Times New Roman" panose="02020603050405020304" pitchFamily="18" charset="0"/>
+              </a:rPr>
+            </a:br>
+            <a:r>
+              <a:rPr lang="en-US" sz="2800" dirty="0">
+                <a:latin typeface="Times New Roman" panose="02020603050405020304" pitchFamily="18" charset="0"/>
+                <a:cs typeface="Times New Roman" panose="02020603050405020304" pitchFamily="18" charset="0"/>
+              </a:rPr>
+              <a:t>Categorical Variables</a:t>
+            </a:r>
+            <a:endParaRPr lang="en-US" dirty="0">
+              <a:latin typeface="Times New Roman" panose="02020603050405020304" pitchFamily="18" charset="0"/>
+              <a:cs typeface="Times New Roman" panose="02020603050405020304" pitchFamily="18" charset="0"/>
+            </a:endParaRPr>
+          </a:p>
+        </p:txBody>
+      </p:sp>
+      <p:sp>
+        <p:nvSpPr>
+          <p:cNvPr id="3" name="Content Placeholder 2">
+            <a:extLst>
+              <a:ext uri="{FF2B5EF4-FFF2-40B4-BE49-F238E27FC236}">
+                <a16:creationId xmlns:a16="http://schemas.microsoft.com/office/drawing/2014/main" id="{B3CE4A97-E2D0-4F8A-EB3E-CAD15B8BAD5D}"/>
+              </a:ext>
+            </a:extLst>
+          </p:cNvPr>
+          <p:cNvSpPr>
+            <a:spLocks noGrp="1"/>
+          </p:cNvSpPr>
           <p:nvPr>
             <p:ph idx="1"/>
           </p:nvPr>
-        </p:nvPicPr>
-        <p:blipFill>
-          <a:blip r:embed="rId3">
-            <a:extLst>
-              <a:ext uri="{28A0092B-C50C-407E-A947-70E740481C1C}">
-                <a14:useLocalDpi xmlns:a14="http://schemas.microsoft.com/office/drawing/2010/main" val="0"/>
-              </a:ext>
-            </a:extLst>
-          </a:blip>
-          <a:srcRect/>
-          <a:stretch/>
-        </p:blipFill>
-        <p:spPr>
-          <a:xfrm>
-            <a:off x="1250388" y="487193"/>
-            <a:ext cx="9691571" cy="4572000"/>
-          </a:xfrm>
-          <a:prstGeom prst="rect">
-            <a:avLst/>
-          </a:prstGeom>
-        </p:spPr>
-      </p:pic>
-      <p:sp>
-        <p:nvSpPr>
-          <p:cNvPr id="89" name="Text Placeholder 5">
-            <a:extLst>
-              <a:ext uri="{FF2B5EF4-FFF2-40B4-BE49-F238E27FC236}">
-                <a16:creationId xmlns:a16="http://schemas.microsoft.com/office/drawing/2014/main" id="{A5EF68E2-0F5E-D60A-8A94-908901B0A627}"/>
-              </a:ext>
-            </a:extLst>
-          </p:cNvPr>
-          <p:cNvSpPr txBox="1">
-            <a:spLocks/>
-          </p:cNvSpPr>
-          <p:nvPr/>
-        </p:nvSpPr>
-        <p:spPr>
-          <a:xfrm>
-            <a:off x="1507518" y="519331"/>
-            <a:ext cx="9227157" cy="293857"/>
-          </a:xfrm>
-          <a:prstGeom prst="rect">
-            <a:avLst/>
-          </a:prstGeom>
-          <a:solidFill>
-            <a:srgbClr val="B5C5E6"/>
-          </a:solidFill>
-          <a:ln>
-            <a:solidFill>
-              <a:srgbClr val="B5C5E6"/>
-            </a:solidFill>
-          </a:ln>
-        </p:spPr>
-        <p:txBody>
-          <a:bodyPr vert="horz" lIns="91440" tIns="45720" rIns="91440" bIns="45720" rtlCol="0">
-            <a:normAutofit fontScale="92500" lnSpcReduction="20000"/>
+        </p:nvSpPr>
+        <p:spPr/>
+        <p:txBody>
+          <a:bodyPr>
+            <a:normAutofit fontScale="55000" lnSpcReduction="20000"/>
           </a:bodyPr>
-          <a:lstStyle>
-            <a:lvl1pPr marL="0" indent="0" algn="l" defTabSz="914400" rtl="0" eaLnBrk="1" latinLnBrk="0" hangingPunct="1">
-              <a:lnSpc>
-                <a:spcPct val="90000"/>
-              </a:lnSpc>
-              <a:spcBef>
-                <a:spcPts val="1000"/>
-              </a:spcBef>
-              <a:buFont typeface="Arial" panose="020B0604020202020204" pitchFamily="34" charset="0"/>
-              <a:buNone/>
-              <a:defRPr sz="1600" kern="1200">
-                <a:solidFill>
-                  <a:schemeClr val="tx1"/>
-                </a:solidFill>
-                <a:latin typeface="+mn-lt"/>
-                <a:ea typeface="+mn-ea"/>
-                <a:cs typeface="+mn-cs"/>
-              </a:defRPr>
-            </a:lvl1pPr>
-            <a:lvl2pPr marL="457200" indent="0" algn="l" defTabSz="914400" rtl="0" eaLnBrk="1" latinLnBrk="0" hangingPunct="1">
-              <a:lnSpc>
-                <a:spcPct val="90000"/>
-              </a:lnSpc>
-              <a:spcBef>
-                <a:spcPts val="500"/>
-              </a:spcBef>
-              <a:buFont typeface="Arial" panose="020B0604020202020204" pitchFamily="34" charset="0"/>
-              <a:buNone/>
-              <a:defRPr sz="1400" kern="1200">
-                <a:solidFill>
-                  <a:schemeClr val="tx1"/>
-                </a:solidFill>
-                <a:latin typeface="+mn-lt"/>
-                <a:ea typeface="+mn-ea"/>
-                <a:cs typeface="+mn-cs"/>
-              </a:defRPr>
-            </a:lvl2pPr>
-            <a:lvl3pPr marL="914400" indent="0" algn="l" defTabSz="914400" rtl="0" eaLnBrk="1" latinLnBrk="0" hangingPunct="1">
-              <a:lnSpc>
-                <a:spcPct val="90000"/>
-              </a:lnSpc>
-              <a:spcBef>
-                <a:spcPts val="500"/>
-              </a:spcBef>
-              <a:buFont typeface="Arial" panose="020B0604020202020204" pitchFamily="34" charset="0"/>
-              <a:buNone/>
-              <a:defRPr sz="1200" kern="1200">
-                <a:solidFill>
-                  <a:schemeClr val="tx1"/>
-                </a:solidFill>
-                <a:latin typeface="+mn-lt"/>
-                <a:ea typeface="+mn-ea"/>
-                <a:cs typeface="+mn-cs"/>
-              </a:defRPr>
-            </a:lvl3pPr>
-            <a:lvl4pPr marL="1371600" indent="0" algn="l" defTabSz="914400" rtl="0" eaLnBrk="1" latinLnBrk="0" hangingPunct="1">
-              <a:lnSpc>
-                <a:spcPct val="90000"/>
-              </a:lnSpc>
-              <a:spcBef>
-                <a:spcPts val="500"/>
-              </a:spcBef>
-              <a:buFont typeface="Arial" panose="020B0604020202020204" pitchFamily="34" charset="0"/>
-              <a:buNone/>
-              <a:defRPr sz="1000" kern="1200">
-                <a:solidFill>
-                  <a:schemeClr val="tx1"/>
-                </a:solidFill>
-                <a:latin typeface="+mn-lt"/>
-                <a:ea typeface="+mn-ea"/>
-                <a:cs typeface="+mn-cs"/>
-              </a:defRPr>
-            </a:lvl4pPr>
-            <a:lvl5pPr marL="1828800" indent="0" algn="l" defTabSz="914400" rtl="0" eaLnBrk="1" latinLnBrk="0" hangingPunct="1">
-              <a:lnSpc>
-                <a:spcPct val="90000"/>
-              </a:lnSpc>
-              <a:spcBef>
-                <a:spcPts val="500"/>
-              </a:spcBef>
-              <a:buFont typeface="Arial" panose="020B0604020202020204" pitchFamily="34" charset="0"/>
-              <a:buNone/>
-              <a:defRPr sz="1000" kern="1200">
-                <a:solidFill>
-                  <a:schemeClr val="tx1"/>
-                </a:solidFill>
-                <a:latin typeface="+mn-lt"/>
-                <a:ea typeface="+mn-ea"/>
-                <a:cs typeface="+mn-cs"/>
-              </a:defRPr>
-            </a:lvl5pPr>
-            <a:lvl6pPr marL="2286000" indent="0" algn="l" defTabSz="914400" rtl="0" eaLnBrk="1" latinLnBrk="0" hangingPunct="1">
-              <a:lnSpc>
-                <a:spcPct val="90000"/>
-              </a:lnSpc>
-              <a:spcBef>
-                <a:spcPts val="500"/>
-              </a:spcBef>
-              <a:buFont typeface="Arial" panose="020B0604020202020204" pitchFamily="34" charset="0"/>
-              <a:buNone/>
-              <a:defRPr sz="1000" kern="1200">
-                <a:solidFill>
-                  <a:schemeClr val="tx1"/>
-                </a:solidFill>
-                <a:latin typeface="+mn-lt"/>
-                <a:ea typeface="+mn-ea"/>
-                <a:cs typeface="+mn-cs"/>
-              </a:defRPr>
-            </a:lvl6pPr>
-            <a:lvl7pPr marL="2743200" indent="0" algn="l" defTabSz="914400" rtl="0" eaLnBrk="1" latinLnBrk="0" hangingPunct="1">
-              <a:lnSpc>
-                <a:spcPct val="90000"/>
-              </a:lnSpc>
-              <a:spcBef>
-                <a:spcPts val="500"/>
-              </a:spcBef>
-              <a:buFont typeface="Arial" panose="020B0604020202020204" pitchFamily="34" charset="0"/>
-              <a:buNone/>
-              <a:defRPr sz="1000" kern="1200">
-                <a:solidFill>
-                  <a:schemeClr val="tx1"/>
-                </a:solidFill>
-                <a:latin typeface="+mn-lt"/>
-                <a:ea typeface="+mn-ea"/>
-                <a:cs typeface="+mn-cs"/>
-              </a:defRPr>
-            </a:lvl7pPr>
-            <a:lvl8pPr marL="3200400" indent="0" algn="l" defTabSz="914400" rtl="0" eaLnBrk="1" latinLnBrk="0" hangingPunct="1">
-              <a:lnSpc>
-                <a:spcPct val="90000"/>
-              </a:lnSpc>
-              <a:spcBef>
-                <a:spcPts val="500"/>
-              </a:spcBef>
-              <a:buFont typeface="Arial" panose="020B0604020202020204" pitchFamily="34" charset="0"/>
-              <a:buNone/>
-              <a:defRPr sz="1000" kern="1200">
-                <a:solidFill>
-                  <a:schemeClr val="tx1"/>
-                </a:solidFill>
-                <a:latin typeface="+mn-lt"/>
-                <a:ea typeface="+mn-ea"/>
-                <a:cs typeface="+mn-cs"/>
-              </a:defRPr>
-            </a:lvl8pPr>
-            <a:lvl9pPr marL="3657600" indent="0" algn="l" defTabSz="914400" rtl="0" eaLnBrk="1" latinLnBrk="0" hangingPunct="1">
-              <a:lnSpc>
-                <a:spcPct val="90000"/>
-              </a:lnSpc>
-              <a:spcBef>
-                <a:spcPts val="500"/>
-              </a:spcBef>
-              <a:buFont typeface="Arial" panose="020B0604020202020204" pitchFamily="34" charset="0"/>
-              <a:buNone/>
-              <a:defRPr sz="1000" kern="1200">
-                <a:solidFill>
-                  <a:schemeClr val="tx1"/>
-                </a:solidFill>
-                <a:latin typeface="+mn-lt"/>
-                <a:ea typeface="+mn-ea"/>
-                <a:cs typeface="+mn-cs"/>
-              </a:defRPr>
-            </a:lvl9pPr>
-          </a:lstStyle>
-          <a:p>
-            <a:pPr algn="ctr"/>
-            <a:r>
-              <a:rPr lang="en-US" sz="1800" b="1" dirty="0">
-                <a:latin typeface="Times New Roman" panose="02020603050405020304" pitchFamily="18" charset="0"/>
-                <a:cs typeface="Times New Roman" panose="02020603050405020304" pitchFamily="18" charset="0"/>
-              </a:rPr>
-              <a:t>MARKETING “CAMPAIGN : 5” ANALYSIS</a:t>
-            </a:r>
-          </a:p>
-        </p:txBody>
-      </p:sp>
-      <p:sp>
-        <p:nvSpPr>
-          <p:cNvPr id="2" name="Text Placeholder 5">
-            <a:extLst>
-              <a:ext uri="{FF2B5EF4-FFF2-40B4-BE49-F238E27FC236}">
-                <a16:creationId xmlns:a16="http://schemas.microsoft.com/office/drawing/2014/main" id="{F1192DD2-E54D-7DEF-E3A3-D3C6DC9AE853}"/>
-              </a:ext>
-            </a:extLst>
-          </p:cNvPr>
-          <p:cNvSpPr txBox="1">
-            <a:spLocks/>
-          </p:cNvSpPr>
-          <p:nvPr/>
-        </p:nvSpPr>
-        <p:spPr>
-          <a:xfrm>
-            <a:off x="352185" y="5290914"/>
-            <a:ext cx="11487630" cy="827423"/>
-          </a:xfrm>
-          <a:prstGeom prst="rect">
-            <a:avLst/>
-          </a:prstGeom>
-          <a:solidFill>
-            <a:srgbClr val="B5C5E6"/>
-          </a:solidFill>
-          <a:ln>
-            <a:solidFill>
-              <a:srgbClr val="B5C5E6"/>
-            </a:solidFill>
-          </a:ln>
-        </p:spPr>
-        <p:txBody>
-          <a:bodyPr vert="horz" lIns="91440" tIns="45720" rIns="91440" bIns="45720" rtlCol="0">
-            <a:normAutofit/>
-          </a:bodyPr>
-          <a:lstStyle>
-            <a:lvl1pPr marL="0" indent="0" algn="l" defTabSz="914400" rtl="0" eaLnBrk="1" latinLnBrk="0" hangingPunct="1">
-              <a:lnSpc>
-                <a:spcPct val="90000"/>
-              </a:lnSpc>
-              <a:spcBef>
-                <a:spcPts val="1000"/>
-              </a:spcBef>
-              <a:buFont typeface="Arial" panose="020B0604020202020204" pitchFamily="34" charset="0"/>
-              <a:buNone/>
-              <a:defRPr sz="1600" kern="1200">
-                <a:solidFill>
-                  <a:schemeClr val="tx1"/>
-                </a:solidFill>
-                <a:latin typeface="+mn-lt"/>
-                <a:ea typeface="+mn-ea"/>
-                <a:cs typeface="+mn-cs"/>
-              </a:defRPr>
-            </a:lvl1pPr>
-            <a:lvl2pPr marL="457200" indent="0" algn="l" defTabSz="914400" rtl="0" eaLnBrk="1" latinLnBrk="0" hangingPunct="1">
-              <a:lnSpc>
-                <a:spcPct val="90000"/>
-              </a:lnSpc>
-              <a:spcBef>
-                <a:spcPts val="500"/>
-              </a:spcBef>
-              <a:buFont typeface="Arial" panose="020B0604020202020204" pitchFamily="34" charset="0"/>
-              <a:buNone/>
-              <a:defRPr sz="1400" kern="1200">
-                <a:solidFill>
-                  <a:schemeClr val="tx1"/>
-                </a:solidFill>
-                <a:latin typeface="+mn-lt"/>
-                <a:ea typeface="+mn-ea"/>
-                <a:cs typeface="+mn-cs"/>
-              </a:defRPr>
-            </a:lvl2pPr>
-            <a:lvl3pPr marL="914400" indent="0" algn="l" defTabSz="914400" rtl="0" eaLnBrk="1" latinLnBrk="0" hangingPunct="1">
-              <a:lnSpc>
-                <a:spcPct val="90000"/>
-              </a:lnSpc>
-              <a:spcBef>
-                <a:spcPts val="500"/>
-              </a:spcBef>
-              <a:buFont typeface="Arial" panose="020B0604020202020204" pitchFamily="34" charset="0"/>
-              <a:buNone/>
-              <a:defRPr sz="1200" kern="1200">
-                <a:solidFill>
-                  <a:schemeClr val="tx1"/>
-                </a:solidFill>
-                <a:latin typeface="+mn-lt"/>
-                <a:ea typeface="+mn-ea"/>
-                <a:cs typeface="+mn-cs"/>
-              </a:defRPr>
-            </a:lvl3pPr>
-            <a:lvl4pPr marL="1371600" indent="0" algn="l" defTabSz="914400" rtl="0" eaLnBrk="1" latinLnBrk="0" hangingPunct="1">
-              <a:lnSpc>
-                <a:spcPct val="90000"/>
-              </a:lnSpc>
-              <a:spcBef>
-                <a:spcPts val="500"/>
-              </a:spcBef>
-              <a:buFont typeface="Arial" panose="020B0604020202020204" pitchFamily="34" charset="0"/>
-              <a:buNone/>
-              <a:defRPr sz="1000" kern="1200">
-                <a:solidFill>
-                  <a:schemeClr val="tx1"/>
-                </a:solidFill>
-                <a:latin typeface="+mn-lt"/>
-                <a:ea typeface="+mn-ea"/>
-                <a:cs typeface="+mn-cs"/>
-              </a:defRPr>
-            </a:lvl4pPr>
-            <a:lvl5pPr marL="1828800" indent="0" algn="l" defTabSz="914400" rtl="0" eaLnBrk="1" latinLnBrk="0" hangingPunct="1">
-              <a:lnSpc>
-                <a:spcPct val="90000"/>
-              </a:lnSpc>
-              <a:spcBef>
-                <a:spcPts val="500"/>
-              </a:spcBef>
-              <a:buFont typeface="Arial" panose="020B0604020202020204" pitchFamily="34" charset="0"/>
-              <a:buNone/>
-              <a:defRPr sz="1000" kern="1200">
-                <a:solidFill>
-                  <a:schemeClr val="tx1"/>
-                </a:solidFill>
-                <a:latin typeface="+mn-lt"/>
-                <a:ea typeface="+mn-ea"/>
-                <a:cs typeface="+mn-cs"/>
-              </a:defRPr>
-            </a:lvl5pPr>
-            <a:lvl6pPr marL="2286000" indent="0" algn="l" defTabSz="914400" rtl="0" eaLnBrk="1" latinLnBrk="0" hangingPunct="1">
-              <a:lnSpc>
-                <a:spcPct val="90000"/>
-              </a:lnSpc>
-              <a:spcBef>
-                <a:spcPts val="500"/>
-              </a:spcBef>
-              <a:buFont typeface="Arial" panose="020B0604020202020204" pitchFamily="34" charset="0"/>
-              <a:buNone/>
-              <a:defRPr sz="1000" kern="1200">
-                <a:solidFill>
-                  <a:schemeClr val="tx1"/>
-                </a:solidFill>
-                <a:latin typeface="+mn-lt"/>
-                <a:ea typeface="+mn-ea"/>
-                <a:cs typeface="+mn-cs"/>
-              </a:defRPr>
-            </a:lvl6pPr>
-            <a:lvl7pPr marL="2743200" indent="0" algn="l" defTabSz="914400" rtl="0" eaLnBrk="1" latinLnBrk="0" hangingPunct="1">
-              <a:lnSpc>
-                <a:spcPct val="90000"/>
-              </a:lnSpc>
-              <a:spcBef>
-                <a:spcPts val="500"/>
-              </a:spcBef>
-              <a:buFont typeface="Arial" panose="020B0604020202020204" pitchFamily="34" charset="0"/>
-              <a:buNone/>
-              <a:defRPr sz="1000" kern="1200">
-                <a:solidFill>
-                  <a:schemeClr val="tx1"/>
-                </a:solidFill>
-                <a:latin typeface="+mn-lt"/>
-                <a:ea typeface="+mn-ea"/>
-                <a:cs typeface="+mn-cs"/>
-              </a:defRPr>
-            </a:lvl7pPr>
-            <a:lvl8pPr marL="3200400" indent="0" algn="l" defTabSz="914400" rtl="0" eaLnBrk="1" latinLnBrk="0" hangingPunct="1">
-              <a:lnSpc>
-                <a:spcPct val="90000"/>
-              </a:lnSpc>
-              <a:spcBef>
-                <a:spcPts val="500"/>
-              </a:spcBef>
-              <a:buFont typeface="Arial" panose="020B0604020202020204" pitchFamily="34" charset="0"/>
-              <a:buNone/>
-              <a:defRPr sz="1000" kern="1200">
-                <a:solidFill>
-                  <a:schemeClr val="tx1"/>
-                </a:solidFill>
-                <a:latin typeface="+mn-lt"/>
-                <a:ea typeface="+mn-ea"/>
-                <a:cs typeface="+mn-cs"/>
-              </a:defRPr>
-            </a:lvl8pPr>
-            <a:lvl9pPr marL="3657600" indent="0" algn="l" defTabSz="914400" rtl="0" eaLnBrk="1" latinLnBrk="0" hangingPunct="1">
-              <a:lnSpc>
-                <a:spcPct val="90000"/>
-              </a:lnSpc>
-              <a:spcBef>
-                <a:spcPts val="500"/>
-              </a:spcBef>
-              <a:buFont typeface="Arial" panose="020B0604020202020204" pitchFamily="34" charset="0"/>
-              <a:buNone/>
-              <a:defRPr sz="1000" kern="1200">
-                <a:solidFill>
-                  <a:schemeClr val="tx1"/>
-                </a:solidFill>
-                <a:latin typeface="+mn-lt"/>
-                <a:ea typeface="+mn-ea"/>
-                <a:cs typeface="+mn-cs"/>
-              </a:defRPr>
-            </a:lvl9pPr>
-          </a:lstStyle>
-          <a:p>
-            <a:pPr marL="285750" indent="-285750">
-              <a:spcBef>
-                <a:spcPts val="600"/>
-              </a:spcBef>
-              <a:buFont typeface="Arial" panose="020B0604020202020204" pitchFamily="34" charset="0"/>
-              <a:buChar char="•"/>
-            </a:pPr>
-            <a:r>
-              <a:rPr lang="en-US" sz="1200" dirty="0">
-                <a:latin typeface="Times New Roman" panose="02020603050405020304" pitchFamily="18" charset="0"/>
-                <a:cs typeface="Times New Roman" panose="02020603050405020304" pitchFamily="18" charset="0"/>
-              </a:rPr>
-              <a:t>The “Campaign:5” sales transaction value is $235.3k with an average sale per customer about $1612 (a 165% increase from the overall average of $608).</a:t>
-            </a:r>
-          </a:p>
-          <a:p>
-            <a:pPr marL="285750" indent="-285750">
-              <a:spcBef>
-                <a:spcPts val="600"/>
-              </a:spcBef>
-              <a:buFont typeface="Arial" panose="020B0604020202020204" pitchFamily="34" charset="0"/>
-              <a:buChar char="•"/>
-            </a:pPr>
-            <a:r>
-              <a:rPr lang="en-US" sz="1200" dirty="0">
-                <a:latin typeface="Times New Roman" panose="02020603050405020304" pitchFamily="18" charset="0"/>
-                <a:cs typeface="Times New Roman" panose="02020603050405020304" pitchFamily="18" charset="0"/>
-              </a:rPr>
-              <a:t>146 customers responded to the campaign i.e. a 7.2% conversion rate.</a:t>
-            </a:r>
-          </a:p>
-          <a:p>
-            <a:pPr marL="285750" indent="-285750">
-              <a:spcBef>
-                <a:spcPts val="600"/>
-              </a:spcBef>
-              <a:buFont typeface="Arial" panose="020B0604020202020204" pitchFamily="34" charset="0"/>
-              <a:buChar char="•"/>
-            </a:pPr>
-            <a:r>
-              <a:rPr lang="en-US" sz="1200" dirty="0">
-                <a:latin typeface="Times New Roman" panose="02020603050405020304" pitchFamily="18" charset="0"/>
-                <a:cs typeface="Times New Roman" panose="02020603050405020304" pitchFamily="18" charset="0"/>
-              </a:rPr>
-              <a:t>The campaign captured 98 customers from the 1366 customers who hasn’t purchased for more than a month.</a:t>
+          <a:lstStyle/>
+          <a:p>
+            <a:r>
+              <a:rPr lang="en-US" dirty="0">
+                <a:latin typeface="Times New Roman" panose="02020603050405020304" pitchFamily="18" charset="0"/>
+                <a:cs typeface="Times New Roman" panose="02020603050405020304" pitchFamily="18" charset="0"/>
+              </a:rPr>
+              <a:t>Age Brackets – 6 levels; </a:t>
+            </a:r>
+            <a:br>
+              <a:rPr lang="en-US" dirty="0">
+                <a:latin typeface="Times New Roman" panose="02020603050405020304" pitchFamily="18" charset="0"/>
+                <a:cs typeface="Times New Roman" panose="02020603050405020304" pitchFamily="18" charset="0"/>
+              </a:rPr>
+            </a:br>
+            <a:r>
+              <a:rPr lang="en-US" dirty="0">
+                <a:latin typeface="Times New Roman" panose="02020603050405020304" pitchFamily="18" charset="0"/>
+                <a:cs typeface="Times New Roman" panose="02020603050405020304" pitchFamily="18" charset="0"/>
+              </a:rPr>
+              <a:t>tracks the customers age, level “20-29” for ages between 20 to 29, levels go up till “70 and older”.</a:t>
+            </a:r>
+          </a:p>
+          <a:p>
+            <a:r>
+              <a:rPr lang="en-US" dirty="0">
+                <a:latin typeface="Times New Roman" panose="02020603050405020304" pitchFamily="18" charset="0"/>
+                <a:cs typeface="Times New Roman" panose="02020603050405020304" pitchFamily="18" charset="0"/>
+              </a:rPr>
+              <a:t>Education Status – 5 levels;</a:t>
+            </a:r>
+            <a:br>
+              <a:rPr lang="en-US" dirty="0">
+                <a:latin typeface="Times New Roman" panose="02020603050405020304" pitchFamily="18" charset="0"/>
+                <a:cs typeface="Times New Roman" panose="02020603050405020304" pitchFamily="18" charset="0"/>
+              </a:rPr>
+            </a:br>
+            <a:r>
+              <a:rPr lang="en-US" dirty="0">
+                <a:latin typeface="Times New Roman" panose="02020603050405020304" pitchFamily="18" charset="0"/>
+                <a:cs typeface="Times New Roman" panose="02020603050405020304" pitchFamily="18" charset="0"/>
+              </a:rPr>
+              <a:t>it records the customers education level: “2</a:t>
+            </a:r>
+            <a:r>
+              <a:rPr lang="en-US" baseline="30000" dirty="0">
+                <a:latin typeface="Times New Roman" panose="02020603050405020304" pitchFamily="18" charset="0"/>
+                <a:cs typeface="Times New Roman" panose="02020603050405020304" pitchFamily="18" charset="0"/>
+              </a:rPr>
+              <a:t>nd</a:t>
+            </a:r>
+            <a:r>
+              <a:rPr lang="en-US" dirty="0">
+                <a:latin typeface="Times New Roman" panose="02020603050405020304" pitchFamily="18" charset="0"/>
+                <a:cs typeface="Times New Roman" panose="02020603050405020304" pitchFamily="18" charset="0"/>
+              </a:rPr>
+              <a:t> Cycle”, “Basic”, “Graduation”, “Master” and “PhD”.</a:t>
+            </a:r>
+          </a:p>
+          <a:p>
+            <a:r>
+              <a:rPr lang="en-US" dirty="0">
+                <a:latin typeface="Times New Roman" panose="02020603050405020304" pitchFamily="18" charset="0"/>
+                <a:cs typeface="Times New Roman" panose="02020603050405020304" pitchFamily="18" charset="0"/>
+              </a:rPr>
+              <a:t>Marital Status – 5 levels;</a:t>
+            </a:r>
+            <a:br>
+              <a:rPr lang="en-US" dirty="0">
+                <a:latin typeface="Times New Roman" panose="02020603050405020304" pitchFamily="18" charset="0"/>
+                <a:cs typeface="Times New Roman" panose="02020603050405020304" pitchFamily="18" charset="0"/>
+              </a:rPr>
+            </a:br>
+            <a:r>
+              <a:rPr lang="en-US" dirty="0">
+                <a:latin typeface="Times New Roman" panose="02020603050405020304" pitchFamily="18" charset="0"/>
+                <a:cs typeface="Times New Roman" panose="02020603050405020304" pitchFamily="18" charset="0"/>
+              </a:rPr>
+              <a:t>it tracks the customers marital status as: “Single”, “Together”, “Married”, “Divorced”, “Widow”.</a:t>
+            </a:r>
+          </a:p>
+          <a:p>
+            <a:r>
+              <a:rPr lang="en-US" dirty="0">
+                <a:latin typeface="Times New Roman" panose="02020603050405020304" pitchFamily="18" charset="0"/>
+                <a:cs typeface="Times New Roman" panose="02020603050405020304" pitchFamily="18" charset="0"/>
+              </a:rPr>
+              <a:t>Income Bracket – 3 levels;</a:t>
+            </a:r>
+            <a:br>
+              <a:rPr lang="en-US" dirty="0">
+                <a:latin typeface="Times New Roman" panose="02020603050405020304" pitchFamily="18" charset="0"/>
+                <a:cs typeface="Times New Roman" panose="02020603050405020304" pitchFamily="18" charset="0"/>
+              </a:rPr>
+            </a:br>
+            <a:r>
+              <a:rPr lang="en-US" dirty="0">
+                <a:latin typeface="Times New Roman" panose="02020603050405020304" pitchFamily="18" charset="0"/>
+                <a:cs typeface="Times New Roman" panose="02020603050405020304" pitchFamily="18" charset="0"/>
+              </a:rPr>
+              <a:t>the customers yearly income is categorized as “1.Low Income” for income  less than $43,783, “2.Mid Income” for income between $43,783 and $64,856 &amp; “3.High Income” for income above $64,856.</a:t>
+            </a:r>
+          </a:p>
+          <a:p>
+            <a:r>
+              <a:rPr lang="en-US" dirty="0">
+                <a:latin typeface="Times New Roman" panose="02020603050405020304" pitchFamily="18" charset="0"/>
+                <a:cs typeface="Times New Roman" panose="02020603050405020304" pitchFamily="18" charset="0"/>
+              </a:rPr>
+              <a:t>Last Purchase – 3 levels;</a:t>
+            </a:r>
+            <a:br>
+              <a:rPr lang="en-US" dirty="0">
+                <a:latin typeface="Times New Roman" panose="02020603050405020304" pitchFamily="18" charset="0"/>
+                <a:cs typeface="Times New Roman" panose="02020603050405020304" pitchFamily="18" charset="0"/>
+              </a:rPr>
+            </a:br>
+            <a:r>
+              <a:rPr lang="en-US" dirty="0">
+                <a:latin typeface="Times New Roman" panose="02020603050405020304" pitchFamily="18" charset="0"/>
+                <a:cs typeface="Times New Roman" panose="02020603050405020304" pitchFamily="18" charset="0"/>
+              </a:rPr>
+              <a:t>it is categorized as “&lt;1 month” if the last purchase was made within a month, “1-2months” when within 1-2 months and “&gt;2 months” when more than 2 months have passed since the last purchase.</a:t>
+            </a:r>
+          </a:p>
+          <a:p>
+            <a:r>
+              <a:rPr lang="en-US" dirty="0">
+                <a:latin typeface="Times New Roman" panose="02020603050405020304" pitchFamily="18" charset="0"/>
+                <a:cs typeface="Times New Roman" panose="02020603050405020304" pitchFamily="18" charset="0"/>
+              </a:rPr>
+              <a:t>Website Visits – 4 levels;</a:t>
+            </a:r>
+            <a:br>
+              <a:rPr lang="en-US" dirty="0">
+                <a:latin typeface="Times New Roman" panose="02020603050405020304" pitchFamily="18" charset="0"/>
+                <a:cs typeface="Times New Roman" panose="02020603050405020304" pitchFamily="18" charset="0"/>
+              </a:rPr>
+            </a:br>
+            <a:r>
+              <a:rPr lang="en-US" dirty="0">
+                <a:latin typeface="Times New Roman" panose="02020603050405020304" pitchFamily="18" charset="0"/>
+                <a:cs typeface="Times New Roman" panose="02020603050405020304" pitchFamily="18" charset="0"/>
+              </a:rPr>
+              <a:t>“&lt;5times” is when the customer visits the website for less than 5 times a week, “5-10times”, “11-15times” and “16times and more” are counting the number of visits to the website as respectively mentioned in the levels.</a:t>
+            </a:r>
+          </a:p>
+          <a:p>
+            <a:r>
+              <a:rPr lang="en-US" dirty="0">
+                <a:latin typeface="Times New Roman" panose="02020603050405020304" pitchFamily="18" charset="0"/>
+                <a:cs typeface="Times New Roman" panose="02020603050405020304" pitchFamily="18" charset="0"/>
+              </a:rPr>
+              <a:t>Customer Complain – 2 levels;</a:t>
+            </a:r>
+            <a:br>
+              <a:rPr lang="en-US" dirty="0">
+                <a:latin typeface="Times New Roman" panose="02020603050405020304" pitchFamily="18" charset="0"/>
+                <a:cs typeface="Times New Roman" panose="02020603050405020304" pitchFamily="18" charset="0"/>
+              </a:rPr>
+            </a:br>
+            <a:r>
+              <a:rPr lang="en-US" dirty="0">
+                <a:latin typeface="Times New Roman" panose="02020603050405020304" pitchFamily="18" charset="0"/>
+                <a:cs typeface="Times New Roman" panose="02020603050405020304" pitchFamily="18" charset="0"/>
+              </a:rPr>
+              <a:t>“Yes” if the customer has raised any complains in the last 2 years or “No” otherwise.</a:t>
+            </a:r>
+          </a:p>
+          <a:p>
+            <a:r>
+              <a:rPr lang="en-US" dirty="0">
+                <a:latin typeface="Times New Roman" panose="02020603050405020304" pitchFamily="18" charset="0"/>
+                <a:cs typeface="Times New Roman" panose="02020603050405020304" pitchFamily="18" charset="0"/>
+              </a:rPr>
+              <a:t>Customer Loyalty – 3 levels;</a:t>
+            </a:r>
+            <a:br>
+              <a:rPr lang="en-US" dirty="0">
+                <a:latin typeface="Times New Roman" panose="02020603050405020304" pitchFamily="18" charset="0"/>
+                <a:cs typeface="Times New Roman" panose="02020603050405020304" pitchFamily="18" charset="0"/>
+              </a:rPr>
+            </a:br>
+            <a:r>
+              <a:rPr lang="en-US" dirty="0">
+                <a:latin typeface="Times New Roman" panose="02020603050405020304" pitchFamily="18" charset="0"/>
+                <a:cs typeface="Times New Roman" panose="02020603050405020304" pitchFamily="18" charset="0"/>
+              </a:rPr>
+              <a:t>“4-6 years” when the customer has been using the companies service for the past 4 to 6 years, “6-7 years” and “7-8 years” are counting the number of years with the company respectively.</a:t>
             </a:r>
           </a:p>
         </p:txBody>
@@ -9489,7 +9684,7 @@
     </p:spTree>
     <p:extLst>
       <p:ext uri="{BB962C8B-B14F-4D97-AF65-F5344CB8AC3E}">
-        <p14:creationId xmlns:p14="http://schemas.microsoft.com/office/powerpoint/2010/main" val="2075399960"/>
+        <p14:creationId xmlns:p14="http://schemas.microsoft.com/office/powerpoint/2010/main" val="3578462504"/>
       </p:ext>
     </p:extLst>
   </p:cSld>
@@ -9516,499 +9711,54 @@
           <a:chExt cx="0" cy="0"/>
         </a:xfrm>
       </p:grpSpPr>
-      <p:pic>
-        <p:nvPicPr>
-          <p:cNvPr id="86" name="Content Placeholder 85">
+      <p:sp>
+        <p:nvSpPr>
+          <p:cNvPr id="2" name="Title 1">
             <a:extLst>
               <a:ext uri="{FF2B5EF4-FFF2-40B4-BE49-F238E27FC236}">
-                <a16:creationId xmlns:a16="http://schemas.microsoft.com/office/drawing/2014/main" id="{3ADD69E0-AD6B-73A8-9042-F8C043641A8B}"/>
+                <a16:creationId xmlns:a16="http://schemas.microsoft.com/office/drawing/2014/main" id="{B02498A4-6F1B-7105-4966-8A08A14A911C}"/>
               </a:ext>
             </a:extLst>
           </p:cNvPr>
-          <p:cNvPicPr>
-            <a:picLocks noGrp="1" noChangeAspect="1"/>
-          </p:cNvPicPr>
-          <p:nvPr>
-            <p:ph idx="1"/>
-          </p:nvPr>
-        </p:nvPicPr>
-        <p:blipFill>
-          <a:blip r:embed="rId3">
-            <a:extLst>
-              <a:ext uri="{28A0092B-C50C-407E-A947-70E740481C1C}">
-                <a14:useLocalDpi xmlns:a14="http://schemas.microsoft.com/office/drawing/2010/main" val="0"/>
-              </a:ext>
-            </a:extLst>
-          </a:blip>
-          <a:srcRect/>
-          <a:stretch/>
-        </p:blipFill>
+          <p:cNvSpPr>
+            <a:spLocks noGrp="1"/>
+          </p:cNvSpPr>
+          <p:nvPr>
+            <p:ph type="title"/>
+          </p:nvPr>
+        </p:nvSpPr>
         <p:spPr>
           <a:xfrm>
-            <a:off x="1250388" y="487193"/>
-            <a:ext cx="9691571" cy="4572000"/>
+            <a:off x="3665893" y="2766218"/>
+            <a:ext cx="4860214" cy="1325563"/>
           </a:xfrm>
-          <a:prstGeom prst="rect">
-            <a:avLst/>
-          </a:prstGeom>
         </p:spPr>
-      </p:pic>
-      <p:sp>
-        <p:nvSpPr>
-          <p:cNvPr id="89" name="Text Placeholder 5">
-            <a:extLst>
-              <a:ext uri="{FF2B5EF4-FFF2-40B4-BE49-F238E27FC236}">
-                <a16:creationId xmlns:a16="http://schemas.microsoft.com/office/drawing/2014/main" id="{A5EF68E2-0F5E-D60A-8A94-908901B0A627}"/>
-              </a:ext>
-            </a:extLst>
-          </p:cNvPr>
-          <p:cNvSpPr txBox="1">
-            <a:spLocks/>
-          </p:cNvSpPr>
-          <p:nvPr/>
-        </p:nvSpPr>
-        <p:spPr>
-          <a:xfrm>
-            <a:off x="1507518" y="519331"/>
-            <a:ext cx="9227157" cy="293857"/>
-          </a:xfrm>
-          <a:prstGeom prst="rect">
-            <a:avLst/>
-          </a:prstGeom>
-          <a:solidFill>
-            <a:srgbClr val="B5C5E6"/>
-          </a:solidFill>
-          <a:ln>
-            <a:solidFill>
-              <a:srgbClr val="B5C5E6"/>
-            </a:solidFill>
-          </a:ln>
-        </p:spPr>
-        <p:txBody>
-          <a:bodyPr vert="horz" lIns="91440" tIns="45720" rIns="91440" bIns="45720" rtlCol="0">
-            <a:normAutofit fontScale="92500" lnSpcReduction="20000"/>
+        <p:txBody>
+          <a:bodyPr>
+            <a:normAutofit fontScale="90000"/>
           </a:bodyPr>
-          <a:lstStyle>
-            <a:lvl1pPr marL="0" indent="0" algn="l" defTabSz="914400" rtl="0" eaLnBrk="1" latinLnBrk="0" hangingPunct="1">
-              <a:lnSpc>
-                <a:spcPct val="90000"/>
-              </a:lnSpc>
-              <a:spcBef>
-                <a:spcPts val="1000"/>
-              </a:spcBef>
-              <a:buFont typeface="Arial" panose="020B0604020202020204" pitchFamily="34" charset="0"/>
-              <a:buNone/>
-              <a:defRPr sz="1600" kern="1200">
-                <a:solidFill>
-                  <a:schemeClr val="tx1"/>
-                </a:solidFill>
-                <a:latin typeface="+mn-lt"/>
-                <a:ea typeface="+mn-ea"/>
-                <a:cs typeface="+mn-cs"/>
-              </a:defRPr>
-            </a:lvl1pPr>
-            <a:lvl2pPr marL="457200" indent="0" algn="l" defTabSz="914400" rtl="0" eaLnBrk="1" latinLnBrk="0" hangingPunct="1">
-              <a:lnSpc>
-                <a:spcPct val="90000"/>
-              </a:lnSpc>
-              <a:spcBef>
-                <a:spcPts val="500"/>
-              </a:spcBef>
-              <a:buFont typeface="Arial" panose="020B0604020202020204" pitchFamily="34" charset="0"/>
-              <a:buNone/>
-              <a:defRPr sz="1400" kern="1200">
-                <a:solidFill>
-                  <a:schemeClr val="tx1"/>
-                </a:solidFill>
-                <a:latin typeface="+mn-lt"/>
-                <a:ea typeface="+mn-ea"/>
-                <a:cs typeface="+mn-cs"/>
-              </a:defRPr>
-            </a:lvl2pPr>
-            <a:lvl3pPr marL="914400" indent="0" algn="l" defTabSz="914400" rtl="0" eaLnBrk="1" latinLnBrk="0" hangingPunct="1">
-              <a:lnSpc>
-                <a:spcPct val="90000"/>
-              </a:lnSpc>
-              <a:spcBef>
-                <a:spcPts val="500"/>
-              </a:spcBef>
-              <a:buFont typeface="Arial" panose="020B0604020202020204" pitchFamily="34" charset="0"/>
-              <a:buNone/>
-              <a:defRPr sz="1200" kern="1200">
-                <a:solidFill>
-                  <a:schemeClr val="tx1"/>
-                </a:solidFill>
-                <a:latin typeface="+mn-lt"/>
-                <a:ea typeface="+mn-ea"/>
-                <a:cs typeface="+mn-cs"/>
-              </a:defRPr>
-            </a:lvl3pPr>
-            <a:lvl4pPr marL="1371600" indent="0" algn="l" defTabSz="914400" rtl="0" eaLnBrk="1" latinLnBrk="0" hangingPunct="1">
-              <a:lnSpc>
-                <a:spcPct val="90000"/>
-              </a:lnSpc>
-              <a:spcBef>
-                <a:spcPts val="500"/>
-              </a:spcBef>
-              <a:buFont typeface="Arial" panose="020B0604020202020204" pitchFamily="34" charset="0"/>
-              <a:buNone/>
-              <a:defRPr sz="1000" kern="1200">
-                <a:solidFill>
-                  <a:schemeClr val="tx1"/>
-                </a:solidFill>
-                <a:latin typeface="+mn-lt"/>
-                <a:ea typeface="+mn-ea"/>
-                <a:cs typeface="+mn-cs"/>
-              </a:defRPr>
-            </a:lvl4pPr>
-            <a:lvl5pPr marL="1828800" indent="0" algn="l" defTabSz="914400" rtl="0" eaLnBrk="1" latinLnBrk="0" hangingPunct="1">
-              <a:lnSpc>
-                <a:spcPct val="90000"/>
-              </a:lnSpc>
-              <a:spcBef>
-                <a:spcPts val="500"/>
-              </a:spcBef>
-              <a:buFont typeface="Arial" panose="020B0604020202020204" pitchFamily="34" charset="0"/>
-              <a:buNone/>
-              <a:defRPr sz="1000" kern="1200">
-                <a:solidFill>
-                  <a:schemeClr val="tx1"/>
-                </a:solidFill>
-                <a:latin typeface="+mn-lt"/>
-                <a:ea typeface="+mn-ea"/>
-                <a:cs typeface="+mn-cs"/>
-              </a:defRPr>
-            </a:lvl5pPr>
-            <a:lvl6pPr marL="2286000" indent="0" algn="l" defTabSz="914400" rtl="0" eaLnBrk="1" latinLnBrk="0" hangingPunct="1">
-              <a:lnSpc>
-                <a:spcPct val="90000"/>
-              </a:lnSpc>
-              <a:spcBef>
-                <a:spcPts val="500"/>
-              </a:spcBef>
-              <a:buFont typeface="Arial" panose="020B0604020202020204" pitchFamily="34" charset="0"/>
-              <a:buNone/>
-              <a:defRPr sz="1000" kern="1200">
-                <a:solidFill>
-                  <a:schemeClr val="tx1"/>
-                </a:solidFill>
-                <a:latin typeface="+mn-lt"/>
-                <a:ea typeface="+mn-ea"/>
-                <a:cs typeface="+mn-cs"/>
-              </a:defRPr>
-            </a:lvl6pPr>
-            <a:lvl7pPr marL="2743200" indent="0" algn="l" defTabSz="914400" rtl="0" eaLnBrk="1" latinLnBrk="0" hangingPunct="1">
-              <a:lnSpc>
-                <a:spcPct val="90000"/>
-              </a:lnSpc>
-              <a:spcBef>
-                <a:spcPts val="500"/>
-              </a:spcBef>
-              <a:buFont typeface="Arial" panose="020B0604020202020204" pitchFamily="34" charset="0"/>
-              <a:buNone/>
-              <a:defRPr sz="1000" kern="1200">
-                <a:solidFill>
-                  <a:schemeClr val="tx1"/>
-                </a:solidFill>
-                <a:latin typeface="+mn-lt"/>
-                <a:ea typeface="+mn-ea"/>
-                <a:cs typeface="+mn-cs"/>
-              </a:defRPr>
-            </a:lvl7pPr>
-            <a:lvl8pPr marL="3200400" indent="0" algn="l" defTabSz="914400" rtl="0" eaLnBrk="1" latinLnBrk="0" hangingPunct="1">
-              <a:lnSpc>
-                <a:spcPct val="90000"/>
-              </a:lnSpc>
-              <a:spcBef>
-                <a:spcPts val="500"/>
-              </a:spcBef>
-              <a:buFont typeface="Arial" panose="020B0604020202020204" pitchFamily="34" charset="0"/>
-              <a:buNone/>
-              <a:defRPr sz="1000" kern="1200">
-                <a:solidFill>
-                  <a:schemeClr val="tx1"/>
-                </a:solidFill>
-                <a:latin typeface="+mn-lt"/>
-                <a:ea typeface="+mn-ea"/>
-                <a:cs typeface="+mn-cs"/>
-              </a:defRPr>
-            </a:lvl8pPr>
-            <a:lvl9pPr marL="3657600" indent="0" algn="l" defTabSz="914400" rtl="0" eaLnBrk="1" latinLnBrk="0" hangingPunct="1">
-              <a:lnSpc>
-                <a:spcPct val="90000"/>
-              </a:lnSpc>
-              <a:spcBef>
-                <a:spcPts val="500"/>
-              </a:spcBef>
-              <a:buFont typeface="Arial" panose="020B0604020202020204" pitchFamily="34" charset="0"/>
-              <a:buNone/>
-              <a:defRPr sz="1000" kern="1200">
-                <a:solidFill>
-                  <a:schemeClr val="tx1"/>
-                </a:solidFill>
-                <a:latin typeface="+mn-lt"/>
-                <a:ea typeface="+mn-ea"/>
-                <a:cs typeface="+mn-cs"/>
-              </a:defRPr>
-            </a:lvl9pPr>
-          </a:lstStyle>
+          <a:lstStyle/>
           <a:p>
             <a:pPr algn="ctr"/>
             <a:r>
-              <a:rPr lang="en-US" sz="1800" b="1" dirty="0">
-                <a:latin typeface="Times New Roman" panose="02020603050405020304" pitchFamily="18" charset="0"/>
-                <a:cs typeface="Times New Roman" panose="02020603050405020304" pitchFamily="18" charset="0"/>
-              </a:rPr>
-              <a:t>MARKETING “CAMPAIGN : 6” ANALYSIS</a:t>
-            </a:r>
-          </a:p>
-        </p:txBody>
-      </p:sp>
-      <p:sp>
-        <p:nvSpPr>
-          <p:cNvPr id="2" name="Text Placeholder 5">
-            <a:extLst>
-              <a:ext uri="{FF2B5EF4-FFF2-40B4-BE49-F238E27FC236}">
-                <a16:creationId xmlns:a16="http://schemas.microsoft.com/office/drawing/2014/main" id="{39AF4D5A-9044-8995-CFB5-53AFBD0FF8C1}"/>
-              </a:ext>
-            </a:extLst>
-          </p:cNvPr>
-          <p:cNvSpPr txBox="1">
-            <a:spLocks/>
-          </p:cNvSpPr>
-          <p:nvPr/>
-        </p:nvSpPr>
-        <p:spPr>
-          <a:xfrm>
-            <a:off x="352185" y="5290914"/>
-            <a:ext cx="11487630" cy="827423"/>
-          </a:xfrm>
-          <a:prstGeom prst="rect">
-            <a:avLst/>
-          </a:prstGeom>
-          <a:solidFill>
-            <a:srgbClr val="B5C5E6"/>
-          </a:solidFill>
-          <a:ln>
-            <a:solidFill>
-              <a:srgbClr val="B5C5E6"/>
-            </a:solidFill>
-          </a:ln>
-        </p:spPr>
-        <p:txBody>
-          <a:bodyPr vert="horz" lIns="91440" tIns="45720" rIns="91440" bIns="45720" rtlCol="0">
-            <a:normAutofit/>
-          </a:bodyPr>
-          <a:lstStyle>
-            <a:lvl1pPr marL="0" indent="0" algn="l" defTabSz="914400" rtl="0" eaLnBrk="1" latinLnBrk="0" hangingPunct="1">
-              <a:lnSpc>
-                <a:spcPct val="90000"/>
-              </a:lnSpc>
-              <a:spcBef>
-                <a:spcPts val="1000"/>
-              </a:spcBef>
-              <a:buFont typeface="Arial" panose="020B0604020202020204" pitchFamily="34" charset="0"/>
-              <a:buNone/>
-              <a:defRPr sz="1600" kern="1200">
-                <a:solidFill>
-                  <a:schemeClr val="tx1"/>
-                </a:solidFill>
-                <a:latin typeface="+mn-lt"/>
-                <a:ea typeface="+mn-ea"/>
-                <a:cs typeface="+mn-cs"/>
-              </a:defRPr>
-            </a:lvl1pPr>
-            <a:lvl2pPr marL="457200" indent="0" algn="l" defTabSz="914400" rtl="0" eaLnBrk="1" latinLnBrk="0" hangingPunct="1">
-              <a:lnSpc>
-                <a:spcPct val="90000"/>
-              </a:lnSpc>
-              <a:spcBef>
-                <a:spcPts val="500"/>
-              </a:spcBef>
-              <a:buFont typeface="Arial" panose="020B0604020202020204" pitchFamily="34" charset="0"/>
-              <a:buNone/>
-              <a:defRPr sz="1400" kern="1200">
-                <a:solidFill>
-                  <a:schemeClr val="tx1"/>
-                </a:solidFill>
-                <a:latin typeface="+mn-lt"/>
-                <a:ea typeface="+mn-ea"/>
-                <a:cs typeface="+mn-cs"/>
-              </a:defRPr>
-            </a:lvl2pPr>
-            <a:lvl3pPr marL="914400" indent="0" algn="l" defTabSz="914400" rtl="0" eaLnBrk="1" latinLnBrk="0" hangingPunct="1">
-              <a:lnSpc>
-                <a:spcPct val="90000"/>
-              </a:lnSpc>
-              <a:spcBef>
-                <a:spcPts val="500"/>
-              </a:spcBef>
-              <a:buFont typeface="Arial" panose="020B0604020202020204" pitchFamily="34" charset="0"/>
-              <a:buNone/>
-              <a:defRPr sz="1200" kern="1200">
-                <a:solidFill>
-                  <a:schemeClr val="tx1"/>
-                </a:solidFill>
-                <a:latin typeface="+mn-lt"/>
-                <a:ea typeface="+mn-ea"/>
-                <a:cs typeface="+mn-cs"/>
-              </a:defRPr>
-            </a:lvl3pPr>
-            <a:lvl4pPr marL="1371600" indent="0" algn="l" defTabSz="914400" rtl="0" eaLnBrk="1" latinLnBrk="0" hangingPunct="1">
-              <a:lnSpc>
-                <a:spcPct val="90000"/>
-              </a:lnSpc>
-              <a:spcBef>
-                <a:spcPts val="500"/>
-              </a:spcBef>
-              <a:buFont typeface="Arial" panose="020B0604020202020204" pitchFamily="34" charset="0"/>
-              <a:buNone/>
-              <a:defRPr sz="1000" kern="1200">
-                <a:solidFill>
-                  <a:schemeClr val="tx1"/>
-                </a:solidFill>
-                <a:latin typeface="+mn-lt"/>
-                <a:ea typeface="+mn-ea"/>
-                <a:cs typeface="+mn-cs"/>
-              </a:defRPr>
-            </a:lvl4pPr>
-            <a:lvl5pPr marL="1828800" indent="0" algn="l" defTabSz="914400" rtl="0" eaLnBrk="1" latinLnBrk="0" hangingPunct="1">
-              <a:lnSpc>
-                <a:spcPct val="90000"/>
-              </a:lnSpc>
-              <a:spcBef>
-                <a:spcPts val="500"/>
-              </a:spcBef>
-              <a:buFont typeface="Arial" panose="020B0604020202020204" pitchFamily="34" charset="0"/>
-              <a:buNone/>
-              <a:defRPr sz="1000" kern="1200">
-                <a:solidFill>
-                  <a:schemeClr val="tx1"/>
-                </a:solidFill>
-                <a:latin typeface="+mn-lt"/>
-                <a:ea typeface="+mn-ea"/>
-                <a:cs typeface="+mn-cs"/>
-              </a:defRPr>
-            </a:lvl5pPr>
-            <a:lvl6pPr marL="2286000" indent="0" algn="l" defTabSz="914400" rtl="0" eaLnBrk="1" latinLnBrk="0" hangingPunct="1">
-              <a:lnSpc>
-                <a:spcPct val="90000"/>
-              </a:lnSpc>
-              <a:spcBef>
-                <a:spcPts val="500"/>
-              </a:spcBef>
-              <a:buFont typeface="Arial" panose="020B0604020202020204" pitchFamily="34" charset="0"/>
-              <a:buNone/>
-              <a:defRPr sz="1000" kern="1200">
-                <a:solidFill>
-                  <a:schemeClr val="tx1"/>
-                </a:solidFill>
-                <a:latin typeface="+mn-lt"/>
-                <a:ea typeface="+mn-ea"/>
-                <a:cs typeface="+mn-cs"/>
-              </a:defRPr>
-            </a:lvl6pPr>
-            <a:lvl7pPr marL="2743200" indent="0" algn="l" defTabSz="914400" rtl="0" eaLnBrk="1" latinLnBrk="0" hangingPunct="1">
-              <a:lnSpc>
-                <a:spcPct val="90000"/>
-              </a:lnSpc>
-              <a:spcBef>
-                <a:spcPts val="500"/>
-              </a:spcBef>
-              <a:buFont typeface="Arial" panose="020B0604020202020204" pitchFamily="34" charset="0"/>
-              <a:buNone/>
-              <a:defRPr sz="1000" kern="1200">
-                <a:solidFill>
-                  <a:schemeClr val="tx1"/>
-                </a:solidFill>
-                <a:latin typeface="+mn-lt"/>
-                <a:ea typeface="+mn-ea"/>
-                <a:cs typeface="+mn-cs"/>
-              </a:defRPr>
-            </a:lvl7pPr>
-            <a:lvl8pPr marL="3200400" indent="0" algn="l" defTabSz="914400" rtl="0" eaLnBrk="1" latinLnBrk="0" hangingPunct="1">
-              <a:lnSpc>
-                <a:spcPct val="90000"/>
-              </a:lnSpc>
-              <a:spcBef>
-                <a:spcPts val="500"/>
-              </a:spcBef>
-              <a:buFont typeface="Arial" panose="020B0604020202020204" pitchFamily="34" charset="0"/>
-              <a:buNone/>
-              <a:defRPr sz="1000" kern="1200">
-                <a:solidFill>
-                  <a:schemeClr val="tx1"/>
-                </a:solidFill>
-                <a:latin typeface="+mn-lt"/>
-                <a:ea typeface="+mn-ea"/>
-                <a:cs typeface="+mn-cs"/>
-              </a:defRPr>
-            </a:lvl8pPr>
-            <a:lvl9pPr marL="3657600" indent="0" algn="l" defTabSz="914400" rtl="0" eaLnBrk="1" latinLnBrk="0" hangingPunct="1">
-              <a:lnSpc>
-                <a:spcPct val="90000"/>
-              </a:lnSpc>
-              <a:spcBef>
-                <a:spcPts val="500"/>
-              </a:spcBef>
-              <a:buFont typeface="Arial" panose="020B0604020202020204" pitchFamily="34" charset="0"/>
-              <a:buNone/>
-              <a:defRPr sz="1000" kern="1200">
-                <a:solidFill>
-                  <a:schemeClr val="tx1"/>
-                </a:solidFill>
-                <a:latin typeface="+mn-lt"/>
-                <a:ea typeface="+mn-ea"/>
-                <a:cs typeface="+mn-cs"/>
-              </a:defRPr>
-            </a:lvl9pPr>
-          </a:lstStyle>
-          <a:p>
-            <a:pPr marL="285750" indent="-285750">
-              <a:spcBef>
-                <a:spcPts val="600"/>
-              </a:spcBef>
-              <a:buFont typeface="Arial" panose="020B0604020202020204" pitchFamily="34" charset="0"/>
-              <a:buChar char="•"/>
-            </a:pPr>
-            <a:r>
-              <a:rPr lang="en-US" sz="1200" dirty="0">
-                <a:latin typeface="Times New Roman" panose="02020603050405020304" pitchFamily="18" charset="0"/>
-                <a:cs typeface="Times New Roman" panose="02020603050405020304" pitchFamily="18" charset="0"/>
-              </a:rPr>
-              <a:t>The “Campaign:6” sales transaction value is $304.7k with an average sale per customer about $980 (a 61% increase from the overall average of $608).</a:t>
-            </a:r>
-          </a:p>
-          <a:p>
-            <a:pPr marL="285750" indent="-285750">
-              <a:spcBef>
-                <a:spcPts val="600"/>
-              </a:spcBef>
-              <a:buFont typeface="Arial" panose="020B0604020202020204" pitchFamily="34" charset="0"/>
-              <a:buChar char="•"/>
-            </a:pPr>
-            <a:r>
-              <a:rPr lang="en-US" sz="1200" dirty="0">
-                <a:latin typeface="Times New Roman" panose="02020603050405020304" pitchFamily="18" charset="0"/>
-                <a:cs typeface="Times New Roman" panose="02020603050405020304" pitchFamily="18" charset="0"/>
-              </a:rPr>
-              <a:t>311 customers responded to the campaign i.e. a 15.4% conversion rate.</a:t>
-            </a:r>
-          </a:p>
-          <a:p>
-            <a:pPr marL="285750" indent="-285750">
-              <a:spcBef>
-                <a:spcPts val="600"/>
-              </a:spcBef>
-              <a:buFont typeface="Arial" panose="020B0604020202020204" pitchFamily="34" charset="0"/>
-              <a:buChar char="•"/>
-            </a:pPr>
-            <a:r>
-              <a:rPr lang="en-US" sz="1200" dirty="0">
-                <a:latin typeface="Times New Roman" panose="02020603050405020304" pitchFamily="18" charset="0"/>
-                <a:cs typeface="Times New Roman" panose="02020603050405020304" pitchFamily="18" charset="0"/>
-              </a:rPr>
-              <a:t>The campaign captured 208 customers from the 1366 customers who hasn’t purchased for more than a month.</a:t>
+              <a:rPr lang="en-US" sz="4800" b="1" dirty="0">
+                <a:latin typeface="Times New Roman" panose="02020603050405020304" pitchFamily="18" charset="0"/>
+                <a:cs typeface="Times New Roman" panose="02020603050405020304" pitchFamily="18" charset="0"/>
+              </a:rPr>
+              <a:t>Appendix – III</a:t>
+            </a:r>
+            <a:br>
+              <a:rPr lang="en-US" sz="4800" b="1" dirty="0">
+                <a:latin typeface="Times New Roman" panose="02020603050405020304" pitchFamily="18" charset="0"/>
+                <a:cs typeface="Times New Roman" panose="02020603050405020304" pitchFamily="18" charset="0"/>
+              </a:rPr>
+            </a:br>
+            <a:r>
+              <a:rPr lang="en-US" sz="4800" dirty="0">
+                <a:latin typeface="Times New Roman" panose="02020603050405020304" pitchFamily="18" charset="0"/>
+                <a:cs typeface="Times New Roman" panose="02020603050405020304" pitchFamily="18" charset="0"/>
+              </a:rPr>
+              <a:t>Campaign Analysis</a:t>
             </a:r>
           </a:p>
         </p:txBody>
@@ -10016,7 +9766,7 @@
     </p:spTree>
     <p:extLst>
       <p:ext uri="{BB962C8B-B14F-4D97-AF65-F5344CB8AC3E}">
-        <p14:creationId xmlns:p14="http://schemas.microsoft.com/office/powerpoint/2010/main" val="3835225297"/>
+        <p14:creationId xmlns:p14="http://schemas.microsoft.com/office/powerpoint/2010/main" val="3351764497"/>
       </p:ext>
     </p:extLst>
   </p:cSld>
